--- a/docs/slides/master/BEACLS_Installation_Guide.pptx
+++ b/docs/slides/master/BEACLS_Installation_Guide.pptx
@@ -222,7 +222,7 @@
           <a:p>
             <a:fld id="{7F36865F-2968-4FBD-B838-641F48D6CCC5}" type="datetimeFigureOut">
               <a:rPr kumimoji="1" lang="ja-JP" altLang="en-US" smtClean="0"/>
-              <a:t>2017/3/21</a:t>
+              <a:t>2017/4/4</a:t>
             </a:fld>
             <a:endParaRPr kumimoji="1" lang="ja-JP" altLang="en-US"/>
           </a:p>
@@ -286,70 +286,69 @@
           <a:p>
             <a:pPr lvl="0"/>
             <a:r>
-              <a:rPr kumimoji="1" lang="ja-JP" altLang="en-US" smtClean="0"/>
+              <a:rPr kumimoji="1" lang="ja-JP" altLang="en-US"/>
               <a:t>マスター テキストの書式設定</a:t>
             </a:r>
           </a:p>
           <a:p>
             <a:pPr lvl="1"/>
             <a:r>
-              <a:rPr kumimoji="1" lang="ja-JP" altLang="en-US" smtClean="0"/>
+              <a:rPr kumimoji="1" lang="ja-JP" altLang="en-US"/>
               <a:t>第 </a:t>
             </a:r>
             <a:r>
-              <a:rPr kumimoji="1" lang="en-US" altLang="ja-JP" smtClean="0"/>
+              <a:rPr kumimoji="1" lang="en-US" altLang="ja-JP"/>
               <a:t>2 </a:t>
             </a:r>
             <a:r>
-              <a:rPr kumimoji="1" lang="ja-JP" altLang="en-US" smtClean="0"/>
+              <a:rPr kumimoji="1" lang="ja-JP" altLang="en-US"/>
               <a:t>レベル</a:t>
             </a:r>
           </a:p>
           <a:p>
             <a:pPr lvl="2"/>
             <a:r>
-              <a:rPr kumimoji="1" lang="ja-JP" altLang="en-US" smtClean="0"/>
+              <a:rPr kumimoji="1" lang="ja-JP" altLang="en-US"/>
               <a:t>第 </a:t>
             </a:r>
             <a:r>
-              <a:rPr kumimoji="1" lang="en-US" altLang="ja-JP" smtClean="0"/>
+              <a:rPr kumimoji="1" lang="en-US" altLang="ja-JP"/>
               <a:t>3 </a:t>
             </a:r>
             <a:r>
-              <a:rPr kumimoji="1" lang="ja-JP" altLang="en-US" smtClean="0"/>
+              <a:rPr kumimoji="1" lang="ja-JP" altLang="en-US"/>
               <a:t>レベル</a:t>
             </a:r>
           </a:p>
           <a:p>
             <a:pPr lvl="3"/>
             <a:r>
-              <a:rPr kumimoji="1" lang="ja-JP" altLang="en-US" smtClean="0"/>
+              <a:rPr kumimoji="1" lang="ja-JP" altLang="en-US"/>
               <a:t>第 </a:t>
             </a:r>
             <a:r>
-              <a:rPr kumimoji="1" lang="en-US" altLang="ja-JP" smtClean="0"/>
+              <a:rPr kumimoji="1" lang="en-US" altLang="ja-JP"/>
               <a:t>4 </a:t>
             </a:r>
             <a:r>
-              <a:rPr kumimoji="1" lang="ja-JP" altLang="en-US" smtClean="0"/>
+              <a:rPr kumimoji="1" lang="ja-JP" altLang="en-US"/>
               <a:t>レベル</a:t>
             </a:r>
           </a:p>
           <a:p>
             <a:pPr lvl="4"/>
             <a:r>
-              <a:rPr kumimoji="1" lang="ja-JP" altLang="en-US" smtClean="0"/>
+              <a:rPr kumimoji="1" lang="ja-JP" altLang="en-US"/>
               <a:t>第 </a:t>
             </a:r>
             <a:r>
-              <a:rPr kumimoji="1" lang="en-US" altLang="ja-JP" smtClean="0"/>
+              <a:rPr kumimoji="1" lang="en-US" altLang="ja-JP"/>
               <a:t>5 </a:t>
             </a:r>
             <a:r>
-              <a:rPr kumimoji="1" lang="ja-JP" altLang="en-US" smtClean="0"/>
+              <a:rPr kumimoji="1" lang="ja-JP" altLang="en-US"/>
               <a:t>レベル</a:t>
             </a:r>
-            <a:endParaRPr kumimoji="1" lang="ja-JP" altLang="en-US"/>
           </a:p>
         </p:txBody>
       </p:sp>
@@ -650,7 +649,7 @@
           </a:lstStyle>
           <a:p>
             <a:r>
-              <a:rPr lang="ja-JP" altLang="en-US" smtClean="0"/>
+              <a:rPr lang="ja-JP" altLang="en-US"/>
               <a:t>マスター タイトルの書式設定</a:t>
             </a:r>
             <a:endParaRPr lang="en-US" dirty="0"/>
@@ -724,7 +723,7 @@
           </a:lstStyle>
           <a:p>
             <a:r>
-              <a:rPr lang="ja-JP" altLang="en-US" smtClean="0"/>
+              <a:rPr lang="ja-JP" altLang="en-US"/>
               <a:t>マスター サブタイトルの書式設定</a:t>
             </a:r>
             <a:endParaRPr lang="en-US" dirty="0"/>
@@ -747,8 +746,8 @@
           <a:lstStyle/>
           <a:p>
             <a:r>
-              <a:rPr kumimoji="1" lang="en-US" altLang="ja-JP" smtClean="0"/>
-              <a:t>2017/3/15</a:t>
+              <a:rPr kumimoji="1" lang="en-US" altLang="ja-JP"/>
+              <a:t>2017/4/4</a:t>
             </a:r>
             <a:endParaRPr kumimoji="1" lang="ja-JP" altLang="en-US"/>
           </a:p>
@@ -770,7 +769,7 @@
           <a:lstStyle/>
           <a:p>
             <a:r>
-              <a:rPr kumimoji="1" lang="en-US" altLang="ja-JP" smtClean="0"/>
+              <a:rPr kumimoji="1" lang="en-US" altLang="ja-JP"/>
               <a:t>BEACLS: Berkeley Efficient API in C++ for Level Set methods Installation Guide</a:t>
             </a:r>
             <a:endParaRPr kumimoji="1" lang="ja-JP" altLang="en-US"/>
@@ -846,7 +845,7 @@
           <a:lstStyle/>
           <a:p>
             <a:r>
-              <a:rPr lang="ja-JP" altLang="en-US" smtClean="0"/>
+              <a:rPr lang="ja-JP" altLang="en-US"/>
               <a:t>マスター タイトルの書式設定</a:t>
             </a:r>
             <a:endParaRPr lang="en-US"/>
@@ -870,67 +869,67 @@
           <a:p>
             <a:pPr lvl="0"/>
             <a:r>
-              <a:rPr lang="ja-JP" altLang="en-US" smtClean="0"/>
+              <a:rPr lang="ja-JP" altLang="en-US"/>
               <a:t>マスター テキストの書式設定</a:t>
             </a:r>
           </a:p>
           <a:p>
             <a:pPr lvl="1"/>
             <a:r>
-              <a:rPr lang="ja-JP" altLang="en-US" smtClean="0"/>
+              <a:rPr lang="ja-JP" altLang="en-US"/>
               <a:t>第 </a:t>
             </a:r>
             <a:r>
-              <a:rPr lang="en-US" altLang="ja-JP" smtClean="0"/>
+              <a:rPr lang="en-US" altLang="ja-JP"/>
               <a:t>2 </a:t>
             </a:r>
             <a:r>
-              <a:rPr lang="ja-JP" altLang="en-US" smtClean="0"/>
+              <a:rPr lang="ja-JP" altLang="en-US"/>
               <a:t>レベル</a:t>
             </a:r>
           </a:p>
           <a:p>
             <a:pPr lvl="2"/>
             <a:r>
-              <a:rPr lang="ja-JP" altLang="en-US" smtClean="0"/>
+              <a:rPr lang="ja-JP" altLang="en-US"/>
               <a:t>第 </a:t>
             </a:r>
             <a:r>
-              <a:rPr lang="en-US" altLang="ja-JP" smtClean="0"/>
+              <a:rPr lang="en-US" altLang="ja-JP"/>
               <a:t>3 </a:t>
             </a:r>
             <a:r>
-              <a:rPr lang="ja-JP" altLang="en-US" smtClean="0"/>
+              <a:rPr lang="ja-JP" altLang="en-US"/>
               <a:t>レベル</a:t>
             </a:r>
           </a:p>
           <a:p>
             <a:pPr lvl="3"/>
             <a:r>
-              <a:rPr lang="ja-JP" altLang="en-US" smtClean="0"/>
+              <a:rPr lang="ja-JP" altLang="en-US"/>
               <a:t>第 </a:t>
             </a:r>
             <a:r>
-              <a:rPr lang="en-US" altLang="ja-JP" smtClean="0"/>
+              <a:rPr lang="en-US" altLang="ja-JP"/>
               <a:t>4 </a:t>
             </a:r>
             <a:r>
-              <a:rPr lang="ja-JP" altLang="en-US" smtClean="0"/>
+              <a:rPr lang="ja-JP" altLang="en-US"/>
               <a:t>レベル</a:t>
             </a:r>
           </a:p>
           <a:p>
             <a:pPr lvl="4"/>
             <a:r>
-              <a:rPr lang="ja-JP" altLang="en-US" smtClean="0"/>
+              <a:rPr lang="ja-JP" altLang="en-US"/>
               <a:t>第 </a:t>
             </a:r>
             <a:r>
-              <a:rPr lang="en-US" altLang="ja-JP" smtClean="0"/>
+              <a:rPr lang="en-US" altLang="ja-JP"/>
               <a:t>5 </a:t>
             </a:r>
             <a:r>
-              <a:rPr lang="ja-JP" altLang="en-US" smtClean="0"/>
+              <a:rPr lang="ja-JP" altLang="en-US"/>
               <a:t>レベル</a:t>
             </a:r>
             <a:endParaRPr lang="en-US" dirty="0"/>
@@ -953,8 +952,8 @@
           <a:lstStyle/>
           <a:p>
             <a:r>
-              <a:rPr kumimoji="1" lang="en-US" altLang="ja-JP" smtClean="0"/>
-              <a:t>2017/3/15</a:t>
+              <a:rPr kumimoji="1" lang="en-US" altLang="ja-JP"/>
+              <a:t>2017/4/4</a:t>
             </a:r>
             <a:endParaRPr kumimoji="1" lang="ja-JP" altLang="en-US"/>
           </a:p>
@@ -976,7 +975,7 @@
           <a:lstStyle/>
           <a:p>
             <a:r>
-              <a:rPr kumimoji="1" lang="en-US" altLang="ja-JP" smtClean="0"/>
+              <a:rPr kumimoji="1" lang="en-US" altLang="ja-JP"/>
               <a:t>BEACLS: Berkeley Efficient API in C++ for Level Set methods Installation Guide</a:t>
             </a:r>
             <a:endParaRPr kumimoji="1" lang="ja-JP" altLang="en-US"/>
@@ -1057,7 +1056,7 @@
           <a:lstStyle/>
           <a:p>
             <a:r>
-              <a:rPr lang="ja-JP" altLang="en-US" smtClean="0"/>
+              <a:rPr lang="ja-JP" altLang="en-US"/>
               <a:t>マスター タイトルの書式設定</a:t>
             </a:r>
             <a:endParaRPr lang="en-US"/>
@@ -1086,67 +1085,67 @@
           <a:p>
             <a:pPr lvl="0"/>
             <a:r>
-              <a:rPr lang="ja-JP" altLang="en-US" smtClean="0"/>
+              <a:rPr lang="ja-JP" altLang="en-US"/>
               <a:t>マスター テキストの書式設定</a:t>
             </a:r>
           </a:p>
           <a:p>
             <a:pPr lvl="1"/>
             <a:r>
-              <a:rPr lang="ja-JP" altLang="en-US" smtClean="0"/>
+              <a:rPr lang="ja-JP" altLang="en-US"/>
               <a:t>第 </a:t>
             </a:r>
             <a:r>
-              <a:rPr lang="en-US" altLang="ja-JP" smtClean="0"/>
+              <a:rPr lang="en-US" altLang="ja-JP"/>
               <a:t>2 </a:t>
             </a:r>
             <a:r>
-              <a:rPr lang="ja-JP" altLang="en-US" smtClean="0"/>
+              <a:rPr lang="ja-JP" altLang="en-US"/>
               <a:t>レベル</a:t>
             </a:r>
           </a:p>
           <a:p>
             <a:pPr lvl="2"/>
             <a:r>
-              <a:rPr lang="ja-JP" altLang="en-US" smtClean="0"/>
+              <a:rPr lang="ja-JP" altLang="en-US"/>
               <a:t>第 </a:t>
             </a:r>
             <a:r>
-              <a:rPr lang="en-US" altLang="ja-JP" smtClean="0"/>
+              <a:rPr lang="en-US" altLang="ja-JP"/>
               <a:t>3 </a:t>
             </a:r>
             <a:r>
-              <a:rPr lang="ja-JP" altLang="en-US" smtClean="0"/>
+              <a:rPr lang="ja-JP" altLang="en-US"/>
               <a:t>レベル</a:t>
             </a:r>
           </a:p>
           <a:p>
             <a:pPr lvl="3"/>
             <a:r>
-              <a:rPr lang="ja-JP" altLang="en-US" smtClean="0"/>
+              <a:rPr lang="ja-JP" altLang="en-US"/>
               <a:t>第 </a:t>
             </a:r>
             <a:r>
-              <a:rPr lang="en-US" altLang="ja-JP" smtClean="0"/>
+              <a:rPr lang="en-US" altLang="ja-JP"/>
               <a:t>4 </a:t>
             </a:r>
             <a:r>
-              <a:rPr lang="ja-JP" altLang="en-US" smtClean="0"/>
+              <a:rPr lang="ja-JP" altLang="en-US"/>
               <a:t>レベル</a:t>
             </a:r>
           </a:p>
           <a:p>
             <a:pPr lvl="4"/>
             <a:r>
-              <a:rPr lang="ja-JP" altLang="en-US" smtClean="0"/>
+              <a:rPr lang="ja-JP" altLang="en-US"/>
               <a:t>第 </a:t>
             </a:r>
             <a:r>
-              <a:rPr lang="en-US" altLang="ja-JP" smtClean="0"/>
+              <a:rPr lang="en-US" altLang="ja-JP"/>
               <a:t>5 </a:t>
             </a:r>
             <a:r>
-              <a:rPr lang="ja-JP" altLang="en-US" smtClean="0"/>
+              <a:rPr lang="ja-JP" altLang="en-US"/>
               <a:t>レベル</a:t>
             </a:r>
             <a:endParaRPr lang="en-US"/>
@@ -1169,8 +1168,8 @@
           <a:lstStyle/>
           <a:p>
             <a:r>
-              <a:rPr kumimoji="1" lang="en-US" altLang="ja-JP" smtClean="0"/>
-              <a:t>2017/3/15</a:t>
+              <a:rPr kumimoji="1" lang="en-US" altLang="ja-JP"/>
+              <a:t>2017/4/4</a:t>
             </a:r>
             <a:endParaRPr kumimoji="1" lang="ja-JP" altLang="en-US"/>
           </a:p>
@@ -1192,7 +1191,7 @@
           <a:lstStyle/>
           <a:p>
             <a:r>
-              <a:rPr kumimoji="1" lang="en-US" altLang="ja-JP" smtClean="0"/>
+              <a:rPr kumimoji="1" lang="en-US" altLang="ja-JP"/>
               <a:t>BEACLS: Berkeley Efficient API in C++ for Level Set methods Installation Guide</a:t>
             </a:r>
             <a:endParaRPr kumimoji="1" lang="ja-JP" altLang="en-US"/>
@@ -1279,7 +1278,7 @@
           </a:lstStyle>
           <a:p>
             <a:r>
-              <a:rPr lang="ja-JP" altLang="en-US" smtClean="0"/>
+              <a:rPr lang="ja-JP" altLang="en-US"/>
               <a:t>マスター タイトルの書式設定</a:t>
             </a:r>
             <a:endParaRPr lang="en-US" dirty="0"/>
@@ -1353,7 +1352,7 @@
           </a:lstStyle>
           <a:p>
             <a:r>
-              <a:rPr lang="ja-JP" altLang="en-US" smtClean="0"/>
+              <a:rPr lang="ja-JP" altLang="en-US"/>
               <a:t>マスター サブタイトルの書式設定</a:t>
             </a:r>
             <a:endParaRPr lang="en-US" dirty="0"/>
@@ -1376,8 +1375,8 @@
           <a:lstStyle/>
           <a:p>
             <a:r>
-              <a:rPr kumimoji="1" lang="en-US" altLang="ja-JP" smtClean="0"/>
-              <a:t>2017/3/15</a:t>
+              <a:rPr kumimoji="1" lang="en-US" altLang="ja-JP"/>
+              <a:t>2017/4/4</a:t>
             </a:r>
             <a:endParaRPr kumimoji="1" lang="ja-JP" altLang="en-US"/>
           </a:p>
@@ -1399,7 +1398,7 @@
           <a:lstStyle/>
           <a:p>
             <a:r>
-              <a:rPr kumimoji="1" lang="en-US" altLang="ja-JP" smtClean="0"/>
+              <a:rPr kumimoji="1" lang="en-US" altLang="ja-JP"/>
               <a:t>BEACLS: Berkeley Efficient API in C++ for Level Set methods Installation Guide</a:t>
             </a:r>
             <a:endParaRPr kumimoji="1" lang="ja-JP" altLang="en-US"/>
@@ -1475,7 +1474,7 @@
           <a:lstStyle/>
           <a:p>
             <a:r>
-              <a:rPr lang="ja-JP" altLang="en-US" smtClean="0"/>
+              <a:rPr lang="ja-JP" altLang="en-US"/>
               <a:t>マスター タイトルの書式設定</a:t>
             </a:r>
             <a:endParaRPr lang="en-US" dirty="0"/>
@@ -1499,67 +1498,67 @@
           <a:p>
             <a:pPr lvl="0"/>
             <a:r>
-              <a:rPr lang="ja-JP" altLang="en-US" smtClean="0"/>
+              <a:rPr lang="ja-JP" altLang="en-US"/>
               <a:t>マスター テキストの書式設定</a:t>
             </a:r>
           </a:p>
           <a:p>
             <a:pPr lvl="1"/>
             <a:r>
-              <a:rPr lang="ja-JP" altLang="en-US" smtClean="0"/>
+              <a:rPr lang="ja-JP" altLang="en-US"/>
               <a:t>第 </a:t>
             </a:r>
             <a:r>
-              <a:rPr lang="en-US" altLang="ja-JP" smtClean="0"/>
+              <a:rPr lang="en-US" altLang="ja-JP"/>
               <a:t>2 </a:t>
             </a:r>
             <a:r>
-              <a:rPr lang="ja-JP" altLang="en-US" smtClean="0"/>
+              <a:rPr lang="ja-JP" altLang="en-US"/>
               <a:t>レベル</a:t>
             </a:r>
           </a:p>
           <a:p>
             <a:pPr lvl="2"/>
             <a:r>
-              <a:rPr lang="ja-JP" altLang="en-US" smtClean="0"/>
+              <a:rPr lang="ja-JP" altLang="en-US"/>
               <a:t>第 </a:t>
             </a:r>
             <a:r>
-              <a:rPr lang="en-US" altLang="ja-JP" smtClean="0"/>
+              <a:rPr lang="en-US" altLang="ja-JP"/>
               <a:t>3 </a:t>
             </a:r>
             <a:r>
-              <a:rPr lang="ja-JP" altLang="en-US" smtClean="0"/>
+              <a:rPr lang="ja-JP" altLang="en-US"/>
               <a:t>レベル</a:t>
             </a:r>
           </a:p>
           <a:p>
             <a:pPr lvl="3"/>
             <a:r>
-              <a:rPr lang="ja-JP" altLang="en-US" smtClean="0"/>
+              <a:rPr lang="ja-JP" altLang="en-US"/>
               <a:t>第 </a:t>
             </a:r>
             <a:r>
-              <a:rPr lang="en-US" altLang="ja-JP" smtClean="0"/>
+              <a:rPr lang="en-US" altLang="ja-JP"/>
               <a:t>4 </a:t>
             </a:r>
             <a:r>
-              <a:rPr lang="ja-JP" altLang="en-US" smtClean="0"/>
+              <a:rPr lang="ja-JP" altLang="en-US"/>
               <a:t>レベル</a:t>
             </a:r>
           </a:p>
           <a:p>
             <a:pPr lvl="4"/>
             <a:r>
-              <a:rPr lang="ja-JP" altLang="en-US" smtClean="0"/>
+              <a:rPr lang="ja-JP" altLang="en-US"/>
               <a:t>第 </a:t>
             </a:r>
             <a:r>
-              <a:rPr lang="en-US" altLang="ja-JP" smtClean="0"/>
+              <a:rPr lang="en-US" altLang="ja-JP"/>
               <a:t>5 </a:t>
             </a:r>
             <a:r>
-              <a:rPr lang="ja-JP" altLang="en-US" smtClean="0"/>
+              <a:rPr lang="ja-JP" altLang="en-US"/>
               <a:t>レベル</a:t>
             </a:r>
             <a:endParaRPr lang="en-US" dirty="0"/>
@@ -1582,8 +1581,8 @@
           <a:lstStyle/>
           <a:p>
             <a:r>
-              <a:rPr kumimoji="1" lang="en-US" altLang="ja-JP" smtClean="0"/>
-              <a:t>2017/3/15</a:t>
+              <a:rPr kumimoji="1" lang="en-US" altLang="ja-JP"/>
+              <a:t>2017/4/4</a:t>
             </a:r>
             <a:endParaRPr kumimoji="1" lang="ja-JP" altLang="en-US"/>
           </a:p>
@@ -1605,7 +1604,7 @@
           <a:lstStyle/>
           <a:p>
             <a:r>
-              <a:rPr kumimoji="1" lang="en-US" altLang="ja-JP" smtClean="0"/>
+              <a:rPr kumimoji="1" lang="en-US" altLang="ja-JP"/>
               <a:t>BEACLS: Berkeley Efficient API in C++ for Level Set methods Installation Guide</a:t>
             </a:r>
             <a:endParaRPr kumimoji="1" lang="ja-JP" altLang="en-US"/>
@@ -1692,7 +1691,7 @@
           </a:lstStyle>
           <a:p>
             <a:r>
-              <a:rPr lang="ja-JP" altLang="en-US" smtClean="0"/>
+              <a:rPr lang="ja-JP" altLang="en-US"/>
               <a:t>マスター タイトルの書式設定</a:t>
             </a:r>
             <a:endParaRPr lang="en-US" dirty="0"/>
@@ -1815,7 +1814,7 @@
           <a:p>
             <a:pPr lvl="0"/>
             <a:r>
-              <a:rPr lang="ja-JP" altLang="en-US" smtClean="0"/>
+              <a:rPr lang="ja-JP" altLang="en-US"/>
               <a:t>マスター テキストの書式設定</a:t>
             </a:r>
           </a:p>
@@ -1837,8 +1836,8 @@
           <a:lstStyle/>
           <a:p>
             <a:r>
-              <a:rPr kumimoji="1" lang="en-US" altLang="ja-JP" smtClean="0"/>
-              <a:t>2017/3/15</a:t>
+              <a:rPr kumimoji="1" lang="en-US" altLang="ja-JP"/>
+              <a:t>2017/4/4</a:t>
             </a:r>
             <a:endParaRPr kumimoji="1" lang="ja-JP" altLang="en-US"/>
           </a:p>
@@ -1860,7 +1859,7 @@
           <a:lstStyle/>
           <a:p>
             <a:r>
-              <a:rPr kumimoji="1" lang="en-US" altLang="ja-JP" smtClean="0"/>
+              <a:rPr kumimoji="1" lang="en-US" altLang="ja-JP"/>
               <a:t>BEACLS: Berkeley Efficient API in C++ for Level Set methods Installation Guide</a:t>
             </a:r>
             <a:endParaRPr kumimoji="1" lang="ja-JP" altLang="en-US"/>
@@ -1936,7 +1935,7 @@
           <a:lstStyle/>
           <a:p>
             <a:r>
-              <a:rPr lang="ja-JP" altLang="en-US" smtClean="0"/>
+              <a:rPr lang="ja-JP" altLang="en-US"/>
               <a:t>マスター タイトルの書式設定</a:t>
             </a:r>
             <a:endParaRPr lang="en-US" dirty="0"/>
@@ -1965,67 +1964,67 @@
           <a:p>
             <a:pPr lvl="0"/>
             <a:r>
-              <a:rPr lang="ja-JP" altLang="en-US" smtClean="0"/>
+              <a:rPr lang="ja-JP" altLang="en-US"/>
               <a:t>マスター テキストの書式設定</a:t>
             </a:r>
           </a:p>
           <a:p>
             <a:pPr lvl="1"/>
             <a:r>
-              <a:rPr lang="ja-JP" altLang="en-US" smtClean="0"/>
+              <a:rPr lang="ja-JP" altLang="en-US"/>
               <a:t>第 </a:t>
             </a:r>
             <a:r>
-              <a:rPr lang="en-US" altLang="ja-JP" smtClean="0"/>
+              <a:rPr lang="en-US" altLang="ja-JP"/>
               <a:t>2 </a:t>
             </a:r>
             <a:r>
-              <a:rPr lang="ja-JP" altLang="en-US" smtClean="0"/>
+              <a:rPr lang="ja-JP" altLang="en-US"/>
               <a:t>レベル</a:t>
             </a:r>
           </a:p>
           <a:p>
             <a:pPr lvl="2"/>
             <a:r>
-              <a:rPr lang="ja-JP" altLang="en-US" smtClean="0"/>
+              <a:rPr lang="ja-JP" altLang="en-US"/>
               <a:t>第 </a:t>
             </a:r>
             <a:r>
-              <a:rPr lang="en-US" altLang="ja-JP" smtClean="0"/>
+              <a:rPr lang="en-US" altLang="ja-JP"/>
               <a:t>3 </a:t>
             </a:r>
             <a:r>
-              <a:rPr lang="ja-JP" altLang="en-US" smtClean="0"/>
+              <a:rPr lang="ja-JP" altLang="en-US"/>
               <a:t>レベル</a:t>
             </a:r>
           </a:p>
           <a:p>
             <a:pPr lvl="3"/>
             <a:r>
-              <a:rPr lang="ja-JP" altLang="en-US" smtClean="0"/>
+              <a:rPr lang="ja-JP" altLang="en-US"/>
               <a:t>第 </a:t>
             </a:r>
             <a:r>
-              <a:rPr lang="en-US" altLang="ja-JP" smtClean="0"/>
+              <a:rPr lang="en-US" altLang="ja-JP"/>
               <a:t>4 </a:t>
             </a:r>
             <a:r>
-              <a:rPr lang="ja-JP" altLang="en-US" smtClean="0"/>
+              <a:rPr lang="ja-JP" altLang="en-US"/>
               <a:t>レベル</a:t>
             </a:r>
           </a:p>
           <a:p>
             <a:pPr lvl="4"/>
             <a:r>
-              <a:rPr lang="ja-JP" altLang="en-US" smtClean="0"/>
+              <a:rPr lang="ja-JP" altLang="en-US"/>
               <a:t>第 </a:t>
             </a:r>
             <a:r>
-              <a:rPr lang="en-US" altLang="ja-JP" smtClean="0"/>
+              <a:rPr lang="en-US" altLang="ja-JP"/>
               <a:t>5 </a:t>
             </a:r>
             <a:r>
-              <a:rPr lang="ja-JP" altLang="en-US" smtClean="0"/>
+              <a:rPr lang="ja-JP" altLang="en-US"/>
               <a:t>レベル</a:t>
             </a:r>
             <a:endParaRPr lang="en-US" dirty="0"/>
@@ -2054,67 +2053,67 @@
           <a:p>
             <a:pPr lvl="0"/>
             <a:r>
-              <a:rPr lang="ja-JP" altLang="en-US" smtClean="0"/>
+              <a:rPr lang="ja-JP" altLang="en-US"/>
               <a:t>マスター テキストの書式設定</a:t>
             </a:r>
           </a:p>
           <a:p>
             <a:pPr lvl="1"/>
             <a:r>
-              <a:rPr lang="ja-JP" altLang="en-US" smtClean="0"/>
+              <a:rPr lang="ja-JP" altLang="en-US"/>
               <a:t>第 </a:t>
             </a:r>
             <a:r>
-              <a:rPr lang="en-US" altLang="ja-JP" smtClean="0"/>
+              <a:rPr lang="en-US" altLang="ja-JP"/>
               <a:t>2 </a:t>
             </a:r>
             <a:r>
-              <a:rPr lang="ja-JP" altLang="en-US" smtClean="0"/>
+              <a:rPr lang="ja-JP" altLang="en-US"/>
               <a:t>レベル</a:t>
             </a:r>
           </a:p>
           <a:p>
             <a:pPr lvl="2"/>
             <a:r>
-              <a:rPr lang="ja-JP" altLang="en-US" smtClean="0"/>
+              <a:rPr lang="ja-JP" altLang="en-US"/>
               <a:t>第 </a:t>
             </a:r>
             <a:r>
-              <a:rPr lang="en-US" altLang="ja-JP" smtClean="0"/>
+              <a:rPr lang="en-US" altLang="ja-JP"/>
               <a:t>3 </a:t>
             </a:r>
             <a:r>
-              <a:rPr lang="ja-JP" altLang="en-US" smtClean="0"/>
+              <a:rPr lang="ja-JP" altLang="en-US"/>
               <a:t>レベル</a:t>
             </a:r>
           </a:p>
           <a:p>
             <a:pPr lvl="3"/>
             <a:r>
-              <a:rPr lang="ja-JP" altLang="en-US" smtClean="0"/>
+              <a:rPr lang="ja-JP" altLang="en-US"/>
               <a:t>第 </a:t>
             </a:r>
             <a:r>
-              <a:rPr lang="en-US" altLang="ja-JP" smtClean="0"/>
+              <a:rPr lang="en-US" altLang="ja-JP"/>
               <a:t>4 </a:t>
             </a:r>
             <a:r>
-              <a:rPr lang="ja-JP" altLang="en-US" smtClean="0"/>
+              <a:rPr lang="ja-JP" altLang="en-US"/>
               <a:t>レベル</a:t>
             </a:r>
           </a:p>
           <a:p>
             <a:pPr lvl="4"/>
             <a:r>
-              <a:rPr lang="ja-JP" altLang="en-US" smtClean="0"/>
+              <a:rPr lang="ja-JP" altLang="en-US"/>
               <a:t>第 </a:t>
             </a:r>
             <a:r>
-              <a:rPr lang="en-US" altLang="ja-JP" smtClean="0"/>
+              <a:rPr lang="en-US" altLang="ja-JP"/>
               <a:t>5 </a:t>
             </a:r>
             <a:r>
-              <a:rPr lang="ja-JP" altLang="en-US" smtClean="0"/>
+              <a:rPr lang="ja-JP" altLang="en-US"/>
               <a:t>レベル</a:t>
             </a:r>
             <a:endParaRPr lang="en-US" dirty="0"/>
@@ -2137,8 +2136,8 @@
           <a:lstStyle/>
           <a:p>
             <a:r>
-              <a:rPr kumimoji="1" lang="en-US" altLang="ja-JP" smtClean="0"/>
-              <a:t>2017/3/15</a:t>
+              <a:rPr kumimoji="1" lang="en-US" altLang="ja-JP"/>
+              <a:t>2017/4/4</a:t>
             </a:r>
             <a:endParaRPr kumimoji="1" lang="ja-JP" altLang="en-US"/>
           </a:p>
@@ -2160,7 +2159,7 @@
           <a:lstStyle/>
           <a:p>
             <a:r>
-              <a:rPr kumimoji="1" lang="en-US" altLang="ja-JP" smtClean="0"/>
+              <a:rPr kumimoji="1" lang="en-US" altLang="ja-JP"/>
               <a:t>BEACLS: Berkeley Efficient API in C++ for Level Set methods Installation Guide</a:t>
             </a:r>
             <a:endParaRPr kumimoji="1" lang="ja-JP" altLang="en-US"/>
@@ -2284,7 +2283,7 @@
           <a:p>
             <a:pPr lvl="0"/>
             <a:r>
-              <a:rPr lang="ja-JP" altLang="en-US" smtClean="0"/>
+              <a:rPr lang="ja-JP" altLang="en-US"/>
               <a:t>マスター テキストの書式設定</a:t>
             </a:r>
           </a:p>
@@ -2312,67 +2311,67 @@
           <a:p>
             <a:pPr lvl="0"/>
             <a:r>
-              <a:rPr lang="ja-JP" altLang="en-US" smtClean="0"/>
+              <a:rPr lang="ja-JP" altLang="en-US"/>
               <a:t>マスター テキストの書式設定</a:t>
             </a:r>
           </a:p>
           <a:p>
             <a:pPr lvl="1"/>
             <a:r>
-              <a:rPr lang="ja-JP" altLang="en-US" smtClean="0"/>
+              <a:rPr lang="ja-JP" altLang="en-US"/>
               <a:t>第 </a:t>
             </a:r>
             <a:r>
-              <a:rPr lang="en-US" altLang="ja-JP" smtClean="0"/>
+              <a:rPr lang="en-US" altLang="ja-JP"/>
               <a:t>2 </a:t>
             </a:r>
             <a:r>
-              <a:rPr lang="ja-JP" altLang="en-US" smtClean="0"/>
+              <a:rPr lang="ja-JP" altLang="en-US"/>
               <a:t>レベル</a:t>
             </a:r>
           </a:p>
           <a:p>
             <a:pPr lvl="2"/>
             <a:r>
-              <a:rPr lang="ja-JP" altLang="en-US" smtClean="0"/>
+              <a:rPr lang="ja-JP" altLang="en-US"/>
               <a:t>第 </a:t>
             </a:r>
             <a:r>
-              <a:rPr lang="en-US" altLang="ja-JP" smtClean="0"/>
+              <a:rPr lang="en-US" altLang="ja-JP"/>
               <a:t>3 </a:t>
             </a:r>
             <a:r>
-              <a:rPr lang="ja-JP" altLang="en-US" smtClean="0"/>
+              <a:rPr lang="ja-JP" altLang="en-US"/>
               <a:t>レベル</a:t>
             </a:r>
           </a:p>
           <a:p>
             <a:pPr lvl="3"/>
             <a:r>
-              <a:rPr lang="ja-JP" altLang="en-US" smtClean="0"/>
+              <a:rPr lang="ja-JP" altLang="en-US"/>
               <a:t>第 </a:t>
             </a:r>
             <a:r>
-              <a:rPr lang="en-US" altLang="ja-JP" smtClean="0"/>
+              <a:rPr lang="en-US" altLang="ja-JP"/>
               <a:t>4 </a:t>
             </a:r>
             <a:r>
-              <a:rPr lang="ja-JP" altLang="en-US" smtClean="0"/>
+              <a:rPr lang="ja-JP" altLang="en-US"/>
               <a:t>レベル</a:t>
             </a:r>
           </a:p>
           <a:p>
             <a:pPr lvl="4"/>
             <a:r>
-              <a:rPr lang="ja-JP" altLang="en-US" smtClean="0"/>
+              <a:rPr lang="ja-JP" altLang="en-US"/>
               <a:t>第 </a:t>
             </a:r>
             <a:r>
-              <a:rPr lang="en-US" altLang="ja-JP" smtClean="0"/>
+              <a:rPr lang="en-US" altLang="ja-JP"/>
               <a:t>5 </a:t>
             </a:r>
             <a:r>
-              <a:rPr lang="ja-JP" altLang="en-US" smtClean="0"/>
+              <a:rPr lang="ja-JP" altLang="en-US"/>
               <a:t>レベル</a:t>
             </a:r>
             <a:endParaRPr lang="en-US" dirty="0"/>
@@ -2441,7 +2440,7 @@
           <a:p>
             <a:pPr lvl="0"/>
             <a:r>
-              <a:rPr lang="ja-JP" altLang="en-US" smtClean="0"/>
+              <a:rPr lang="ja-JP" altLang="en-US"/>
               <a:t>マスター テキストの書式設定</a:t>
             </a:r>
           </a:p>
@@ -2469,67 +2468,67 @@
           <a:p>
             <a:pPr lvl="0"/>
             <a:r>
-              <a:rPr lang="ja-JP" altLang="en-US" smtClean="0"/>
+              <a:rPr lang="ja-JP" altLang="en-US"/>
               <a:t>マスター テキストの書式設定</a:t>
             </a:r>
           </a:p>
           <a:p>
             <a:pPr lvl="1"/>
             <a:r>
-              <a:rPr lang="ja-JP" altLang="en-US" smtClean="0"/>
+              <a:rPr lang="ja-JP" altLang="en-US"/>
               <a:t>第 </a:t>
             </a:r>
             <a:r>
-              <a:rPr lang="en-US" altLang="ja-JP" smtClean="0"/>
+              <a:rPr lang="en-US" altLang="ja-JP"/>
               <a:t>2 </a:t>
             </a:r>
             <a:r>
-              <a:rPr lang="ja-JP" altLang="en-US" smtClean="0"/>
+              <a:rPr lang="ja-JP" altLang="en-US"/>
               <a:t>レベル</a:t>
             </a:r>
           </a:p>
           <a:p>
             <a:pPr lvl="2"/>
             <a:r>
-              <a:rPr lang="ja-JP" altLang="en-US" smtClean="0"/>
+              <a:rPr lang="ja-JP" altLang="en-US"/>
               <a:t>第 </a:t>
             </a:r>
             <a:r>
-              <a:rPr lang="en-US" altLang="ja-JP" smtClean="0"/>
+              <a:rPr lang="en-US" altLang="ja-JP"/>
               <a:t>3 </a:t>
             </a:r>
             <a:r>
-              <a:rPr lang="ja-JP" altLang="en-US" smtClean="0"/>
+              <a:rPr lang="ja-JP" altLang="en-US"/>
               <a:t>レベル</a:t>
             </a:r>
           </a:p>
           <a:p>
             <a:pPr lvl="3"/>
             <a:r>
-              <a:rPr lang="ja-JP" altLang="en-US" smtClean="0"/>
+              <a:rPr lang="ja-JP" altLang="en-US"/>
               <a:t>第 </a:t>
             </a:r>
             <a:r>
-              <a:rPr lang="en-US" altLang="ja-JP" smtClean="0"/>
+              <a:rPr lang="en-US" altLang="ja-JP"/>
               <a:t>4 </a:t>
             </a:r>
             <a:r>
-              <a:rPr lang="ja-JP" altLang="en-US" smtClean="0"/>
+              <a:rPr lang="ja-JP" altLang="en-US"/>
               <a:t>レベル</a:t>
             </a:r>
           </a:p>
           <a:p>
             <a:pPr lvl="4"/>
             <a:r>
-              <a:rPr lang="ja-JP" altLang="en-US" smtClean="0"/>
+              <a:rPr lang="ja-JP" altLang="en-US"/>
               <a:t>第 </a:t>
             </a:r>
             <a:r>
-              <a:rPr lang="en-US" altLang="ja-JP" smtClean="0"/>
+              <a:rPr lang="en-US" altLang="ja-JP"/>
               <a:t>5 </a:t>
             </a:r>
             <a:r>
-              <a:rPr lang="ja-JP" altLang="en-US" smtClean="0"/>
+              <a:rPr lang="ja-JP" altLang="en-US"/>
               <a:t>レベル</a:t>
             </a:r>
             <a:endParaRPr lang="en-US"/>
@@ -2552,8 +2551,8 @@
           <a:lstStyle/>
           <a:p>
             <a:r>
-              <a:rPr kumimoji="1" lang="en-US" altLang="ja-JP" smtClean="0"/>
-              <a:t>2017/3/15</a:t>
+              <a:rPr kumimoji="1" lang="en-US" altLang="ja-JP"/>
+              <a:t>2017/4/4</a:t>
             </a:r>
             <a:endParaRPr kumimoji="1" lang="ja-JP" altLang="en-US"/>
           </a:p>
@@ -2575,7 +2574,7 @@
           <a:lstStyle/>
           <a:p>
             <a:r>
-              <a:rPr kumimoji="1" lang="en-US" altLang="ja-JP" smtClean="0"/>
+              <a:rPr kumimoji="1" lang="en-US" altLang="ja-JP"/>
               <a:t>BEACLS: Berkeley Efficient API in C++ for Level Set methods Installation Guide</a:t>
             </a:r>
             <a:endParaRPr kumimoji="1" lang="ja-JP" altLang="en-US"/>
@@ -2621,7 +2620,7 @@
           <a:lstStyle/>
           <a:p>
             <a:r>
-              <a:rPr lang="ja-JP" altLang="en-US" smtClean="0"/>
+              <a:rPr lang="ja-JP" altLang="en-US"/>
               <a:t>マスター タイトルの書式設定</a:t>
             </a:r>
             <a:endParaRPr lang="en-US" dirty="0"/>
@@ -2674,8 +2673,8 @@
           <a:lstStyle/>
           <a:p>
             <a:r>
-              <a:rPr kumimoji="1" lang="en-US" altLang="ja-JP" smtClean="0"/>
-              <a:t>2017/3/15</a:t>
+              <a:rPr kumimoji="1" lang="en-US" altLang="ja-JP"/>
+              <a:t>2017/4/4</a:t>
             </a:r>
             <a:endParaRPr kumimoji="1" lang="ja-JP" altLang="en-US"/>
           </a:p>
@@ -2697,7 +2696,7 @@
           <a:lstStyle/>
           <a:p>
             <a:r>
-              <a:rPr kumimoji="1" lang="en-US" altLang="ja-JP" smtClean="0"/>
+              <a:rPr kumimoji="1" lang="en-US" altLang="ja-JP"/>
               <a:t>BEACLS: Berkeley Efficient API in C++ for Level Set methods Installation Guide</a:t>
             </a:r>
             <a:endParaRPr kumimoji="1" lang="ja-JP" altLang="en-US"/>
@@ -2743,7 +2742,7 @@
           <a:lstStyle/>
           <a:p>
             <a:r>
-              <a:rPr lang="ja-JP" altLang="en-US" smtClean="0"/>
+              <a:rPr lang="ja-JP" altLang="en-US"/>
               <a:t>マスター タイトルの書式設定</a:t>
             </a:r>
             <a:endParaRPr lang="en-US"/>
@@ -2796,8 +2795,8 @@
           <a:lstStyle/>
           <a:p>
             <a:r>
-              <a:rPr kumimoji="1" lang="en-US" altLang="ja-JP" smtClean="0"/>
-              <a:t>2017/3/15</a:t>
+              <a:rPr kumimoji="1" lang="en-US" altLang="ja-JP"/>
+              <a:t>2017/4/4</a:t>
             </a:r>
             <a:endParaRPr kumimoji="1" lang="ja-JP" altLang="en-US"/>
           </a:p>
@@ -2819,7 +2818,7 @@
           <a:lstStyle/>
           <a:p>
             <a:r>
-              <a:rPr kumimoji="1" lang="en-US" altLang="ja-JP" smtClean="0"/>
+              <a:rPr kumimoji="1" lang="en-US" altLang="ja-JP"/>
               <a:t>BEACLS: Berkeley Efficient API in C++ for Level Set methods Installation Guide</a:t>
             </a:r>
             <a:endParaRPr kumimoji="1" lang="ja-JP" altLang="en-US"/>
@@ -2906,7 +2905,7 @@
           </a:lstStyle>
           <a:p>
             <a:r>
-              <a:rPr lang="ja-JP" altLang="en-US" smtClean="0"/>
+              <a:rPr lang="ja-JP" altLang="en-US"/>
               <a:t>マスター タイトルの書式設定</a:t>
             </a:r>
             <a:endParaRPr lang="en-US" dirty="0"/>
@@ -2963,67 +2962,67 @@
           <a:p>
             <a:pPr lvl="0"/>
             <a:r>
-              <a:rPr lang="ja-JP" altLang="en-US" smtClean="0"/>
+              <a:rPr lang="ja-JP" altLang="en-US"/>
               <a:t>マスター テキストの書式設定</a:t>
             </a:r>
           </a:p>
           <a:p>
             <a:pPr lvl="1"/>
             <a:r>
-              <a:rPr lang="ja-JP" altLang="en-US" smtClean="0"/>
+              <a:rPr lang="ja-JP" altLang="en-US"/>
               <a:t>第 </a:t>
             </a:r>
             <a:r>
-              <a:rPr lang="en-US" altLang="ja-JP" smtClean="0"/>
+              <a:rPr lang="en-US" altLang="ja-JP"/>
               <a:t>2 </a:t>
             </a:r>
             <a:r>
-              <a:rPr lang="ja-JP" altLang="en-US" smtClean="0"/>
+              <a:rPr lang="ja-JP" altLang="en-US"/>
               <a:t>レベル</a:t>
             </a:r>
           </a:p>
           <a:p>
             <a:pPr lvl="2"/>
             <a:r>
-              <a:rPr lang="ja-JP" altLang="en-US" smtClean="0"/>
+              <a:rPr lang="ja-JP" altLang="en-US"/>
               <a:t>第 </a:t>
             </a:r>
             <a:r>
-              <a:rPr lang="en-US" altLang="ja-JP" smtClean="0"/>
+              <a:rPr lang="en-US" altLang="ja-JP"/>
               <a:t>3 </a:t>
             </a:r>
             <a:r>
-              <a:rPr lang="ja-JP" altLang="en-US" smtClean="0"/>
+              <a:rPr lang="ja-JP" altLang="en-US"/>
               <a:t>レベル</a:t>
             </a:r>
           </a:p>
           <a:p>
             <a:pPr lvl="3"/>
             <a:r>
-              <a:rPr lang="ja-JP" altLang="en-US" smtClean="0"/>
+              <a:rPr lang="ja-JP" altLang="en-US"/>
               <a:t>第 </a:t>
             </a:r>
             <a:r>
-              <a:rPr lang="en-US" altLang="ja-JP" smtClean="0"/>
+              <a:rPr lang="en-US" altLang="ja-JP"/>
               <a:t>4 </a:t>
             </a:r>
             <a:r>
-              <a:rPr lang="ja-JP" altLang="en-US" smtClean="0"/>
+              <a:rPr lang="ja-JP" altLang="en-US"/>
               <a:t>レベル</a:t>
             </a:r>
           </a:p>
           <a:p>
             <a:pPr lvl="4"/>
             <a:r>
-              <a:rPr lang="ja-JP" altLang="en-US" smtClean="0"/>
+              <a:rPr lang="ja-JP" altLang="en-US"/>
               <a:t>第 </a:t>
             </a:r>
             <a:r>
-              <a:rPr lang="en-US" altLang="ja-JP" smtClean="0"/>
+              <a:rPr lang="en-US" altLang="ja-JP"/>
               <a:t>5 </a:t>
             </a:r>
             <a:r>
-              <a:rPr lang="ja-JP" altLang="en-US" smtClean="0"/>
+              <a:rPr lang="ja-JP" altLang="en-US"/>
               <a:t>レベル</a:t>
             </a:r>
             <a:endParaRPr lang="en-US" dirty="0"/>
@@ -3094,7 +3093,7 @@
           <a:p>
             <a:pPr lvl="0"/>
             <a:r>
-              <a:rPr lang="ja-JP" altLang="en-US" smtClean="0"/>
+              <a:rPr lang="ja-JP" altLang="en-US"/>
               <a:t>マスター テキストの書式設定</a:t>
             </a:r>
           </a:p>
@@ -3116,8 +3115,8 @@
           <a:lstStyle/>
           <a:p>
             <a:r>
-              <a:rPr kumimoji="1" lang="en-US" altLang="ja-JP" smtClean="0"/>
-              <a:t>2017/3/15</a:t>
+              <a:rPr kumimoji="1" lang="en-US" altLang="ja-JP"/>
+              <a:t>2017/4/4</a:t>
             </a:r>
             <a:endParaRPr kumimoji="1" lang="ja-JP" altLang="en-US"/>
           </a:p>
@@ -3139,7 +3138,7 @@
           <a:lstStyle/>
           <a:p>
             <a:r>
-              <a:rPr kumimoji="1" lang="en-US" altLang="ja-JP" smtClean="0"/>
+              <a:rPr kumimoji="1" lang="en-US" altLang="ja-JP"/>
               <a:t>BEACLS: Berkeley Efficient API in C++ for Level Set methods Installation Guide</a:t>
             </a:r>
             <a:endParaRPr kumimoji="1" lang="ja-JP" altLang="en-US"/>
@@ -3215,7 +3214,7 @@
           <a:lstStyle/>
           <a:p>
             <a:r>
-              <a:rPr lang="ja-JP" altLang="en-US" smtClean="0"/>
+              <a:rPr lang="ja-JP" altLang="en-US"/>
               <a:t>マスター タイトルの書式設定</a:t>
             </a:r>
             <a:endParaRPr lang="en-US" dirty="0"/>
@@ -3239,67 +3238,67 @@
           <a:p>
             <a:pPr lvl="0"/>
             <a:r>
-              <a:rPr lang="ja-JP" altLang="en-US" smtClean="0"/>
+              <a:rPr lang="ja-JP" altLang="en-US"/>
               <a:t>マスター テキストの書式設定</a:t>
             </a:r>
           </a:p>
           <a:p>
             <a:pPr lvl="1"/>
             <a:r>
-              <a:rPr lang="ja-JP" altLang="en-US" smtClean="0"/>
+              <a:rPr lang="ja-JP" altLang="en-US"/>
               <a:t>第 </a:t>
             </a:r>
             <a:r>
-              <a:rPr lang="en-US" altLang="ja-JP" smtClean="0"/>
+              <a:rPr lang="en-US" altLang="ja-JP"/>
               <a:t>2 </a:t>
             </a:r>
             <a:r>
-              <a:rPr lang="ja-JP" altLang="en-US" smtClean="0"/>
+              <a:rPr lang="ja-JP" altLang="en-US"/>
               <a:t>レベル</a:t>
             </a:r>
           </a:p>
           <a:p>
             <a:pPr lvl="2"/>
             <a:r>
-              <a:rPr lang="ja-JP" altLang="en-US" smtClean="0"/>
+              <a:rPr lang="ja-JP" altLang="en-US"/>
               <a:t>第 </a:t>
             </a:r>
             <a:r>
-              <a:rPr lang="en-US" altLang="ja-JP" smtClean="0"/>
+              <a:rPr lang="en-US" altLang="ja-JP"/>
               <a:t>3 </a:t>
             </a:r>
             <a:r>
-              <a:rPr lang="ja-JP" altLang="en-US" smtClean="0"/>
+              <a:rPr lang="ja-JP" altLang="en-US"/>
               <a:t>レベル</a:t>
             </a:r>
           </a:p>
           <a:p>
             <a:pPr lvl="3"/>
             <a:r>
-              <a:rPr lang="ja-JP" altLang="en-US" smtClean="0"/>
+              <a:rPr lang="ja-JP" altLang="en-US"/>
               <a:t>第 </a:t>
             </a:r>
             <a:r>
-              <a:rPr lang="en-US" altLang="ja-JP" smtClean="0"/>
+              <a:rPr lang="en-US" altLang="ja-JP"/>
               <a:t>4 </a:t>
             </a:r>
             <a:r>
-              <a:rPr lang="ja-JP" altLang="en-US" smtClean="0"/>
+              <a:rPr lang="ja-JP" altLang="en-US"/>
               <a:t>レベル</a:t>
             </a:r>
           </a:p>
           <a:p>
             <a:pPr lvl="4"/>
             <a:r>
-              <a:rPr lang="ja-JP" altLang="en-US" smtClean="0"/>
+              <a:rPr lang="ja-JP" altLang="en-US"/>
               <a:t>第 </a:t>
             </a:r>
             <a:r>
-              <a:rPr lang="en-US" altLang="ja-JP" smtClean="0"/>
+              <a:rPr lang="en-US" altLang="ja-JP"/>
               <a:t>5 </a:t>
             </a:r>
             <a:r>
-              <a:rPr lang="ja-JP" altLang="en-US" smtClean="0"/>
+              <a:rPr lang="ja-JP" altLang="en-US"/>
               <a:t>レベル</a:t>
             </a:r>
             <a:endParaRPr lang="en-US" dirty="0"/>
@@ -3322,8 +3321,8 @@
           <a:lstStyle/>
           <a:p>
             <a:r>
-              <a:rPr kumimoji="1" lang="en-US" altLang="ja-JP" smtClean="0"/>
-              <a:t>2017/3/15</a:t>
+              <a:rPr kumimoji="1" lang="en-US" altLang="ja-JP"/>
+              <a:t>2017/4/4</a:t>
             </a:r>
             <a:endParaRPr kumimoji="1" lang="ja-JP" altLang="en-US"/>
           </a:p>
@@ -3345,7 +3344,7 @@
           <a:lstStyle/>
           <a:p>
             <a:r>
-              <a:rPr kumimoji="1" lang="en-US" altLang="ja-JP" smtClean="0"/>
+              <a:rPr kumimoji="1" lang="en-US" altLang="ja-JP"/>
               <a:t>BEACLS: Berkeley Efficient API in C++ for Level Set methods Installation Guide</a:t>
             </a:r>
             <a:endParaRPr kumimoji="1" lang="ja-JP" altLang="en-US"/>
@@ -3432,7 +3431,7 @@
           </a:lstStyle>
           <a:p>
             <a:r>
-              <a:rPr lang="ja-JP" altLang="en-US" smtClean="0"/>
+              <a:rPr lang="ja-JP" altLang="en-US"/>
               <a:t>マスター タイトルの書式設定</a:t>
             </a:r>
             <a:endParaRPr lang="en-US" dirty="0"/>
@@ -3497,7 +3496,7 @@
           </a:lstStyle>
           <a:p>
             <a:r>
-              <a:rPr lang="ja-JP" altLang="en-US" smtClean="0"/>
+              <a:rPr lang="ja-JP" altLang="en-US"/>
               <a:t>図を追加</a:t>
             </a:r>
             <a:endParaRPr lang="en-US" dirty="0"/>
@@ -3568,7 +3567,7 @@
           <a:p>
             <a:pPr lvl="0"/>
             <a:r>
-              <a:rPr lang="ja-JP" altLang="en-US" smtClean="0"/>
+              <a:rPr lang="ja-JP" altLang="en-US"/>
               <a:t>マスター テキストの書式設定</a:t>
             </a:r>
           </a:p>
@@ -3590,8 +3589,8 @@
           <a:lstStyle/>
           <a:p>
             <a:r>
-              <a:rPr kumimoji="1" lang="en-US" altLang="ja-JP" smtClean="0"/>
-              <a:t>2017/3/15</a:t>
+              <a:rPr kumimoji="1" lang="en-US" altLang="ja-JP"/>
+              <a:t>2017/4/4</a:t>
             </a:r>
             <a:endParaRPr kumimoji="1" lang="ja-JP" altLang="en-US"/>
           </a:p>
@@ -3613,7 +3612,7 @@
           <a:lstStyle/>
           <a:p>
             <a:r>
-              <a:rPr kumimoji="1" lang="en-US" altLang="ja-JP" smtClean="0"/>
+              <a:rPr kumimoji="1" lang="en-US" altLang="ja-JP"/>
               <a:t>BEACLS: Berkeley Efficient API in C++ for Level Set methods Installation Guide</a:t>
             </a:r>
             <a:endParaRPr kumimoji="1" lang="ja-JP" altLang="en-US"/>
@@ -3689,7 +3688,7 @@
           <a:lstStyle/>
           <a:p>
             <a:r>
-              <a:rPr lang="ja-JP" altLang="en-US" smtClean="0"/>
+              <a:rPr lang="ja-JP" altLang="en-US"/>
               <a:t>マスター タイトルの書式設定</a:t>
             </a:r>
             <a:endParaRPr lang="en-US"/>
@@ -3713,67 +3712,67 @@
           <a:p>
             <a:pPr lvl="0"/>
             <a:r>
-              <a:rPr lang="ja-JP" altLang="en-US" smtClean="0"/>
+              <a:rPr lang="ja-JP" altLang="en-US"/>
               <a:t>マスター テキストの書式設定</a:t>
             </a:r>
           </a:p>
           <a:p>
             <a:pPr lvl="1"/>
             <a:r>
-              <a:rPr lang="ja-JP" altLang="en-US" smtClean="0"/>
+              <a:rPr lang="ja-JP" altLang="en-US"/>
               <a:t>第 </a:t>
             </a:r>
             <a:r>
-              <a:rPr lang="en-US" altLang="ja-JP" smtClean="0"/>
+              <a:rPr lang="en-US" altLang="ja-JP"/>
               <a:t>2 </a:t>
             </a:r>
             <a:r>
-              <a:rPr lang="ja-JP" altLang="en-US" smtClean="0"/>
+              <a:rPr lang="ja-JP" altLang="en-US"/>
               <a:t>レベル</a:t>
             </a:r>
           </a:p>
           <a:p>
             <a:pPr lvl="2"/>
             <a:r>
-              <a:rPr lang="ja-JP" altLang="en-US" smtClean="0"/>
+              <a:rPr lang="ja-JP" altLang="en-US"/>
               <a:t>第 </a:t>
             </a:r>
             <a:r>
-              <a:rPr lang="en-US" altLang="ja-JP" smtClean="0"/>
+              <a:rPr lang="en-US" altLang="ja-JP"/>
               <a:t>3 </a:t>
             </a:r>
             <a:r>
-              <a:rPr lang="ja-JP" altLang="en-US" smtClean="0"/>
+              <a:rPr lang="ja-JP" altLang="en-US"/>
               <a:t>レベル</a:t>
             </a:r>
           </a:p>
           <a:p>
             <a:pPr lvl="3"/>
             <a:r>
-              <a:rPr lang="ja-JP" altLang="en-US" smtClean="0"/>
+              <a:rPr lang="ja-JP" altLang="en-US"/>
               <a:t>第 </a:t>
             </a:r>
             <a:r>
-              <a:rPr lang="en-US" altLang="ja-JP" smtClean="0"/>
+              <a:rPr lang="en-US" altLang="ja-JP"/>
               <a:t>4 </a:t>
             </a:r>
             <a:r>
-              <a:rPr lang="ja-JP" altLang="en-US" smtClean="0"/>
+              <a:rPr lang="ja-JP" altLang="en-US"/>
               <a:t>レベル</a:t>
             </a:r>
           </a:p>
           <a:p>
             <a:pPr lvl="4"/>
             <a:r>
-              <a:rPr lang="ja-JP" altLang="en-US" smtClean="0"/>
+              <a:rPr lang="ja-JP" altLang="en-US"/>
               <a:t>第 </a:t>
             </a:r>
             <a:r>
-              <a:rPr lang="en-US" altLang="ja-JP" smtClean="0"/>
+              <a:rPr lang="en-US" altLang="ja-JP"/>
               <a:t>5 </a:t>
             </a:r>
             <a:r>
-              <a:rPr lang="ja-JP" altLang="en-US" smtClean="0"/>
+              <a:rPr lang="ja-JP" altLang="en-US"/>
               <a:t>レベル</a:t>
             </a:r>
             <a:endParaRPr lang="en-US" dirty="0"/>
@@ -3796,8 +3795,8 @@
           <a:lstStyle/>
           <a:p>
             <a:r>
-              <a:rPr kumimoji="1" lang="en-US" altLang="ja-JP" smtClean="0"/>
-              <a:t>2017/3/15</a:t>
+              <a:rPr kumimoji="1" lang="en-US" altLang="ja-JP"/>
+              <a:t>2017/4/4</a:t>
             </a:r>
             <a:endParaRPr kumimoji="1" lang="ja-JP" altLang="en-US"/>
           </a:p>
@@ -3819,7 +3818,7 @@
           <a:lstStyle/>
           <a:p>
             <a:r>
-              <a:rPr kumimoji="1" lang="en-US" altLang="ja-JP" smtClean="0"/>
+              <a:rPr kumimoji="1" lang="en-US" altLang="ja-JP"/>
               <a:t>BEACLS: Berkeley Efficient API in C++ for Level Set methods Installation Guide</a:t>
             </a:r>
             <a:endParaRPr kumimoji="1" lang="ja-JP" altLang="en-US"/>
@@ -3900,7 +3899,7 @@
           <a:lstStyle/>
           <a:p>
             <a:r>
-              <a:rPr lang="ja-JP" altLang="en-US" smtClean="0"/>
+              <a:rPr lang="ja-JP" altLang="en-US"/>
               <a:t>マスター タイトルの書式設定</a:t>
             </a:r>
             <a:endParaRPr lang="en-US"/>
@@ -3929,67 +3928,67 @@
           <a:p>
             <a:pPr lvl="0"/>
             <a:r>
-              <a:rPr lang="ja-JP" altLang="en-US" smtClean="0"/>
+              <a:rPr lang="ja-JP" altLang="en-US"/>
               <a:t>マスター テキストの書式設定</a:t>
             </a:r>
           </a:p>
           <a:p>
             <a:pPr lvl="1"/>
             <a:r>
-              <a:rPr lang="ja-JP" altLang="en-US" smtClean="0"/>
+              <a:rPr lang="ja-JP" altLang="en-US"/>
               <a:t>第 </a:t>
             </a:r>
             <a:r>
-              <a:rPr lang="en-US" altLang="ja-JP" smtClean="0"/>
+              <a:rPr lang="en-US" altLang="ja-JP"/>
               <a:t>2 </a:t>
             </a:r>
             <a:r>
-              <a:rPr lang="ja-JP" altLang="en-US" smtClean="0"/>
+              <a:rPr lang="ja-JP" altLang="en-US"/>
               <a:t>レベル</a:t>
             </a:r>
           </a:p>
           <a:p>
             <a:pPr lvl="2"/>
             <a:r>
-              <a:rPr lang="ja-JP" altLang="en-US" smtClean="0"/>
+              <a:rPr lang="ja-JP" altLang="en-US"/>
               <a:t>第 </a:t>
             </a:r>
             <a:r>
-              <a:rPr lang="en-US" altLang="ja-JP" smtClean="0"/>
+              <a:rPr lang="en-US" altLang="ja-JP"/>
               <a:t>3 </a:t>
             </a:r>
             <a:r>
-              <a:rPr lang="ja-JP" altLang="en-US" smtClean="0"/>
+              <a:rPr lang="ja-JP" altLang="en-US"/>
               <a:t>レベル</a:t>
             </a:r>
           </a:p>
           <a:p>
             <a:pPr lvl="3"/>
             <a:r>
-              <a:rPr lang="ja-JP" altLang="en-US" smtClean="0"/>
+              <a:rPr lang="ja-JP" altLang="en-US"/>
               <a:t>第 </a:t>
             </a:r>
             <a:r>
-              <a:rPr lang="en-US" altLang="ja-JP" smtClean="0"/>
+              <a:rPr lang="en-US" altLang="ja-JP"/>
               <a:t>4 </a:t>
             </a:r>
             <a:r>
-              <a:rPr lang="ja-JP" altLang="en-US" smtClean="0"/>
+              <a:rPr lang="ja-JP" altLang="en-US"/>
               <a:t>レベル</a:t>
             </a:r>
           </a:p>
           <a:p>
             <a:pPr lvl="4"/>
             <a:r>
-              <a:rPr lang="ja-JP" altLang="en-US" smtClean="0"/>
+              <a:rPr lang="ja-JP" altLang="en-US"/>
               <a:t>第 </a:t>
             </a:r>
             <a:r>
-              <a:rPr lang="en-US" altLang="ja-JP" smtClean="0"/>
+              <a:rPr lang="en-US" altLang="ja-JP"/>
               <a:t>5 </a:t>
             </a:r>
             <a:r>
-              <a:rPr lang="ja-JP" altLang="en-US" smtClean="0"/>
+              <a:rPr lang="ja-JP" altLang="en-US"/>
               <a:t>レベル</a:t>
             </a:r>
             <a:endParaRPr lang="en-US"/>
@@ -4012,8 +4011,8 @@
           <a:lstStyle/>
           <a:p>
             <a:r>
-              <a:rPr kumimoji="1" lang="en-US" altLang="ja-JP" smtClean="0"/>
-              <a:t>2017/3/15</a:t>
+              <a:rPr kumimoji="1" lang="en-US" altLang="ja-JP"/>
+              <a:t>2017/4/4</a:t>
             </a:r>
             <a:endParaRPr kumimoji="1" lang="ja-JP" altLang="en-US"/>
           </a:p>
@@ -4035,7 +4034,7 @@
           <a:lstStyle/>
           <a:p>
             <a:r>
-              <a:rPr kumimoji="1" lang="en-US" altLang="ja-JP" smtClean="0"/>
+              <a:rPr kumimoji="1" lang="en-US" altLang="ja-JP"/>
               <a:t>BEACLS: Berkeley Efficient API in C++ for Level Set methods Installation Guide</a:t>
             </a:r>
             <a:endParaRPr kumimoji="1" lang="ja-JP" altLang="en-US"/>
@@ -4122,7 +4121,7 @@
           </a:lstStyle>
           <a:p>
             <a:r>
-              <a:rPr lang="ja-JP" altLang="en-US" smtClean="0"/>
+              <a:rPr lang="ja-JP" altLang="en-US"/>
               <a:t>マスター タイトルの書式設定</a:t>
             </a:r>
             <a:endParaRPr lang="en-US" dirty="0"/>
@@ -4196,7 +4195,7 @@
           </a:lstStyle>
           <a:p>
             <a:r>
-              <a:rPr lang="ja-JP" altLang="en-US" smtClean="0"/>
+              <a:rPr lang="ja-JP" altLang="en-US"/>
               <a:t>マスター サブタイトルの書式設定</a:t>
             </a:r>
             <a:endParaRPr lang="en-US" dirty="0"/>
@@ -4219,8 +4218,8 @@
           <a:lstStyle/>
           <a:p>
             <a:r>
-              <a:rPr kumimoji="1" lang="en-US" altLang="ja-JP" smtClean="0"/>
-              <a:t>2017/3/15</a:t>
+              <a:rPr kumimoji="1" lang="en-US" altLang="ja-JP"/>
+              <a:t>2017/4/4</a:t>
             </a:r>
             <a:endParaRPr kumimoji="1" lang="ja-JP" altLang="en-US"/>
           </a:p>
@@ -4242,7 +4241,7 @@
           <a:lstStyle/>
           <a:p>
             <a:r>
-              <a:rPr kumimoji="1" lang="en-US" altLang="ja-JP" smtClean="0"/>
+              <a:rPr kumimoji="1" lang="en-US" altLang="ja-JP"/>
               <a:t>BEACLS: Berkeley Efficient API in C++ for Level Set methods Installation Guide</a:t>
             </a:r>
             <a:endParaRPr kumimoji="1" lang="ja-JP" altLang="en-US"/>
@@ -4318,7 +4317,7 @@
           <a:lstStyle/>
           <a:p>
             <a:r>
-              <a:rPr lang="ja-JP" altLang="en-US" smtClean="0"/>
+              <a:rPr lang="ja-JP" altLang="en-US"/>
               <a:t>マスター タイトルの書式設定</a:t>
             </a:r>
             <a:endParaRPr lang="en-US" dirty="0"/>
@@ -4342,67 +4341,67 @@
           <a:p>
             <a:pPr lvl="0"/>
             <a:r>
-              <a:rPr lang="ja-JP" altLang="en-US" smtClean="0"/>
+              <a:rPr lang="ja-JP" altLang="en-US"/>
               <a:t>マスター テキストの書式設定</a:t>
             </a:r>
           </a:p>
           <a:p>
             <a:pPr lvl="1"/>
             <a:r>
-              <a:rPr lang="ja-JP" altLang="en-US" smtClean="0"/>
+              <a:rPr lang="ja-JP" altLang="en-US"/>
               <a:t>第 </a:t>
             </a:r>
             <a:r>
-              <a:rPr lang="en-US" altLang="ja-JP" smtClean="0"/>
+              <a:rPr lang="en-US" altLang="ja-JP"/>
               <a:t>2 </a:t>
             </a:r>
             <a:r>
-              <a:rPr lang="ja-JP" altLang="en-US" smtClean="0"/>
+              <a:rPr lang="ja-JP" altLang="en-US"/>
               <a:t>レベル</a:t>
             </a:r>
           </a:p>
           <a:p>
             <a:pPr lvl="2"/>
             <a:r>
-              <a:rPr lang="ja-JP" altLang="en-US" smtClean="0"/>
+              <a:rPr lang="ja-JP" altLang="en-US"/>
               <a:t>第 </a:t>
             </a:r>
             <a:r>
-              <a:rPr lang="en-US" altLang="ja-JP" smtClean="0"/>
+              <a:rPr lang="en-US" altLang="ja-JP"/>
               <a:t>3 </a:t>
             </a:r>
             <a:r>
-              <a:rPr lang="ja-JP" altLang="en-US" smtClean="0"/>
+              <a:rPr lang="ja-JP" altLang="en-US"/>
               <a:t>レベル</a:t>
             </a:r>
           </a:p>
           <a:p>
             <a:pPr lvl="3"/>
             <a:r>
-              <a:rPr lang="ja-JP" altLang="en-US" smtClean="0"/>
+              <a:rPr lang="ja-JP" altLang="en-US"/>
               <a:t>第 </a:t>
             </a:r>
             <a:r>
-              <a:rPr lang="en-US" altLang="ja-JP" smtClean="0"/>
+              <a:rPr lang="en-US" altLang="ja-JP"/>
               <a:t>4 </a:t>
             </a:r>
             <a:r>
-              <a:rPr lang="ja-JP" altLang="en-US" smtClean="0"/>
+              <a:rPr lang="ja-JP" altLang="en-US"/>
               <a:t>レベル</a:t>
             </a:r>
           </a:p>
           <a:p>
             <a:pPr lvl="4"/>
             <a:r>
-              <a:rPr lang="ja-JP" altLang="en-US" smtClean="0"/>
+              <a:rPr lang="ja-JP" altLang="en-US"/>
               <a:t>第 </a:t>
             </a:r>
             <a:r>
-              <a:rPr lang="en-US" altLang="ja-JP" smtClean="0"/>
+              <a:rPr lang="en-US" altLang="ja-JP"/>
               <a:t>5 </a:t>
             </a:r>
             <a:r>
-              <a:rPr lang="ja-JP" altLang="en-US" smtClean="0"/>
+              <a:rPr lang="ja-JP" altLang="en-US"/>
               <a:t>レベル</a:t>
             </a:r>
             <a:endParaRPr lang="en-US" dirty="0"/>
@@ -4425,8 +4424,8 @@
           <a:lstStyle/>
           <a:p>
             <a:r>
-              <a:rPr kumimoji="1" lang="en-US" altLang="ja-JP" smtClean="0"/>
-              <a:t>2017/3/15</a:t>
+              <a:rPr kumimoji="1" lang="en-US" altLang="ja-JP"/>
+              <a:t>2017/4/4</a:t>
             </a:r>
             <a:endParaRPr kumimoji="1" lang="ja-JP" altLang="en-US"/>
           </a:p>
@@ -4448,7 +4447,7 @@
           <a:lstStyle/>
           <a:p>
             <a:r>
-              <a:rPr kumimoji="1" lang="en-US" altLang="ja-JP" smtClean="0"/>
+              <a:rPr kumimoji="1" lang="en-US" altLang="ja-JP"/>
               <a:t>BEACLS: Berkeley Efficient API in C++ for Level Set methods Installation Guide</a:t>
             </a:r>
             <a:endParaRPr kumimoji="1" lang="ja-JP" altLang="en-US"/>
@@ -4535,7 +4534,7 @@
           </a:lstStyle>
           <a:p>
             <a:r>
-              <a:rPr lang="ja-JP" altLang="en-US" smtClean="0"/>
+              <a:rPr lang="ja-JP" altLang="en-US"/>
               <a:t>マスター タイトルの書式設定</a:t>
             </a:r>
             <a:endParaRPr lang="en-US" dirty="0"/>
@@ -4658,7 +4657,7 @@
           <a:p>
             <a:pPr lvl="0"/>
             <a:r>
-              <a:rPr lang="ja-JP" altLang="en-US" smtClean="0"/>
+              <a:rPr lang="ja-JP" altLang="en-US"/>
               <a:t>マスター テキストの書式設定</a:t>
             </a:r>
           </a:p>
@@ -4680,8 +4679,8 @@
           <a:lstStyle/>
           <a:p>
             <a:r>
-              <a:rPr kumimoji="1" lang="en-US" altLang="ja-JP" smtClean="0"/>
-              <a:t>2017/3/15</a:t>
+              <a:rPr kumimoji="1" lang="en-US" altLang="ja-JP"/>
+              <a:t>2017/4/4</a:t>
             </a:r>
             <a:endParaRPr kumimoji="1" lang="ja-JP" altLang="en-US"/>
           </a:p>
@@ -4703,7 +4702,7 @@
           <a:lstStyle/>
           <a:p>
             <a:r>
-              <a:rPr kumimoji="1" lang="en-US" altLang="ja-JP" smtClean="0"/>
+              <a:rPr kumimoji="1" lang="en-US" altLang="ja-JP"/>
               <a:t>BEACLS: Berkeley Efficient API in C++ for Level Set methods Installation Guide</a:t>
             </a:r>
             <a:endParaRPr kumimoji="1" lang="ja-JP" altLang="en-US"/>
@@ -4779,7 +4778,7 @@
           <a:lstStyle/>
           <a:p>
             <a:r>
-              <a:rPr lang="ja-JP" altLang="en-US" smtClean="0"/>
+              <a:rPr lang="ja-JP" altLang="en-US"/>
               <a:t>マスター タイトルの書式設定</a:t>
             </a:r>
             <a:endParaRPr lang="en-US" dirty="0"/>
@@ -4808,67 +4807,67 @@
           <a:p>
             <a:pPr lvl="0"/>
             <a:r>
-              <a:rPr lang="ja-JP" altLang="en-US" smtClean="0"/>
+              <a:rPr lang="ja-JP" altLang="en-US"/>
               <a:t>マスター テキストの書式設定</a:t>
             </a:r>
           </a:p>
           <a:p>
             <a:pPr lvl="1"/>
             <a:r>
-              <a:rPr lang="ja-JP" altLang="en-US" smtClean="0"/>
+              <a:rPr lang="ja-JP" altLang="en-US"/>
               <a:t>第 </a:t>
             </a:r>
             <a:r>
-              <a:rPr lang="en-US" altLang="ja-JP" smtClean="0"/>
+              <a:rPr lang="en-US" altLang="ja-JP"/>
               <a:t>2 </a:t>
             </a:r>
             <a:r>
-              <a:rPr lang="ja-JP" altLang="en-US" smtClean="0"/>
+              <a:rPr lang="ja-JP" altLang="en-US"/>
               <a:t>レベル</a:t>
             </a:r>
           </a:p>
           <a:p>
             <a:pPr lvl="2"/>
             <a:r>
-              <a:rPr lang="ja-JP" altLang="en-US" smtClean="0"/>
+              <a:rPr lang="ja-JP" altLang="en-US"/>
               <a:t>第 </a:t>
             </a:r>
             <a:r>
-              <a:rPr lang="en-US" altLang="ja-JP" smtClean="0"/>
+              <a:rPr lang="en-US" altLang="ja-JP"/>
               <a:t>3 </a:t>
             </a:r>
             <a:r>
-              <a:rPr lang="ja-JP" altLang="en-US" smtClean="0"/>
+              <a:rPr lang="ja-JP" altLang="en-US"/>
               <a:t>レベル</a:t>
             </a:r>
           </a:p>
           <a:p>
             <a:pPr lvl="3"/>
             <a:r>
-              <a:rPr lang="ja-JP" altLang="en-US" smtClean="0"/>
+              <a:rPr lang="ja-JP" altLang="en-US"/>
               <a:t>第 </a:t>
             </a:r>
             <a:r>
-              <a:rPr lang="en-US" altLang="ja-JP" smtClean="0"/>
+              <a:rPr lang="en-US" altLang="ja-JP"/>
               <a:t>4 </a:t>
             </a:r>
             <a:r>
-              <a:rPr lang="ja-JP" altLang="en-US" smtClean="0"/>
+              <a:rPr lang="ja-JP" altLang="en-US"/>
               <a:t>レベル</a:t>
             </a:r>
           </a:p>
           <a:p>
             <a:pPr lvl="4"/>
             <a:r>
-              <a:rPr lang="ja-JP" altLang="en-US" smtClean="0"/>
+              <a:rPr lang="ja-JP" altLang="en-US"/>
               <a:t>第 </a:t>
             </a:r>
             <a:r>
-              <a:rPr lang="en-US" altLang="ja-JP" smtClean="0"/>
+              <a:rPr lang="en-US" altLang="ja-JP"/>
               <a:t>5 </a:t>
             </a:r>
             <a:r>
-              <a:rPr lang="ja-JP" altLang="en-US" smtClean="0"/>
+              <a:rPr lang="ja-JP" altLang="en-US"/>
               <a:t>レベル</a:t>
             </a:r>
             <a:endParaRPr lang="en-US" dirty="0"/>
@@ -4897,67 +4896,67 @@
           <a:p>
             <a:pPr lvl="0"/>
             <a:r>
-              <a:rPr lang="ja-JP" altLang="en-US" smtClean="0"/>
+              <a:rPr lang="ja-JP" altLang="en-US"/>
               <a:t>マスター テキストの書式設定</a:t>
             </a:r>
           </a:p>
           <a:p>
             <a:pPr lvl="1"/>
             <a:r>
-              <a:rPr lang="ja-JP" altLang="en-US" smtClean="0"/>
+              <a:rPr lang="ja-JP" altLang="en-US"/>
               <a:t>第 </a:t>
             </a:r>
             <a:r>
-              <a:rPr lang="en-US" altLang="ja-JP" smtClean="0"/>
+              <a:rPr lang="en-US" altLang="ja-JP"/>
               <a:t>2 </a:t>
             </a:r>
             <a:r>
-              <a:rPr lang="ja-JP" altLang="en-US" smtClean="0"/>
+              <a:rPr lang="ja-JP" altLang="en-US"/>
               <a:t>レベル</a:t>
             </a:r>
           </a:p>
           <a:p>
             <a:pPr lvl="2"/>
             <a:r>
-              <a:rPr lang="ja-JP" altLang="en-US" smtClean="0"/>
+              <a:rPr lang="ja-JP" altLang="en-US"/>
               <a:t>第 </a:t>
             </a:r>
             <a:r>
-              <a:rPr lang="en-US" altLang="ja-JP" smtClean="0"/>
+              <a:rPr lang="en-US" altLang="ja-JP"/>
               <a:t>3 </a:t>
             </a:r>
             <a:r>
-              <a:rPr lang="ja-JP" altLang="en-US" smtClean="0"/>
+              <a:rPr lang="ja-JP" altLang="en-US"/>
               <a:t>レベル</a:t>
             </a:r>
           </a:p>
           <a:p>
             <a:pPr lvl="3"/>
             <a:r>
-              <a:rPr lang="ja-JP" altLang="en-US" smtClean="0"/>
+              <a:rPr lang="ja-JP" altLang="en-US"/>
               <a:t>第 </a:t>
             </a:r>
             <a:r>
-              <a:rPr lang="en-US" altLang="ja-JP" smtClean="0"/>
+              <a:rPr lang="en-US" altLang="ja-JP"/>
               <a:t>4 </a:t>
             </a:r>
             <a:r>
-              <a:rPr lang="ja-JP" altLang="en-US" smtClean="0"/>
+              <a:rPr lang="ja-JP" altLang="en-US"/>
               <a:t>レベル</a:t>
             </a:r>
           </a:p>
           <a:p>
             <a:pPr lvl="4"/>
             <a:r>
-              <a:rPr lang="ja-JP" altLang="en-US" smtClean="0"/>
+              <a:rPr lang="ja-JP" altLang="en-US"/>
               <a:t>第 </a:t>
             </a:r>
             <a:r>
-              <a:rPr lang="en-US" altLang="ja-JP" smtClean="0"/>
+              <a:rPr lang="en-US" altLang="ja-JP"/>
               <a:t>5 </a:t>
             </a:r>
             <a:r>
-              <a:rPr lang="ja-JP" altLang="en-US" smtClean="0"/>
+              <a:rPr lang="ja-JP" altLang="en-US"/>
               <a:t>レベル</a:t>
             </a:r>
             <a:endParaRPr lang="en-US" dirty="0"/>
@@ -4980,8 +4979,8 @@
           <a:lstStyle/>
           <a:p>
             <a:r>
-              <a:rPr kumimoji="1" lang="en-US" altLang="ja-JP" smtClean="0"/>
-              <a:t>2017/3/15</a:t>
+              <a:rPr kumimoji="1" lang="en-US" altLang="ja-JP"/>
+              <a:t>2017/4/4</a:t>
             </a:r>
             <a:endParaRPr kumimoji="1" lang="ja-JP" altLang="en-US"/>
           </a:p>
@@ -5003,7 +5002,7 @@
           <a:lstStyle/>
           <a:p>
             <a:r>
-              <a:rPr kumimoji="1" lang="en-US" altLang="ja-JP" smtClean="0"/>
+              <a:rPr kumimoji="1" lang="en-US" altLang="ja-JP"/>
               <a:t>BEACLS: Berkeley Efficient API in C++ for Level Set methods Installation Guide</a:t>
             </a:r>
             <a:endParaRPr kumimoji="1" lang="ja-JP" altLang="en-US"/>
@@ -5127,7 +5126,7 @@
           <a:p>
             <a:pPr lvl="0"/>
             <a:r>
-              <a:rPr lang="ja-JP" altLang="en-US" smtClean="0"/>
+              <a:rPr lang="ja-JP" altLang="en-US"/>
               <a:t>マスター テキストの書式設定</a:t>
             </a:r>
           </a:p>
@@ -5155,67 +5154,67 @@
           <a:p>
             <a:pPr lvl="0"/>
             <a:r>
-              <a:rPr lang="ja-JP" altLang="en-US" smtClean="0"/>
+              <a:rPr lang="ja-JP" altLang="en-US"/>
               <a:t>マスター テキストの書式設定</a:t>
             </a:r>
           </a:p>
           <a:p>
             <a:pPr lvl="1"/>
             <a:r>
-              <a:rPr lang="ja-JP" altLang="en-US" smtClean="0"/>
+              <a:rPr lang="ja-JP" altLang="en-US"/>
               <a:t>第 </a:t>
             </a:r>
             <a:r>
-              <a:rPr lang="en-US" altLang="ja-JP" smtClean="0"/>
+              <a:rPr lang="en-US" altLang="ja-JP"/>
               <a:t>2 </a:t>
             </a:r>
             <a:r>
-              <a:rPr lang="ja-JP" altLang="en-US" smtClean="0"/>
+              <a:rPr lang="ja-JP" altLang="en-US"/>
               <a:t>レベル</a:t>
             </a:r>
           </a:p>
           <a:p>
             <a:pPr lvl="2"/>
             <a:r>
-              <a:rPr lang="ja-JP" altLang="en-US" smtClean="0"/>
+              <a:rPr lang="ja-JP" altLang="en-US"/>
               <a:t>第 </a:t>
             </a:r>
             <a:r>
-              <a:rPr lang="en-US" altLang="ja-JP" smtClean="0"/>
+              <a:rPr lang="en-US" altLang="ja-JP"/>
               <a:t>3 </a:t>
             </a:r>
             <a:r>
-              <a:rPr lang="ja-JP" altLang="en-US" smtClean="0"/>
+              <a:rPr lang="ja-JP" altLang="en-US"/>
               <a:t>レベル</a:t>
             </a:r>
           </a:p>
           <a:p>
             <a:pPr lvl="3"/>
             <a:r>
-              <a:rPr lang="ja-JP" altLang="en-US" smtClean="0"/>
+              <a:rPr lang="ja-JP" altLang="en-US"/>
               <a:t>第 </a:t>
             </a:r>
             <a:r>
-              <a:rPr lang="en-US" altLang="ja-JP" smtClean="0"/>
+              <a:rPr lang="en-US" altLang="ja-JP"/>
               <a:t>4 </a:t>
             </a:r>
             <a:r>
-              <a:rPr lang="ja-JP" altLang="en-US" smtClean="0"/>
+              <a:rPr lang="ja-JP" altLang="en-US"/>
               <a:t>レベル</a:t>
             </a:r>
           </a:p>
           <a:p>
             <a:pPr lvl="4"/>
             <a:r>
-              <a:rPr lang="ja-JP" altLang="en-US" smtClean="0"/>
+              <a:rPr lang="ja-JP" altLang="en-US"/>
               <a:t>第 </a:t>
             </a:r>
             <a:r>
-              <a:rPr lang="en-US" altLang="ja-JP" smtClean="0"/>
+              <a:rPr lang="en-US" altLang="ja-JP"/>
               <a:t>5 </a:t>
             </a:r>
             <a:r>
-              <a:rPr lang="ja-JP" altLang="en-US" smtClean="0"/>
+              <a:rPr lang="ja-JP" altLang="en-US"/>
               <a:t>レベル</a:t>
             </a:r>
             <a:endParaRPr lang="en-US" dirty="0"/>
@@ -5284,7 +5283,7 @@
           <a:p>
             <a:pPr lvl="0"/>
             <a:r>
-              <a:rPr lang="ja-JP" altLang="en-US" smtClean="0"/>
+              <a:rPr lang="ja-JP" altLang="en-US"/>
               <a:t>マスター テキストの書式設定</a:t>
             </a:r>
           </a:p>
@@ -5312,67 +5311,67 @@
           <a:p>
             <a:pPr lvl="0"/>
             <a:r>
-              <a:rPr lang="ja-JP" altLang="en-US" smtClean="0"/>
+              <a:rPr lang="ja-JP" altLang="en-US"/>
               <a:t>マスター テキストの書式設定</a:t>
             </a:r>
           </a:p>
           <a:p>
             <a:pPr lvl="1"/>
             <a:r>
-              <a:rPr lang="ja-JP" altLang="en-US" smtClean="0"/>
+              <a:rPr lang="ja-JP" altLang="en-US"/>
               <a:t>第 </a:t>
             </a:r>
             <a:r>
-              <a:rPr lang="en-US" altLang="ja-JP" smtClean="0"/>
+              <a:rPr lang="en-US" altLang="ja-JP"/>
               <a:t>2 </a:t>
             </a:r>
             <a:r>
-              <a:rPr lang="ja-JP" altLang="en-US" smtClean="0"/>
+              <a:rPr lang="ja-JP" altLang="en-US"/>
               <a:t>レベル</a:t>
             </a:r>
           </a:p>
           <a:p>
             <a:pPr lvl="2"/>
             <a:r>
-              <a:rPr lang="ja-JP" altLang="en-US" smtClean="0"/>
+              <a:rPr lang="ja-JP" altLang="en-US"/>
               <a:t>第 </a:t>
             </a:r>
             <a:r>
-              <a:rPr lang="en-US" altLang="ja-JP" smtClean="0"/>
+              <a:rPr lang="en-US" altLang="ja-JP"/>
               <a:t>3 </a:t>
             </a:r>
             <a:r>
-              <a:rPr lang="ja-JP" altLang="en-US" smtClean="0"/>
+              <a:rPr lang="ja-JP" altLang="en-US"/>
               <a:t>レベル</a:t>
             </a:r>
           </a:p>
           <a:p>
             <a:pPr lvl="3"/>
             <a:r>
-              <a:rPr lang="ja-JP" altLang="en-US" smtClean="0"/>
+              <a:rPr lang="ja-JP" altLang="en-US"/>
               <a:t>第 </a:t>
             </a:r>
             <a:r>
-              <a:rPr lang="en-US" altLang="ja-JP" smtClean="0"/>
+              <a:rPr lang="en-US" altLang="ja-JP"/>
               <a:t>4 </a:t>
             </a:r>
             <a:r>
-              <a:rPr lang="ja-JP" altLang="en-US" smtClean="0"/>
+              <a:rPr lang="ja-JP" altLang="en-US"/>
               <a:t>レベル</a:t>
             </a:r>
           </a:p>
           <a:p>
             <a:pPr lvl="4"/>
             <a:r>
-              <a:rPr lang="ja-JP" altLang="en-US" smtClean="0"/>
+              <a:rPr lang="ja-JP" altLang="en-US"/>
               <a:t>第 </a:t>
             </a:r>
             <a:r>
-              <a:rPr lang="en-US" altLang="ja-JP" smtClean="0"/>
+              <a:rPr lang="en-US" altLang="ja-JP"/>
               <a:t>5 </a:t>
             </a:r>
             <a:r>
-              <a:rPr lang="ja-JP" altLang="en-US" smtClean="0"/>
+              <a:rPr lang="ja-JP" altLang="en-US"/>
               <a:t>レベル</a:t>
             </a:r>
             <a:endParaRPr lang="en-US"/>
@@ -5395,8 +5394,8 @@
           <a:lstStyle/>
           <a:p>
             <a:r>
-              <a:rPr kumimoji="1" lang="en-US" altLang="ja-JP" smtClean="0"/>
-              <a:t>2017/3/15</a:t>
+              <a:rPr kumimoji="1" lang="en-US" altLang="ja-JP"/>
+              <a:t>2017/4/4</a:t>
             </a:r>
             <a:endParaRPr kumimoji="1" lang="ja-JP" altLang="en-US"/>
           </a:p>
@@ -5418,7 +5417,7 @@
           <a:lstStyle/>
           <a:p>
             <a:r>
-              <a:rPr kumimoji="1" lang="en-US" altLang="ja-JP" smtClean="0"/>
+              <a:rPr kumimoji="1" lang="en-US" altLang="ja-JP"/>
               <a:t>BEACLS: Berkeley Efficient API in C++ for Level Set methods Installation Guide</a:t>
             </a:r>
             <a:endParaRPr kumimoji="1" lang="ja-JP" altLang="en-US"/>
@@ -5464,7 +5463,7 @@
           <a:lstStyle/>
           <a:p>
             <a:r>
-              <a:rPr lang="ja-JP" altLang="en-US" smtClean="0"/>
+              <a:rPr lang="ja-JP" altLang="en-US"/>
               <a:t>マスター タイトルの書式設定</a:t>
             </a:r>
             <a:endParaRPr lang="en-US" dirty="0"/>
@@ -5517,8 +5516,8 @@
           <a:lstStyle/>
           <a:p>
             <a:r>
-              <a:rPr kumimoji="1" lang="en-US" altLang="ja-JP" smtClean="0"/>
-              <a:t>2017/3/15</a:t>
+              <a:rPr kumimoji="1" lang="en-US" altLang="ja-JP"/>
+              <a:t>2017/4/4</a:t>
             </a:r>
             <a:endParaRPr kumimoji="1" lang="ja-JP" altLang="en-US"/>
           </a:p>
@@ -5540,7 +5539,7 @@
           <a:lstStyle/>
           <a:p>
             <a:r>
-              <a:rPr kumimoji="1" lang="en-US" altLang="ja-JP" smtClean="0"/>
+              <a:rPr kumimoji="1" lang="en-US" altLang="ja-JP"/>
               <a:t>BEACLS: Berkeley Efficient API in C++ for Level Set methods Installation Guide</a:t>
             </a:r>
             <a:endParaRPr kumimoji="1" lang="ja-JP" altLang="en-US"/>
@@ -5586,7 +5585,7 @@
           <a:lstStyle/>
           <a:p>
             <a:r>
-              <a:rPr lang="ja-JP" altLang="en-US" smtClean="0"/>
+              <a:rPr lang="ja-JP" altLang="en-US"/>
               <a:t>マスター タイトルの書式設定</a:t>
             </a:r>
             <a:endParaRPr lang="en-US"/>
@@ -5639,8 +5638,8 @@
           <a:lstStyle/>
           <a:p>
             <a:r>
-              <a:rPr kumimoji="1" lang="en-US" altLang="ja-JP" smtClean="0"/>
-              <a:t>2017/3/15</a:t>
+              <a:rPr kumimoji="1" lang="en-US" altLang="ja-JP"/>
+              <a:t>2017/4/4</a:t>
             </a:r>
             <a:endParaRPr kumimoji="1" lang="ja-JP" altLang="en-US"/>
           </a:p>
@@ -5662,7 +5661,7 @@
           <a:lstStyle/>
           <a:p>
             <a:r>
-              <a:rPr kumimoji="1" lang="en-US" altLang="ja-JP" smtClean="0"/>
+              <a:rPr kumimoji="1" lang="en-US" altLang="ja-JP"/>
               <a:t>BEACLS: Berkeley Efficient API in C++ for Level Set methods Installation Guide</a:t>
             </a:r>
             <a:endParaRPr kumimoji="1" lang="ja-JP" altLang="en-US"/>
@@ -5749,7 +5748,7 @@
           </a:lstStyle>
           <a:p>
             <a:r>
-              <a:rPr lang="ja-JP" altLang="en-US" smtClean="0"/>
+              <a:rPr lang="ja-JP" altLang="en-US"/>
               <a:t>マスター タイトルの書式設定</a:t>
             </a:r>
             <a:endParaRPr lang="en-US" dirty="0"/>
@@ -5872,7 +5871,7 @@
           <a:p>
             <a:pPr lvl="0"/>
             <a:r>
-              <a:rPr lang="ja-JP" altLang="en-US" smtClean="0"/>
+              <a:rPr lang="ja-JP" altLang="en-US"/>
               <a:t>マスター テキストの書式設定</a:t>
             </a:r>
           </a:p>
@@ -5894,8 +5893,8 @@
           <a:lstStyle/>
           <a:p>
             <a:r>
-              <a:rPr kumimoji="1" lang="en-US" altLang="ja-JP" smtClean="0"/>
-              <a:t>2017/3/15</a:t>
+              <a:rPr kumimoji="1" lang="en-US" altLang="ja-JP"/>
+              <a:t>2017/4/4</a:t>
             </a:r>
             <a:endParaRPr kumimoji="1" lang="ja-JP" altLang="en-US"/>
           </a:p>
@@ -5917,7 +5916,7 @@
           <a:lstStyle/>
           <a:p>
             <a:r>
-              <a:rPr kumimoji="1" lang="en-US" altLang="ja-JP" smtClean="0"/>
+              <a:rPr kumimoji="1" lang="en-US" altLang="ja-JP"/>
               <a:t>BEACLS: Berkeley Efficient API in C++ for Level Set methods Installation Guide</a:t>
             </a:r>
             <a:endParaRPr kumimoji="1" lang="ja-JP" altLang="en-US"/>
@@ -6004,7 +6003,7 @@
           </a:lstStyle>
           <a:p>
             <a:r>
-              <a:rPr lang="ja-JP" altLang="en-US" smtClean="0"/>
+              <a:rPr lang="ja-JP" altLang="en-US"/>
               <a:t>マスター タイトルの書式設定</a:t>
             </a:r>
             <a:endParaRPr lang="en-US" dirty="0"/>
@@ -6061,67 +6060,67 @@
           <a:p>
             <a:pPr lvl="0"/>
             <a:r>
-              <a:rPr lang="ja-JP" altLang="en-US" smtClean="0"/>
+              <a:rPr lang="ja-JP" altLang="en-US"/>
               <a:t>マスター テキストの書式設定</a:t>
             </a:r>
           </a:p>
           <a:p>
             <a:pPr lvl="1"/>
             <a:r>
-              <a:rPr lang="ja-JP" altLang="en-US" smtClean="0"/>
+              <a:rPr lang="ja-JP" altLang="en-US"/>
               <a:t>第 </a:t>
             </a:r>
             <a:r>
-              <a:rPr lang="en-US" altLang="ja-JP" smtClean="0"/>
+              <a:rPr lang="en-US" altLang="ja-JP"/>
               <a:t>2 </a:t>
             </a:r>
             <a:r>
-              <a:rPr lang="ja-JP" altLang="en-US" smtClean="0"/>
+              <a:rPr lang="ja-JP" altLang="en-US"/>
               <a:t>レベル</a:t>
             </a:r>
           </a:p>
           <a:p>
             <a:pPr lvl="2"/>
             <a:r>
-              <a:rPr lang="ja-JP" altLang="en-US" smtClean="0"/>
+              <a:rPr lang="ja-JP" altLang="en-US"/>
               <a:t>第 </a:t>
             </a:r>
             <a:r>
-              <a:rPr lang="en-US" altLang="ja-JP" smtClean="0"/>
+              <a:rPr lang="en-US" altLang="ja-JP"/>
               <a:t>3 </a:t>
             </a:r>
             <a:r>
-              <a:rPr lang="ja-JP" altLang="en-US" smtClean="0"/>
+              <a:rPr lang="ja-JP" altLang="en-US"/>
               <a:t>レベル</a:t>
             </a:r>
           </a:p>
           <a:p>
             <a:pPr lvl="3"/>
             <a:r>
-              <a:rPr lang="ja-JP" altLang="en-US" smtClean="0"/>
+              <a:rPr lang="ja-JP" altLang="en-US"/>
               <a:t>第 </a:t>
             </a:r>
             <a:r>
-              <a:rPr lang="en-US" altLang="ja-JP" smtClean="0"/>
+              <a:rPr lang="en-US" altLang="ja-JP"/>
               <a:t>4 </a:t>
             </a:r>
             <a:r>
-              <a:rPr lang="ja-JP" altLang="en-US" smtClean="0"/>
+              <a:rPr lang="ja-JP" altLang="en-US"/>
               <a:t>レベル</a:t>
             </a:r>
           </a:p>
           <a:p>
             <a:pPr lvl="4"/>
             <a:r>
-              <a:rPr lang="ja-JP" altLang="en-US" smtClean="0"/>
+              <a:rPr lang="ja-JP" altLang="en-US"/>
               <a:t>第 </a:t>
             </a:r>
             <a:r>
-              <a:rPr lang="en-US" altLang="ja-JP" smtClean="0"/>
+              <a:rPr lang="en-US" altLang="ja-JP"/>
               <a:t>5 </a:t>
             </a:r>
             <a:r>
-              <a:rPr lang="ja-JP" altLang="en-US" smtClean="0"/>
+              <a:rPr lang="ja-JP" altLang="en-US"/>
               <a:t>レベル</a:t>
             </a:r>
             <a:endParaRPr lang="en-US" dirty="0"/>
@@ -6192,7 +6191,7 @@
           <a:p>
             <a:pPr lvl="0"/>
             <a:r>
-              <a:rPr lang="ja-JP" altLang="en-US" smtClean="0"/>
+              <a:rPr lang="ja-JP" altLang="en-US"/>
               <a:t>マスター テキストの書式設定</a:t>
             </a:r>
           </a:p>
@@ -6214,8 +6213,8 @@
           <a:lstStyle/>
           <a:p>
             <a:r>
-              <a:rPr kumimoji="1" lang="en-US" altLang="ja-JP" smtClean="0"/>
-              <a:t>2017/3/15</a:t>
+              <a:rPr kumimoji="1" lang="en-US" altLang="ja-JP"/>
+              <a:t>2017/4/4</a:t>
             </a:r>
             <a:endParaRPr kumimoji="1" lang="ja-JP" altLang="en-US"/>
           </a:p>
@@ -6237,7 +6236,7 @@
           <a:lstStyle/>
           <a:p>
             <a:r>
-              <a:rPr kumimoji="1" lang="en-US" altLang="ja-JP" smtClean="0"/>
+              <a:rPr kumimoji="1" lang="en-US" altLang="ja-JP"/>
               <a:t>BEACLS: Berkeley Efficient API in C++ for Level Set methods Installation Guide</a:t>
             </a:r>
             <a:endParaRPr kumimoji="1" lang="ja-JP" altLang="en-US"/>
@@ -6324,7 +6323,7 @@
           </a:lstStyle>
           <a:p>
             <a:r>
-              <a:rPr lang="ja-JP" altLang="en-US" smtClean="0"/>
+              <a:rPr lang="ja-JP" altLang="en-US"/>
               <a:t>マスター タイトルの書式設定</a:t>
             </a:r>
             <a:endParaRPr lang="en-US" dirty="0"/>
@@ -6389,7 +6388,7 @@
           </a:lstStyle>
           <a:p>
             <a:r>
-              <a:rPr lang="ja-JP" altLang="en-US" smtClean="0"/>
+              <a:rPr lang="ja-JP" altLang="en-US"/>
               <a:t>図を追加</a:t>
             </a:r>
             <a:endParaRPr lang="en-US" dirty="0"/>
@@ -6460,7 +6459,7 @@
           <a:p>
             <a:pPr lvl="0"/>
             <a:r>
-              <a:rPr lang="ja-JP" altLang="en-US" smtClean="0"/>
+              <a:rPr lang="ja-JP" altLang="en-US"/>
               <a:t>マスター テキストの書式設定</a:t>
             </a:r>
           </a:p>
@@ -6482,8 +6481,8 @@
           <a:lstStyle/>
           <a:p>
             <a:r>
-              <a:rPr kumimoji="1" lang="en-US" altLang="ja-JP" smtClean="0"/>
-              <a:t>2017/3/15</a:t>
+              <a:rPr kumimoji="1" lang="en-US" altLang="ja-JP"/>
+              <a:t>2017/4/4</a:t>
             </a:r>
             <a:endParaRPr kumimoji="1" lang="ja-JP" altLang="en-US"/>
           </a:p>
@@ -6505,7 +6504,7 @@
           <a:lstStyle/>
           <a:p>
             <a:r>
-              <a:rPr kumimoji="1" lang="en-US" altLang="ja-JP" smtClean="0"/>
+              <a:rPr kumimoji="1" lang="en-US" altLang="ja-JP"/>
               <a:t>BEACLS: Berkeley Efficient API in C++ for Level Set methods Installation Guide</a:t>
             </a:r>
             <a:endParaRPr kumimoji="1" lang="ja-JP" altLang="en-US"/>
@@ -6581,7 +6580,7 @@
           <a:lstStyle/>
           <a:p>
             <a:r>
-              <a:rPr lang="ja-JP" altLang="en-US" smtClean="0"/>
+              <a:rPr lang="ja-JP" altLang="en-US"/>
               <a:t>マスター タイトルの書式設定</a:t>
             </a:r>
             <a:endParaRPr lang="en-US"/>
@@ -6605,67 +6604,67 @@
           <a:p>
             <a:pPr lvl="0"/>
             <a:r>
-              <a:rPr lang="ja-JP" altLang="en-US" smtClean="0"/>
+              <a:rPr lang="ja-JP" altLang="en-US"/>
               <a:t>マスター テキストの書式設定</a:t>
             </a:r>
           </a:p>
           <a:p>
             <a:pPr lvl="1"/>
             <a:r>
-              <a:rPr lang="ja-JP" altLang="en-US" smtClean="0"/>
+              <a:rPr lang="ja-JP" altLang="en-US"/>
               <a:t>第 </a:t>
             </a:r>
             <a:r>
-              <a:rPr lang="en-US" altLang="ja-JP" smtClean="0"/>
+              <a:rPr lang="en-US" altLang="ja-JP"/>
               <a:t>2 </a:t>
             </a:r>
             <a:r>
-              <a:rPr lang="ja-JP" altLang="en-US" smtClean="0"/>
+              <a:rPr lang="ja-JP" altLang="en-US"/>
               <a:t>レベル</a:t>
             </a:r>
           </a:p>
           <a:p>
             <a:pPr lvl="2"/>
             <a:r>
-              <a:rPr lang="ja-JP" altLang="en-US" smtClean="0"/>
+              <a:rPr lang="ja-JP" altLang="en-US"/>
               <a:t>第 </a:t>
             </a:r>
             <a:r>
-              <a:rPr lang="en-US" altLang="ja-JP" smtClean="0"/>
+              <a:rPr lang="en-US" altLang="ja-JP"/>
               <a:t>3 </a:t>
             </a:r>
             <a:r>
-              <a:rPr lang="ja-JP" altLang="en-US" smtClean="0"/>
+              <a:rPr lang="ja-JP" altLang="en-US"/>
               <a:t>レベル</a:t>
             </a:r>
           </a:p>
           <a:p>
             <a:pPr lvl="3"/>
             <a:r>
-              <a:rPr lang="ja-JP" altLang="en-US" smtClean="0"/>
+              <a:rPr lang="ja-JP" altLang="en-US"/>
               <a:t>第 </a:t>
             </a:r>
             <a:r>
-              <a:rPr lang="en-US" altLang="ja-JP" smtClean="0"/>
+              <a:rPr lang="en-US" altLang="ja-JP"/>
               <a:t>4 </a:t>
             </a:r>
             <a:r>
-              <a:rPr lang="ja-JP" altLang="en-US" smtClean="0"/>
+              <a:rPr lang="ja-JP" altLang="en-US"/>
               <a:t>レベル</a:t>
             </a:r>
           </a:p>
           <a:p>
             <a:pPr lvl="4"/>
             <a:r>
-              <a:rPr lang="ja-JP" altLang="en-US" smtClean="0"/>
+              <a:rPr lang="ja-JP" altLang="en-US"/>
               <a:t>第 </a:t>
             </a:r>
             <a:r>
-              <a:rPr lang="en-US" altLang="ja-JP" smtClean="0"/>
+              <a:rPr lang="en-US" altLang="ja-JP"/>
               <a:t>5 </a:t>
             </a:r>
             <a:r>
-              <a:rPr lang="ja-JP" altLang="en-US" smtClean="0"/>
+              <a:rPr lang="ja-JP" altLang="en-US"/>
               <a:t>レベル</a:t>
             </a:r>
             <a:endParaRPr lang="en-US" dirty="0"/>
@@ -6688,8 +6687,8 @@
           <a:lstStyle/>
           <a:p>
             <a:r>
-              <a:rPr kumimoji="1" lang="en-US" altLang="ja-JP" smtClean="0"/>
-              <a:t>2017/3/15</a:t>
+              <a:rPr kumimoji="1" lang="en-US" altLang="ja-JP"/>
+              <a:t>2017/4/4</a:t>
             </a:r>
             <a:endParaRPr kumimoji="1" lang="ja-JP" altLang="en-US"/>
           </a:p>
@@ -6711,7 +6710,7 @@
           <a:lstStyle/>
           <a:p>
             <a:r>
-              <a:rPr kumimoji="1" lang="en-US" altLang="ja-JP" smtClean="0"/>
+              <a:rPr kumimoji="1" lang="en-US" altLang="ja-JP"/>
               <a:t>BEACLS: Berkeley Efficient API in C++ for Level Set methods Installation Guide</a:t>
             </a:r>
             <a:endParaRPr kumimoji="1" lang="ja-JP" altLang="en-US"/>
@@ -6792,7 +6791,7 @@
           <a:lstStyle/>
           <a:p>
             <a:r>
-              <a:rPr lang="ja-JP" altLang="en-US" smtClean="0"/>
+              <a:rPr lang="ja-JP" altLang="en-US"/>
               <a:t>マスター タイトルの書式設定</a:t>
             </a:r>
             <a:endParaRPr lang="en-US"/>
@@ -6821,67 +6820,67 @@
           <a:p>
             <a:pPr lvl="0"/>
             <a:r>
-              <a:rPr lang="ja-JP" altLang="en-US" smtClean="0"/>
+              <a:rPr lang="ja-JP" altLang="en-US"/>
               <a:t>マスター テキストの書式設定</a:t>
             </a:r>
           </a:p>
           <a:p>
             <a:pPr lvl="1"/>
             <a:r>
-              <a:rPr lang="ja-JP" altLang="en-US" smtClean="0"/>
+              <a:rPr lang="ja-JP" altLang="en-US"/>
               <a:t>第 </a:t>
             </a:r>
             <a:r>
-              <a:rPr lang="en-US" altLang="ja-JP" smtClean="0"/>
+              <a:rPr lang="en-US" altLang="ja-JP"/>
               <a:t>2 </a:t>
             </a:r>
             <a:r>
-              <a:rPr lang="ja-JP" altLang="en-US" smtClean="0"/>
+              <a:rPr lang="ja-JP" altLang="en-US"/>
               <a:t>レベル</a:t>
             </a:r>
           </a:p>
           <a:p>
             <a:pPr lvl="2"/>
             <a:r>
-              <a:rPr lang="ja-JP" altLang="en-US" smtClean="0"/>
+              <a:rPr lang="ja-JP" altLang="en-US"/>
               <a:t>第 </a:t>
             </a:r>
             <a:r>
-              <a:rPr lang="en-US" altLang="ja-JP" smtClean="0"/>
+              <a:rPr lang="en-US" altLang="ja-JP"/>
               <a:t>3 </a:t>
             </a:r>
             <a:r>
-              <a:rPr lang="ja-JP" altLang="en-US" smtClean="0"/>
+              <a:rPr lang="ja-JP" altLang="en-US"/>
               <a:t>レベル</a:t>
             </a:r>
           </a:p>
           <a:p>
             <a:pPr lvl="3"/>
             <a:r>
-              <a:rPr lang="ja-JP" altLang="en-US" smtClean="0"/>
+              <a:rPr lang="ja-JP" altLang="en-US"/>
               <a:t>第 </a:t>
             </a:r>
             <a:r>
-              <a:rPr lang="en-US" altLang="ja-JP" smtClean="0"/>
+              <a:rPr lang="en-US" altLang="ja-JP"/>
               <a:t>4 </a:t>
             </a:r>
             <a:r>
-              <a:rPr lang="ja-JP" altLang="en-US" smtClean="0"/>
+              <a:rPr lang="ja-JP" altLang="en-US"/>
               <a:t>レベル</a:t>
             </a:r>
           </a:p>
           <a:p>
             <a:pPr lvl="4"/>
             <a:r>
-              <a:rPr lang="ja-JP" altLang="en-US" smtClean="0"/>
+              <a:rPr lang="ja-JP" altLang="en-US"/>
               <a:t>第 </a:t>
             </a:r>
             <a:r>
-              <a:rPr lang="en-US" altLang="ja-JP" smtClean="0"/>
+              <a:rPr lang="en-US" altLang="ja-JP"/>
               <a:t>5 </a:t>
             </a:r>
             <a:r>
-              <a:rPr lang="ja-JP" altLang="en-US" smtClean="0"/>
+              <a:rPr lang="ja-JP" altLang="en-US"/>
               <a:t>レベル</a:t>
             </a:r>
             <a:endParaRPr lang="en-US"/>
@@ -6904,8 +6903,8 @@
           <a:lstStyle/>
           <a:p>
             <a:r>
-              <a:rPr kumimoji="1" lang="en-US" altLang="ja-JP" smtClean="0"/>
-              <a:t>2017/3/15</a:t>
+              <a:rPr kumimoji="1" lang="en-US" altLang="ja-JP"/>
+              <a:t>2017/4/4</a:t>
             </a:r>
             <a:endParaRPr kumimoji="1" lang="ja-JP" altLang="en-US"/>
           </a:p>
@@ -6927,7 +6926,7 @@
           <a:lstStyle/>
           <a:p>
             <a:r>
-              <a:rPr kumimoji="1" lang="en-US" altLang="ja-JP" smtClean="0"/>
+              <a:rPr kumimoji="1" lang="en-US" altLang="ja-JP"/>
               <a:t>BEACLS: Berkeley Efficient API in C++ for Level Set methods Installation Guide</a:t>
             </a:r>
             <a:endParaRPr kumimoji="1" lang="ja-JP" altLang="en-US"/>
@@ -7003,7 +7002,7 @@
           <a:lstStyle/>
           <a:p>
             <a:r>
-              <a:rPr lang="ja-JP" altLang="en-US" smtClean="0"/>
+              <a:rPr lang="ja-JP" altLang="en-US"/>
               <a:t>マスター タイトルの書式設定</a:t>
             </a:r>
             <a:endParaRPr lang="en-US" dirty="0"/>
@@ -7032,67 +7031,67 @@
           <a:p>
             <a:pPr lvl="0"/>
             <a:r>
-              <a:rPr lang="ja-JP" altLang="en-US" smtClean="0"/>
+              <a:rPr lang="ja-JP" altLang="en-US"/>
               <a:t>マスター テキストの書式設定</a:t>
             </a:r>
           </a:p>
           <a:p>
             <a:pPr lvl="1"/>
             <a:r>
-              <a:rPr lang="ja-JP" altLang="en-US" smtClean="0"/>
+              <a:rPr lang="ja-JP" altLang="en-US"/>
               <a:t>第 </a:t>
             </a:r>
             <a:r>
-              <a:rPr lang="en-US" altLang="ja-JP" smtClean="0"/>
+              <a:rPr lang="en-US" altLang="ja-JP"/>
               <a:t>2 </a:t>
             </a:r>
             <a:r>
-              <a:rPr lang="ja-JP" altLang="en-US" smtClean="0"/>
+              <a:rPr lang="ja-JP" altLang="en-US"/>
               <a:t>レベル</a:t>
             </a:r>
           </a:p>
           <a:p>
             <a:pPr lvl="2"/>
             <a:r>
-              <a:rPr lang="ja-JP" altLang="en-US" smtClean="0"/>
+              <a:rPr lang="ja-JP" altLang="en-US"/>
               <a:t>第 </a:t>
             </a:r>
             <a:r>
-              <a:rPr lang="en-US" altLang="ja-JP" smtClean="0"/>
+              <a:rPr lang="en-US" altLang="ja-JP"/>
               <a:t>3 </a:t>
             </a:r>
             <a:r>
-              <a:rPr lang="ja-JP" altLang="en-US" smtClean="0"/>
+              <a:rPr lang="ja-JP" altLang="en-US"/>
               <a:t>レベル</a:t>
             </a:r>
           </a:p>
           <a:p>
             <a:pPr lvl="3"/>
             <a:r>
-              <a:rPr lang="ja-JP" altLang="en-US" smtClean="0"/>
+              <a:rPr lang="ja-JP" altLang="en-US"/>
               <a:t>第 </a:t>
             </a:r>
             <a:r>
-              <a:rPr lang="en-US" altLang="ja-JP" smtClean="0"/>
+              <a:rPr lang="en-US" altLang="ja-JP"/>
               <a:t>4 </a:t>
             </a:r>
             <a:r>
-              <a:rPr lang="ja-JP" altLang="en-US" smtClean="0"/>
+              <a:rPr lang="ja-JP" altLang="en-US"/>
               <a:t>レベル</a:t>
             </a:r>
           </a:p>
           <a:p>
             <a:pPr lvl="4"/>
             <a:r>
-              <a:rPr lang="ja-JP" altLang="en-US" smtClean="0"/>
+              <a:rPr lang="ja-JP" altLang="en-US"/>
               <a:t>第 </a:t>
             </a:r>
             <a:r>
-              <a:rPr lang="en-US" altLang="ja-JP" smtClean="0"/>
+              <a:rPr lang="en-US" altLang="ja-JP"/>
               <a:t>5 </a:t>
             </a:r>
             <a:r>
-              <a:rPr lang="ja-JP" altLang="en-US" smtClean="0"/>
+              <a:rPr lang="ja-JP" altLang="en-US"/>
               <a:t>レベル</a:t>
             </a:r>
             <a:endParaRPr lang="en-US" dirty="0"/>
@@ -7121,67 +7120,67 @@
           <a:p>
             <a:pPr lvl="0"/>
             <a:r>
-              <a:rPr lang="ja-JP" altLang="en-US" smtClean="0"/>
+              <a:rPr lang="ja-JP" altLang="en-US"/>
               <a:t>マスター テキストの書式設定</a:t>
             </a:r>
           </a:p>
           <a:p>
             <a:pPr lvl="1"/>
             <a:r>
-              <a:rPr lang="ja-JP" altLang="en-US" smtClean="0"/>
+              <a:rPr lang="ja-JP" altLang="en-US"/>
               <a:t>第 </a:t>
             </a:r>
             <a:r>
-              <a:rPr lang="en-US" altLang="ja-JP" smtClean="0"/>
+              <a:rPr lang="en-US" altLang="ja-JP"/>
               <a:t>2 </a:t>
             </a:r>
             <a:r>
-              <a:rPr lang="ja-JP" altLang="en-US" smtClean="0"/>
+              <a:rPr lang="ja-JP" altLang="en-US"/>
               <a:t>レベル</a:t>
             </a:r>
           </a:p>
           <a:p>
             <a:pPr lvl="2"/>
             <a:r>
-              <a:rPr lang="ja-JP" altLang="en-US" smtClean="0"/>
+              <a:rPr lang="ja-JP" altLang="en-US"/>
               <a:t>第 </a:t>
             </a:r>
             <a:r>
-              <a:rPr lang="en-US" altLang="ja-JP" smtClean="0"/>
+              <a:rPr lang="en-US" altLang="ja-JP"/>
               <a:t>3 </a:t>
             </a:r>
             <a:r>
-              <a:rPr lang="ja-JP" altLang="en-US" smtClean="0"/>
+              <a:rPr lang="ja-JP" altLang="en-US"/>
               <a:t>レベル</a:t>
             </a:r>
           </a:p>
           <a:p>
             <a:pPr lvl="3"/>
             <a:r>
-              <a:rPr lang="ja-JP" altLang="en-US" smtClean="0"/>
+              <a:rPr lang="ja-JP" altLang="en-US"/>
               <a:t>第 </a:t>
             </a:r>
             <a:r>
-              <a:rPr lang="en-US" altLang="ja-JP" smtClean="0"/>
+              <a:rPr lang="en-US" altLang="ja-JP"/>
               <a:t>4 </a:t>
             </a:r>
             <a:r>
-              <a:rPr lang="ja-JP" altLang="en-US" smtClean="0"/>
+              <a:rPr lang="ja-JP" altLang="en-US"/>
               <a:t>レベル</a:t>
             </a:r>
           </a:p>
           <a:p>
             <a:pPr lvl="4"/>
             <a:r>
-              <a:rPr lang="ja-JP" altLang="en-US" smtClean="0"/>
+              <a:rPr lang="ja-JP" altLang="en-US"/>
               <a:t>第 </a:t>
             </a:r>
             <a:r>
-              <a:rPr lang="en-US" altLang="ja-JP" smtClean="0"/>
+              <a:rPr lang="en-US" altLang="ja-JP"/>
               <a:t>5 </a:t>
             </a:r>
             <a:r>
-              <a:rPr lang="ja-JP" altLang="en-US" smtClean="0"/>
+              <a:rPr lang="ja-JP" altLang="en-US"/>
               <a:t>レベル</a:t>
             </a:r>
             <a:endParaRPr lang="en-US" dirty="0"/>
@@ -7204,8 +7203,8 @@
           <a:lstStyle/>
           <a:p>
             <a:r>
-              <a:rPr kumimoji="1" lang="en-US" altLang="ja-JP" smtClean="0"/>
-              <a:t>2017/3/15</a:t>
+              <a:rPr kumimoji="1" lang="en-US" altLang="ja-JP"/>
+              <a:t>2017/4/4</a:t>
             </a:r>
             <a:endParaRPr kumimoji="1" lang="ja-JP" altLang="en-US"/>
           </a:p>
@@ -7227,7 +7226,7 @@
           <a:lstStyle/>
           <a:p>
             <a:r>
-              <a:rPr kumimoji="1" lang="en-US" altLang="ja-JP" smtClean="0"/>
+              <a:rPr kumimoji="1" lang="en-US" altLang="ja-JP"/>
               <a:t>BEACLS: Berkeley Efficient API in C++ for Level Set methods Installation Guide</a:t>
             </a:r>
             <a:endParaRPr kumimoji="1" lang="ja-JP" altLang="en-US"/>
@@ -7351,7 +7350,7 @@
           <a:p>
             <a:pPr lvl="0"/>
             <a:r>
-              <a:rPr lang="ja-JP" altLang="en-US" smtClean="0"/>
+              <a:rPr lang="ja-JP" altLang="en-US"/>
               <a:t>マスター テキストの書式設定</a:t>
             </a:r>
           </a:p>
@@ -7379,67 +7378,67 @@
           <a:p>
             <a:pPr lvl="0"/>
             <a:r>
-              <a:rPr lang="ja-JP" altLang="en-US" smtClean="0"/>
+              <a:rPr lang="ja-JP" altLang="en-US"/>
               <a:t>マスター テキストの書式設定</a:t>
             </a:r>
           </a:p>
           <a:p>
             <a:pPr lvl="1"/>
             <a:r>
-              <a:rPr lang="ja-JP" altLang="en-US" smtClean="0"/>
+              <a:rPr lang="ja-JP" altLang="en-US"/>
               <a:t>第 </a:t>
             </a:r>
             <a:r>
-              <a:rPr lang="en-US" altLang="ja-JP" smtClean="0"/>
+              <a:rPr lang="en-US" altLang="ja-JP"/>
               <a:t>2 </a:t>
             </a:r>
             <a:r>
-              <a:rPr lang="ja-JP" altLang="en-US" smtClean="0"/>
+              <a:rPr lang="ja-JP" altLang="en-US"/>
               <a:t>レベル</a:t>
             </a:r>
           </a:p>
           <a:p>
             <a:pPr lvl="2"/>
             <a:r>
-              <a:rPr lang="ja-JP" altLang="en-US" smtClean="0"/>
+              <a:rPr lang="ja-JP" altLang="en-US"/>
               <a:t>第 </a:t>
             </a:r>
             <a:r>
-              <a:rPr lang="en-US" altLang="ja-JP" smtClean="0"/>
+              <a:rPr lang="en-US" altLang="ja-JP"/>
               <a:t>3 </a:t>
             </a:r>
             <a:r>
-              <a:rPr lang="ja-JP" altLang="en-US" smtClean="0"/>
+              <a:rPr lang="ja-JP" altLang="en-US"/>
               <a:t>レベル</a:t>
             </a:r>
           </a:p>
           <a:p>
             <a:pPr lvl="3"/>
             <a:r>
-              <a:rPr lang="ja-JP" altLang="en-US" smtClean="0"/>
+              <a:rPr lang="ja-JP" altLang="en-US"/>
               <a:t>第 </a:t>
             </a:r>
             <a:r>
-              <a:rPr lang="en-US" altLang="ja-JP" smtClean="0"/>
+              <a:rPr lang="en-US" altLang="ja-JP"/>
               <a:t>4 </a:t>
             </a:r>
             <a:r>
-              <a:rPr lang="ja-JP" altLang="en-US" smtClean="0"/>
+              <a:rPr lang="ja-JP" altLang="en-US"/>
               <a:t>レベル</a:t>
             </a:r>
           </a:p>
           <a:p>
             <a:pPr lvl="4"/>
             <a:r>
-              <a:rPr lang="ja-JP" altLang="en-US" smtClean="0"/>
+              <a:rPr lang="ja-JP" altLang="en-US"/>
               <a:t>第 </a:t>
             </a:r>
             <a:r>
-              <a:rPr lang="en-US" altLang="ja-JP" smtClean="0"/>
+              <a:rPr lang="en-US" altLang="ja-JP"/>
               <a:t>5 </a:t>
             </a:r>
             <a:r>
-              <a:rPr lang="ja-JP" altLang="en-US" smtClean="0"/>
+              <a:rPr lang="ja-JP" altLang="en-US"/>
               <a:t>レベル</a:t>
             </a:r>
             <a:endParaRPr lang="en-US" dirty="0"/>
@@ -7508,7 +7507,7 @@
           <a:p>
             <a:pPr lvl="0"/>
             <a:r>
-              <a:rPr lang="ja-JP" altLang="en-US" smtClean="0"/>
+              <a:rPr lang="ja-JP" altLang="en-US"/>
               <a:t>マスター テキストの書式設定</a:t>
             </a:r>
           </a:p>
@@ -7536,67 +7535,67 @@
           <a:p>
             <a:pPr lvl="0"/>
             <a:r>
-              <a:rPr lang="ja-JP" altLang="en-US" smtClean="0"/>
+              <a:rPr lang="ja-JP" altLang="en-US"/>
               <a:t>マスター テキストの書式設定</a:t>
             </a:r>
           </a:p>
           <a:p>
             <a:pPr lvl="1"/>
             <a:r>
-              <a:rPr lang="ja-JP" altLang="en-US" smtClean="0"/>
+              <a:rPr lang="ja-JP" altLang="en-US"/>
               <a:t>第 </a:t>
             </a:r>
             <a:r>
-              <a:rPr lang="en-US" altLang="ja-JP" smtClean="0"/>
+              <a:rPr lang="en-US" altLang="ja-JP"/>
               <a:t>2 </a:t>
             </a:r>
             <a:r>
-              <a:rPr lang="ja-JP" altLang="en-US" smtClean="0"/>
+              <a:rPr lang="ja-JP" altLang="en-US"/>
               <a:t>レベル</a:t>
             </a:r>
           </a:p>
           <a:p>
             <a:pPr lvl="2"/>
             <a:r>
-              <a:rPr lang="ja-JP" altLang="en-US" smtClean="0"/>
+              <a:rPr lang="ja-JP" altLang="en-US"/>
               <a:t>第 </a:t>
             </a:r>
             <a:r>
-              <a:rPr lang="en-US" altLang="ja-JP" smtClean="0"/>
+              <a:rPr lang="en-US" altLang="ja-JP"/>
               <a:t>3 </a:t>
             </a:r>
             <a:r>
-              <a:rPr lang="ja-JP" altLang="en-US" smtClean="0"/>
+              <a:rPr lang="ja-JP" altLang="en-US"/>
               <a:t>レベル</a:t>
             </a:r>
           </a:p>
           <a:p>
             <a:pPr lvl="3"/>
             <a:r>
-              <a:rPr lang="ja-JP" altLang="en-US" smtClean="0"/>
+              <a:rPr lang="ja-JP" altLang="en-US"/>
               <a:t>第 </a:t>
             </a:r>
             <a:r>
-              <a:rPr lang="en-US" altLang="ja-JP" smtClean="0"/>
+              <a:rPr lang="en-US" altLang="ja-JP"/>
               <a:t>4 </a:t>
             </a:r>
             <a:r>
-              <a:rPr lang="ja-JP" altLang="en-US" smtClean="0"/>
+              <a:rPr lang="ja-JP" altLang="en-US"/>
               <a:t>レベル</a:t>
             </a:r>
           </a:p>
           <a:p>
             <a:pPr lvl="4"/>
             <a:r>
-              <a:rPr lang="ja-JP" altLang="en-US" smtClean="0"/>
+              <a:rPr lang="ja-JP" altLang="en-US"/>
               <a:t>第 </a:t>
             </a:r>
             <a:r>
-              <a:rPr lang="en-US" altLang="ja-JP" smtClean="0"/>
+              <a:rPr lang="en-US" altLang="ja-JP"/>
               <a:t>5 </a:t>
             </a:r>
             <a:r>
-              <a:rPr lang="ja-JP" altLang="en-US" smtClean="0"/>
+              <a:rPr lang="ja-JP" altLang="en-US"/>
               <a:t>レベル</a:t>
             </a:r>
             <a:endParaRPr lang="en-US"/>
@@ -7619,8 +7618,8 @@
           <a:lstStyle/>
           <a:p>
             <a:r>
-              <a:rPr kumimoji="1" lang="en-US" altLang="ja-JP" smtClean="0"/>
-              <a:t>2017/3/15</a:t>
+              <a:rPr kumimoji="1" lang="en-US" altLang="ja-JP"/>
+              <a:t>2017/4/4</a:t>
             </a:r>
             <a:endParaRPr kumimoji="1" lang="ja-JP" altLang="en-US"/>
           </a:p>
@@ -7642,7 +7641,7 @@
           <a:lstStyle/>
           <a:p>
             <a:r>
-              <a:rPr kumimoji="1" lang="en-US" altLang="ja-JP" smtClean="0"/>
+              <a:rPr kumimoji="1" lang="en-US" altLang="ja-JP"/>
               <a:t>BEACLS: Berkeley Efficient API in C++ for Level Set methods Installation Guide</a:t>
             </a:r>
             <a:endParaRPr kumimoji="1" lang="ja-JP" altLang="en-US"/>
@@ -7688,7 +7687,7 @@
           <a:lstStyle/>
           <a:p>
             <a:r>
-              <a:rPr lang="ja-JP" altLang="en-US" smtClean="0"/>
+              <a:rPr lang="ja-JP" altLang="en-US"/>
               <a:t>マスター タイトルの書式設定</a:t>
             </a:r>
             <a:endParaRPr lang="en-US" dirty="0"/>
@@ -7741,8 +7740,8 @@
           <a:lstStyle/>
           <a:p>
             <a:r>
-              <a:rPr kumimoji="1" lang="en-US" altLang="ja-JP" smtClean="0"/>
-              <a:t>2017/3/15</a:t>
+              <a:rPr kumimoji="1" lang="en-US" altLang="ja-JP"/>
+              <a:t>2017/4/4</a:t>
             </a:r>
             <a:endParaRPr kumimoji="1" lang="ja-JP" altLang="en-US"/>
           </a:p>
@@ -7764,7 +7763,7 @@
           <a:lstStyle/>
           <a:p>
             <a:r>
-              <a:rPr kumimoji="1" lang="en-US" altLang="ja-JP" smtClean="0"/>
+              <a:rPr kumimoji="1" lang="en-US" altLang="ja-JP"/>
               <a:t>BEACLS: Berkeley Efficient API in C++ for Level Set methods Installation Guide</a:t>
             </a:r>
             <a:endParaRPr kumimoji="1" lang="ja-JP" altLang="en-US"/>
@@ -7810,7 +7809,7 @@
           <a:lstStyle/>
           <a:p>
             <a:r>
-              <a:rPr lang="ja-JP" altLang="en-US" smtClean="0"/>
+              <a:rPr lang="ja-JP" altLang="en-US"/>
               <a:t>マスター タイトルの書式設定</a:t>
             </a:r>
             <a:endParaRPr lang="en-US"/>
@@ -7863,8 +7862,8 @@
           <a:lstStyle/>
           <a:p>
             <a:r>
-              <a:rPr kumimoji="1" lang="en-US" altLang="ja-JP" smtClean="0"/>
-              <a:t>2017/3/15</a:t>
+              <a:rPr kumimoji="1" lang="en-US" altLang="ja-JP"/>
+              <a:t>2017/4/4</a:t>
             </a:r>
             <a:endParaRPr kumimoji="1" lang="ja-JP" altLang="en-US"/>
           </a:p>
@@ -7886,7 +7885,7 @@
           <a:lstStyle/>
           <a:p>
             <a:r>
-              <a:rPr kumimoji="1" lang="en-US" altLang="ja-JP" smtClean="0"/>
+              <a:rPr kumimoji="1" lang="en-US" altLang="ja-JP"/>
               <a:t>BEACLS: Berkeley Efficient API in C++ for Level Set methods Installation Guide</a:t>
             </a:r>
             <a:endParaRPr kumimoji="1" lang="ja-JP" altLang="en-US"/>
@@ -7973,7 +7972,7 @@
           </a:lstStyle>
           <a:p>
             <a:r>
-              <a:rPr lang="ja-JP" altLang="en-US" smtClean="0"/>
+              <a:rPr lang="ja-JP" altLang="en-US"/>
               <a:t>マスター タイトルの書式設定</a:t>
             </a:r>
             <a:endParaRPr lang="en-US" dirty="0"/>
@@ -8030,67 +8029,67 @@
           <a:p>
             <a:pPr lvl="0"/>
             <a:r>
-              <a:rPr lang="ja-JP" altLang="en-US" smtClean="0"/>
+              <a:rPr lang="ja-JP" altLang="en-US"/>
               <a:t>マスター テキストの書式設定</a:t>
             </a:r>
           </a:p>
           <a:p>
             <a:pPr lvl="1"/>
             <a:r>
-              <a:rPr lang="ja-JP" altLang="en-US" smtClean="0"/>
+              <a:rPr lang="ja-JP" altLang="en-US"/>
               <a:t>第 </a:t>
             </a:r>
             <a:r>
-              <a:rPr lang="en-US" altLang="ja-JP" smtClean="0"/>
+              <a:rPr lang="en-US" altLang="ja-JP"/>
               <a:t>2 </a:t>
             </a:r>
             <a:r>
-              <a:rPr lang="ja-JP" altLang="en-US" smtClean="0"/>
+              <a:rPr lang="ja-JP" altLang="en-US"/>
               <a:t>レベル</a:t>
             </a:r>
           </a:p>
           <a:p>
             <a:pPr lvl="2"/>
             <a:r>
-              <a:rPr lang="ja-JP" altLang="en-US" smtClean="0"/>
+              <a:rPr lang="ja-JP" altLang="en-US"/>
               <a:t>第 </a:t>
             </a:r>
             <a:r>
-              <a:rPr lang="en-US" altLang="ja-JP" smtClean="0"/>
+              <a:rPr lang="en-US" altLang="ja-JP"/>
               <a:t>3 </a:t>
             </a:r>
             <a:r>
-              <a:rPr lang="ja-JP" altLang="en-US" smtClean="0"/>
+              <a:rPr lang="ja-JP" altLang="en-US"/>
               <a:t>レベル</a:t>
             </a:r>
           </a:p>
           <a:p>
             <a:pPr lvl="3"/>
             <a:r>
-              <a:rPr lang="ja-JP" altLang="en-US" smtClean="0"/>
+              <a:rPr lang="ja-JP" altLang="en-US"/>
               <a:t>第 </a:t>
             </a:r>
             <a:r>
-              <a:rPr lang="en-US" altLang="ja-JP" smtClean="0"/>
+              <a:rPr lang="en-US" altLang="ja-JP"/>
               <a:t>4 </a:t>
             </a:r>
             <a:r>
-              <a:rPr lang="ja-JP" altLang="en-US" smtClean="0"/>
+              <a:rPr lang="ja-JP" altLang="en-US"/>
               <a:t>レベル</a:t>
             </a:r>
           </a:p>
           <a:p>
             <a:pPr lvl="4"/>
             <a:r>
-              <a:rPr lang="ja-JP" altLang="en-US" smtClean="0"/>
+              <a:rPr lang="ja-JP" altLang="en-US"/>
               <a:t>第 </a:t>
             </a:r>
             <a:r>
-              <a:rPr lang="en-US" altLang="ja-JP" smtClean="0"/>
+              <a:rPr lang="en-US" altLang="ja-JP"/>
               <a:t>5 </a:t>
             </a:r>
             <a:r>
-              <a:rPr lang="ja-JP" altLang="en-US" smtClean="0"/>
+              <a:rPr lang="ja-JP" altLang="en-US"/>
               <a:t>レベル</a:t>
             </a:r>
             <a:endParaRPr lang="en-US" dirty="0"/>
@@ -8161,7 +8160,7 @@
           <a:p>
             <a:pPr lvl="0"/>
             <a:r>
-              <a:rPr lang="ja-JP" altLang="en-US" smtClean="0"/>
+              <a:rPr lang="ja-JP" altLang="en-US"/>
               <a:t>マスター テキストの書式設定</a:t>
             </a:r>
           </a:p>
@@ -8183,8 +8182,8 @@
           <a:lstStyle/>
           <a:p>
             <a:r>
-              <a:rPr kumimoji="1" lang="en-US" altLang="ja-JP" smtClean="0"/>
-              <a:t>2017/3/15</a:t>
+              <a:rPr kumimoji="1" lang="en-US" altLang="ja-JP"/>
+              <a:t>2017/4/4</a:t>
             </a:r>
             <a:endParaRPr kumimoji="1" lang="ja-JP" altLang="en-US"/>
           </a:p>
@@ -8206,7 +8205,7 @@
           <a:lstStyle/>
           <a:p>
             <a:r>
-              <a:rPr kumimoji="1" lang="en-US" altLang="ja-JP" smtClean="0"/>
+              <a:rPr kumimoji="1" lang="en-US" altLang="ja-JP"/>
               <a:t>BEACLS: Berkeley Efficient API in C++ for Level Set methods Installation Guide</a:t>
             </a:r>
             <a:endParaRPr kumimoji="1" lang="ja-JP" altLang="en-US"/>
@@ -8293,7 +8292,7 @@
           </a:lstStyle>
           <a:p>
             <a:r>
-              <a:rPr lang="ja-JP" altLang="en-US" smtClean="0"/>
+              <a:rPr lang="ja-JP" altLang="en-US"/>
               <a:t>マスター タイトルの書式設定</a:t>
             </a:r>
             <a:endParaRPr lang="en-US" dirty="0"/>
@@ -8358,7 +8357,7 @@
           </a:lstStyle>
           <a:p>
             <a:r>
-              <a:rPr lang="ja-JP" altLang="en-US" smtClean="0"/>
+              <a:rPr lang="ja-JP" altLang="en-US"/>
               <a:t>図を追加</a:t>
             </a:r>
             <a:endParaRPr lang="en-US" dirty="0"/>
@@ -8429,7 +8428,7 @@
           <a:p>
             <a:pPr lvl="0"/>
             <a:r>
-              <a:rPr lang="ja-JP" altLang="en-US" smtClean="0"/>
+              <a:rPr lang="ja-JP" altLang="en-US"/>
               <a:t>マスター テキストの書式設定</a:t>
             </a:r>
           </a:p>
@@ -8451,8 +8450,8 @@
           <a:lstStyle/>
           <a:p>
             <a:r>
-              <a:rPr kumimoji="1" lang="en-US" altLang="ja-JP" smtClean="0"/>
-              <a:t>2017/3/15</a:t>
+              <a:rPr kumimoji="1" lang="en-US" altLang="ja-JP"/>
+              <a:t>2017/4/4</a:t>
             </a:r>
             <a:endParaRPr kumimoji="1" lang="ja-JP" altLang="en-US"/>
           </a:p>
@@ -8474,7 +8473,7 @@
           <a:lstStyle/>
           <a:p>
             <a:r>
-              <a:rPr kumimoji="1" lang="en-US" altLang="ja-JP" smtClean="0"/>
+              <a:rPr kumimoji="1" lang="en-US" altLang="ja-JP"/>
               <a:t>BEACLS: Berkeley Efficient API in C++ for Level Set methods Installation Guide</a:t>
             </a:r>
             <a:endParaRPr kumimoji="1" lang="ja-JP" altLang="en-US"/>
@@ -8565,7 +8564,7 @@
           <a:lstStyle/>
           <a:p>
             <a:r>
-              <a:rPr lang="ja-JP" altLang="en-US" smtClean="0"/>
+              <a:rPr lang="ja-JP" altLang="en-US"/>
               <a:t>マスター タイトルの書式設定</a:t>
             </a:r>
             <a:endParaRPr lang="en-US" dirty="0"/>
@@ -8599,67 +8598,67 @@
           <a:p>
             <a:pPr lvl="0"/>
             <a:r>
-              <a:rPr lang="ja-JP" altLang="en-US" smtClean="0"/>
+              <a:rPr lang="ja-JP" altLang="en-US"/>
               <a:t>マスター テキストの書式設定</a:t>
             </a:r>
           </a:p>
           <a:p>
             <a:pPr lvl="1"/>
             <a:r>
-              <a:rPr lang="ja-JP" altLang="en-US" smtClean="0"/>
+              <a:rPr lang="ja-JP" altLang="en-US"/>
               <a:t>第 </a:t>
             </a:r>
             <a:r>
-              <a:rPr lang="en-US" altLang="ja-JP" smtClean="0"/>
+              <a:rPr lang="en-US" altLang="ja-JP"/>
               <a:t>2 </a:t>
             </a:r>
             <a:r>
-              <a:rPr lang="ja-JP" altLang="en-US" smtClean="0"/>
+              <a:rPr lang="ja-JP" altLang="en-US"/>
               <a:t>レベル</a:t>
             </a:r>
           </a:p>
           <a:p>
             <a:pPr lvl="2"/>
             <a:r>
-              <a:rPr lang="ja-JP" altLang="en-US" smtClean="0"/>
+              <a:rPr lang="ja-JP" altLang="en-US"/>
               <a:t>第 </a:t>
             </a:r>
             <a:r>
-              <a:rPr lang="en-US" altLang="ja-JP" smtClean="0"/>
+              <a:rPr lang="en-US" altLang="ja-JP"/>
               <a:t>3 </a:t>
             </a:r>
             <a:r>
-              <a:rPr lang="ja-JP" altLang="en-US" smtClean="0"/>
+              <a:rPr lang="ja-JP" altLang="en-US"/>
               <a:t>レベル</a:t>
             </a:r>
           </a:p>
           <a:p>
             <a:pPr lvl="3"/>
             <a:r>
-              <a:rPr lang="ja-JP" altLang="en-US" smtClean="0"/>
+              <a:rPr lang="ja-JP" altLang="en-US"/>
               <a:t>第 </a:t>
             </a:r>
             <a:r>
-              <a:rPr lang="en-US" altLang="ja-JP" smtClean="0"/>
+              <a:rPr lang="en-US" altLang="ja-JP"/>
               <a:t>4 </a:t>
             </a:r>
             <a:r>
-              <a:rPr lang="ja-JP" altLang="en-US" smtClean="0"/>
+              <a:rPr lang="ja-JP" altLang="en-US"/>
               <a:t>レベル</a:t>
             </a:r>
           </a:p>
           <a:p>
             <a:pPr lvl="4"/>
             <a:r>
-              <a:rPr lang="ja-JP" altLang="en-US" smtClean="0"/>
+              <a:rPr lang="ja-JP" altLang="en-US"/>
               <a:t>第 </a:t>
             </a:r>
             <a:r>
-              <a:rPr lang="en-US" altLang="ja-JP" smtClean="0"/>
+              <a:rPr lang="en-US" altLang="ja-JP"/>
               <a:t>5 </a:t>
             </a:r>
             <a:r>
-              <a:rPr lang="ja-JP" altLang="en-US" smtClean="0"/>
+              <a:rPr lang="ja-JP" altLang="en-US"/>
               <a:t>レベル</a:t>
             </a:r>
             <a:endParaRPr lang="en-US" dirty="0"/>
@@ -8701,8 +8700,8 @@
           </a:lstStyle>
           <a:p>
             <a:r>
-              <a:rPr kumimoji="1" lang="en-US" altLang="ja-JP" smtClean="0"/>
-              <a:t>2017/3/15</a:t>
+              <a:rPr kumimoji="1" lang="en-US" altLang="ja-JP"/>
+              <a:t>2017/4/4</a:t>
             </a:r>
             <a:endParaRPr kumimoji="1" lang="ja-JP" altLang="en-US"/>
           </a:p>
@@ -8743,7 +8742,7 @@
           </a:lstStyle>
           <a:p>
             <a:r>
-              <a:rPr kumimoji="1" lang="en-US" altLang="ja-JP" smtClean="0"/>
+              <a:rPr kumimoji="1" lang="en-US" altLang="ja-JP"/>
               <a:t>BEACLS: Berkeley Efficient API in C++ for Level Set methods Installation Guide</a:t>
             </a:r>
             <a:endParaRPr kumimoji="1" lang="ja-JP" altLang="en-US"/>
@@ -9132,7 +9131,7 @@
           <a:lstStyle/>
           <a:p>
             <a:r>
-              <a:rPr lang="ja-JP" altLang="en-US" smtClean="0"/>
+              <a:rPr lang="ja-JP" altLang="en-US"/>
               <a:t>マスター タイトルの書式設定</a:t>
             </a:r>
             <a:endParaRPr lang="en-US" dirty="0"/>
@@ -9166,67 +9165,67 @@
           <a:p>
             <a:pPr lvl="0"/>
             <a:r>
-              <a:rPr lang="ja-JP" altLang="en-US" smtClean="0"/>
+              <a:rPr lang="ja-JP" altLang="en-US"/>
               <a:t>マスター テキストの書式設定</a:t>
             </a:r>
           </a:p>
           <a:p>
             <a:pPr lvl="1"/>
             <a:r>
-              <a:rPr lang="ja-JP" altLang="en-US" smtClean="0"/>
+              <a:rPr lang="ja-JP" altLang="en-US"/>
               <a:t>第 </a:t>
             </a:r>
             <a:r>
-              <a:rPr lang="en-US" altLang="ja-JP" smtClean="0"/>
+              <a:rPr lang="en-US" altLang="ja-JP"/>
               <a:t>2 </a:t>
             </a:r>
             <a:r>
-              <a:rPr lang="ja-JP" altLang="en-US" smtClean="0"/>
+              <a:rPr lang="ja-JP" altLang="en-US"/>
               <a:t>レベル</a:t>
             </a:r>
           </a:p>
           <a:p>
             <a:pPr lvl="2"/>
             <a:r>
-              <a:rPr lang="ja-JP" altLang="en-US" smtClean="0"/>
+              <a:rPr lang="ja-JP" altLang="en-US"/>
               <a:t>第 </a:t>
             </a:r>
             <a:r>
-              <a:rPr lang="en-US" altLang="ja-JP" smtClean="0"/>
+              <a:rPr lang="en-US" altLang="ja-JP"/>
               <a:t>3 </a:t>
             </a:r>
             <a:r>
-              <a:rPr lang="ja-JP" altLang="en-US" smtClean="0"/>
+              <a:rPr lang="ja-JP" altLang="en-US"/>
               <a:t>レベル</a:t>
             </a:r>
           </a:p>
           <a:p>
             <a:pPr lvl="3"/>
             <a:r>
-              <a:rPr lang="ja-JP" altLang="en-US" smtClean="0"/>
+              <a:rPr lang="ja-JP" altLang="en-US"/>
               <a:t>第 </a:t>
             </a:r>
             <a:r>
-              <a:rPr lang="en-US" altLang="ja-JP" smtClean="0"/>
+              <a:rPr lang="en-US" altLang="ja-JP"/>
               <a:t>4 </a:t>
             </a:r>
             <a:r>
-              <a:rPr lang="ja-JP" altLang="en-US" smtClean="0"/>
+              <a:rPr lang="ja-JP" altLang="en-US"/>
               <a:t>レベル</a:t>
             </a:r>
           </a:p>
           <a:p>
             <a:pPr lvl="4"/>
             <a:r>
-              <a:rPr lang="ja-JP" altLang="en-US" smtClean="0"/>
+              <a:rPr lang="ja-JP" altLang="en-US"/>
               <a:t>第 </a:t>
             </a:r>
             <a:r>
-              <a:rPr lang="en-US" altLang="ja-JP" smtClean="0"/>
+              <a:rPr lang="en-US" altLang="ja-JP"/>
               <a:t>5 </a:t>
             </a:r>
             <a:r>
-              <a:rPr lang="ja-JP" altLang="en-US" smtClean="0"/>
+              <a:rPr lang="ja-JP" altLang="en-US"/>
               <a:t>レベル</a:t>
             </a:r>
             <a:endParaRPr lang="en-US" dirty="0"/>
@@ -9268,8 +9267,8 @@
           </a:lstStyle>
           <a:p>
             <a:r>
-              <a:rPr kumimoji="1" lang="en-US" altLang="ja-JP" smtClean="0"/>
-              <a:t>2017/3/15</a:t>
+              <a:rPr kumimoji="1" lang="en-US" altLang="ja-JP"/>
+              <a:t>2017/4/4</a:t>
             </a:r>
             <a:endParaRPr kumimoji="1" lang="ja-JP" altLang="en-US"/>
           </a:p>
@@ -9310,7 +9309,7 @@
           </a:lstStyle>
           <a:p>
             <a:r>
-              <a:rPr kumimoji="1" lang="en-US" altLang="ja-JP" smtClean="0"/>
+              <a:rPr kumimoji="1" lang="en-US" altLang="ja-JP"/>
               <a:t>BEACLS: Berkeley Efficient API in C++ for Level Set methods Installation Guide</a:t>
             </a:r>
             <a:endParaRPr kumimoji="1" lang="ja-JP" altLang="en-US"/>
@@ -9699,7 +9698,7 @@
           <a:lstStyle/>
           <a:p>
             <a:r>
-              <a:rPr lang="ja-JP" altLang="en-US" smtClean="0"/>
+              <a:rPr lang="ja-JP" altLang="en-US"/>
               <a:t>マスター タイトルの書式設定</a:t>
             </a:r>
             <a:endParaRPr lang="en-US" dirty="0"/>
@@ -9733,67 +9732,67 @@
           <a:p>
             <a:pPr lvl="0"/>
             <a:r>
-              <a:rPr lang="ja-JP" altLang="en-US" smtClean="0"/>
+              <a:rPr lang="ja-JP" altLang="en-US"/>
               <a:t>マスター テキストの書式設定</a:t>
             </a:r>
           </a:p>
           <a:p>
             <a:pPr lvl="1"/>
             <a:r>
-              <a:rPr lang="ja-JP" altLang="en-US" smtClean="0"/>
+              <a:rPr lang="ja-JP" altLang="en-US"/>
               <a:t>第 </a:t>
             </a:r>
             <a:r>
-              <a:rPr lang="en-US" altLang="ja-JP" smtClean="0"/>
+              <a:rPr lang="en-US" altLang="ja-JP"/>
               <a:t>2 </a:t>
             </a:r>
             <a:r>
-              <a:rPr lang="ja-JP" altLang="en-US" smtClean="0"/>
+              <a:rPr lang="ja-JP" altLang="en-US"/>
               <a:t>レベル</a:t>
             </a:r>
           </a:p>
           <a:p>
             <a:pPr lvl="2"/>
             <a:r>
-              <a:rPr lang="ja-JP" altLang="en-US" smtClean="0"/>
+              <a:rPr lang="ja-JP" altLang="en-US"/>
               <a:t>第 </a:t>
             </a:r>
             <a:r>
-              <a:rPr lang="en-US" altLang="ja-JP" smtClean="0"/>
+              <a:rPr lang="en-US" altLang="ja-JP"/>
               <a:t>3 </a:t>
             </a:r>
             <a:r>
-              <a:rPr lang="ja-JP" altLang="en-US" smtClean="0"/>
+              <a:rPr lang="ja-JP" altLang="en-US"/>
               <a:t>レベル</a:t>
             </a:r>
           </a:p>
           <a:p>
             <a:pPr lvl="3"/>
             <a:r>
-              <a:rPr lang="ja-JP" altLang="en-US" smtClean="0"/>
+              <a:rPr lang="ja-JP" altLang="en-US"/>
               <a:t>第 </a:t>
             </a:r>
             <a:r>
-              <a:rPr lang="en-US" altLang="ja-JP" smtClean="0"/>
+              <a:rPr lang="en-US" altLang="ja-JP"/>
               <a:t>4 </a:t>
             </a:r>
             <a:r>
-              <a:rPr lang="ja-JP" altLang="en-US" smtClean="0"/>
+              <a:rPr lang="ja-JP" altLang="en-US"/>
               <a:t>レベル</a:t>
             </a:r>
           </a:p>
           <a:p>
             <a:pPr lvl="4"/>
             <a:r>
-              <a:rPr lang="ja-JP" altLang="en-US" smtClean="0"/>
+              <a:rPr lang="ja-JP" altLang="en-US"/>
               <a:t>第 </a:t>
             </a:r>
             <a:r>
-              <a:rPr lang="en-US" altLang="ja-JP" smtClean="0"/>
+              <a:rPr lang="en-US" altLang="ja-JP"/>
               <a:t>5 </a:t>
             </a:r>
             <a:r>
-              <a:rPr lang="ja-JP" altLang="en-US" smtClean="0"/>
+              <a:rPr lang="ja-JP" altLang="en-US"/>
               <a:t>レベル</a:t>
             </a:r>
             <a:endParaRPr lang="en-US" dirty="0"/>
@@ -9835,8 +9834,8 @@
           </a:lstStyle>
           <a:p>
             <a:r>
-              <a:rPr kumimoji="1" lang="en-US" altLang="ja-JP" smtClean="0"/>
-              <a:t>2017/3/15</a:t>
+              <a:rPr kumimoji="1" lang="en-US" altLang="ja-JP"/>
+              <a:t>2017/4/4</a:t>
             </a:r>
             <a:endParaRPr kumimoji="1" lang="ja-JP" altLang="en-US"/>
           </a:p>
@@ -9877,7 +9876,7 @@
           </a:lstStyle>
           <a:p>
             <a:r>
-              <a:rPr kumimoji="1" lang="en-US" altLang="ja-JP" smtClean="0"/>
+              <a:rPr kumimoji="1" lang="en-US" altLang="ja-JP"/>
               <a:t>BEACLS: Berkeley Efficient API in C++ for Level Set methods Installation Guide</a:t>
             </a:r>
             <a:endParaRPr kumimoji="1" lang="ja-JP" altLang="en-US"/>
@@ -10254,17 +10253,13 @@
           <a:p>
             <a:r>
               <a:rPr lang="en-US" altLang="ja-JP" dirty="0"/>
-              <a:t>BEACLS: Berkeley Efficient API in C++ for Level Set </a:t>
-            </a:r>
-            <a:r>
-              <a:rPr lang="en-US" altLang="ja-JP" dirty="0" smtClean="0"/>
-              <a:t>methods</a:t>
+              <a:t>BEACLS: Berkeley Efficient API in C++ for Level Set methods</a:t>
             </a:r>
             <a:br>
-              <a:rPr lang="en-US" altLang="ja-JP" dirty="0" smtClean="0"/>
+              <a:rPr lang="en-US" altLang="ja-JP" dirty="0"/>
             </a:br>
             <a:r>
-              <a:rPr lang="en-US" altLang="ja-JP" dirty="0" smtClean="0"/>
+              <a:rPr lang="en-US" altLang="ja-JP" dirty="0"/>
               <a:t>Installation Guide</a:t>
             </a:r>
             <a:endParaRPr kumimoji="1" lang="ja-JP" altLang="en-US" dirty="0"/>
@@ -10287,14 +10282,14 @@
           <a:lstStyle/>
           <a:p>
             <a:r>
-              <a:rPr kumimoji="1" lang="en-US" altLang="ja-JP" dirty="0" smtClean="0"/>
+              <a:rPr kumimoji="1" lang="en-US" altLang="ja-JP" dirty="0"/>
               <a:t>Ken TANABE</a:t>
             </a:r>
           </a:p>
           <a:p>
             <a:r>
-              <a:rPr lang="en-US" altLang="ja-JP" dirty="0" smtClean="0"/>
-              <a:t>2017/03/15</a:t>
+              <a:rPr lang="en-US" altLang="ja-JP" dirty="0"/>
+              <a:t>2017/04/04</a:t>
             </a:r>
             <a:endParaRPr kumimoji="1" lang="ja-JP" altLang="en-US" dirty="0"/>
           </a:p>
@@ -10316,8 +10311,8 @@
           <a:lstStyle/>
           <a:p>
             <a:r>
-              <a:rPr kumimoji="1" lang="en-US" altLang="ja-JP" smtClean="0"/>
-              <a:t>2017/3/15</a:t>
+              <a:rPr kumimoji="1" lang="en-US" altLang="ja-JP"/>
+              <a:t>2017/4/4</a:t>
             </a:r>
             <a:endParaRPr kumimoji="1" lang="ja-JP" altLang="en-US"/>
           </a:p>
@@ -10339,7 +10334,7 @@
           <a:lstStyle/>
           <a:p>
             <a:r>
-              <a:rPr kumimoji="1" lang="en-US" altLang="ja-JP" smtClean="0"/>
+              <a:rPr kumimoji="1" lang="en-US" altLang="ja-JP"/>
               <a:t>BEACLS: Berkeley Efficient API in C++ for Level Set methods Installation Guide</a:t>
             </a:r>
             <a:endParaRPr kumimoji="1" lang="ja-JP" altLang="en-US"/>
@@ -10379,13 +10374,6 @@
   <p:clrMapOvr>
     <a:masterClrMapping/>
   </p:clrMapOvr>
-  <p:timing>
-    <p:tnLst>
-      <p:par>
-        <p:cTn id="1" dur="indefinite" restart="never" nodeType="tmRoot"/>
-      </p:par>
-    </p:tnLst>
-  </p:timing>
 </p:sld>
 </file>
 
@@ -10422,14 +10410,14 @@
           <a:lstStyle/>
           <a:p>
             <a:r>
-              <a:rPr kumimoji="1" lang="en-US" altLang="ja-JP" dirty="0" smtClean="0"/>
+              <a:rPr kumimoji="1" lang="en-US" altLang="ja-JP" dirty="0"/>
               <a:t>Install to Ubuntu Linux 16.04 LTS</a:t>
             </a:r>
             <a:br>
-              <a:rPr kumimoji="1" lang="en-US" altLang="ja-JP" dirty="0" smtClean="0"/>
+              <a:rPr kumimoji="1" lang="en-US" altLang="ja-JP" dirty="0"/>
             </a:br>
             <a:r>
-              <a:rPr kumimoji="1" lang="en-US" altLang="ja-JP" dirty="0" smtClean="0"/>
+              <a:rPr kumimoji="1" lang="en-US" altLang="ja-JP" dirty="0"/>
               <a:t>(With GPU)</a:t>
             </a:r>
             <a:endParaRPr kumimoji="1" lang="ja-JP" altLang="en-US" dirty="0"/>
@@ -10458,26 +10446,25 @@
               <a:buAutoNum type="arabicPeriod"/>
             </a:pPr>
             <a:r>
-              <a:rPr lang="en-US" altLang="ja-JP" dirty="0" smtClean="0"/>
+              <a:rPr lang="en-US" altLang="ja-JP" dirty="0"/>
               <a:t>Install </a:t>
             </a:r>
             <a:r>
-              <a:rPr lang="en-US" altLang="ja-JP" dirty="0" err="1" smtClean="0"/>
+              <a:rPr lang="en-US" altLang="ja-JP" dirty="0" err="1"/>
               <a:t>zlib</a:t>
             </a:r>
             <a:r>
-              <a:rPr lang="en-US" altLang="ja-JP" dirty="0" smtClean="0"/>
+              <a:rPr lang="en-US" altLang="ja-JP" dirty="0"/>
               <a:t>, boost, </a:t>
             </a:r>
             <a:r>
-              <a:rPr lang="en-US" altLang="ja-JP" dirty="0" err="1" smtClean="0"/>
+              <a:rPr lang="en-US" altLang="ja-JP" dirty="0" err="1"/>
               <a:t>OpenCV</a:t>
             </a:r>
             <a:r>
-              <a:rPr lang="en-US" altLang="ja-JP" dirty="0" smtClean="0"/>
+              <a:rPr lang="en-US" altLang="ja-JP" dirty="0"/>
               <a:t> and hdf5</a:t>
             </a:r>
-            <a:endParaRPr lang="en-US" altLang="ja-JP" dirty="0"/>
           </a:p>
           <a:p>
             <a:pPr marL="457200" lvl="1" indent="0">
@@ -10510,11 +10497,7 @@
             </a:r>
             <a:r>
               <a:rPr lang="en-US" altLang="ja-JP" dirty="0"/>
-              <a:t> apt-get </a:t>
-            </a:r>
-            <a:r>
-              <a:rPr lang="en-US" altLang="ja-JP" dirty="0" smtClean="0"/>
-              <a:t>upgrade</a:t>
+              <a:t> apt-get upgrade</a:t>
             </a:r>
           </a:p>
           <a:p>
@@ -10522,7 +10505,7 @@
               <a:buNone/>
             </a:pPr>
             <a:r>
-              <a:rPr lang="en-US" altLang="ja-JP" dirty="0" smtClean="0"/>
+              <a:rPr lang="en-US" altLang="ja-JP" dirty="0"/>
               <a:t>$ </a:t>
             </a:r>
             <a:r>
@@ -10534,30 +10517,29 @@
               <a:t> apt-get install </a:t>
             </a:r>
             <a:r>
-              <a:rPr lang="en-US" altLang="ja-JP" dirty="0" err="1" smtClean="0"/>
+              <a:rPr lang="en-US" altLang="ja-JP" dirty="0" err="1"/>
               <a:t>zlib</a:t>
             </a:r>
             <a:r>
-              <a:rPr lang="en-US" altLang="ja-JP" dirty="0" smtClean="0"/>
+              <a:rPr lang="en-US" altLang="ja-JP" dirty="0"/>
               <a:t> libhdf5-dev </a:t>
             </a:r>
             <a:r>
-              <a:rPr lang="en-US" altLang="ja-JP" dirty="0" err="1" smtClean="0"/>
+              <a:rPr lang="en-US" altLang="ja-JP" dirty="0" err="1"/>
               <a:t>libboost</a:t>
             </a:r>
             <a:r>
-              <a:rPr lang="en-US" altLang="ja-JP" dirty="0" smtClean="0"/>
+              <a:rPr lang="en-US" altLang="ja-JP" dirty="0"/>
               <a:t>-dev </a:t>
             </a:r>
             <a:r>
-              <a:rPr lang="en-US" altLang="ja-JP" dirty="0" err="1" smtClean="0"/>
+              <a:rPr lang="en-US" altLang="ja-JP" dirty="0" err="1"/>
               <a:t>libopencv</a:t>
             </a:r>
             <a:r>
-              <a:rPr lang="en-US" altLang="ja-JP" dirty="0" smtClean="0"/>
+              <a:rPr lang="en-US" altLang="ja-JP" dirty="0"/>
               <a:t>-dev</a:t>
             </a:r>
-            <a:endParaRPr lang="en-US" altLang="ja-JP" dirty="0"/>
           </a:p>
           <a:p>
             <a:pPr marL="514350" indent="-514350">
@@ -10566,13 +10548,8 @@
             </a:pPr>
             <a:r>
               <a:rPr lang="en-US" altLang="ja-JP" dirty="0"/>
-              <a:t>Download </a:t>
-            </a:r>
-            <a:r>
-              <a:rPr lang="en-US" altLang="ja-JP" dirty="0" smtClean="0"/>
-              <a:t>and install CUDA 8.0</a:t>
-            </a:r>
-            <a:endParaRPr lang="en-US" altLang="ja-JP" dirty="0"/>
+              <a:t>Download and install CUDA 8.0</a:t>
+            </a:r>
           </a:p>
           <a:p>
             <a:pPr marL="457200" lvl="1" indent="0">
@@ -10589,12 +10566,8 @@
               <a:buAutoNum type="arabicPeriod"/>
             </a:pPr>
             <a:r>
-              <a:rPr lang="en-US" altLang="ja-JP" dirty="0" smtClean="0"/>
-              <a:t>Download </a:t>
-            </a:r>
-            <a:r>
-              <a:rPr lang="en-US" altLang="ja-JP" dirty="0"/>
-              <a:t>BEACLS</a:t>
+              <a:rPr lang="en-US" altLang="ja-JP" dirty="0"/>
+              <a:t>Download BEACLS</a:t>
             </a:r>
           </a:p>
           <a:p>
@@ -10602,15 +10575,15 @@
               <a:buNone/>
             </a:pPr>
             <a:r>
-              <a:rPr lang="en-US" altLang="ja-JP" dirty="0" smtClean="0"/>
+              <a:rPr lang="en-US" altLang="ja-JP" dirty="0"/>
               <a:t>$ </a:t>
             </a:r>
             <a:r>
-              <a:rPr lang="en-US" altLang="ja-JP" dirty="0" err="1" smtClean="0"/>
+              <a:rPr lang="en-US" altLang="ja-JP" dirty="0" err="1"/>
               <a:t>mkdir</a:t>
             </a:r>
             <a:r>
-              <a:rPr lang="en-US" altLang="ja-JP" dirty="0" smtClean="0"/>
+              <a:rPr lang="en-US" altLang="ja-JP" dirty="0"/>
               <a:t> ~/BEACLS; cd ~/BEACLS</a:t>
             </a:r>
           </a:p>
@@ -10619,45 +10592,35 @@
               <a:buNone/>
             </a:pPr>
             <a:r>
-              <a:rPr lang="en-US" altLang="ja-JP" dirty="0" smtClean="0"/>
+              <a:rPr lang="en-US" altLang="ja-JP" dirty="0"/>
               <a:t>$ </a:t>
             </a:r>
             <a:r>
-              <a:rPr lang="en-US" altLang="ja-JP" dirty="0" err="1" smtClean="0"/>
+              <a:rPr lang="en-US" altLang="ja-JP" dirty="0" err="1"/>
               <a:t>git</a:t>
             </a:r>
             <a:r>
-              <a:rPr lang="en-US" altLang="ja-JP" dirty="0" smtClean="0"/>
-              <a:t> </a:t>
-            </a:r>
-            <a:r>
-              <a:rPr lang="en-US" altLang="ja-JP" dirty="0"/>
-              <a:t>clone </a:t>
+              <a:rPr lang="en-US" altLang="ja-JP" dirty="0"/>
+              <a:t> clone </a:t>
             </a:r>
             <a:r>
               <a:rPr lang="en-US" altLang="ja-JP" dirty="0">
                 <a:hlinkClick r:id="rId2"/>
               </a:rPr>
-              <a:t>https://</a:t>
-            </a:r>
-            <a:r>
-              <a:rPr lang="en-US" altLang="ja-JP" dirty="0" smtClean="0">
-                <a:hlinkClick r:id="rId2"/>
-              </a:rPr>
-              <a:t>github.com/HJReachability/beacls</a:t>
-            </a:r>
-            <a:endParaRPr lang="en-US" altLang="ja-JP" dirty="0" smtClean="0"/>
+              <a:t>https://github.com/HJReachability/beacls</a:t>
+            </a:r>
+            <a:endParaRPr lang="en-US" altLang="ja-JP" dirty="0"/>
           </a:p>
           <a:p>
             <a:pPr marL="457200" lvl="1" indent="0">
               <a:buNone/>
             </a:pPr>
             <a:r>
-              <a:rPr lang="en-US" altLang="ja-JP" dirty="0" smtClean="0"/>
+              <a:rPr lang="en-US" altLang="ja-JP" dirty="0"/>
               <a:t>$ cd </a:t>
             </a:r>
             <a:r>
-              <a:rPr lang="en-US" altLang="ja-JP" dirty="0" err="1" smtClean="0"/>
+              <a:rPr lang="en-US" altLang="ja-JP" dirty="0" err="1"/>
               <a:t>beacls</a:t>
             </a:r>
             <a:endParaRPr lang="en-US" altLang="ja-JP" dirty="0"/>
@@ -10695,29 +10658,24 @@
             </a:pPr>
             <a:r>
               <a:rPr lang="en-US" altLang="ja-JP" dirty="0"/>
-              <a:t>$ make </a:t>
-            </a:r>
-            <a:r>
-              <a:rPr lang="en-US" altLang="ja-JP" dirty="0" smtClean="0"/>
-              <a:t>WITH_GPU=Y NVCC=/</a:t>
-            </a:r>
-            <a:r>
-              <a:rPr lang="en-US" altLang="ja-JP" dirty="0" err="1" smtClean="0"/>
+              <a:t>$ make WITH_GPU=Y NVCC=/</a:t>
+            </a:r>
+            <a:r>
+              <a:rPr lang="en-US" altLang="ja-JP" dirty="0" err="1"/>
               <a:t>usr</a:t>
             </a:r>
             <a:r>
-              <a:rPr lang="en-US" altLang="ja-JP" dirty="0" smtClean="0"/>
+              <a:rPr lang="en-US" altLang="ja-JP" dirty="0"/>
               <a:t>/local/cuda-8.0/bin/</a:t>
             </a:r>
             <a:r>
-              <a:rPr lang="en-US" altLang="ja-JP" dirty="0" err="1" smtClean="0"/>
+              <a:rPr lang="en-US" altLang="ja-JP" dirty="0" err="1"/>
               <a:t>nvcc</a:t>
             </a:r>
             <a:r>
-              <a:rPr lang="en-US" altLang="ja-JP" dirty="0" smtClean="0"/>
+              <a:rPr lang="en-US" altLang="ja-JP" dirty="0"/>
               <a:t> all</a:t>
             </a:r>
-            <a:endParaRPr lang="en-US" altLang="ja-JP" dirty="0"/>
           </a:p>
           <a:p>
             <a:pPr marL="514350" indent="-514350">
@@ -10770,8 +10728,8 @@
           <a:lstStyle/>
           <a:p>
             <a:r>
-              <a:rPr kumimoji="1" lang="en-US" altLang="ja-JP" smtClean="0"/>
-              <a:t>2017/3/15</a:t>
+              <a:rPr kumimoji="1" lang="en-US" altLang="ja-JP"/>
+              <a:t>2017/4/4</a:t>
             </a:r>
             <a:endParaRPr kumimoji="1" lang="ja-JP" altLang="en-US"/>
           </a:p>
@@ -10793,7 +10751,7 @@
           <a:lstStyle/>
           <a:p>
             <a:r>
-              <a:rPr kumimoji="1" lang="en-US" altLang="ja-JP" smtClean="0"/>
+              <a:rPr kumimoji="1" lang="en-US" altLang="ja-JP"/>
               <a:t>BEACLS: Berkeley Efficient API in C++ for Level Set methods Installation Guide</a:t>
             </a:r>
             <a:endParaRPr kumimoji="1" lang="ja-JP" altLang="en-US"/>
@@ -10833,13 +10791,6 @@
   <p:clrMapOvr>
     <a:masterClrMapping/>
   </p:clrMapOvr>
-  <p:timing>
-    <p:tnLst>
-      <p:par>
-        <p:cTn id="1" dur="indefinite" restart="never" nodeType="tmRoot"/>
-      </p:par>
-    </p:tnLst>
-  </p:timing>
 </p:sld>
 </file>
 
@@ -10876,7 +10827,7 @@
           <a:lstStyle/>
           <a:p>
             <a:r>
-              <a:rPr kumimoji="1" lang="en-US" altLang="ja-JP" dirty="0" smtClean="0"/>
+              <a:rPr kumimoji="1" lang="en-US" altLang="ja-JP" dirty="0"/>
               <a:t>Table of contents</a:t>
             </a:r>
             <a:endParaRPr kumimoji="1" lang="ja-JP" altLang="en-US" dirty="0"/>
@@ -10899,7 +10850,7 @@
           <a:lstStyle/>
           <a:p>
             <a:r>
-              <a:rPr kumimoji="1" lang="en-US" altLang="ja-JP" dirty="0" smtClean="0">
+              <a:rPr kumimoji="1" lang="en-US" altLang="ja-JP" dirty="0">
                 <a:solidFill>
                   <a:schemeClr val="bg1">
                     <a:lumMod val="50000"/>
@@ -10923,16 +10874,6 @@
           </a:p>
           <a:p>
             <a:r>
-              <a:rPr lang="en-US" altLang="ja-JP" dirty="0" smtClean="0">
-                <a:solidFill>
-                  <a:schemeClr val="bg1">
-                    <a:lumMod val="50000"/>
-                  </a:schemeClr>
-                </a:solidFill>
-              </a:rPr>
-              <a:t>Ubuntu </a:t>
-            </a:r>
-            <a:r>
               <a:rPr lang="en-US" altLang="ja-JP" dirty="0">
                 <a:solidFill>
                   <a:schemeClr val="bg1">
@@ -10940,7 +10881,7 @@
                   </a:schemeClr>
                 </a:solidFill>
               </a:rPr>
-              <a:t>Linux without GPU</a:t>
+              <a:t>Ubuntu Linux without GPU</a:t>
             </a:r>
           </a:p>
           <a:p>
@@ -10952,18 +10893,16 @@
                   </a:schemeClr>
                 </a:solidFill>
               </a:rPr>
-              <a:t>Ubuntu Linux </a:t>
-            </a:r>
-            <a:r>
-              <a:rPr lang="en-US" altLang="ja-JP" dirty="0" smtClean="0">
-                <a:solidFill>
-                  <a:schemeClr val="bg1">
-                    <a:lumMod val="50000"/>
-                  </a:schemeClr>
-                </a:solidFill>
-              </a:rPr>
-              <a:t>with </a:t>
-            </a:r>
+              <a:t>Ubuntu Linux with GPU</a:t>
+            </a:r>
+          </a:p>
+          <a:p>
+            <a:r>
+              <a:rPr lang="en-US" altLang="ja-JP" dirty="0"/>
+              <a:t>Windows without GPU</a:t>
+            </a:r>
+          </a:p>
+          <a:p>
             <a:r>
               <a:rPr lang="en-US" altLang="ja-JP" dirty="0">
                 <a:solidFill>
@@ -10972,43 +10911,7 @@
                   </a:schemeClr>
                 </a:solidFill>
               </a:rPr>
-              <a:t>GPU</a:t>
-            </a:r>
-          </a:p>
-          <a:p>
-            <a:r>
-              <a:rPr lang="en-US" altLang="ja-JP" dirty="0" smtClean="0"/>
-              <a:t>Windows </a:t>
-            </a:r>
-            <a:r>
-              <a:rPr lang="en-US" altLang="ja-JP" dirty="0"/>
-              <a:t>without </a:t>
-            </a:r>
-            <a:r>
-              <a:rPr lang="en-US" altLang="ja-JP" dirty="0" smtClean="0"/>
-              <a:t>GPU</a:t>
-            </a:r>
-          </a:p>
-          <a:p>
-            <a:r>
-              <a:rPr lang="en-US" altLang="ja-JP" dirty="0" smtClean="0">
-                <a:solidFill>
-                  <a:schemeClr val="bg1">
-                    <a:lumMod val="50000"/>
-                  </a:schemeClr>
-                </a:solidFill>
-              </a:rPr>
-              <a:t>Windows with </a:t>
-            </a:r>
-            <a:r>
-              <a:rPr lang="en-US" altLang="ja-JP" dirty="0">
-                <a:solidFill>
-                  <a:schemeClr val="bg1">
-                    <a:lumMod val="50000"/>
-                  </a:schemeClr>
-                </a:solidFill>
-              </a:rPr>
-              <a:t>GPU</a:t>
+              <a:t>Windows with GPU</a:t>
             </a:r>
           </a:p>
           <a:p>
@@ -11035,8 +10938,8 @@
           <a:lstStyle/>
           <a:p>
             <a:r>
-              <a:rPr kumimoji="1" lang="en-US" altLang="ja-JP" smtClean="0"/>
-              <a:t>2017/3/15</a:t>
+              <a:rPr kumimoji="1" lang="en-US" altLang="ja-JP"/>
+              <a:t>2017/4/4</a:t>
             </a:r>
             <a:endParaRPr kumimoji="1" lang="ja-JP" altLang="en-US"/>
           </a:p>
@@ -11058,7 +10961,7 @@
           <a:lstStyle/>
           <a:p>
             <a:r>
-              <a:rPr kumimoji="1" lang="en-US" altLang="ja-JP" smtClean="0"/>
+              <a:rPr kumimoji="1" lang="en-US" altLang="ja-JP"/>
               <a:t>BEACLS: Berkeley Efficient API in C++ for Level Set methods Installation Guide</a:t>
             </a:r>
             <a:endParaRPr kumimoji="1" lang="ja-JP" altLang="en-US"/>
@@ -11134,7 +11037,7 @@
           <a:lstStyle/>
           <a:p>
             <a:r>
-              <a:rPr lang="en-US" altLang="ja-JP" dirty="0" smtClean="0"/>
+              <a:rPr lang="en-US" altLang="ja-JP" dirty="0"/>
               <a:t>Install to Windows 7/8.1/10 (Without GPU)</a:t>
             </a:r>
             <a:endParaRPr kumimoji="1" lang="ja-JP" altLang="en-US" dirty="0"/>
@@ -11163,18 +11066,9 @@
               <a:buAutoNum type="arabicPeriod"/>
             </a:pPr>
             <a:r>
-              <a:rPr lang="en-US" altLang="ja-JP" dirty="0" smtClean="0"/>
-              <a:t>Download </a:t>
-            </a:r>
-            <a:r>
-              <a:rPr lang="en-US" altLang="ja-JP" dirty="0"/>
-              <a:t>and install HDF5 Pre-built Binary </a:t>
-            </a:r>
-            <a:r>
-              <a:rPr lang="en-US" altLang="ja-JP" dirty="0" smtClean="0"/>
-              <a:t>Distributions</a:t>
-            </a:r>
-            <a:endParaRPr lang="en-US" altLang="ja-JP" dirty="0"/>
+              <a:rPr lang="en-US" altLang="ja-JP" dirty="0"/>
+              <a:t>Download and install HDF5 Pre-built Binary Distributions</a:t>
+            </a:r>
           </a:p>
           <a:p>
             <a:pPr marL="971550" lvl="1" indent="-514350">
@@ -11182,18 +11076,9 @@
               <a:buAutoNum type="arabicPeriod"/>
             </a:pPr>
             <a:r>
-              <a:rPr lang="en-US" altLang="ja-JP" dirty="0" smtClean="0"/>
-              <a:t>Download binary distribution </a:t>
-            </a:r>
-            <a:r>
-              <a:rPr lang="en-US" altLang="ja-JP" dirty="0"/>
-              <a:t>from HDF group </a:t>
-            </a:r>
-            <a:r>
-              <a:rPr lang="en-US" altLang="ja-JP" dirty="0" smtClean="0"/>
-              <a:t>site</a:t>
-            </a:r>
-            <a:endParaRPr lang="en-US" altLang="ja-JP" dirty="0"/>
+              <a:rPr lang="en-US" altLang="ja-JP" dirty="0"/>
+              <a:t>Download binary distribution from HDF group site</a:t>
+            </a:r>
           </a:p>
           <a:p>
             <a:pPr lvl="2"/>
@@ -11201,39 +11086,21 @@
               <a:rPr lang="en-US" altLang="ja-JP" dirty="0">
                 <a:hlinkClick r:id="rId2"/>
               </a:rPr>
-              <a:t>https://</a:t>
-            </a:r>
-            <a:r>
-              <a:rPr lang="en-US" altLang="ja-JP" dirty="0" smtClean="0">
-                <a:hlinkClick r:id="rId2"/>
-              </a:rPr>
-              <a:t>www.hdfgroup.org/HDF5/release/obtain5.html</a:t>
+              <a:t>https://www.hdfgroup.org/HDF5/release/obtain5.html</a:t>
             </a:r>
             <a:endParaRPr lang="en-US" altLang="ja-JP" dirty="0"/>
           </a:p>
           <a:p>
             <a:pPr lvl="2"/>
             <a:r>
-              <a:rPr lang="en-US" altLang="ja-JP" dirty="0" smtClean="0"/>
-              <a:t>1.8.17-win64-vs2015: </a:t>
-            </a:r>
-            <a:r>
-              <a:rPr lang="en-US" altLang="ja-JP" dirty="0" smtClean="0">
-                <a:hlinkClick r:id="rId3"/>
-              </a:rPr>
-              <a:t>http</a:t>
+              <a:rPr lang="en-US" altLang="ja-JP" dirty="0"/>
+              <a:t>1.8.18-win64-vs2015: </a:t>
             </a:r>
             <a:r>
               <a:rPr lang="en-US" altLang="ja-JP" dirty="0">
                 <a:hlinkClick r:id="rId3"/>
               </a:rPr>
-              <a:t>://</a:t>
-            </a:r>
-            <a:r>
-              <a:rPr lang="en-US" altLang="ja-JP" dirty="0" smtClean="0">
-                <a:hlinkClick r:id="rId3"/>
-              </a:rPr>
-              <a:t>www.hdfgroup.org/ftp/HDF5/current/bin/windows/extra/hdf5-1.8.17-win64-vs2015-shared.zip</a:t>
+              <a:t>http://www.hdfgroup.org/ftp/HDF5/current/bin/windows/extra/hdf5-1.8.18-win64-vs2015-shared.zip</a:t>
             </a:r>
             <a:endParaRPr lang="en-US" altLang="ja-JP" dirty="0"/>
           </a:p>
@@ -11243,7 +11110,7 @@
               <a:buAutoNum type="arabicPeriod"/>
             </a:pPr>
             <a:r>
-              <a:rPr lang="en-US" altLang="ja-JP" dirty="0" smtClean="0"/>
+              <a:rPr lang="en-US" altLang="ja-JP" dirty="0"/>
               <a:t>Extract a zip file and install it.</a:t>
             </a:r>
           </a:p>
@@ -11253,18 +11120,9 @@
               <a:buAutoNum type="arabicPeriod"/>
             </a:pPr>
             <a:r>
-              <a:rPr lang="en-US" altLang="ja-JP" dirty="0" smtClean="0"/>
-              <a:t>Download </a:t>
-            </a:r>
-            <a:r>
-              <a:rPr lang="en-US" altLang="ja-JP" dirty="0"/>
-              <a:t>and install </a:t>
-            </a:r>
-            <a:r>
-              <a:rPr lang="en-US" altLang="ja-JP" dirty="0" smtClean="0"/>
-              <a:t>Boost</a:t>
-            </a:r>
-            <a:endParaRPr lang="en-US" altLang="ja-JP" dirty="0"/>
+              <a:rPr lang="en-US" altLang="ja-JP" dirty="0"/>
+              <a:t>Download and install Boost</a:t>
+            </a:r>
           </a:p>
           <a:p>
             <a:pPr marL="971550" lvl="1" indent="-514350">
@@ -11273,57 +11131,27 @@
             </a:pPr>
             <a:r>
               <a:rPr lang="en-US" altLang="ja-JP" dirty="0"/>
-              <a:t>Download </a:t>
-            </a:r>
-            <a:r>
-              <a:rPr lang="en-US" altLang="ja-JP" dirty="0" smtClean="0"/>
-              <a:t>binary</a:t>
-            </a:r>
-            <a:r>
-              <a:rPr lang="en-US" altLang="ja-JP" dirty="0"/>
-              <a:t> distribution</a:t>
-            </a:r>
-            <a:r>
-              <a:rPr lang="en-US" altLang="ja-JP" dirty="0" smtClean="0"/>
-              <a:t> from the site: </a:t>
-            </a:r>
-            <a:r>
-              <a:rPr lang="en-US" altLang="ja-JP" dirty="0" smtClean="0">
-                <a:hlinkClick r:id="rId4"/>
-              </a:rPr>
-              <a:t>http</a:t>
+              <a:t>Download binary distribution from the site: </a:t>
             </a:r>
             <a:r>
               <a:rPr lang="en-US" altLang="ja-JP" dirty="0">
                 <a:hlinkClick r:id="rId4"/>
               </a:rPr>
-              <a:t>://www.boost.org/users/download/</a:t>
+              <a:t>http://www.boost.org/users/download/</a:t>
             </a:r>
             <a:endParaRPr lang="en-US" altLang="ja-JP" dirty="0"/>
           </a:p>
           <a:p>
             <a:pPr lvl="2"/>
             <a:r>
-              <a:rPr lang="en-US" altLang="ja-JP" dirty="0" smtClean="0"/>
-              <a:t>1.62.0: </a:t>
-            </a:r>
-            <a:r>
-              <a:rPr lang="en-US" altLang="ja-JP" dirty="0" smtClean="0">
-                <a:hlinkClick r:id="rId5"/>
-              </a:rPr>
-              <a:t>https</a:t>
+              <a:rPr lang="en-US" altLang="ja-JP" dirty="0"/>
+              <a:t>1.63.0: </a:t>
             </a:r>
             <a:r>
               <a:rPr lang="en-US" altLang="ja-JP" dirty="0">
                 <a:hlinkClick r:id="rId5"/>
               </a:rPr>
-              <a:t>://</a:t>
-            </a:r>
-            <a:r>
-              <a:rPr lang="en-US" altLang="ja-JP" dirty="0" smtClean="0">
-                <a:hlinkClick r:id="rId5"/>
-              </a:rPr>
-              <a:t>sourceforge.net/projects/boost/files/boost/1.62.0/boost_1_62_0.zip/download</a:t>
+              <a:t>https://sourceforge.net/projects/boost/files/boost/1.63.0/boost_1_63_0.zip/download</a:t>
             </a:r>
             <a:endParaRPr lang="en-US" altLang="ja-JP" dirty="0"/>
           </a:p>
@@ -11333,8 +11161,8 @@
               <a:buAutoNum type="arabicPeriod"/>
             </a:pPr>
             <a:r>
-              <a:rPr lang="en-US" altLang="ja-JP" dirty="0" smtClean="0"/>
-              <a:t>Extract a zip file to c:\Boost\Boost_1_62_0</a:t>
+              <a:rPr lang="en-US" altLang="ja-JP" dirty="0"/>
+              <a:t>Extract a zip file to c:\Boost\Boost_1_63_0</a:t>
             </a:r>
           </a:p>
           <a:p>
@@ -11347,7 +11175,7 @@
               <a:t>Download and install </a:t>
             </a:r>
             <a:r>
-              <a:rPr lang="en-US" altLang="ja-JP" dirty="0" err="1" smtClean="0"/>
+              <a:rPr lang="en-US" altLang="ja-JP" dirty="0" err="1"/>
               <a:t>OpenCV</a:t>
             </a:r>
             <a:endParaRPr lang="en-US" altLang="ja-JP" dirty="0"/>
@@ -11359,57 +11187,29 @@
             </a:pPr>
             <a:r>
               <a:rPr lang="en-US" altLang="ja-JP" dirty="0"/>
-              <a:t>Download binary distribution </a:t>
-            </a:r>
-            <a:r>
-              <a:rPr lang="en-US" altLang="ja-JP" dirty="0" smtClean="0"/>
-              <a:t>from the site: </a:t>
-            </a:r>
-            <a:r>
-              <a:rPr lang="en-US" altLang="ja-JP" dirty="0" smtClean="0">
-                <a:hlinkClick r:id="rId6"/>
-              </a:rPr>
-              <a:t>http</a:t>
+              <a:t>Download binary distribution from the site: </a:t>
             </a:r>
             <a:r>
               <a:rPr lang="en-US" altLang="ja-JP" dirty="0">
                 <a:hlinkClick r:id="rId6"/>
               </a:rPr>
-              <a:t>://opencv.org</a:t>
-            </a:r>
-            <a:r>
-              <a:rPr lang="en-US" altLang="ja-JP" dirty="0" smtClean="0">
-                <a:hlinkClick r:id="rId6"/>
-              </a:rPr>
-              <a:t>/</a:t>
-            </a:r>
-            <a:endParaRPr lang="en-US" altLang="ja-JP" dirty="0" smtClean="0"/>
+              <a:t>http://opencv.org/</a:t>
+            </a:r>
+            <a:endParaRPr lang="en-US" altLang="ja-JP" dirty="0"/>
           </a:p>
           <a:p>
             <a:pPr lvl="2"/>
             <a:r>
-              <a:rPr lang="en-US" altLang="ja-JP" dirty="0" smtClean="0"/>
+              <a:rPr lang="en-US" altLang="ja-JP" dirty="0"/>
               <a:t>3.2.0: </a:t>
-            </a:r>
-            <a:r>
-              <a:rPr lang="en-US" altLang="ja-JP" dirty="0" smtClean="0">
-                <a:hlinkClick r:id="rId7"/>
-              </a:rPr>
-              <a:t>https</a:t>
             </a:r>
             <a:r>
               <a:rPr lang="en-US" altLang="ja-JP" dirty="0">
                 <a:hlinkClick r:id="rId7"/>
               </a:rPr>
-              <a:t>://</a:t>
-            </a:r>
-            <a:r>
-              <a:rPr lang="en-US" altLang="ja-JP" dirty="0" smtClean="0">
-                <a:hlinkClick r:id="rId7"/>
-              </a:rPr>
-              <a:t>sourceforge.net/projects/opencvlibrary/files/opencv-win/3.2.0/opencv-3.2.0-vc14.exe/download</a:t>
-            </a:r>
-            <a:endParaRPr lang="en-US" altLang="ja-JP" dirty="0" smtClean="0"/>
+              <a:t>https://sourceforge.net/projects/opencvlibrary/files/opencv-win/3.2.0/opencv-3.2.0-vc14.exe/download</a:t>
+            </a:r>
+            <a:endParaRPr lang="en-US" altLang="ja-JP" dirty="0"/>
           </a:p>
           <a:p>
             <a:pPr marL="914400" lvl="1" indent="-457200">
@@ -11417,16 +11217,8 @@
               <a:buAutoNum type="arabicPeriod"/>
             </a:pPr>
             <a:r>
-              <a:rPr lang="en-US" altLang="ja-JP" dirty="0" smtClean="0"/>
-              <a:t>Execute installer and extract files </a:t>
-            </a:r>
-            <a:r>
-              <a:rPr lang="en-US" altLang="ja-JP" dirty="0"/>
-              <a:t>to </a:t>
-            </a:r>
-            <a:r>
-              <a:rPr lang="en-US" altLang="ja-JP" dirty="0" smtClean="0"/>
-              <a:t>c:\OpenCV3\opencv3.2.0</a:t>
+              <a:rPr lang="en-US" altLang="ja-JP" dirty="0"/>
+              <a:t>Execute installer and extract files to c:\OpenCV3\opencv3.2.0</a:t>
             </a:r>
           </a:p>
         </p:txBody>
@@ -11447,8 +11239,8 @@
           <a:lstStyle/>
           <a:p>
             <a:r>
-              <a:rPr kumimoji="1" lang="en-US" altLang="ja-JP" smtClean="0"/>
-              <a:t>2017/3/15</a:t>
+              <a:rPr kumimoji="1" lang="en-US" altLang="ja-JP"/>
+              <a:t>2017/4/4</a:t>
             </a:r>
             <a:endParaRPr kumimoji="1" lang="ja-JP" altLang="en-US"/>
           </a:p>
@@ -11470,7 +11262,7 @@
           <a:lstStyle/>
           <a:p>
             <a:r>
-              <a:rPr kumimoji="1" lang="en-US" altLang="ja-JP" smtClean="0"/>
+              <a:rPr kumimoji="1" lang="en-US" altLang="ja-JP"/>
               <a:t>BEACLS: Berkeley Efficient API in C++ for Level Set methods Installation Guide</a:t>
             </a:r>
             <a:endParaRPr kumimoji="1" lang="ja-JP" altLang="en-US"/>
@@ -11510,13 +11302,6 @@
   <p:clrMapOvr>
     <a:masterClrMapping/>
   </p:clrMapOvr>
-  <p:timing>
-    <p:tnLst>
-      <p:par>
-        <p:cTn id="1" dur="indefinite" restart="never" nodeType="tmRoot"/>
-      </p:par>
-    </p:tnLst>
-  </p:timing>
 </p:sld>
 </file>
 
@@ -11554,23 +11339,7 @@
           <a:p>
             <a:r>
               <a:rPr lang="en-US" altLang="ja-JP" dirty="0"/>
-              <a:t>Install to Windows </a:t>
-            </a:r>
-            <a:r>
-              <a:rPr lang="en-US" altLang="ja-JP" dirty="0" smtClean="0"/>
-              <a:t>7/8.1/10</a:t>
-            </a:r>
-            <a:r>
-              <a:rPr lang="en-US" altLang="ja-JP" dirty="0"/>
-              <a:t> (Without GPU)</a:t>
-            </a:r>
-            <a:r>
-              <a:rPr lang="en-US" altLang="ja-JP" dirty="0" smtClean="0"/>
-              <a:t> </a:t>
-            </a:r>
-            <a:r>
-              <a:rPr lang="en-US" altLang="ja-JP" dirty="0"/>
-              <a:t>(cont'd.)</a:t>
+              <a:t>Install to Windows 7/8.1/10 (Without GPU) (cont'd.)</a:t>
             </a:r>
             <a:endParaRPr kumimoji="1" lang="ja-JP" altLang="en-US" dirty="0"/>
           </a:p>
@@ -11704,11 +11473,7 @@
             </a:pPr>
             <a:r>
               <a:rPr lang="en-US" altLang="ja-JP" dirty="0"/>
-              <a:t>Execute </a:t>
-            </a:r>
-            <a:r>
-              <a:rPr lang="en-US" altLang="ja-JP" dirty="0" smtClean="0"/>
-              <a:t>installer</a:t>
+              <a:t>Execute installer</a:t>
             </a:r>
           </a:p>
           <a:p>
@@ -11718,13 +11483,8 @@
             </a:pPr>
             <a:r>
               <a:rPr lang="en-US" altLang="ja-JP" dirty="0"/>
-              <a:t>Download and install Visual Studio </a:t>
-            </a:r>
-            <a:r>
-              <a:rPr lang="en-US" altLang="ja-JP" dirty="0" smtClean="0"/>
-              <a:t>2015</a:t>
-            </a:r>
-            <a:endParaRPr lang="en-US" altLang="ja-JP" dirty="0"/>
+              <a:t>Download and install Visual Studio 2015</a:t>
+            </a:r>
           </a:p>
           <a:p>
             <a:pPr marL="457200" lvl="1" indent="0">
@@ -11734,15 +11494,9 @@
               <a:rPr lang="en-US" altLang="ja-JP" dirty="0">
                 <a:hlinkClick r:id="rId6"/>
               </a:rPr>
-              <a:t>https://www.visualstudio.com/vs/older-downloads</a:t>
-            </a:r>
-            <a:r>
-              <a:rPr lang="en-US" altLang="ja-JP" dirty="0" smtClean="0">
-                <a:hlinkClick r:id="rId6"/>
-              </a:rPr>
-              <a:t>/</a:t>
-            </a:r>
-            <a:endParaRPr lang="en-US" altLang="ja-JP" dirty="0" smtClean="0"/>
+              <a:t>https://www.visualstudio.com/vs/older-downloads/</a:t>
+            </a:r>
+            <a:endParaRPr lang="en-US" altLang="ja-JP" dirty="0"/>
           </a:p>
         </p:txBody>
       </p:sp>
@@ -11762,8 +11516,8 @@
           <a:lstStyle/>
           <a:p>
             <a:r>
-              <a:rPr kumimoji="1" lang="en-US" altLang="ja-JP" smtClean="0"/>
-              <a:t>2017/3/15</a:t>
+              <a:rPr kumimoji="1" lang="en-US" altLang="ja-JP"/>
+              <a:t>2017/4/4</a:t>
             </a:r>
             <a:endParaRPr kumimoji="1" lang="ja-JP" altLang="en-US"/>
           </a:p>
@@ -11785,7 +11539,7 @@
           <a:lstStyle/>
           <a:p>
             <a:r>
-              <a:rPr kumimoji="1" lang="en-US" altLang="ja-JP" smtClean="0"/>
+              <a:rPr kumimoji="1" lang="en-US" altLang="ja-JP"/>
               <a:t>BEACLS: Berkeley Efficient API in C++ for Level Set methods Installation Guide</a:t>
             </a:r>
             <a:endParaRPr kumimoji="1" lang="ja-JP" altLang="en-US"/>
@@ -11862,27 +11616,7 @@
           <a:p>
             <a:r>
               <a:rPr lang="en-US" altLang="ja-JP" dirty="0"/>
-              <a:t>Install to Windows </a:t>
-            </a:r>
-            <a:r>
-              <a:rPr lang="en-US" altLang="ja-JP" dirty="0" smtClean="0"/>
-              <a:t>7/8.1/10</a:t>
-            </a:r>
-            <a:r>
-              <a:rPr lang="en-US" altLang="ja-JP" dirty="0"/>
-              <a:t> (Without GPU)</a:t>
-            </a:r>
-            <a:r>
-              <a:rPr lang="en-US" altLang="ja-JP" dirty="0" smtClean="0"/>
-              <a:t> (</a:t>
-            </a:r>
-            <a:r>
-              <a:rPr lang="en-US" altLang="ja-JP" dirty="0"/>
-              <a:t>cont'd</a:t>
-            </a:r>
-            <a:r>
-              <a:rPr lang="en-US" altLang="ja-JP" dirty="0" smtClean="0"/>
-              <a:t>.)</a:t>
+              <a:t>Install to Windows 7/8.1/10 (Without GPU) (cont'd.)</a:t>
             </a:r>
             <a:endParaRPr kumimoji="1" lang="ja-JP" altLang="en-US" dirty="0"/>
           </a:p>
@@ -11910,12 +11644,8 @@
               <a:buAutoNum type="arabicPeriod" startAt="7"/>
             </a:pPr>
             <a:r>
-              <a:rPr lang="en-US" altLang="ja-JP" dirty="0" smtClean="0"/>
-              <a:t>Download </a:t>
-            </a:r>
-            <a:r>
-              <a:rPr lang="en-US" altLang="ja-JP" dirty="0"/>
-              <a:t>BEACLS</a:t>
+              <a:rPr lang="en-US" altLang="ja-JP" dirty="0"/>
+              <a:t>Download BEACLS</a:t>
             </a:r>
           </a:p>
           <a:p>
@@ -11924,7 +11654,7 @@
               <a:buAutoNum type="arabicPeriod"/>
             </a:pPr>
             <a:r>
-              <a:rPr lang="en-US" altLang="ja-JP" dirty="0" smtClean="0"/>
+              <a:rPr lang="en-US" altLang="ja-JP" dirty="0"/>
               <a:t>Open Documents folder by explorer</a:t>
             </a:r>
           </a:p>
@@ -11934,31 +11664,31 @@
               <a:buAutoNum type="arabicPeriod"/>
             </a:pPr>
             <a:r>
-              <a:rPr lang="en-US" altLang="ja-JP" dirty="0" smtClean="0"/>
+              <a:rPr lang="en-US" altLang="ja-JP" dirty="0"/>
               <a:t>Choose “</a:t>
             </a:r>
             <a:r>
-              <a:rPr lang="en-US" altLang="ja-JP" dirty="0" err="1" smtClean="0"/>
+              <a:rPr lang="en-US" altLang="ja-JP" dirty="0" err="1"/>
               <a:t>Git</a:t>
             </a:r>
             <a:r>
-              <a:rPr lang="en-US" altLang="ja-JP" dirty="0" smtClean="0"/>
+              <a:rPr lang="en-US" altLang="ja-JP" dirty="0"/>
               <a:t> clone…” from </a:t>
             </a:r>
             <a:r>
-              <a:rPr lang="en-US" altLang="ja-JP" dirty="0" err="1" smtClean="0"/>
+              <a:rPr lang="en-US" altLang="ja-JP" dirty="0" err="1"/>
               <a:t>cotext</a:t>
             </a:r>
             <a:r>
-              <a:rPr lang="en-US" altLang="ja-JP" dirty="0" smtClean="0"/>
+              <a:rPr lang="en-US" altLang="ja-JP" dirty="0"/>
               <a:t> </a:t>
             </a:r>
             <a:r>
-              <a:rPr lang="en-US" altLang="ja-JP" dirty="0" err="1" smtClean="0"/>
+              <a:rPr lang="en-US" altLang="ja-JP" dirty="0" err="1"/>
               <a:t>memu</a:t>
             </a:r>
             <a:r>
-              <a:rPr lang="en-US" altLang="ja-JP" dirty="0" smtClean="0"/>
+              <a:rPr lang="en-US" altLang="ja-JP" dirty="0"/>
               <a:t>.</a:t>
             </a:r>
           </a:p>
@@ -11968,7 +11698,7 @@
               <a:buAutoNum type="arabicPeriod"/>
             </a:pPr>
             <a:r>
-              <a:rPr lang="en-US" altLang="ja-JP" dirty="0" smtClean="0"/>
+              <a:rPr lang="en-US" altLang="ja-JP" dirty="0"/>
               <a:t>Set repository information and push OK</a:t>
             </a:r>
           </a:p>
@@ -11977,16 +11707,16 @@
               <a:buNone/>
             </a:pPr>
             <a:r>
-              <a:rPr lang="en-US" altLang="ja-JP" dirty="0" smtClean="0"/>
+              <a:rPr lang="en-US" altLang="ja-JP" dirty="0"/>
               <a:t>URL: </a:t>
             </a:r>
             <a:r>
-              <a:rPr lang="en-US" altLang="ja-JP" dirty="0" smtClean="0">
+              <a:rPr lang="en-US" altLang="ja-JP" dirty="0">
                 <a:hlinkClick r:id="rId2"/>
               </a:rPr>
               <a:t>https://github.com/HJReachability/beacls</a:t>
             </a:r>
-            <a:endParaRPr lang="en-US" altLang="ja-JP" dirty="0" smtClean="0"/>
+            <a:endParaRPr lang="en-US" altLang="ja-JP" dirty="0"/>
           </a:p>
           <a:p>
             <a:pPr marL="914400" lvl="1" indent="-457200">
@@ -11994,15 +11724,15 @@
               <a:buAutoNum type="arabicPeriod"/>
             </a:pPr>
             <a:r>
-              <a:rPr lang="en-US" altLang="ja-JP" dirty="0" smtClean="0"/>
+              <a:rPr lang="en-US" altLang="ja-JP" dirty="0"/>
               <a:t>Open </a:t>
             </a:r>
             <a:r>
-              <a:rPr lang="en-US" altLang="ja-JP" dirty="0" err="1" smtClean="0"/>
+              <a:rPr lang="en-US" altLang="ja-JP" dirty="0" err="1"/>
               <a:t>beacls</a:t>
             </a:r>
             <a:r>
-              <a:rPr lang="en-US" altLang="ja-JP" dirty="0" smtClean="0"/>
+              <a:rPr lang="en-US" altLang="ja-JP" dirty="0"/>
               <a:t> folder</a:t>
             </a:r>
           </a:p>
@@ -12010,14 +11740,14 @@
             <a:pPr marL="457200" lvl="1" indent="0">
               <a:buNone/>
             </a:pPr>
-            <a:endParaRPr lang="en-US" altLang="ja-JP" dirty="0" smtClean="0"/>
+            <a:endParaRPr lang="en-US" altLang="ja-JP" dirty="0"/>
           </a:p>
           <a:p>
             <a:pPr marL="1371600" lvl="2" indent="-457200">
               <a:buFont typeface="+mj-lt"/>
               <a:buAutoNum type="arabicPeriod"/>
             </a:pPr>
-            <a:endParaRPr lang="en-US" altLang="ja-JP" dirty="0" smtClean="0"/>
+            <a:endParaRPr lang="en-US" altLang="ja-JP" dirty="0"/>
           </a:p>
           <a:p>
             <a:pPr marL="514350" indent="-514350">
@@ -12044,8 +11774,8 @@
           <a:lstStyle/>
           <a:p>
             <a:r>
-              <a:rPr kumimoji="1" lang="en-US" altLang="ja-JP" smtClean="0"/>
-              <a:t>2017/3/15</a:t>
+              <a:rPr kumimoji="1" lang="en-US" altLang="ja-JP"/>
+              <a:t>2017/4/4</a:t>
             </a:r>
             <a:endParaRPr kumimoji="1" lang="ja-JP" altLang="en-US"/>
           </a:p>
@@ -12067,7 +11797,7 @@
           <a:lstStyle/>
           <a:p>
             <a:r>
-              <a:rPr kumimoji="1" lang="en-US" altLang="ja-JP" smtClean="0"/>
+              <a:rPr kumimoji="1" lang="en-US" altLang="ja-JP"/>
               <a:t>BEACLS: Berkeley Efficient API in C++ for Level Set methods Installation Guide</a:t>
             </a:r>
             <a:endParaRPr kumimoji="1" lang="ja-JP" altLang="en-US"/>
@@ -12166,13 +11896,6 @@
   <p:clrMapOvr>
     <a:masterClrMapping/>
   </p:clrMapOvr>
-  <p:timing>
-    <p:tnLst>
-      <p:par>
-        <p:cTn id="1" dur="indefinite" restart="never" nodeType="tmRoot"/>
-      </p:par>
-    </p:tnLst>
-  </p:timing>
 </p:sld>
 </file>
 
@@ -12210,27 +11933,7 @@
           <a:p>
             <a:r>
               <a:rPr lang="en-US" altLang="ja-JP" dirty="0"/>
-              <a:t>Install to Windows </a:t>
-            </a:r>
-            <a:r>
-              <a:rPr lang="en-US" altLang="ja-JP" dirty="0" smtClean="0"/>
-              <a:t>7/8.1/10</a:t>
-            </a:r>
-            <a:r>
-              <a:rPr lang="en-US" altLang="ja-JP" dirty="0"/>
-              <a:t> (Without GPU)</a:t>
-            </a:r>
-            <a:r>
-              <a:rPr lang="en-US" altLang="ja-JP" dirty="0" smtClean="0"/>
-              <a:t> (</a:t>
-            </a:r>
-            <a:r>
-              <a:rPr lang="en-US" altLang="ja-JP" dirty="0"/>
-              <a:t>cont'd</a:t>
-            </a:r>
-            <a:r>
-              <a:rPr lang="en-US" altLang="ja-JP" dirty="0" smtClean="0"/>
-              <a:t>.)</a:t>
+              <a:t>Install to Windows 7/8.1/10 (Without GPU) (cont'd.)</a:t>
             </a:r>
             <a:endParaRPr kumimoji="1" lang="ja-JP" altLang="en-US" dirty="0"/>
           </a:p>
@@ -12258,23 +11961,23 @@
               <a:buAutoNum type="arabicPeriod" startAt="8"/>
             </a:pPr>
             <a:r>
-              <a:rPr lang="en-US" altLang="ja-JP" dirty="0" smtClean="0"/>
+              <a:rPr lang="en-US" altLang="ja-JP" dirty="0"/>
               <a:t>Build </a:t>
             </a:r>
             <a:r>
-              <a:rPr lang="en-US" altLang="ja-JP" dirty="0" err="1" smtClean="0"/>
+              <a:rPr lang="en-US" altLang="ja-JP" dirty="0" err="1"/>
               <a:t>matio</a:t>
             </a:r>
             <a:r>
-              <a:rPr lang="en-US" altLang="ja-JP" dirty="0" smtClean="0"/>
+              <a:rPr lang="en-US" altLang="ja-JP" dirty="0"/>
               <a:t> (</a:t>
             </a:r>
             <a:r>
-              <a:rPr lang="en-US" altLang="ja-JP" dirty="0" err="1" smtClean="0"/>
+              <a:rPr lang="en-US" altLang="ja-JP" dirty="0" err="1"/>
               <a:t>Matlab</a:t>
             </a:r>
             <a:r>
-              <a:rPr lang="en-US" altLang="ja-JP" dirty="0" smtClean="0"/>
+              <a:rPr lang="en-US" altLang="ja-JP" dirty="0"/>
               <a:t> file I/O library)</a:t>
             </a:r>
           </a:p>
@@ -12284,35 +11987,22 @@
               <a:buAutoNum type="arabicPeriod"/>
             </a:pPr>
             <a:r>
-              <a:rPr lang="en-US" altLang="ja-JP" dirty="0" smtClean="0"/>
-              <a:t>Run Visual Studio solution from the </a:t>
-            </a:r>
-            <a:r>
-              <a:rPr lang="en-US" altLang="ja-JP" dirty="0"/>
-              <a:t>batch </a:t>
-            </a:r>
-            <a:r>
-              <a:rPr lang="en-US" altLang="ja-JP" dirty="0" smtClean="0"/>
-              <a:t>file</a:t>
-            </a:r>
-            <a:endParaRPr lang="en-US" altLang="ja-JP" dirty="0"/>
+              <a:rPr lang="en-US" altLang="ja-JP" dirty="0"/>
+              <a:t>Run Visual Studio solution from the batch file</a:t>
+            </a:r>
           </a:p>
           <a:p>
             <a:pPr lvl="2"/>
             <a:r>
-              <a:rPr lang="en-US" altLang="ja-JP" dirty="0" smtClean="0"/>
+              <a:rPr lang="en-US" altLang="ja-JP" dirty="0"/>
               <a:t>sources\run_visualstudio14_matio.bat</a:t>
             </a:r>
           </a:p>
           <a:p>
             <a:pPr lvl="3"/>
             <a:r>
-              <a:rPr lang="en-US" altLang="ja-JP" dirty="0" smtClean="0"/>
-              <a:t>It sets </a:t>
-            </a:r>
-            <a:r>
-              <a:rPr lang="en-US" altLang="ja-JP" dirty="0"/>
-              <a:t>environmental variables for some libraries paths.</a:t>
+              <a:rPr lang="en-US" altLang="ja-JP" dirty="0"/>
+              <a:t>It sets environmental variables for some libraries paths.</a:t>
             </a:r>
           </a:p>
           <a:p>
@@ -12321,23 +12011,9 @@
               <a:buAutoNum type="arabicPeriod"/>
             </a:pPr>
             <a:r>
-              <a:rPr lang="en-US" altLang="ja-JP" dirty="0" smtClean="0"/>
+              <a:rPr lang="en-US" altLang="ja-JP" dirty="0"/>
               <a:t>Choose “Release” as Solution Configuration and  “x64” as Solution Platform</a:t>
             </a:r>
-          </a:p>
-          <a:p>
-            <a:pPr marL="971550" lvl="1" indent="-514350">
-              <a:buFont typeface="+mj-lt"/>
-              <a:buAutoNum type="arabicPeriod"/>
-            </a:pPr>
-            <a:endParaRPr lang="en-US" altLang="ja-JP" dirty="0" smtClean="0"/>
-          </a:p>
-          <a:p>
-            <a:pPr marL="971550" lvl="1" indent="-514350">
-              <a:buFont typeface="+mj-lt"/>
-              <a:buAutoNum type="arabicPeriod"/>
-            </a:pPr>
-            <a:endParaRPr lang="en-US" altLang="ja-JP" dirty="0" smtClean="0"/>
           </a:p>
           <a:p>
             <a:pPr marL="971550" lvl="1" indent="-514350">
@@ -12351,30 +12027,44 @@
               <a:buFont typeface="+mj-lt"/>
               <a:buAutoNum type="arabicPeriod"/>
             </a:pPr>
-            <a:endParaRPr lang="en-US" altLang="ja-JP" dirty="0" smtClean="0"/>
+            <a:endParaRPr lang="en-US" altLang="ja-JP" dirty="0"/>
           </a:p>
           <a:p>
             <a:pPr marL="971550" lvl="1" indent="-514350">
               <a:buFont typeface="+mj-lt"/>
               <a:buAutoNum type="arabicPeriod"/>
             </a:pPr>
-            <a:endParaRPr lang="en-US" altLang="ja-JP" dirty="0" smtClean="0"/>
+            <a:endParaRPr lang="en-US" altLang="ja-JP" dirty="0"/>
           </a:p>
           <a:p>
             <a:pPr marL="971550" lvl="1" indent="-514350">
               <a:buFont typeface="+mj-lt"/>
               <a:buAutoNum type="arabicPeriod"/>
             </a:pPr>
-            <a:r>
-              <a:rPr lang="en-US" altLang="ja-JP" dirty="0" smtClean="0"/>
+            <a:endParaRPr lang="en-US" altLang="ja-JP" dirty="0"/>
+          </a:p>
+          <a:p>
+            <a:pPr marL="971550" lvl="1" indent="-514350">
+              <a:buFont typeface="+mj-lt"/>
+              <a:buAutoNum type="arabicPeriod"/>
+            </a:pPr>
+            <a:endParaRPr lang="en-US" altLang="ja-JP" dirty="0"/>
+          </a:p>
+          <a:p>
+            <a:pPr marL="971550" lvl="1" indent="-514350">
+              <a:buFont typeface="+mj-lt"/>
+              <a:buAutoNum type="arabicPeriod"/>
+            </a:pPr>
+            <a:r>
+              <a:rPr lang="en-US" altLang="ja-JP" dirty="0"/>
               <a:t>Build </a:t>
             </a:r>
             <a:r>
-              <a:rPr lang="en-US" altLang="ja-JP" dirty="0" err="1" smtClean="0"/>
+              <a:rPr lang="en-US" altLang="ja-JP" dirty="0" err="1"/>
               <a:t>matio</a:t>
             </a:r>
             <a:r>
-              <a:rPr lang="en-US" altLang="ja-JP" dirty="0" smtClean="0"/>
+              <a:rPr lang="en-US" altLang="ja-JP" dirty="0"/>
               <a:t> by pushing “F7” key.</a:t>
             </a:r>
             <a:endParaRPr kumimoji="1" lang="ja-JP" altLang="en-US" dirty="0"/>
@@ -12397,8 +12087,8 @@
           <a:lstStyle/>
           <a:p>
             <a:r>
-              <a:rPr kumimoji="1" lang="en-US" altLang="ja-JP" smtClean="0"/>
-              <a:t>2017/3/15</a:t>
+              <a:rPr kumimoji="1" lang="en-US" altLang="ja-JP"/>
+              <a:t>2017/4/4</a:t>
             </a:r>
             <a:endParaRPr kumimoji="1" lang="ja-JP" altLang="en-US"/>
           </a:p>
@@ -12420,7 +12110,7 @@
           <a:lstStyle/>
           <a:p>
             <a:r>
-              <a:rPr kumimoji="1" lang="en-US" altLang="ja-JP" smtClean="0"/>
+              <a:rPr kumimoji="1" lang="en-US" altLang="ja-JP"/>
               <a:t>BEACLS: Berkeley Efficient API in C++ for Level Set methods Installation Guide</a:t>
             </a:r>
             <a:endParaRPr kumimoji="1" lang="ja-JP" altLang="en-US"/>
@@ -12489,13 +12179,6 @@
   <p:clrMapOvr>
     <a:masterClrMapping/>
   </p:clrMapOvr>
-  <p:timing>
-    <p:tnLst>
-      <p:par>
-        <p:cTn id="1" dur="indefinite" restart="never" nodeType="tmRoot"/>
-      </p:par>
-    </p:tnLst>
-  </p:timing>
 </p:sld>
 </file>
 
@@ -12533,27 +12216,7 @@
           <a:p>
             <a:r>
               <a:rPr lang="en-US" altLang="ja-JP" dirty="0"/>
-              <a:t>Install to Windows </a:t>
-            </a:r>
-            <a:r>
-              <a:rPr lang="en-US" altLang="ja-JP" dirty="0" smtClean="0"/>
-              <a:t>7/8.1/10</a:t>
-            </a:r>
-            <a:r>
-              <a:rPr lang="en-US" altLang="ja-JP" dirty="0"/>
-              <a:t> (Without GPU)</a:t>
-            </a:r>
-            <a:r>
-              <a:rPr lang="en-US" altLang="ja-JP" dirty="0" smtClean="0"/>
-              <a:t> (</a:t>
-            </a:r>
-            <a:r>
-              <a:rPr lang="en-US" altLang="ja-JP" dirty="0"/>
-              <a:t>cont'd</a:t>
-            </a:r>
-            <a:r>
-              <a:rPr lang="en-US" altLang="ja-JP" dirty="0" smtClean="0"/>
-              <a:t>.)</a:t>
+              <a:t>Install to Windows 7/8.1/10 (Without GPU) (cont'd.)</a:t>
             </a:r>
             <a:endParaRPr kumimoji="1" lang="ja-JP" altLang="en-US" dirty="0"/>
           </a:p>
@@ -12581,7 +12244,7 @@
               <a:buAutoNum type="arabicPeriod" startAt="9"/>
             </a:pPr>
             <a:r>
-              <a:rPr lang="en-US" altLang="ja-JP" dirty="0" smtClean="0"/>
+              <a:rPr lang="en-US" altLang="ja-JP" dirty="0"/>
               <a:t>Build BEACLS</a:t>
             </a:r>
           </a:p>
@@ -12591,36 +12254,22 @@
               <a:buAutoNum type="arabicPeriod"/>
             </a:pPr>
             <a:r>
-              <a:rPr lang="en-US" altLang="ja-JP" dirty="0" smtClean="0"/>
-              <a:t>Run Visual Studio solution from the </a:t>
-            </a:r>
-            <a:r>
-              <a:rPr lang="en-US" altLang="ja-JP" dirty="0"/>
-              <a:t>batch </a:t>
-            </a:r>
-            <a:r>
-              <a:rPr lang="en-US" altLang="ja-JP" dirty="0" smtClean="0"/>
-              <a:t>file</a:t>
-            </a:r>
-            <a:endParaRPr lang="en-US" altLang="ja-JP" dirty="0"/>
+              <a:rPr lang="en-US" altLang="ja-JP" dirty="0"/>
+              <a:t>Run Visual Studio solution from the batch file</a:t>
+            </a:r>
           </a:p>
           <a:p>
             <a:pPr lvl="2"/>
             <a:r>
-              <a:rPr lang="en-US" altLang="ja-JP" dirty="0" smtClean="0"/>
+              <a:rPr lang="en-US" altLang="ja-JP" dirty="0"/>
               <a:t>sources\run_visualstudio14_beacls.bat</a:t>
             </a:r>
-            <a:endParaRPr lang="en-US" altLang="ja-JP" dirty="0"/>
           </a:p>
           <a:p>
             <a:pPr lvl="3"/>
             <a:r>
-              <a:rPr lang="en-US" altLang="ja-JP" dirty="0" smtClean="0"/>
-              <a:t>It sets </a:t>
-            </a:r>
-            <a:r>
-              <a:rPr lang="en-US" altLang="ja-JP" dirty="0"/>
-              <a:t>environmental variables for some libraries paths.</a:t>
+              <a:rPr lang="en-US" altLang="ja-JP" dirty="0"/>
+              <a:t>It sets environmental variables for some libraries paths.</a:t>
             </a:r>
           </a:p>
           <a:p>
@@ -12629,23 +12278,9 @@
               <a:buAutoNum type="arabicPeriod"/>
             </a:pPr>
             <a:r>
-              <a:rPr lang="en-US" altLang="ja-JP" dirty="0" smtClean="0"/>
+              <a:rPr lang="en-US" altLang="ja-JP" dirty="0"/>
               <a:t>Choose “Release” as Solution Configuration and  “x64” as Solution Platform</a:t>
             </a:r>
-          </a:p>
-          <a:p>
-            <a:pPr marL="971550" lvl="1" indent="-514350">
-              <a:buFont typeface="+mj-lt"/>
-              <a:buAutoNum type="arabicPeriod"/>
-            </a:pPr>
-            <a:endParaRPr lang="en-US" altLang="ja-JP" dirty="0" smtClean="0"/>
-          </a:p>
-          <a:p>
-            <a:pPr marL="971550" lvl="1" indent="-514350">
-              <a:buFont typeface="+mj-lt"/>
-              <a:buAutoNum type="arabicPeriod"/>
-            </a:pPr>
-            <a:endParaRPr lang="en-US" altLang="ja-JP" dirty="0" smtClean="0"/>
           </a:p>
           <a:p>
             <a:pPr marL="971550" lvl="1" indent="-514350">
@@ -12659,23 +12294,37 @@
               <a:buFont typeface="+mj-lt"/>
               <a:buAutoNum type="arabicPeriod"/>
             </a:pPr>
-            <a:endParaRPr lang="en-US" altLang="ja-JP" dirty="0" smtClean="0"/>
+            <a:endParaRPr lang="en-US" altLang="ja-JP" dirty="0"/>
           </a:p>
           <a:p>
             <a:pPr marL="971550" lvl="1" indent="-514350">
               <a:buFont typeface="+mj-lt"/>
               <a:buAutoNum type="arabicPeriod"/>
             </a:pPr>
-            <a:r>
-              <a:rPr lang="en-US" altLang="ja-JP" dirty="0" smtClean="0"/>
+            <a:endParaRPr lang="en-US" altLang="ja-JP" dirty="0"/>
+          </a:p>
+          <a:p>
+            <a:pPr marL="971550" lvl="1" indent="-514350">
+              <a:buFont typeface="+mj-lt"/>
+              <a:buAutoNum type="arabicPeriod"/>
+            </a:pPr>
+            <a:endParaRPr lang="en-US" altLang="ja-JP" dirty="0"/>
+          </a:p>
+          <a:p>
+            <a:pPr marL="971550" lvl="1" indent="-514350">
+              <a:buFont typeface="+mj-lt"/>
+              <a:buAutoNum type="arabicPeriod"/>
+            </a:pPr>
+            <a:r>
+              <a:rPr lang="en-US" altLang="ja-JP" dirty="0"/>
               <a:t>Build all projects of </a:t>
             </a:r>
             <a:r>
-              <a:rPr lang="en-US" altLang="ja-JP" dirty="0" err="1" smtClean="0"/>
+              <a:rPr lang="en-US" altLang="ja-JP" dirty="0" err="1"/>
               <a:t>beacls</a:t>
             </a:r>
             <a:r>
-              <a:rPr lang="en-US" altLang="ja-JP" dirty="0" smtClean="0"/>
+              <a:rPr lang="en-US" altLang="ja-JP" dirty="0"/>
               <a:t> solution by pushing “F7” key.</a:t>
             </a:r>
             <a:endParaRPr kumimoji="1" lang="ja-JP" altLang="en-US" dirty="0"/>
@@ -12698,8 +12347,8 @@
           <a:lstStyle/>
           <a:p>
             <a:r>
-              <a:rPr kumimoji="1" lang="en-US" altLang="ja-JP" smtClean="0"/>
-              <a:t>2017/3/15</a:t>
+              <a:rPr kumimoji="1" lang="en-US" altLang="ja-JP"/>
+              <a:t>2017/4/4</a:t>
             </a:r>
             <a:endParaRPr kumimoji="1" lang="ja-JP" altLang="en-US"/>
           </a:p>
@@ -12721,7 +12370,7 @@
           <a:lstStyle/>
           <a:p>
             <a:r>
-              <a:rPr kumimoji="1" lang="en-US" altLang="ja-JP" smtClean="0"/>
+              <a:rPr kumimoji="1" lang="en-US" altLang="ja-JP"/>
               <a:t>BEACLS: Berkeley Efficient API in C++ for Level Set methods Installation Guide</a:t>
             </a:r>
             <a:endParaRPr kumimoji="1" lang="ja-JP" altLang="en-US"/>
@@ -12790,13 +12439,6 @@
   <p:clrMapOvr>
     <a:masterClrMapping/>
   </p:clrMapOvr>
-  <p:timing>
-    <p:tnLst>
-      <p:par>
-        <p:cTn id="1" dur="indefinite" restart="never" nodeType="tmRoot"/>
-      </p:par>
-    </p:tnLst>
-  </p:timing>
 </p:sld>
 </file>
 
@@ -12834,27 +12476,7 @@
           <a:p>
             <a:r>
               <a:rPr lang="en-US" altLang="ja-JP" dirty="0"/>
-              <a:t>Install to Windows </a:t>
-            </a:r>
-            <a:r>
-              <a:rPr lang="en-US" altLang="ja-JP" dirty="0" smtClean="0"/>
-              <a:t>7/8.1/10</a:t>
-            </a:r>
-            <a:r>
-              <a:rPr lang="en-US" altLang="ja-JP" dirty="0"/>
-              <a:t> (Without GPU)</a:t>
-            </a:r>
-            <a:r>
-              <a:rPr lang="en-US" altLang="ja-JP" dirty="0" smtClean="0"/>
-              <a:t> (</a:t>
-            </a:r>
-            <a:r>
-              <a:rPr lang="en-US" altLang="ja-JP" dirty="0"/>
-              <a:t>cont'd</a:t>
-            </a:r>
-            <a:r>
-              <a:rPr lang="en-US" altLang="ja-JP" dirty="0" smtClean="0"/>
-              <a:t>.)</a:t>
+              <a:t>Install to Windows 7/8.1/10 (Without GPU) (cont'd.)</a:t>
             </a:r>
             <a:endParaRPr kumimoji="1" lang="ja-JP" altLang="en-US" dirty="0"/>
           </a:p>
@@ -12882,14 +12504,14 @@
               <a:buAutoNum type="arabicPeriod" startAt="10"/>
             </a:pPr>
             <a:r>
-              <a:rPr lang="en-US" altLang="ja-JP" dirty="0" smtClean="0"/>
+              <a:rPr lang="en-US" altLang="ja-JP" dirty="0"/>
               <a:t>Execute </a:t>
             </a:r>
             <a:r>
-              <a:rPr lang="en-US" altLang="ja-JP" dirty="0" err="1" smtClean="0"/>
+              <a:rPr lang="en-US" altLang="ja-JP" dirty="0" err="1"/>
               <a:t>Plane_test</a:t>
             </a:r>
-            <a:endParaRPr lang="en-US" altLang="ja-JP" dirty="0" smtClean="0"/>
+            <a:endParaRPr lang="en-US" altLang="ja-JP" dirty="0"/>
           </a:p>
           <a:p>
             <a:pPr marL="971550" lvl="1" indent="-514350">
@@ -12897,37 +12519,37 @@
               <a:buAutoNum type="arabicPeriod"/>
             </a:pPr>
             <a:r>
-              <a:rPr lang="en-US" altLang="ja-JP" dirty="0" smtClean="0"/>
+              <a:rPr lang="en-US" altLang="ja-JP" dirty="0"/>
               <a:t>Click “Set as </a:t>
             </a:r>
             <a:r>
-              <a:rPr lang="en-US" altLang="ja-JP" dirty="0" err="1" smtClean="0"/>
+              <a:rPr lang="en-US" altLang="ja-JP" dirty="0" err="1"/>
               <a:t>StartUp</a:t>
             </a:r>
             <a:r>
-              <a:rPr lang="en-US" altLang="ja-JP" dirty="0" smtClean="0"/>
+              <a:rPr lang="en-US" altLang="ja-JP" dirty="0"/>
               <a:t> Project” from </a:t>
             </a:r>
             <a:br>
-              <a:rPr lang="en-US" altLang="ja-JP" dirty="0" smtClean="0"/>
+              <a:rPr lang="en-US" altLang="ja-JP" dirty="0"/>
             </a:br>
             <a:r>
-              <a:rPr lang="en-US" altLang="ja-JP" dirty="0" smtClean="0"/>
+              <a:rPr lang="en-US" altLang="ja-JP" dirty="0"/>
               <a:t>a context menu of </a:t>
             </a:r>
             <a:r>
-              <a:rPr lang="en-US" altLang="ja-JP" dirty="0" err="1" smtClean="0"/>
+              <a:rPr lang="en-US" altLang="ja-JP" dirty="0" err="1"/>
               <a:t>Plane_test</a:t>
             </a:r>
             <a:r>
-              <a:rPr lang="en-US" altLang="ja-JP" dirty="0" smtClean="0"/>
+              <a:rPr lang="en-US" altLang="ja-JP" dirty="0"/>
               <a:t> in Solution </a:t>
             </a:r>
             <a:br>
-              <a:rPr lang="en-US" altLang="ja-JP" dirty="0" smtClean="0"/>
+              <a:rPr lang="en-US" altLang="ja-JP" dirty="0"/>
             </a:br>
             <a:r>
-              <a:rPr lang="en-US" altLang="ja-JP" dirty="0" smtClean="0"/>
+              <a:rPr lang="en-US" altLang="ja-JP" dirty="0"/>
               <a:t>Explorer</a:t>
             </a:r>
           </a:p>
@@ -12937,28 +12559,16 @@
               <a:buAutoNum type="arabicPeriod"/>
             </a:pPr>
             <a:r>
-              <a:rPr lang="en-US" altLang="ja-JP" dirty="0" smtClean="0"/>
+              <a:rPr lang="en-US" altLang="ja-JP" dirty="0"/>
               <a:t>Execute </a:t>
             </a:r>
             <a:r>
-              <a:rPr lang="en-US" altLang="ja-JP" dirty="0" err="1" smtClean="0"/>
+              <a:rPr lang="en-US" altLang="ja-JP" dirty="0" err="1"/>
               <a:t>Plane_test</a:t>
             </a:r>
             <a:r>
-              <a:rPr lang="en-US" altLang="ja-JP" dirty="0" smtClean="0"/>
-              <a:t> </a:t>
-            </a:r>
-            <a:r>
-              <a:rPr lang="en-US" altLang="ja-JP" dirty="0"/>
-              <a:t>by pushing “</a:t>
-            </a:r>
-            <a:r>
-              <a:rPr lang="en-US" altLang="ja-JP" dirty="0" smtClean="0"/>
-              <a:t>F5” </a:t>
-            </a:r>
-            <a:r>
-              <a:rPr lang="en-US" altLang="ja-JP" dirty="0"/>
-              <a:t>key.</a:t>
+              <a:rPr lang="en-US" altLang="ja-JP" dirty="0"/>
+              <a:t> by pushing “F5” key.</a:t>
             </a:r>
             <a:endParaRPr lang="ja-JP" altLang="en-US" dirty="0"/>
           </a:p>
@@ -12994,8 +12604,8 @@
           <a:lstStyle/>
           <a:p>
             <a:r>
-              <a:rPr kumimoji="1" lang="en-US" altLang="ja-JP" smtClean="0"/>
-              <a:t>2017/3/15</a:t>
+              <a:rPr kumimoji="1" lang="en-US" altLang="ja-JP"/>
+              <a:t>2017/4/4</a:t>
             </a:r>
             <a:endParaRPr kumimoji="1" lang="ja-JP" altLang="en-US"/>
           </a:p>
@@ -13017,7 +12627,7 @@
           <a:lstStyle/>
           <a:p>
             <a:r>
-              <a:rPr kumimoji="1" lang="en-US" altLang="ja-JP" smtClean="0"/>
+              <a:rPr kumimoji="1" lang="en-US" altLang="ja-JP"/>
               <a:t>BEACLS: Berkeley Efficient API in C++ for Level Set methods Installation Guide</a:t>
             </a:r>
             <a:endParaRPr kumimoji="1" lang="ja-JP" altLang="en-US"/>
@@ -13086,13 +12696,6 @@
   <p:clrMapOvr>
     <a:masterClrMapping/>
   </p:clrMapOvr>
-  <p:timing>
-    <p:tnLst>
-      <p:par>
-        <p:cTn id="1" dur="indefinite" restart="never" nodeType="tmRoot"/>
-      </p:par>
-    </p:tnLst>
-  </p:timing>
 </p:sld>
 </file>
 
@@ -13129,7 +12732,7 @@
           <a:lstStyle/>
           <a:p>
             <a:r>
-              <a:rPr kumimoji="1" lang="en-US" altLang="ja-JP" dirty="0" smtClean="0"/>
+              <a:rPr kumimoji="1" lang="en-US" altLang="ja-JP" dirty="0"/>
               <a:t>Table of contents</a:t>
             </a:r>
             <a:endParaRPr kumimoji="1" lang="ja-JP" altLang="en-US" dirty="0"/>
@@ -13152,7 +12755,7 @@
           <a:lstStyle/>
           <a:p>
             <a:r>
-              <a:rPr kumimoji="1" lang="en-US" altLang="ja-JP" dirty="0" smtClean="0">
+              <a:rPr kumimoji="1" lang="en-US" altLang="ja-JP" dirty="0">
                 <a:solidFill>
                   <a:schemeClr val="bg1">
                     <a:lumMod val="50000"/>
@@ -13176,16 +12779,6 @@
           </a:p>
           <a:p>
             <a:r>
-              <a:rPr lang="en-US" altLang="ja-JP" dirty="0" smtClean="0">
-                <a:solidFill>
-                  <a:schemeClr val="bg1">
-                    <a:lumMod val="50000"/>
-                  </a:schemeClr>
-                </a:solidFill>
-              </a:rPr>
-              <a:t>Ubuntu </a:t>
-            </a:r>
-            <a:r>
               <a:rPr lang="en-US" altLang="ja-JP" dirty="0">
                 <a:solidFill>
                   <a:schemeClr val="bg1">
@@ -13193,7 +12786,7 @@
                   </a:schemeClr>
                 </a:solidFill>
               </a:rPr>
-              <a:t>Linux without GPU</a:t>
+              <a:t>Ubuntu Linux without GPU</a:t>
             </a:r>
           </a:p>
           <a:p>
@@ -13205,18 +12798,10 @@
                   </a:schemeClr>
                 </a:solidFill>
               </a:rPr>
-              <a:t>Ubuntu Linux </a:t>
-            </a:r>
-            <a:r>
-              <a:rPr lang="en-US" altLang="ja-JP" dirty="0" smtClean="0">
-                <a:solidFill>
-                  <a:schemeClr val="bg1">
-                    <a:lumMod val="50000"/>
-                  </a:schemeClr>
-                </a:solidFill>
-              </a:rPr>
-              <a:t>with </a:t>
-            </a:r>
+              <a:t>Ubuntu Linux with GPU</a:t>
+            </a:r>
+          </a:p>
+          <a:p>
             <a:r>
               <a:rPr lang="en-US" altLang="ja-JP" dirty="0">
                 <a:solidFill>
@@ -13225,49 +12810,13 @@
                   </a:schemeClr>
                 </a:solidFill>
               </a:rPr>
-              <a:t>GPU</a:t>
-            </a:r>
-          </a:p>
-          <a:p>
-            <a:r>
-              <a:rPr lang="en-US" altLang="ja-JP" dirty="0" smtClean="0">
-                <a:solidFill>
-                  <a:schemeClr val="bg1">
-                    <a:lumMod val="50000"/>
-                  </a:schemeClr>
-                </a:solidFill>
-              </a:rPr>
-              <a:t>Windows </a:t>
-            </a:r>
-            <a:r>
-              <a:rPr lang="en-US" altLang="ja-JP" dirty="0">
-                <a:solidFill>
-                  <a:schemeClr val="bg1">
-                    <a:lumMod val="50000"/>
-                  </a:schemeClr>
-                </a:solidFill>
-              </a:rPr>
-              <a:t>without </a:t>
-            </a:r>
-            <a:r>
-              <a:rPr lang="en-US" altLang="ja-JP" dirty="0" smtClean="0">
-                <a:solidFill>
-                  <a:schemeClr val="bg1">
-                    <a:lumMod val="50000"/>
-                  </a:schemeClr>
-                </a:solidFill>
-              </a:rPr>
-              <a:t>GPU</a:t>
-            </a:r>
-          </a:p>
-          <a:p>
-            <a:r>
-              <a:rPr lang="en-US" altLang="ja-JP" dirty="0" smtClean="0"/>
-              <a:t>Windows with </a:t>
-            </a:r>
-            <a:r>
-              <a:rPr lang="en-US" altLang="ja-JP" dirty="0"/>
-              <a:t>GPU</a:t>
+              <a:t>Windows without GPU</a:t>
+            </a:r>
+          </a:p>
+          <a:p>
+            <a:r>
+              <a:rPr lang="en-US" altLang="ja-JP" dirty="0"/>
+              <a:t>Windows with GPU</a:t>
             </a:r>
           </a:p>
           <a:p>
@@ -13294,8 +12843,8 @@
           <a:lstStyle/>
           <a:p>
             <a:r>
-              <a:rPr kumimoji="1" lang="en-US" altLang="ja-JP" smtClean="0"/>
-              <a:t>2017/3/15</a:t>
+              <a:rPr kumimoji="1" lang="en-US" altLang="ja-JP"/>
+              <a:t>2017/4/4</a:t>
             </a:r>
             <a:endParaRPr kumimoji="1" lang="ja-JP" altLang="en-US"/>
           </a:p>
@@ -13317,7 +12866,7 @@
           <a:lstStyle/>
           <a:p>
             <a:r>
-              <a:rPr kumimoji="1" lang="en-US" altLang="ja-JP" smtClean="0"/>
+              <a:rPr kumimoji="1" lang="en-US" altLang="ja-JP"/>
               <a:t>BEACLS: Berkeley Efficient API in C++ for Level Set methods Installation Guide</a:t>
             </a:r>
             <a:endParaRPr kumimoji="1" lang="ja-JP" altLang="en-US"/>
@@ -13394,27 +12943,7 @@
           <a:p>
             <a:r>
               <a:rPr lang="en-US" altLang="ja-JP" dirty="0"/>
-              <a:t>Install to Windows </a:t>
-            </a:r>
-            <a:r>
-              <a:rPr lang="en-US" altLang="ja-JP" dirty="0" smtClean="0"/>
-              <a:t>7/8.1/10</a:t>
-            </a:r>
-            <a:r>
-              <a:rPr lang="en-US" altLang="ja-JP" dirty="0"/>
-              <a:t> (</a:t>
-            </a:r>
-            <a:r>
-              <a:rPr lang="en-US" altLang="ja-JP" dirty="0" smtClean="0"/>
-              <a:t>With </a:t>
-            </a:r>
-            <a:r>
-              <a:rPr lang="en-US" altLang="ja-JP" dirty="0"/>
-              <a:t>GPU</a:t>
-            </a:r>
-            <a:r>
-              <a:rPr lang="en-US" altLang="ja-JP" dirty="0" smtClean="0"/>
-              <a:t>)</a:t>
+              <a:t>Install to Windows 7/8.1/10 (With GPU)</a:t>
             </a:r>
             <a:endParaRPr kumimoji="1" lang="ja-JP" altLang="en-US" dirty="0"/>
           </a:p>
@@ -13441,7 +12970,7 @@
               <a:buNone/>
             </a:pPr>
             <a:r>
-              <a:rPr lang="en-US" altLang="ja-JP" dirty="0" smtClean="0"/>
+              <a:rPr lang="en-US" altLang="ja-JP" dirty="0"/>
               <a:t>Install from step 1 to step 8 of Windows 7/8.1/10 (without GPU)</a:t>
             </a:r>
           </a:p>
@@ -13451,12 +12980,8 @@
               <a:buAutoNum type="arabicPeriod" startAt="9"/>
             </a:pPr>
             <a:r>
-              <a:rPr lang="en-US" altLang="ja-JP" dirty="0" smtClean="0"/>
-              <a:t>Download </a:t>
-            </a:r>
-            <a:r>
-              <a:rPr lang="en-US" altLang="ja-JP" dirty="0"/>
-              <a:t>and install CUDA 8.0</a:t>
+              <a:rPr lang="en-US" altLang="ja-JP" dirty="0"/>
+              <a:t>Download and install CUDA 8.0</a:t>
             </a:r>
           </a:p>
           <a:p>
@@ -13467,15 +12992,9 @@
               <a:rPr lang="en-US" altLang="ja-JP" dirty="0">
                 <a:hlinkClick r:id="rId2"/>
               </a:rPr>
-              <a:t>https://</a:t>
-            </a:r>
-            <a:r>
-              <a:rPr lang="en-US" altLang="ja-JP" dirty="0" smtClean="0">
-                <a:hlinkClick r:id="rId2"/>
-              </a:rPr>
-              <a:t>developer.nvidia.com/cuda-downloads</a:t>
-            </a:r>
-            <a:endParaRPr lang="en-US" altLang="ja-JP" dirty="0" smtClean="0"/>
+              <a:t>https://developer.nvidia.com/cuda-downloads</a:t>
+            </a:r>
+            <a:endParaRPr lang="en-US" altLang="ja-JP" dirty="0"/>
           </a:p>
           <a:p>
             <a:pPr marL="457200" indent="-457200">
@@ -13509,8 +13028,8 @@
           <a:lstStyle/>
           <a:p>
             <a:r>
-              <a:rPr kumimoji="1" lang="en-US" altLang="ja-JP" smtClean="0"/>
-              <a:t>2017/3/15</a:t>
+              <a:rPr kumimoji="1" lang="en-US" altLang="ja-JP"/>
+              <a:t>2017/4/4</a:t>
             </a:r>
             <a:endParaRPr kumimoji="1" lang="ja-JP" altLang="en-US"/>
           </a:p>
@@ -13532,7 +13051,7 @@
           <a:lstStyle/>
           <a:p>
             <a:r>
-              <a:rPr kumimoji="1" lang="en-US" altLang="ja-JP" smtClean="0"/>
+              <a:rPr kumimoji="1" lang="en-US" altLang="ja-JP"/>
               <a:t>BEACLS: Berkeley Efficient API in C++ for Level Set methods Installation Guide</a:t>
             </a:r>
             <a:endParaRPr kumimoji="1" lang="ja-JP" altLang="en-US"/>
@@ -13572,13 +13091,6 @@
   <p:clrMapOvr>
     <a:masterClrMapping/>
   </p:clrMapOvr>
-  <p:timing>
-    <p:tnLst>
-      <p:par>
-        <p:cTn id="1" dur="indefinite" restart="never" nodeType="tmRoot"/>
-      </p:par>
-    </p:tnLst>
-  </p:timing>
 </p:sld>
 </file>
 
@@ -13615,7 +13127,7 @@
           <a:lstStyle/>
           <a:p>
             <a:r>
-              <a:rPr kumimoji="1" lang="en-US" altLang="ja-JP" dirty="0" smtClean="0"/>
+              <a:rPr kumimoji="1" lang="en-US" altLang="ja-JP" dirty="0"/>
               <a:t>Table of contents</a:t>
             </a:r>
             <a:endParaRPr kumimoji="1" lang="ja-JP" altLang="en-US" dirty="0"/>
@@ -13638,7 +13150,7 @@
           <a:lstStyle/>
           <a:p>
             <a:r>
-              <a:rPr kumimoji="1" lang="en-US" altLang="ja-JP" dirty="0" smtClean="0"/>
+              <a:rPr kumimoji="1" lang="en-US" altLang="ja-JP" dirty="0"/>
               <a:t>System requirement</a:t>
             </a:r>
           </a:p>
@@ -13650,50 +13162,26 @@
           </a:p>
           <a:p>
             <a:r>
-              <a:rPr lang="en-US" altLang="ja-JP" dirty="0" smtClean="0"/>
+              <a:rPr lang="en-US" altLang="ja-JP" dirty="0"/>
               <a:t>Ubuntu Linux without GPU</a:t>
             </a:r>
           </a:p>
           <a:p>
             <a:r>
-              <a:rPr lang="en-US" altLang="ja-JP" dirty="0" smtClean="0"/>
-              <a:t>Ubuntu </a:t>
-            </a:r>
-            <a:r>
-              <a:rPr lang="en-US" altLang="ja-JP" dirty="0"/>
-              <a:t>Linux </a:t>
-            </a:r>
-            <a:r>
-              <a:rPr lang="en-US" altLang="ja-JP" dirty="0" smtClean="0"/>
-              <a:t>with </a:t>
-            </a:r>
-            <a:r>
-              <a:rPr lang="en-US" altLang="ja-JP" dirty="0"/>
-              <a:t>GPU</a:t>
-            </a:r>
-          </a:p>
-          <a:p>
-            <a:r>
-              <a:rPr lang="en-US" altLang="ja-JP" dirty="0" smtClean="0"/>
-              <a:t>Windows </a:t>
-            </a:r>
-            <a:r>
-              <a:rPr lang="en-US" altLang="ja-JP" dirty="0"/>
-              <a:t>without </a:t>
-            </a:r>
-            <a:r>
-              <a:rPr lang="en-US" altLang="ja-JP" dirty="0" smtClean="0"/>
-              <a:t>GPU</a:t>
-            </a:r>
-          </a:p>
-          <a:p>
-            <a:r>
-              <a:rPr lang="en-US" altLang="ja-JP" dirty="0" smtClean="0"/>
-              <a:t>Windows with </a:t>
-            </a:r>
-            <a:r>
-              <a:rPr lang="en-US" altLang="ja-JP" dirty="0"/>
-              <a:t>GPU</a:t>
+              <a:rPr lang="en-US" altLang="ja-JP" dirty="0"/>
+              <a:t>Ubuntu Linux with GPU</a:t>
+            </a:r>
+          </a:p>
+          <a:p>
+            <a:r>
+              <a:rPr lang="en-US" altLang="ja-JP" dirty="0"/>
+              <a:t>Windows without GPU</a:t>
+            </a:r>
+          </a:p>
+          <a:p>
+            <a:r>
+              <a:rPr lang="en-US" altLang="ja-JP" dirty="0"/>
+              <a:t>Windows with GPU</a:t>
             </a:r>
           </a:p>
           <a:p>
@@ -13720,8 +13208,8 @@
           <a:lstStyle/>
           <a:p>
             <a:r>
-              <a:rPr kumimoji="1" lang="en-US" altLang="ja-JP" smtClean="0"/>
-              <a:t>2017/3/15</a:t>
+              <a:rPr kumimoji="1" lang="en-US" altLang="ja-JP"/>
+              <a:t>2017/4/4</a:t>
             </a:r>
             <a:endParaRPr kumimoji="1" lang="ja-JP" altLang="en-US"/>
           </a:p>
@@ -13743,7 +13231,7 @@
           <a:lstStyle/>
           <a:p>
             <a:r>
-              <a:rPr kumimoji="1" lang="en-US" altLang="ja-JP" smtClean="0"/>
+              <a:rPr kumimoji="1" lang="en-US" altLang="ja-JP"/>
               <a:t>BEACLS: Berkeley Efficient API in C++ for Level Set methods Installation Guide</a:t>
             </a:r>
             <a:endParaRPr kumimoji="1" lang="ja-JP" altLang="en-US"/>
@@ -13820,35 +13308,7 @@
           <a:p>
             <a:r>
               <a:rPr lang="en-US" altLang="ja-JP" dirty="0"/>
-              <a:t>Install to Windows </a:t>
-            </a:r>
-            <a:r>
-              <a:rPr lang="en-US" altLang="ja-JP" dirty="0" smtClean="0"/>
-              <a:t>7/8.1/10</a:t>
-            </a:r>
-            <a:r>
-              <a:rPr lang="en-US" altLang="ja-JP" dirty="0"/>
-              <a:t> (</a:t>
-            </a:r>
-            <a:r>
-              <a:rPr lang="en-US" altLang="ja-JP" dirty="0" smtClean="0"/>
-              <a:t>With </a:t>
-            </a:r>
-            <a:r>
-              <a:rPr lang="en-US" altLang="ja-JP" dirty="0"/>
-              <a:t>GPU)</a:t>
-            </a:r>
-            <a:r>
-              <a:rPr lang="en-US" altLang="ja-JP" dirty="0" smtClean="0"/>
-              <a:t> (</a:t>
-            </a:r>
-            <a:r>
-              <a:rPr lang="en-US" altLang="ja-JP" dirty="0"/>
-              <a:t>cont'd</a:t>
-            </a:r>
-            <a:r>
-              <a:rPr lang="en-US" altLang="ja-JP" dirty="0" smtClean="0"/>
-              <a:t>.)</a:t>
+              <a:t>Install to Windows 7/8.1/10 (With GPU) (cont'd.)</a:t>
             </a:r>
             <a:endParaRPr kumimoji="1" lang="ja-JP" altLang="en-US" dirty="0"/>
           </a:p>
@@ -13881,7 +13341,7 @@
               <a:buAutoNum type="arabicPeriod" startAt="10"/>
             </a:pPr>
             <a:r>
-              <a:rPr lang="en-US" altLang="ja-JP" dirty="0" smtClean="0"/>
+              <a:rPr lang="en-US" altLang="ja-JP" dirty="0"/>
               <a:t>Build BEACLS</a:t>
             </a:r>
           </a:p>
@@ -13891,40 +13351,22 @@
               <a:buAutoNum type="arabicPeriod"/>
             </a:pPr>
             <a:r>
-              <a:rPr lang="en-US" altLang="ja-JP" dirty="0" smtClean="0"/>
-              <a:t>Run Visual Studio solution from the </a:t>
-            </a:r>
-            <a:r>
-              <a:rPr lang="en-US" altLang="ja-JP" dirty="0"/>
-              <a:t>batch </a:t>
-            </a:r>
-            <a:r>
-              <a:rPr lang="en-US" altLang="ja-JP" dirty="0" smtClean="0"/>
-              <a:t>file</a:t>
-            </a:r>
-            <a:endParaRPr lang="en-US" altLang="ja-JP" dirty="0"/>
+              <a:rPr lang="en-US" altLang="ja-JP" dirty="0"/>
+              <a:t>Run Visual Studio solution from the batch file</a:t>
+            </a:r>
           </a:p>
           <a:p>
             <a:pPr lvl="2"/>
             <a:r>
-              <a:rPr lang="en-US" altLang="ja-JP" dirty="0" smtClean="0"/>
+              <a:rPr lang="en-US" altLang="ja-JP" dirty="0"/>
               <a:t>sources\run_visualstudio14_beacls_cuda.bat</a:t>
             </a:r>
-            <a:endParaRPr lang="en-US" altLang="ja-JP" dirty="0"/>
           </a:p>
           <a:p>
             <a:pPr lvl="3"/>
             <a:r>
-              <a:rPr lang="en-US" altLang="ja-JP" dirty="0" smtClean="0"/>
-              <a:t>It sets </a:t>
-            </a:r>
-            <a:r>
-              <a:rPr lang="en-US" altLang="ja-JP" dirty="0"/>
-              <a:t>environmental variables for some libraries paths</a:t>
-            </a:r>
-            <a:r>
-              <a:rPr lang="en-US" altLang="ja-JP" dirty="0" smtClean="0"/>
-              <a:t>.</a:t>
+              <a:rPr lang="en-US" altLang="ja-JP" dirty="0"/>
+              <a:t>It sets environmental variables for some libraries paths.</a:t>
             </a:r>
           </a:p>
           <a:p>
@@ -13934,11 +13376,7 @@
             </a:pPr>
             <a:r>
               <a:rPr lang="en-US" altLang="ja-JP" dirty="0"/>
-              <a:t>Run Visual Studio solution from the batch </a:t>
-            </a:r>
-            <a:r>
-              <a:rPr lang="en-US" altLang="ja-JP" dirty="0" smtClean="0"/>
-              <a:t>file</a:t>
+              <a:t>Run Visual Studio solution from the batch file</a:t>
             </a:r>
           </a:p>
           <a:p>
@@ -13973,8 +13411,8 @@
           <a:lstStyle/>
           <a:p>
             <a:r>
-              <a:rPr kumimoji="1" lang="en-US" altLang="ja-JP" smtClean="0"/>
-              <a:t>2017/3/15</a:t>
+              <a:rPr kumimoji="1" lang="en-US" altLang="ja-JP"/>
+              <a:t>2017/4/4</a:t>
             </a:r>
             <a:endParaRPr kumimoji="1" lang="ja-JP" altLang="en-US"/>
           </a:p>
@@ -13996,7 +13434,7 @@
           <a:lstStyle/>
           <a:p>
             <a:r>
-              <a:rPr kumimoji="1" lang="en-US" altLang="ja-JP" smtClean="0"/>
+              <a:rPr kumimoji="1" lang="en-US" altLang="ja-JP"/>
               <a:t>BEACLS: Berkeley Efficient API in C++ for Level Set methods Installation Guide</a:t>
             </a:r>
             <a:endParaRPr kumimoji="1" lang="ja-JP" altLang="en-US"/>
@@ -14036,13 +13474,6 @@
   <p:clrMapOvr>
     <a:masterClrMapping/>
   </p:clrMapOvr>
-  <p:timing>
-    <p:tnLst>
-      <p:par>
-        <p:cTn id="1" dur="indefinite" restart="never" nodeType="tmRoot"/>
-      </p:par>
-    </p:tnLst>
-  </p:timing>
 </p:sld>
 </file>
 
@@ -14080,35 +13511,7 @@
           <a:p>
             <a:r>
               <a:rPr lang="en-US" altLang="ja-JP" dirty="0"/>
-              <a:t>Install to Windows </a:t>
-            </a:r>
-            <a:r>
-              <a:rPr lang="en-US" altLang="ja-JP" dirty="0" smtClean="0"/>
-              <a:t>7/8.1/10</a:t>
-            </a:r>
-            <a:r>
-              <a:rPr lang="en-US" altLang="ja-JP" dirty="0"/>
-              <a:t> (</a:t>
-            </a:r>
-            <a:r>
-              <a:rPr lang="en-US" altLang="ja-JP" dirty="0" smtClean="0"/>
-              <a:t>With </a:t>
-            </a:r>
-            <a:r>
-              <a:rPr lang="en-US" altLang="ja-JP" dirty="0"/>
-              <a:t>GPU)</a:t>
-            </a:r>
-            <a:r>
-              <a:rPr lang="en-US" altLang="ja-JP" dirty="0" smtClean="0"/>
-              <a:t> (</a:t>
-            </a:r>
-            <a:r>
-              <a:rPr lang="en-US" altLang="ja-JP" dirty="0"/>
-              <a:t>cont'd</a:t>
-            </a:r>
-            <a:r>
-              <a:rPr lang="en-US" altLang="ja-JP" dirty="0" smtClean="0"/>
-              <a:t>.)</a:t>
+              <a:t>Install to Windows 7/8.1/10 (With GPU) (cont'd.)</a:t>
             </a:r>
             <a:endParaRPr kumimoji="1" lang="ja-JP" altLang="en-US" dirty="0"/>
           </a:p>
@@ -14130,8 +13533,8 @@
           <a:lstStyle/>
           <a:p>
             <a:r>
-              <a:rPr kumimoji="1" lang="en-US" altLang="ja-JP" smtClean="0"/>
-              <a:t>2017/3/15</a:t>
+              <a:rPr kumimoji="1" lang="en-US" altLang="ja-JP"/>
+              <a:t>2017/4/4</a:t>
             </a:r>
             <a:endParaRPr kumimoji="1" lang="ja-JP" altLang="en-US"/>
           </a:p>
@@ -14153,7 +13556,7 @@
           <a:lstStyle/>
           <a:p>
             <a:r>
-              <a:rPr kumimoji="1" lang="en-US" altLang="ja-JP" smtClean="0"/>
+              <a:rPr kumimoji="1" lang="en-US" altLang="ja-JP"/>
               <a:t>BEACLS: Berkeley Efficient API in C++ for Level Set methods Installation Guide</a:t>
             </a:r>
             <a:endParaRPr kumimoji="1" lang="ja-JP" altLang="en-US"/>
@@ -14268,7 +13671,7 @@
               <a:buAutoNum type="arabicPeriod" startAt="10"/>
             </a:pPr>
             <a:r>
-              <a:rPr lang="en-US" altLang="ja-JP" dirty="0" smtClean="0"/>
+              <a:rPr lang="en-US" altLang="ja-JP" dirty="0"/>
               <a:t>Build BEACLS (Cont’d)</a:t>
             </a:r>
           </a:p>
@@ -14278,15 +13681,15 @@
               <a:buAutoNum type="arabicPeriod" startAt="3"/>
             </a:pPr>
             <a:r>
-              <a:rPr lang="en-US" altLang="ja-JP" dirty="0" smtClean="0"/>
+              <a:rPr lang="en-US" altLang="ja-JP" dirty="0"/>
               <a:t>Enable CUDA build for </a:t>
             </a:r>
             <a:r>
-              <a:rPr lang="en-US" altLang="ja-JP" dirty="0" err="1" smtClean="0"/>
+              <a:rPr lang="en-US" altLang="ja-JP" dirty="0" err="1"/>
               <a:t>levelset</a:t>
             </a:r>
             <a:r>
-              <a:rPr lang="en-US" altLang="ja-JP" dirty="0" smtClean="0"/>
+              <a:rPr lang="en-US" altLang="ja-JP" dirty="0"/>
               <a:t> project.</a:t>
             </a:r>
           </a:p>
@@ -14296,24 +13699,16 @@
               <a:buAutoNum type="arabicPeriod"/>
             </a:pPr>
             <a:r>
-              <a:rPr lang="en-US" altLang="ja-JP" dirty="0" smtClean="0"/>
+              <a:rPr lang="en-US" altLang="ja-JP" dirty="0"/>
               <a:t>Choose “</a:t>
             </a:r>
             <a:r>
-              <a:rPr lang="en-US" altLang="ja-JP" dirty="0" err="1" smtClean="0"/>
+              <a:rPr lang="en-US" altLang="ja-JP" dirty="0" err="1"/>
               <a:t>levelset</a:t>
             </a:r>
             <a:r>
-              <a:rPr lang="en-US" altLang="ja-JP" dirty="0" smtClean="0"/>
-              <a:t>” in </a:t>
-            </a:r>
-            <a:r>
-              <a:rPr lang="en-US" altLang="ja-JP" dirty="0"/>
-              <a:t>Solution </a:t>
-            </a:r>
-            <a:r>
-              <a:rPr lang="en-US" altLang="ja-JP" dirty="0" smtClean="0"/>
-              <a:t>Explorer</a:t>
+              <a:rPr lang="en-US" altLang="ja-JP" dirty="0"/>
+              <a:t>” in Solution Explorer</a:t>
             </a:r>
           </a:p>
           <a:p>
@@ -14322,15 +13717,15 @@
               <a:buAutoNum type="arabicPeriod"/>
             </a:pPr>
             <a:r>
-              <a:rPr lang="en-US" altLang="ja-JP" dirty="0" smtClean="0"/>
+              <a:rPr lang="en-US" altLang="ja-JP" dirty="0"/>
               <a:t>click “</a:t>
             </a:r>
             <a:r>
-              <a:rPr lang="en-US" altLang="ja-JP" dirty="0" err="1" smtClean="0"/>
+              <a:rPr lang="en-US" altLang="ja-JP" dirty="0" err="1"/>
               <a:t>Builld</a:t>
             </a:r>
             <a:r>
-              <a:rPr lang="en-US" altLang="ja-JP" dirty="0" smtClean="0"/>
+              <a:rPr lang="en-US" altLang="ja-JP" dirty="0"/>
               <a:t> Customizations…” from Project tab of tool bar.</a:t>
             </a:r>
           </a:p>
@@ -14340,10 +13735,9 @@
               <a:buAutoNum type="arabicPeriod"/>
             </a:pPr>
             <a:r>
-              <a:rPr lang="en-US" altLang="ja-JP" dirty="0" smtClean="0"/>
+              <a:rPr lang="en-US" altLang="ja-JP" dirty="0"/>
               <a:t>Enable “CUDA 8.0(.targets, .props)”</a:t>
             </a:r>
-            <a:endParaRPr lang="en-US" altLang="ja-JP" dirty="0"/>
           </a:p>
           <a:p>
             <a:pPr marL="914400" lvl="1" indent="-457200">
@@ -14355,16 +13749,12 @@
               <a:t>Enable CUDA build for </a:t>
             </a:r>
             <a:r>
-              <a:rPr lang="en-US" altLang="ja-JP" dirty="0" err="1" smtClean="0"/>
+              <a:rPr lang="en-US" altLang="ja-JP" dirty="0" err="1"/>
               <a:t>helperOC</a:t>
             </a:r>
             <a:r>
-              <a:rPr lang="en-US" altLang="ja-JP" dirty="0" smtClean="0"/>
-              <a:t> project</a:t>
-            </a:r>
-            <a:r>
-              <a:rPr lang="en-US" altLang="ja-JP" dirty="0"/>
-              <a:t>.</a:t>
+              <a:rPr lang="en-US" altLang="ja-JP" dirty="0"/>
+              <a:t> project.</a:t>
             </a:r>
           </a:p>
           <a:p>
@@ -14393,13 +13783,6 @@
   <p:clrMapOvr>
     <a:masterClrMapping/>
   </p:clrMapOvr>
-  <p:timing>
-    <p:tnLst>
-      <p:par>
-        <p:cTn id="1" dur="indefinite" restart="never" nodeType="tmRoot"/>
-      </p:par>
-    </p:tnLst>
-  </p:timing>
 </p:sld>
 </file>
 
@@ -14437,35 +13820,7 @@
           <a:p>
             <a:r>
               <a:rPr lang="en-US" altLang="ja-JP" dirty="0"/>
-              <a:t>Install to Windows </a:t>
-            </a:r>
-            <a:r>
-              <a:rPr lang="en-US" altLang="ja-JP" dirty="0" smtClean="0"/>
-              <a:t>7/8.1/10</a:t>
-            </a:r>
-            <a:r>
-              <a:rPr lang="en-US" altLang="ja-JP" dirty="0"/>
-              <a:t> (</a:t>
-            </a:r>
-            <a:r>
-              <a:rPr lang="en-US" altLang="ja-JP" dirty="0" smtClean="0"/>
-              <a:t>With </a:t>
-            </a:r>
-            <a:r>
-              <a:rPr lang="en-US" altLang="ja-JP" dirty="0"/>
-              <a:t>GPU)</a:t>
-            </a:r>
-            <a:r>
-              <a:rPr lang="en-US" altLang="ja-JP" dirty="0" smtClean="0"/>
-              <a:t> (</a:t>
-            </a:r>
-            <a:r>
-              <a:rPr lang="en-US" altLang="ja-JP" dirty="0"/>
-              <a:t>cont'd</a:t>
-            </a:r>
-            <a:r>
-              <a:rPr lang="en-US" altLang="ja-JP" dirty="0" smtClean="0"/>
-              <a:t>.)</a:t>
+              <a:t>Install to Windows 7/8.1/10 (With GPU) (cont'd.)</a:t>
             </a:r>
             <a:endParaRPr kumimoji="1" lang="ja-JP" altLang="en-US" dirty="0"/>
           </a:p>
@@ -14493,7 +13848,7 @@
               <a:buAutoNum type="arabicPeriod" startAt="10"/>
             </a:pPr>
             <a:r>
-              <a:rPr lang="en-US" altLang="ja-JP" dirty="0" smtClean="0"/>
+              <a:rPr lang="en-US" altLang="ja-JP" dirty="0"/>
               <a:t>Build BEACLS</a:t>
             </a:r>
           </a:p>
@@ -14503,23 +13858,9 @@
               <a:buAutoNum type="arabicPeriod" startAt="5"/>
             </a:pPr>
             <a:r>
-              <a:rPr lang="en-US" altLang="ja-JP" dirty="0" smtClean="0"/>
+              <a:rPr lang="en-US" altLang="ja-JP" dirty="0"/>
               <a:t>Choose “Release” as Solution Configuration and  “x64” as Solution Platform</a:t>
             </a:r>
-          </a:p>
-          <a:p>
-            <a:pPr marL="971550" lvl="1" indent="-514350">
-              <a:buFont typeface="+mj-lt"/>
-              <a:buAutoNum type="arabicPeriod" startAt="5"/>
-            </a:pPr>
-            <a:endParaRPr lang="en-US" altLang="ja-JP" dirty="0" smtClean="0"/>
-          </a:p>
-          <a:p>
-            <a:pPr marL="971550" lvl="1" indent="-514350">
-              <a:buFont typeface="+mj-lt"/>
-              <a:buAutoNum type="arabicPeriod" startAt="5"/>
-            </a:pPr>
-            <a:endParaRPr lang="en-US" altLang="ja-JP" dirty="0" smtClean="0"/>
           </a:p>
           <a:p>
             <a:pPr marL="971550" lvl="1" indent="-514350">
@@ -14533,13 +13874,27 @@
               <a:buFont typeface="+mj-lt"/>
               <a:buAutoNum type="arabicPeriod" startAt="5"/>
             </a:pPr>
-            <a:endParaRPr lang="en-US" altLang="ja-JP" dirty="0" smtClean="0"/>
+            <a:endParaRPr lang="en-US" altLang="ja-JP" dirty="0"/>
           </a:p>
           <a:p>
             <a:pPr marL="971550" lvl="1" indent="-514350">
               <a:buFont typeface="+mj-lt"/>
               <a:buAutoNum type="arabicPeriod" startAt="5"/>
             </a:pPr>
+            <a:endParaRPr lang="en-US" altLang="ja-JP" dirty="0"/>
+          </a:p>
+          <a:p>
+            <a:pPr marL="971550" lvl="1" indent="-514350">
+              <a:buFont typeface="+mj-lt"/>
+              <a:buAutoNum type="arabicPeriod" startAt="5"/>
+            </a:pPr>
+            <a:endParaRPr lang="en-US" altLang="ja-JP" dirty="0"/>
+          </a:p>
+          <a:p>
+            <a:pPr marL="971550" lvl="1" indent="-514350">
+              <a:buFont typeface="+mj-lt"/>
+              <a:buAutoNum type="arabicPeriod" startAt="5"/>
+            </a:pPr>
             <a:r>
               <a:rPr lang="en-US" altLang="ja-JP" dirty="0"/>
               <a:t>Build all projects of </a:t>
@@ -14572,8 +13927,8 @@
           <a:lstStyle/>
           <a:p>
             <a:r>
-              <a:rPr kumimoji="1" lang="en-US" altLang="ja-JP" smtClean="0"/>
-              <a:t>2017/3/15</a:t>
+              <a:rPr kumimoji="1" lang="en-US" altLang="ja-JP"/>
+              <a:t>2017/4/4</a:t>
             </a:r>
             <a:endParaRPr kumimoji="1" lang="ja-JP" altLang="en-US"/>
           </a:p>
@@ -14595,7 +13950,7 @@
           <a:lstStyle/>
           <a:p>
             <a:r>
-              <a:rPr kumimoji="1" lang="en-US" altLang="ja-JP" smtClean="0"/>
+              <a:rPr kumimoji="1" lang="en-US" altLang="ja-JP"/>
               <a:t>BEACLS: Berkeley Efficient API in C++ for Level Set methods Installation Guide</a:t>
             </a:r>
             <a:endParaRPr kumimoji="1" lang="ja-JP" altLang="en-US"/>
@@ -14664,13 +14019,6 @@
   <p:clrMapOvr>
     <a:masterClrMapping/>
   </p:clrMapOvr>
-  <p:timing>
-    <p:tnLst>
-      <p:par>
-        <p:cTn id="1" dur="indefinite" restart="never" nodeType="tmRoot"/>
-      </p:par>
-    </p:tnLst>
-  </p:timing>
 </p:sld>
 </file>
 
@@ -14708,35 +14056,7 @@
           <a:p>
             <a:r>
               <a:rPr lang="en-US" altLang="ja-JP" dirty="0"/>
-              <a:t>Install to Windows </a:t>
-            </a:r>
-            <a:r>
-              <a:rPr lang="en-US" altLang="ja-JP" dirty="0" smtClean="0"/>
-              <a:t>7/8.1/10</a:t>
-            </a:r>
-            <a:r>
-              <a:rPr lang="en-US" altLang="ja-JP" dirty="0"/>
-              <a:t> (</a:t>
-            </a:r>
-            <a:r>
-              <a:rPr lang="en-US" altLang="ja-JP" dirty="0" smtClean="0"/>
-              <a:t>With </a:t>
-            </a:r>
-            <a:r>
-              <a:rPr lang="en-US" altLang="ja-JP" dirty="0"/>
-              <a:t>GPU)</a:t>
-            </a:r>
-            <a:r>
-              <a:rPr lang="en-US" altLang="ja-JP" dirty="0" smtClean="0"/>
-              <a:t> (</a:t>
-            </a:r>
-            <a:r>
-              <a:rPr lang="en-US" altLang="ja-JP" dirty="0"/>
-              <a:t>cont'd</a:t>
-            </a:r>
-            <a:r>
-              <a:rPr lang="en-US" altLang="ja-JP" dirty="0" smtClean="0"/>
-              <a:t>.)</a:t>
+              <a:t>Install to Windows 7/8.1/10 (With GPU) (cont'd.)</a:t>
             </a:r>
             <a:endParaRPr kumimoji="1" lang="ja-JP" altLang="en-US" dirty="0"/>
           </a:p>
@@ -14769,14 +14089,14 @@
               <a:buAutoNum type="arabicPeriod" startAt="11"/>
             </a:pPr>
             <a:r>
-              <a:rPr lang="en-US" altLang="ja-JP" dirty="0" smtClean="0"/>
+              <a:rPr lang="en-US" altLang="ja-JP" dirty="0"/>
               <a:t>Execute </a:t>
             </a:r>
             <a:r>
-              <a:rPr lang="en-US" altLang="ja-JP" dirty="0" err="1" smtClean="0"/>
+              <a:rPr lang="en-US" altLang="ja-JP" dirty="0" err="1"/>
               <a:t>Plane_test</a:t>
             </a:r>
-            <a:endParaRPr lang="en-US" altLang="ja-JP" dirty="0" smtClean="0"/>
+            <a:endParaRPr lang="en-US" altLang="ja-JP" dirty="0"/>
           </a:p>
           <a:p>
             <a:pPr marL="971550" lvl="1" indent="-514350">
@@ -14784,23 +14104,23 @@
               <a:buAutoNum type="arabicPeriod"/>
             </a:pPr>
             <a:r>
-              <a:rPr lang="en-US" altLang="ja-JP" dirty="0" smtClean="0"/>
+              <a:rPr lang="en-US" altLang="ja-JP" dirty="0"/>
               <a:t>Click “Set as </a:t>
             </a:r>
             <a:r>
-              <a:rPr lang="en-US" altLang="ja-JP" dirty="0" err="1" smtClean="0"/>
+              <a:rPr lang="en-US" altLang="ja-JP" dirty="0" err="1"/>
               <a:t>StartUp</a:t>
             </a:r>
             <a:r>
-              <a:rPr lang="en-US" altLang="ja-JP" dirty="0" smtClean="0"/>
+              <a:rPr lang="en-US" altLang="ja-JP" dirty="0"/>
               <a:t> Project” from a context menu of </a:t>
             </a:r>
             <a:r>
-              <a:rPr lang="en-US" altLang="ja-JP" dirty="0" err="1" smtClean="0"/>
+              <a:rPr lang="en-US" altLang="ja-JP" dirty="0" err="1"/>
               <a:t>Plane_test</a:t>
             </a:r>
             <a:r>
-              <a:rPr lang="en-US" altLang="ja-JP" dirty="0" smtClean="0"/>
+              <a:rPr lang="en-US" altLang="ja-JP" dirty="0"/>
               <a:t> in Solution Explorer</a:t>
             </a:r>
           </a:p>
@@ -14810,28 +14130,16 @@
               <a:buAutoNum type="arabicPeriod"/>
             </a:pPr>
             <a:r>
-              <a:rPr lang="en-US" altLang="ja-JP" dirty="0" smtClean="0"/>
+              <a:rPr lang="en-US" altLang="ja-JP" dirty="0"/>
               <a:t>Execute </a:t>
             </a:r>
             <a:r>
-              <a:rPr lang="en-US" altLang="ja-JP" dirty="0" err="1" smtClean="0"/>
+              <a:rPr lang="en-US" altLang="ja-JP" dirty="0" err="1"/>
               <a:t>Plane_test</a:t>
             </a:r>
             <a:r>
-              <a:rPr lang="en-US" altLang="ja-JP" dirty="0" smtClean="0"/>
-              <a:t> </a:t>
-            </a:r>
-            <a:r>
-              <a:rPr lang="en-US" altLang="ja-JP" dirty="0"/>
-              <a:t>by pushing “</a:t>
-            </a:r>
-            <a:r>
-              <a:rPr lang="en-US" altLang="ja-JP" dirty="0" smtClean="0"/>
-              <a:t>F5” </a:t>
-            </a:r>
-            <a:r>
-              <a:rPr lang="en-US" altLang="ja-JP" dirty="0"/>
-              <a:t>key.</a:t>
+              <a:rPr lang="en-US" altLang="ja-JP" dirty="0"/>
+              <a:t> by pushing “F5” key.</a:t>
             </a:r>
             <a:endParaRPr lang="ja-JP" altLang="en-US" dirty="0"/>
           </a:p>
@@ -14867,8 +14175,8 @@
           <a:lstStyle/>
           <a:p>
             <a:r>
-              <a:rPr kumimoji="1" lang="en-US" altLang="ja-JP" smtClean="0"/>
-              <a:t>2017/3/15</a:t>
+              <a:rPr kumimoji="1" lang="en-US" altLang="ja-JP"/>
+              <a:t>2017/4/4</a:t>
             </a:r>
             <a:endParaRPr kumimoji="1" lang="ja-JP" altLang="en-US"/>
           </a:p>
@@ -14890,7 +14198,7 @@
           <a:lstStyle/>
           <a:p>
             <a:r>
-              <a:rPr kumimoji="1" lang="en-US" altLang="ja-JP" smtClean="0"/>
+              <a:rPr kumimoji="1" lang="en-US" altLang="ja-JP"/>
               <a:t>BEACLS: Berkeley Efficient API in C++ for Level Set methods Installation Guide</a:t>
             </a:r>
             <a:endParaRPr kumimoji="1" lang="ja-JP" altLang="en-US"/>
@@ -14959,13 +14267,6 @@
   <p:clrMapOvr>
     <a:masterClrMapping/>
   </p:clrMapOvr>
-  <p:timing>
-    <p:tnLst>
-      <p:par>
-        <p:cTn id="1" dur="indefinite" restart="never" nodeType="tmRoot"/>
-      </p:par>
-    </p:tnLst>
-  </p:timing>
 </p:sld>
 </file>
 
@@ -15002,8 +14303,8 @@
           <a:lstStyle/>
           <a:p>
             <a:r>
-              <a:rPr kumimoji="1" lang="en-US" altLang="ja-JP" smtClean="0"/>
-              <a:t>2017/3/15</a:t>
+              <a:rPr kumimoji="1" lang="en-US" altLang="ja-JP"/>
+              <a:t>2017/4/4</a:t>
             </a:r>
             <a:endParaRPr kumimoji="1" lang="ja-JP" altLang="en-US"/>
           </a:p>
@@ -15025,7 +14326,7 @@
           <a:lstStyle/>
           <a:p>
             <a:r>
-              <a:rPr kumimoji="1" lang="en-US" altLang="ja-JP" smtClean="0"/>
+              <a:rPr kumimoji="1" lang="en-US" altLang="ja-JP"/>
               <a:t>BEACLS: Berkeley Efficient API in C++ for Level Set methods Installation Guide</a:t>
             </a:r>
             <a:endParaRPr kumimoji="1" lang="ja-JP" altLang="en-US"/>
@@ -15097,7 +14398,7 @@
           <a:lstStyle/>
           <a:p>
             <a:r>
-              <a:rPr kumimoji="1" lang="en-US" altLang="ja-JP" sz="6000" dirty="0" smtClean="0"/>
+              <a:rPr kumimoji="1" lang="en-US" altLang="ja-JP" sz="6000" dirty="0"/>
               <a:t>Thank you!</a:t>
             </a:r>
             <a:endParaRPr kumimoji="1" lang="ja-JP" altLang="en-US" sz="6000" dirty="0"/>
@@ -15114,13 +14415,6 @@
   <p:clrMapOvr>
     <a:masterClrMapping/>
   </p:clrMapOvr>
-  <p:timing>
-    <p:tnLst>
-      <p:par>
-        <p:cTn id="1" dur="indefinite" restart="never" nodeType="tmRoot"/>
-      </p:par>
-    </p:tnLst>
-  </p:timing>
 </p:sld>
 </file>
 
@@ -15157,7 +14451,7 @@
           <a:lstStyle/>
           <a:p>
             <a:r>
-              <a:rPr kumimoji="1" lang="en-US" altLang="ja-JP" dirty="0" smtClean="0"/>
+              <a:rPr kumimoji="1" lang="en-US" altLang="ja-JP" dirty="0"/>
               <a:t>Table of contents</a:t>
             </a:r>
             <a:endParaRPr kumimoji="1" lang="ja-JP" altLang="en-US" dirty="0"/>
@@ -15180,7 +14474,7 @@
           <a:lstStyle/>
           <a:p>
             <a:r>
-              <a:rPr kumimoji="1" lang="en-US" altLang="ja-JP" dirty="0" smtClean="0"/>
+              <a:rPr kumimoji="1" lang="en-US" altLang="ja-JP" dirty="0"/>
               <a:t>System requirement</a:t>
             </a:r>
           </a:p>
@@ -15198,16 +14492,6 @@
           </a:p>
           <a:p>
             <a:r>
-              <a:rPr lang="en-US" altLang="ja-JP" dirty="0" smtClean="0">
-                <a:solidFill>
-                  <a:schemeClr val="bg1">
-                    <a:lumMod val="50000"/>
-                  </a:schemeClr>
-                </a:solidFill>
-              </a:rPr>
-              <a:t>Ubuntu </a:t>
-            </a:r>
-            <a:r>
               <a:rPr lang="en-US" altLang="ja-JP" dirty="0">
                 <a:solidFill>
                   <a:schemeClr val="bg1">
@@ -15215,7 +14499,7 @@
                   </a:schemeClr>
                 </a:solidFill>
               </a:rPr>
-              <a:t>Linux without GPU</a:t>
+              <a:t>Ubuntu Linux without GPU</a:t>
             </a:r>
           </a:p>
           <a:p>
@@ -15227,18 +14511,10 @@
                   </a:schemeClr>
                 </a:solidFill>
               </a:rPr>
-              <a:t>Ubuntu Linux </a:t>
-            </a:r>
-            <a:r>
-              <a:rPr lang="en-US" altLang="ja-JP" dirty="0" smtClean="0">
-                <a:solidFill>
-                  <a:schemeClr val="bg1">
-                    <a:lumMod val="50000"/>
-                  </a:schemeClr>
-                </a:solidFill>
-              </a:rPr>
-              <a:t>with </a:t>
-            </a:r>
+              <a:t>Ubuntu Linux with GPU</a:t>
+            </a:r>
+          </a:p>
+          <a:p>
             <a:r>
               <a:rPr lang="en-US" altLang="ja-JP" dirty="0">
                 <a:solidFill>
@@ -15247,20 +14523,10 @@
                   </a:schemeClr>
                 </a:solidFill>
               </a:rPr>
-              <a:t>GPU</a:t>
-            </a:r>
-          </a:p>
-          <a:p>
-            <a:r>
-              <a:rPr lang="en-US" altLang="ja-JP" dirty="0" smtClean="0">
-                <a:solidFill>
-                  <a:schemeClr val="bg1">
-                    <a:lumMod val="50000"/>
-                  </a:schemeClr>
-                </a:solidFill>
-              </a:rPr>
-              <a:t>Windows </a:t>
-            </a:r>
+              <a:t>Windows without GPU</a:t>
+            </a:r>
+          </a:p>
+          <a:p>
             <a:r>
               <a:rPr lang="en-US" altLang="ja-JP" dirty="0">
                 <a:solidFill>
@@ -15269,39 +14535,7 @@
                   </a:schemeClr>
                 </a:solidFill>
               </a:rPr>
-              <a:t>without </a:t>
-            </a:r>
-            <a:r>
-              <a:rPr lang="en-US" altLang="ja-JP" dirty="0" smtClean="0">
-                <a:solidFill>
-                  <a:schemeClr val="bg1">
-                    <a:lumMod val="50000"/>
-                  </a:schemeClr>
-                </a:solidFill>
-              </a:rPr>
-              <a:t>GPU</a:t>
-            </a:r>
-          </a:p>
-          <a:p>
-            <a:r>
-              <a:rPr lang="en-US" altLang="ja-JP" dirty="0" smtClean="0">
-                <a:solidFill>
-                  <a:schemeClr val="bg1">
-                    <a:lumMod val="50000"/>
-                  </a:schemeClr>
-                </a:solidFill>
-              </a:rPr>
-              <a:t>Windows with </a:t>
-            </a:r>
-            <a:r>
-              <a:rPr lang="en-US" altLang="ja-JP" dirty="0">
-                <a:solidFill>
-                  <a:schemeClr val="bg1">
-                    <a:lumMod val="50000"/>
-                  </a:schemeClr>
-                </a:solidFill>
-              </a:rPr>
-              <a:t>GPU</a:t>
+              <a:t>Windows with GPU</a:t>
             </a:r>
           </a:p>
           <a:p>
@@ -15328,8 +14562,8 @@
           <a:lstStyle/>
           <a:p>
             <a:r>
-              <a:rPr kumimoji="1" lang="en-US" altLang="ja-JP" smtClean="0"/>
-              <a:t>2017/3/15</a:t>
+              <a:rPr kumimoji="1" lang="en-US" altLang="ja-JP"/>
+              <a:t>2017/4/4</a:t>
             </a:r>
             <a:endParaRPr kumimoji="1" lang="ja-JP" altLang="en-US"/>
           </a:p>
@@ -15351,7 +14585,7 @@
           <a:lstStyle/>
           <a:p>
             <a:r>
-              <a:rPr kumimoji="1" lang="en-US" altLang="ja-JP" smtClean="0"/>
+              <a:rPr kumimoji="1" lang="en-US" altLang="ja-JP"/>
               <a:t>BEACLS: Berkeley Efficient API in C++ for Level Set methods Installation Guide</a:t>
             </a:r>
             <a:endParaRPr kumimoji="1" lang="ja-JP" altLang="en-US"/>
@@ -15427,7 +14661,7 @@
           <a:lstStyle/>
           <a:p>
             <a:r>
-              <a:rPr lang="en-US" altLang="ja-JP" dirty="0" smtClean="0"/>
+              <a:rPr lang="en-US" altLang="ja-JP" dirty="0"/>
               <a:t>System requirements</a:t>
             </a:r>
             <a:endParaRPr kumimoji="1" lang="ja-JP" altLang="en-US" dirty="0"/>
@@ -15450,14 +14684,14 @@
           <a:lstStyle/>
           <a:p>
             <a:r>
-              <a:rPr kumimoji="1" lang="en-US" altLang="ja-JP" dirty="0" smtClean="0"/>
+              <a:rPr kumimoji="1" lang="en-US" altLang="ja-JP" dirty="0"/>
               <a:t>Required</a:t>
             </a:r>
           </a:p>
           <a:p>
             <a:pPr lvl="1"/>
             <a:r>
-              <a:rPr kumimoji="1" lang="en-US" altLang="ja-JP" dirty="0" smtClean="0"/>
+              <a:rPr kumimoji="1" lang="en-US" altLang="ja-JP" dirty="0"/>
               <a:t>OS</a:t>
             </a:r>
           </a:p>
@@ -15471,47 +14705,42 @@
           <a:p>
             <a:pPr lvl="2"/>
             <a:r>
-              <a:rPr kumimoji="1" lang="en-US" altLang="ja-JP" dirty="0" smtClean="0"/>
+              <a:rPr kumimoji="1" lang="en-US" altLang="ja-JP" dirty="0"/>
               <a:t>Ubuntu Linux 16.04 LTS</a:t>
             </a:r>
             <a:r>
               <a:rPr lang="en-US" altLang="ja-JP" dirty="0"/>
-              <a:t> </a:t>
-            </a:r>
-            <a:r>
-              <a:rPr lang="en-US" altLang="ja-JP" dirty="0" smtClean="0"/>
-              <a:t>(x86_64)</a:t>
-            </a:r>
-            <a:endParaRPr lang="en-US" altLang="ja-JP" dirty="0"/>
+              <a:t> (x86_64)</a:t>
+            </a:r>
           </a:p>
           <a:p>
             <a:pPr lvl="2"/>
             <a:r>
-              <a:rPr kumimoji="1" lang="en-US" altLang="ja-JP" dirty="0" smtClean="0"/>
+              <a:rPr kumimoji="1" lang="en-US" altLang="ja-JP" dirty="0"/>
               <a:t>Windows </a:t>
             </a:r>
             <a:r>
-              <a:rPr lang="en-US" altLang="ja-JP" dirty="0" smtClean="0"/>
+              <a:rPr lang="en-US" altLang="ja-JP" dirty="0"/>
               <a:t>7/8.1/10 (64bit)</a:t>
             </a:r>
           </a:p>
           <a:p>
             <a:pPr lvl="1"/>
             <a:r>
-              <a:rPr lang="en-US" altLang="ja-JP" dirty="0" smtClean="0"/>
+              <a:rPr lang="en-US" altLang="ja-JP" dirty="0"/>
               <a:t>Hardware</a:t>
             </a:r>
           </a:p>
           <a:p>
             <a:pPr lvl="2"/>
             <a:r>
-              <a:rPr kumimoji="1" lang="en-US" altLang="ja-JP" dirty="0" smtClean="0"/>
+              <a:rPr kumimoji="1" lang="en-US" altLang="ja-JP" dirty="0"/>
               <a:t>CPU: Intel Core Processor CPU</a:t>
             </a:r>
           </a:p>
           <a:p>
             <a:r>
-              <a:rPr lang="en-US" altLang="ja-JP" dirty="0" smtClean="0"/>
+              <a:rPr lang="en-US" altLang="ja-JP" dirty="0"/>
               <a:t>Recommended</a:t>
             </a:r>
           </a:p>
@@ -15534,36 +14763,18 @@
             </a:r>
             <a:r>
               <a:rPr lang="en-US" altLang="ja-JP" dirty="0"/>
-              <a:t> Generation Intel Core </a:t>
-            </a:r>
-            <a:r>
-              <a:rPr lang="en-US" altLang="ja-JP" dirty="0" smtClean="0"/>
-              <a:t>Processor CPU (Haswell </a:t>
-            </a:r>
-            <a:r>
-              <a:rPr lang="en-US" altLang="ja-JP" dirty="0"/>
-              <a:t>arch</a:t>
-            </a:r>
-            <a:r>
-              <a:rPr lang="en-US" altLang="ja-JP" dirty="0" smtClean="0"/>
-              <a:t>.) </a:t>
-            </a:r>
-            <a:r>
-              <a:rPr lang="en-US" altLang="ja-JP" dirty="0"/>
-              <a:t>or later </a:t>
-            </a:r>
-            <a:endParaRPr lang="en-US" altLang="ja-JP" dirty="0" smtClean="0"/>
+              <a:t> Generation Intel Core Processor CPU (Haswell arch.) or later </a:t>
+            </a:r>
           </a:p>
           <a:p>
             <a:pPr lvl="2"/>
             <a:r>
-              <a:rPr lang="en-US" altLang="ja-JP" dirty="0" smtClean="0"/>
+              <a:rPr lang="en-US" altLang="ja-JP" dirty="0"/>
               <a:t>GPU: NVIDIA GeForce 900 Series GPU (Maxwell arch) or later</a:t>
             </a:r>
+          </a:p>
+          <a:p>
             <a:endParaRPr lang="en-US" altLang="ja-JP" dirty="0"/>
-          </a:p>
-          <a:p>
-            <a:endParaRPr lang="en-US" altLang="ja-JP" dirty="0" smtClean="0"/>
           </a:p>
           <a:p>
             <a:pPr lvl="1"/>
@@ -15587,8 +14798,8 @@
           <a:lstStyle/>
           <a:p>
             <a:r>
-              <a:rPr kumimoji="1" lang="en-US" altLang="ja-JP" smtClean="0"/>
-              <a:t>2017/3/15</a:t>
+              <a:rPr kumimoji="1" lang="en-US" altLang="ja-JP"/>
+              <a:t>2017/4/4</a:t>
             </a:r>
             <a:endParaRPr kumimoji="1" lang="ja-JP" altLang="en-US"/>
           </a:p>
@@ -15610,7 +14821,7 @@
           <a:lstStyle/>
           <a:p>
             <a:r>
-              <a:rPr kumimoji="1" lang="en-US" altLang="ja-JP" smtClean="0"/>
+              <a:rPr kumimoji="1" lang="en-US" altLang="ja-JP"/>
               <a:t>BEACLS: Berkeley Efficient API in C++ for Level Set methods Installation Guide</a:t>
             </a:r>
             <a:endParaRPr kumimoji="1" lang="ja-JP" altLang="en-US"/>
@@ -15686,7 +14897,7 @@
           <a:lstStyle/>
           <a:p>
             <a:r>
-              <a:rPr kumimoji="1" lang="en-US" altLang="ja-JP" dirty="0" smtClean="0"/>
+              <a:rPr kumimoji="1" lang="en-US" altLang="ja-JP" dirty="0"/>
               <a:t>Table of contents</a:t>
             </a:r>
             <a:endParaRPr kumimoji="1" lang="ja-JP" altLang="en-US" dirty="0"/>
@@ -15709,7 +14920,7 @@
           <a:lstStyle/>
           <a:p>
             <a:r>
-              <a:rPr kumimoji="1" lang="en-US" altLang="ja-JP" dirty="0" smtClean="0">
+              <a:rPr kumimoji="1" lang="en-US" altLang="ja-JP" dirty="0">
                 <a:solidFill>
                   <a:schemeClr val="bg1">
                     <a:lumMod val="50000"/>
@@ -15727,16 +14938,6 @@
           </a:p>
           <a:p>
             <a:r>
-              <a:rPr lang="en-US" altLang="ja-JP" dirty="0" smtClean="0">
-                <a:solidFill>
-                  <a:schemeClr val="bg1">
-                    <a:lumMod val="50000"/>
-                  </a:schemeClr>
-                </a:solidFill>
-              </a:rPr>
-              <a:t>Ubuntu </a:t>
-            </a:r>
-            <a:r>
               <a:rPr lang="en-US" altLang="ja-JP" dirty="0">
                 <a:solidFill>
                   <a:schemeClr val="bg1">
@@ -15744,7 +14945,7 @@
                   </a:schemeClr>
                 </a:solidFill>
               </a:rPr>
-              <a:t>Linux without GPU</a:t>
+              <a:t>Ubuntu Linux without GPU</a:t>
             </a:r>
           </a:p>
           <a:p>
@@ -15756,18 +14957,10 @@
                   </a:schemeClr>
                 </a:solidFill>
               </a:rPr>
-              <a:t>Ubuntu Linux </a:t>
-            </a:r>
-            <a:r>
-              <a:rPr lang="en-US" altLang="ja-JP" dirty="0" smtClean="0">
-                <a:solidFill>
-                  <a:schemeClr val="bg1">
-                    <a:lumMod val="50000"/>
-                  </a:schemeClr>
-                </a:solidFill>
-              </a:rPr>
-              <a:t>with </a:t>
-            </a:r>
+              <a:t>Ubuntu Linux with GPU</a:t>
+            </a:r>
+          </a:p>
+          <a:p>
             <a:r>
               <a:rPr lang="en-US" altLang="ja-JP" dirty="0">
                 <a:solidFill>
@@ -15776,20 +14969,10 @@
                   </a:schemeClr>
                 </a:solidFill>
               </a:rPr>
-              <a:t>GPU</a:t>
-            </a:r>
-          </a:p>
-          <a:p>
-            <a:r>
-              <a:rPr lang="en-US" altLang="ja-JP" dirty="0" smtClean="0">
-                <a:solidFill>
-                  <a:schemeClr val="bg1">
-                    <a:lumMod val="50000"/>
-                  </a:schemeClr>
-                </a:solidFill>
-              </a:rPr>
-              <a:t>Windows </a:t>
-            </a:r>
+              <a:t>Windows without GPU</a:t>
+            </a:r>
+          </a:p>
+          <a:p>
             <a:r>
               <a:rPr lang="en-US" altLang="ja-JP" dirty="0">
                 <a:solidFill>
@@ -15798,39 +14981,7 @@
                   </a:schemeClr>
                 </a:solidFill>
               </a:rPr>
-              <a:t>without </a:t>
-            </a:r>
-            <a:r>
-              <a:rPr lang="en-US" altLang="ja-JP" dirty="0" smtClean="0">
-                <a:solidFill>
-                  <a:schemeClr val="bg1">
-                    <a:lumMod val="50000"/>
-                  </a:schemeClr>
-                </a:solidFill>
-              </a:rPr>
-              <a:t>GPU</a:t>
-            </a:r>
-          </a:p>
-          <a:p>
-            <a:r>
-              <a:rPr lang="en-US" altLang="ja-JP" dirty="0" smtClean="0">
-                <a:solidFill>
-                  <a:schemeClr val="bg1">
-                    <a:lumMod val="50000"/>
-                  </a:schemeClr>
-                </a:solidFill>
-              </a:rPr>
-              <a:t>Windows with </a:t>
-            </a:r>
-            <a:r>
-              <a:rPr lang="en-US" altLang="ja-JP" dirty="0">
-                <a:solidFill>
-                  <a:schemeClr val="bg1">
-                    <a:lumMod val="50000"/>
-                  </a:schemeClr>
-                </a:solidFill>
-              </a:rPr>
-              <a:t>GPU</a:t>
+              <a:t>Windows with GPU</a:t>
             </a:r>
           </a:p>
           <a:p>
@@ -15857,8 +15008,8 @@
           <a:lstStyle/>
           <a:p>
             <a:r>
-              <a:rPr kumimoji="1" lang="en-US" altLang="ja-JP" smtClean="0"/>
-              <a:t>2017/3/15</a:t>
+              <a:rPr kumimoji="1" lang="en-US" altLang="ja-JP"/>
+              <a:t>2017/4/4</a:t>
             </a:r>
             <a:endParaRPr kumimoji="1" lang="ja-JP" altLang="en-US"/>
           </a:p>
@@ -15880,7 +15031,7 @@
           <a:lstStyle/>
           <a:p>
             <a:r>
-              <a:rPr kumimoji="1" lang="en-US" altLang="ja-JP" smtClean="0"/>
+              <a:rPr kumimoji="1" lang="en-US" altLang="ja-JP"/>
               <a:t>BEACLS: Berkeley Efficient API in C++ for Level Set methods Installation Guide</a:t>
             </a:r>
             <a:endParaRPr kumimoji="1" lang="ja-JP" altLang="en-US"/>
@@ -15956,7 +15107,7 @@
           <a:lstStyle/>
           <a:p>
             <a:r>
-              <a:rPr kumimoji="1" lang="en-US" altLang="ja-JP" dirty="0" smtClean="0"/>
+              <a:rPr kumimoji="1" lang="en-US" altLang="ja-JP" dirty="0"/>
               <a:t>Install to Mac OS X Sierra</a:t>
             </a:r>
             <a:endParaRPr kumimoji="1" lang="ja-JP" altLang="en-US" dirty="0"/>
@@ -15989,7 +15140,7 @@
               <a:t>Install </a:t>
             </a:r>
             <a:r>
-              <a:rPr lang="en-US" altLang="ja-JP" dirty="0" err="1" smtClean="0"/>
+              <a:rPr lang="en-US" altLang="ja-JP" dirty="0" err="1"/>
               <a:t>Homeberw</a:t>
             </a:r>
             <a:endParaRPr lang="en-US" altLang="ja-JP" dirty="0"/>
@@ -16010,35 +15161,30 @@
               <a:rPr lang="en-US" altLang="ja-JP" dirty="0"/>
               <a:t>/local:$PATH </a:t>
             </a:r>
-            <a:endParaRPr lang="en-US" altLang="ja-JP" dirty="0" smtClean="0"/>
           </a:p>
           <a:p>
             <a:pPr marL="457200" lvl="1" indent="0">
               <a:buNone/>
             </a:pPr>
             <a:r>
-              <a:rPr lang="en-US" altLang="ja-JP" dirty="0" smtClean="0"/>
+              <a:rPr lang="en-US" altLang="ja-JP" dirty="0"/>
               <a:t>$ </a:t>
             </a:r>
             <a:r>
-              <a:rPr lang="en-US" altLang="ja-JP" dirty="0" err="1" smtClean="0"/>
+              <a:rPr lang="en-US" altLang="ja-JP" dirty="0" err="1"/>
               <a:t>sudo</a:t>
             </a:r>
             <a:r>
-              <a:rPr lang="en-US" altLang="ja-JP" dirty="0" smtClean="0"/>
+              <a:rPr lang="en-US" altLang="ja-JP" dirty="0"/>
               <a:t> </a:t>
             </a:r>
             <a:r>
-              <a:rPr lang="en-US" altLang="ja-JP" dirty="0" err="1" smtClean="0"/>
+              <a:rPr lang="en-US" altLang="ja-JP" dirty="0" err="1"/>
               <a:t>mkdir</a:t>
             </a:r>
             <a:r>
-              <a:rPr lang="en-US" altLang="ja-JP" dirty="0" smtClean="0"/>
-              <a:t> -p </a:t>
-            </a:r>
-            <a:r>
-              <a:rPr lang="en-US" altLang="ja-JP" dirty="0"/>
-              <a:t>/</a:t>
+              <a:rPr lang="en-US" altLang="ja-JP" dirty="0"/>
+              <a:t> -p /</a:t>
             </a:r>
             <a:r>
               <a:rPr lang="en-US" altLang="ja-JP" dirty="0" err="1"/>
@@ -16048,19 +15194,14 @@
               <a:rPr lang="en-US" altLang="ja-JP" dirty="0"/>
               <a:t>/local</a:t>
             </a:r>
-            <a:endParaRPr lang="en-US" altLang="ja-JP" dirty="0" smtClean="0"/>
           </a:p>
           <a:p>
             <a:pPr marL="457200" lvl="1" indent="0">
               <a:buNone/>
             </a:pPr>
             <a:r>
-              <a:rPr lang="en-US" altLang="ja-JP" dirty="0" smtClean="0"/>
-              <a:t>$ </a:t>
-            </a:r>
-            <a:r>
-              <a:rPr lang="en-US" altLang="ja-JP" dirty="0"/>
-              <a:t>ruby -e "$(curl -</a:t>
+              <a:rPr lang="en-US" altLang="ja-JP" dirty="0"/>
+              <a:t>$ ruby -e "$(curl -</a:t>
             </a:r>
             <a:r>
               <a:rPr lang="en-US" altLang="ja-JP" dirty="0" err="1"/>
@@ -16068,11 +15209,7 @@
             </a:r>
             <a:r>
               <a:rPr lang="en-US" altLang="ja-JP" dirty="0"/>
-              <a:t> https://raw.githubusercontent.com/Homebrew/install/master/install</a:t>
-            </a:r>
-            <a:r>
-              <a:rPr lang="en-US" altLang="ja-JP" dirty="0" smtClean="0"/>
-              <a:t>)"</a:t>
+              <a:t> https://raw.githubusercontent.com/Homebrew/install/master/install)"</a:t>
             </a:r>
           </a:p>
           <a:p>
@@ -16081,33 +15218,32 @@
               <a:buAutoNum type="arabicPeriod"/>
             </a:pPr>
             <a:r>
-              <a:rPr lang="en-US" altLang="ja-JP" dirty="0" smtClean="0"/>
+              <a:rPr lang="en-US" altLang="ja-JP" dirty="0"/>
               <a:t>Install </a:t>
             </a:r>
             <a:r>
-              <a:rPr lang="en-US" altLang="ja-JP" dirty="0" err="1" smtClean="0"/>
+              <a:rPr lang="en-US" altLang="ja-JP" dirty="0" err="1"/>
               <a:t>OpenMP</a:t>
             </a:r>
             <a:r>
-              <a:rPr lang="en-US" altLang="ja-JP" dirty="0" smtClean="0"/>
+              <a:rPr lang="en-US" altLang="ja-JP" dirty="0"/>
               <a:t>, boost, </a:t>
             </a:r>
             <a:r>
-              <a:rPr lang="en-US" altLang="ja-JP" dirty="0" err="1" smtClean="0"/>
+              <a:rPr lang="en-US" altLang="ja-JP" dirty="0" err="1"/>
               <a:t>OpenCV</a:t>
             </a:r>
             <a:r>
-              <a:rPr lang="en-US" altLang="ja-JP" dirty="0" smtClean="0"/>
+              <a:rPr lang="en-US" altLang="ja-JP" dirty="0"/>
               <a:t> and hdf5</a:t>
             </a:r>
-            <a:endParaRPr lang="en-US" altLang="ja-JP" dirty="0"/>
           </a:p>
           <a:p>
             <a:pPr marL="457200" lvl="1" indent="0">
               <a:buNone/>
             </a:pPr>
             <a:r>
-              <a:rPr lang="en-US" altLang="ja-JP" dirty="0" smtClean="0"/>
+              <a:rPr lang="en-US" altLang="ja-JP" dirty="0"/>
               <a:t>$ brew update; brew upgrade</a:t>
             </a:r>
           </a:p>
@@ -16116,24 +15252,16 @@
               <a:buNone/>
             </a:pPr>
             <a:r>
-              <a:rPr lang="en-US" altLang="ja-JP" dirty="0" smtClean="0"/>
-              <a:t>$ brew </a:t>
-            </a:r>
-            <a:r>
-              <a:rPr lang="en-US" altLang="ja-JP" dirty="0"/>
-              <a:t>install </a:t>
-            </a:r>
-            <a:r>
-              <a:rPr lang="en-US" altLang="ja-JP" smtClean="0"/>
+              <a:rPr lang="en-US" altLang="ja-JP" dirty="0"/>
+              <a:t>$ brew install </a:t>
+            </a:r>
+            <a:r>
+              <a:rPr lang="en-US" altLang="ja-JP"/>
               <a:t>llvm </a:t>
             </a:r>
             <a:r>
               <a:rPr lang="en-US" altLang="ja-JP" dirty="0"/>
-              <a:t>boost </a:t>
-            </a:r>
-            <a:r>
-              <a:rPr lang="en-US" altLang="ja-JP" dirty="0" smtClean="0"/>
-              <a:t>hdf5</a:t>
+              <a:t>boost hdf5</a:t>
             </a:r>
           </a:p>
           <a:p>
@@ -16141,23 +15269,23 @@
               <a:buNone/>
             </a:pPr>
             <a:r>
-              <a:rPr lang="en-US" altLang="ja-JP" dirty="0" smtClean="0"/>
+              <a:rPr lang="en-US" altLang="ja-JP" dirty="0"/>
               <a:t>$ brew install -with-</a:t>
             </a:r>
             <a:r>
-              <a:rPr lang="en-US" altLang="ja-JP" dirty="0" err="1" smtClean="0"/>
+              <a:rPr lang="en-US" altLang="ja-JP" dirty="0" err="1"/>
               <a:t>ffmpeg</a:t>
             </a:r>
             <a:r>
-              <a:rPr lang="en-US" altLang="ja-JP" dirty="0" smtClean="0"/>
+              <a:rPr lang="en-US" altLang="ja-JP" dirty="0"/>
               <a:t> -with-</a:t>
             </a:r>
             <a:r>
-              <a:rPr lang="en-US" altLang="ja-JP" dirty="0" err="1" smtClean="0"/>
+              <a:rPr lang="en-US" altLang="ja-JP" dirty="0" err="1"/>
               <a:t>tbb</a:t>
             </a:r>
             <a:r>
-              <a:rPr lang="en-US" altLang="ja-JP" dirty="0" smtClean="0"/>
+              <a:rPr lang="en-US" altLang="ja-JP" dirty="0"/>
               <a:t> opencv3</a:t>
             </a:r>
           </a:p>
@@ -16166,7 +15294,7 @@
               <a:buNone/>
             </a:pPr>
             <a:r>
-              <a:rPr lang="en-US" altLang="ja-JP" dirty="0" smtClean="0"/>
+              <a:rPr lang="en-US" altLang="ja-JP" dirty="0"/>
               <a:t>$ brew link opencv3 --force</a:t>
             </a:r>
           </a:p>
@@ -16176,12 +15304,8 @@
               <a:buAutoNum type="arabicPeriod"/>
             </a:pPr>
             <a:r>
-              <a:rPr lang="en-US" altLang="ja-JP" dirty="0" smtClean="0"/>
-              <a:t>Download </a:t>
-            </a:r>
-            <a:r>
-              <a:rPr lang="en-US" altLang="ja-JP" dirty="0"/>
-              <a:t>BEACLS</a:t>
+              <a:rPr lang="en-US" altLang="ja-JP" dirty="0"/>
+              <a:t>Download BEACLS</a:t>
             </a:r>
           </a:p>
           <a:p>
@@ -16189,15 +15313,15 @@
               <a:buNone/>
             </a:pPr>
             <a:r>
-              <a:rPr lang="en-US" altLang="ja-JP" dirty="0" smtClean="0"/>
+              <a:rPr lang="en-US" altLang="ja-JP" dirty="0"/>
               <a:t>$ </a:t>
             </a:r>
             <a:r>
-              <a:rPr lang="en-US" altLang="ja-JP" dirty="0" err="1" smtClean="0"/>
+              <a:rPr lang="en-US" altLang="ja-JP" dirty="0" err="1"/>
               <a:t>mkdir</a:t>
             </a:r>
             <a:r>
-              <a:rPr lang="en-US" altLang="ja-JP" dirty="0" smtClean="0"/>
+              <a:rPr lang="en-US" altLang="ja-JP" dirty="0"/>
               <a:t> ~/BEACLS; cd ~/BEACLS</a:t>
             </a:r>
           </a:p>
@@ -16206,45 +15330,35 @@
               <a:buNone/>
             </a:pPr>
             <a:r>
-              <a:rPr lang="en-US" altLang="ja-JP" dirty="0" smtClean="0"/>
+              <a:rPr lang="en-US" altLang="ja-JP" dirty="0"/>
               <a:t>$ </a:t>
             </a:r>
             <a:r>
-              <a:rPr lang="en-US" altLang="ja-JP" dirty="0" err="1" smtClean="0"/>
+              <a:rPr lang="en-US" altLang="ja-JP" dirty="0" err="1"/>
               <a:t>git</a:t>
             </a:r>
             <a:r>
-              <a:rPr lang="en-US" altLang="ja-JP" dirty="0" smtClean="0"/>
-              <a:t> </a:t>
-            </a:r>
-            <a:r>
-              <a:rPr lang="en-US" altLang="ja-JP" dirty="0"/>
-              <a:t>clone </a:t>
+              <a:rPr lang="en-US" altLang="ja-JP" dirty="0"/>
+              <a:t> clone </a:t>
             </a:r>
             <a:r>
               <a:rPr lang="en-US" altLang="ja-JP" dirty="0">
                 <a:hlinkClick r:id="rId2"/>
               </a:rPr>
-              <a:t>https://</a:t>
-            </a:r>
-            <a:r>
-              <a:rPr lang="en-US" altLang="ja-JP" dirty="0" smtClean="0">
-                <a:hlinkClick r:id="rId2"/>
-              </a:rPr>
-              <a:t>github.com/HJReachability/beacls</a:t>
-            </a:r>
-            <a:endParaRPr lang="en-US" altLang="ja-JP" dirty="0" smtClean="0"/>
+              <a:t>https://github.com/HJReachability/beacls</a:t>
+            </a:r>
+            <a:endParaRPr lang="en-US" altLang="ja-JP" dirty="0"/>
           </a:p>
           <a:p>
             <a:pPr marL="457200" lvl="1" indent="0">
               <a:buNone/>
             </a:pPr>
             <a:r>
-              <a:rPr lang="en-US" altLang="ja-JP" dirty="0" smtClean="0"/>
+              <a:rPr lang="en-US" altLang="ja-JP" dirty="0"/>
               <a:t>$ cd </a:t>
             </a:r>
             <a:r>
-              <a:rPr lang="en-US" altLang="ja-JP" dirty="0" err="1" smtClean="0"/>
+              <a:rPr lang="en-US" altLang="ja-JP" dirty="0" err="1"/>
               <a:t>beacls</a:t>
             </a:r>
             <a:endParaRPr lang="en-US" altLang="ja-JP" dirty="0"/>
@@ -16282,13 +15396,8 @@
             </a:pPr>
             <a:r>
               <a:rPr lang="en-US" altLang="ja-JP" dirty="0"/>
-              <a:t>$ make </a:t>
-            </a:r>
-            <a:r>
-              <a:rPr lang="en-US" altLang="ja-JP" dirty="0" smtClean="0"/>
-              <a:t>all</a:t>
-            </a:r>
-            <a:endParaRPr lang="en-US" altLang="ja-JP" dirty="0"/>
+              <a:t>$ make all</a:t>
+            </a:r>
           </a:p>
           <a:p>
             <a:pPr marL="514350" indent="-514350">
@@ -16341,8 +15450,8 @@
           <a:lstStyle/>
           <a:p>
             <a:r>
-              <a:rPr kumimoji="1" lang="en-US" altLang="ja-JP" smtClean="0"/>
-              <a:t>2017/3/15</a:t>
+              <a:rPr kumimoji="1" lang="en-US" altLang="ja-JP"/>
+              <a:t>2017/4/4</a:t>
             </a:r>
             <a:endParaRPr kumimoji="1" lang="ja-JP" altLang="en-US"/>
           </a:p>
@@ -16364,7 +15473,7 @@
           <a:lstStyle/>
           <a:p>
             <a:r>
-              <a:rPr kumimoji="1" lang="en-US" altLang="ja-JP" smtClean="0"/>
+              <a:rPr kumimoji="1" lang="en-US" altLang="ja-JP"/>
               <a:t>BEACLS: Berkeley Efficient API in C++ for Level Set methods Installation Guide</a:t>
             </a:r>
             <a:endParaRPr kumimoji="1" lang="ja-JP" altLang="en-US"/>
@@ -16404,13 +15513,6 @@
   <p:clrMapOvr>
     <a:masterClrMapping/>
   </p:clrMapOvr>
-  <p:timing>
-    <p:tnLst>
-      <p:par>
-        <p:cTn id="1" dur="indefinite" restart="never" nodeType="tmRoot"/>
-      </p:par>
-    </p:tnLst>
-  </p:timing>
 </p:sld>
 </file>
 
@@ -16447,7 +15549,7 @@
           <a:lstStyle/>
           <a:p>
             <a:r>
-              <a:rPr kumimoji="1" lang="en-US" altLang="ja-JP" dirty="0" smtClean="0"/>
+              <a:rPr kumimoji="1" lang="en-US" altLang="ja-JP" dirty="0"/>
               <a:t>Table of contents</a:t>
             </a:r>
             <a:endParaRPr kumimoji="1" lang="ja-JP" altLang="en-US" dirty="0"/>
@@ -16470,7 +15572,7 @@
           <a:lstStyle/>
           <a:p>
             <a:r>
-              <a:rPr kumimoji="1" lang="en-US" altLang="ja-JP" dirty="0" smtClean="0">
+              <a:rPr kumimoji="1" lang="en-US" altLang="ja-JP" dirty="0">
                 <a:solidFill>
                   <a:schemeClr val="bg1">
                     <a:lumMod val="50000"/>
@@ -16494,12 +15596,8 @@
           </a:p>
           <a:p>
             <a:r>
-              <a:rPr lang="en-US" altLang="ja-JP" dirty="0" smtClean="0"/>
-              <a:t>Ubuntu </a:t>
-            </a:r>
-            <a:r>
-              <a:rPr lang="en-US" altLang="ja-JP" dirty="0"/>
-              <a:t>Linux without GPU</a:t>
+              <a:rPr lang="en-US" altLang="ja-JP" dirty="0"/>
+              <a:t>Ubuntu Linux without GPU</a:t>
             </a:r>
           </a:p>
           <a:p>
@@ -16511,18 +15609,10 @@
                   </a:schemeClr>
                 </a:solidFill>
               </a:rPr>
-              <a:t>Ubuntu Linux </a:t>
-            </a:r>
-            <a:r>
-              <a:rPr lang="en-US" altLang="ja-JP" dirty="0" smtClean="0">
-                <a:solidFill>
-                  <a:schemeClr val="bg1">
-                    <a:lumMod val="50000"/>
-                  </a:schemeClr>
-                </a:solidFill>
-              </a:rPr>
-              <a:t>with </a:t>
-            </a:r>
+              <a:t>Ubuntu Linux with GPU</a:t>
+            </a:r>
+          </a:p>
+          <a:p>
             <a:r>
               <a:rPr lang="en-US" altLang="ja-JP" dirty="0">
                 <a:solidFill>
@@ -16531,20 +15621,10 @@
                   </a:schemeClr>
                 </a:solidFill>
               </a:rPr>
-              <a:t>GPU</a:t>
-            </a:r>
-          </a:p>
-          <a:p>
-            <a:r>
-              <a:rPr lang="en-US" altLang="ja-JP" dirty="0" smtClean="0">
-                <a:solidFill>
-                  <a:schemeClr val="bg1">
-                    <a:lumMod val="50000"/>
-                  </a:schemeClr>
-                </a:solidFill>
-              </a:rPr>
-              <a:t>Windows </a:t>
-            </a:r>
+              <a:t>Windows without GPU</a:t>
+            </a:r>
+          </a:p>
+          <a:p>
             <a:r>
               <a:rPr lang="en-US" altLang="ja-JP" dirty="0">
                 <a:solidFill>
@@ -16553,39 +15633,7 @@
                   </a:schemeClr>
                 </a:solidFill>
               </a:rPr>
-              <a:t>without </a:t>
-            </a:r>
-            <a:r>
-              <a:rPr lang="en-US" altLang="ja-JP" dirty="0" smtClean="0">
-                <a:solidFill>
-                  <a:schemeClr val="bg1">
-                    <a:lumMod val="50000"/>
-                  </a:schemeClr>
-                </a:solidFill>
-              </a:rPr>
-              <a:t>GPU</a:t>
-            </a:r>
-          </a:p>
-          <a:p>
-            <a:r>
-              <a:rPr lang="en-US" altLang="ja-JP" dirty="0" smtClean="0">
-                <a:solidFill>
-                  <a:schemeClr val="bg1">
-                    <a:lumMod val="50000"/>
-                  </a:schemeClr>
-                </a:solidFill>
-              </a:rPr>
-              <a:t>Windows with </a:t>
-            </a:r>
-            <a:r>
-              <a:rPr lang="en-US" altLang="ja-JP" dirty="0">
-                <a:solidFill>
-                  <a:schemeClr val="bg1">
-                    <a:lumMod val="50000"/>
-                  </a:schemeClr>
-                </a:solidFill>
-              </a:rPr>
-              <a:t>GPU</a:t>
+              <a:t>Windows with GPU</a:t>
             </a:r>
           </a:p>
           <a:p>
@@ -16612,8 +15660,8 @@
           <a:lstStyle/>
           <a:p>
             <a:r>
-              <a:rPr kumimoji="1" lang="en-US" altLang="ja-JP" smtClean="0"/>
-              <a:t>2017/3/15</a:t>
+              <a:rPr kumimoji="1" lang="en-US" altLang="ja-JP"/>
+              <a:t>2017/4/4</a:t>
             </a:r>
             <a:endParaRPr kumimoji="1" lang="ja-JP" altLang="en-US"/>
           </a:p>
@@ -16635,7 +15683,7 @@
           <a:lstStyle/>
           <a:p>
             <a:r>
-              <a:rPr kumimoji="1" lang="en-US" altLang="ja-JP" smtClean="0"/>
+              <a:rPr kumimoji="1" lang="en-US" altLang="ja-JP"/>
               <a:t>BEACLS: Berkeley Efficient API in C++ for Level Set methods Installation Guide</a:t>
             </a:r>
             <a:endParaRPr kumimoji="1" lang="ja-JP" altLang="en-US"/>
@@ -16711,14 +15759,14 @@
           <a:lstStyle/>
           <a:p>
             <a:r>
-              <a:rPr kumimoji="1" lang="en-US" altLang="ja-JP" dirty="0" smtClean="0"/>
+              <a:rPr kumimoji="1" lang="en-US" altLang="ja-JP" dirty="0"/>
               <a:t>Install to Ubuntu Linux 16.04 LTS</a:t>
             </a:r>
             <a:br>
-              <a:rPr kumimoji="1" lang="en-US" altLang="ja-JP" dirty="0" smtClean="0"/>
+              <a:rPr kumimoji="1" lang="en-US" altLang="ja-JP" dirty="0"/>
             </a:br>
             <a:r>
-              <a:rPr kumimoji="1" lang="en-US" altLang="ja-JP" dirty="0" smtClean="0"/>
+              <a:rPr kumimoji="1" lang="en-US" altLang="ja-JP" dirty="0"/>
               <a:t>(Without GPU)</a:t>
             </a:r>
             <a:endParaRPr kumimoji="1" lang="ja-JP" altLang="en-US" dirty="0"/>
@@ -16747,26 +15795,25 @@
               <a:buAutoNum type="arabicPeriod"/>
             </a:pPr>
             <a:r>
-              <a:rPr lang="en-US" altLang="ja-JP" dirty="0" smtClean="0"/>
+              <a:rPr lang="en-US" altLang="ja-JP" dirty="0"/>
               <a:t>Install </a:t>
             </a:r>
             <a:r>
-              <a:rPr lang="en-US" altLang="ja-JP" dirty="0" err="1" smtClean="0"/>
+              <a:rPr lang="en-US" altLang="ja-JP" dirty="0" err="1"/>
               <a:t>zlib</a:t>
             </a:r>
             <a:r>
-              <a:rPr lang="en-US" altLang="ja-JP" dirty="0" smtClean="0"/>
+              <a:rPr lang="en-US" altLang="ja-JP" dirty="0"/>
               <a:t>, boost, </a:t>
             </a:r>
             <a:r>
-              <a:rPr lang="en-US" altLang="ja-JP" dirty="0" err="1" smtClean="0"/>
+              <a:rPr lang="en-US" altLang="ja-JP" dirty="0" err="1"/>
               <a:t>OpenCV</a:t>
             </a:r>
             <a:r>
-              <a:rPr lang="en-US" altLang="ja-JP" dirty="0" smtClean="0"/>
+              <a:rPr lang="en-US" altLang="ja-JP" dirty="0"/>
               <a:t> and hdf5</a:t>
             </a:r>
-            <a:endParaRPr lang="en-US" altLang="ja-JP" dirty="0"/>
           </a:p>
           <a:p>
             <a:pPr marL="457200" lvl="1" indent="0">
@@ -16799,11 +15846,7 @@
             </a:r>
             <a:r>
               <a:rPr lang="en-US" altLang="ja-JP" dirty="0"/>
-              <a:t> apt-get </a:t>
-            </a:r>
-            <a:r>
-              <a:rPr lang="en-US" altLang="ja-JP" dirty="0" smtClean="0"/>
-              <a:t>upgrade</a:t>
+              <a:t> apt-get upgrade</a:t>
             </a:r>
           </a:p>
           <a:p>
@@ -16811,7 +15854,7 @@
               <a:buNone/>
             </a:pPr>
             <a:r>
-              <a:rPr lang="en-US" altLang="ja-JP" dirty="0" smtClean="0"/>
+              <a:rPr lang="en-US" altLang="ja-JP" dirty="0"/>
               <a:t>$ </a:t>
             </a:r>
             <a:r>
@@ -16823,30 +15866,29 @@
               <a:t> apt-get install </a:t>
             </a:r>
             <a:r>
-              <a:rPr lang="en-US" altLang="ja-JP" dirty="0" err="1" smtClean="0"/>
+              <a:rPr lang="en-US" altLang="ja-JP" dirty="0" err="1"/>
               <a:t>zlib</a:t>
             </a:r>
             <a:r>
-              <a:rPr lang="en-US" altLang="ja-JP" dirty="0" smtClean="0"/>
+              <a:rPr lang="en-US" altLang="ja-JP" dirty="0"/>
               <a:t> libhdf5-dev </a:t>
             </a:r>
             <a:r>
-              <a:rPr lang="en-US" altLang="ja-JP" dirty="0" err="1" smtClean="0"/>
+              <a:rPr lang="en-US" altLang="ja-JP" dirty="0" err="1"/>
               <a:t>libboost</a:t>
             </a:r>
             <a:r>
-              <a:rPr lang="en-US" altLang="ja-JP" dirty="0" smtClean="0"/>
+              <a:rPr lang="en-US" altLang="ja-JP" dirty="0"/>
               <a:t>-dev </a:t>
             </a:r>
             <a:r>
-              <a:rPr lang="en-US" altLang="ja-JP" dirty="0" err="1" smtClean="0"/>
+              <a:rPr lang="en-US" altLang="ja-JP" dirty="0" err="1"/>
               <a:t>libopencv</a:t>
             </a:r>
             <a:r>
-              <a:rPr lang="en-US" altLang="ja-JP" dirty="0" smtClean="0"/>
+              <a:rPr lang="en-US" altLang="ja-JP" dirty="0"/>
               <a:t>-dev</a:t>
             </a:r>
-            <a:endParaRPr lang="en-US" altLang="ja-JP" dirty="0"/>
           </a:p>
           <a:p>
             <a:pPr marL="514350" indent="-514350">
@@ -16863,15 +15905,15 @@
               <a:buNone/>
             </a:pPr>
             <a:r>
-              <a:rPr lang="en-US" altLang="ja-JP" dirty="0" smtClean="0"/>
+              <a:rPr lang="en-US" altLang="ja-JP" dirty="0"/>
               <a:t>$ </a:t>
             </a:r>
             <a:r>
-              <a:rPr lang="en-US" altLang="ja-JP" dirty="0" err="1" smtClean="0"/>
+              <a:rPr lang="en-US" altLang="ja-JP" dirty="0" err="1"/>
               <a:t>mkdir</a:t>
             </a:r>
             <a:r>
-              <a:rPr lang="en-US" altLang="ja-JP" dirty="0" smtClean="0"/>
+              <a:rPr lang="en-US" altLang="ja-JP" dirty="0"/>
               <a:t> ~/BEACLS; cd ~/BEACLS</a:t>
             </a:r>
           </a:p>
@@ -16880,45 +15922,35 @@
               <a:buNone/>
             </a:pPr>
             <a:r>
-              <a:rPr lang="en-US" altLang="ja-JP" dirty="0" smtClean="0"/>
+              <a:rPr lang="en-US" altLang="ja-JP" dirty="0"/>
               <a:t>$ </a:t>
             </a:r>
             <a:r>
-              <a:rPr lang="en-US" altLang="ja-JP" dirty="0" err="1" smtClean="0"/>
+              <a:rPr lang="en-US" altLang="ja-JP" dirty="0" err="1"/>
               <a:t>git</a:t>
             </a:r>
             <a:r>
-              <a:rPr lang="en-US" altLang="ja-JP" dirty="0" smtClean="0"/>
-              <a:t> </a:t>
-            </a:r>
-            <a:r>
-              <a:rPr lang="en-US" altLang="ja-JP" dirty="0"/>
-              <a:t>clone </a:t>
+              <a:rPr lang="en-US" altLang="ja-JP" dirty="0"/>
+              <a:t> clone </a:t>
             </a:r>
             <a:r>
               <a:rPr lang="en-US" altLang="ja-JP" dirty="0">
                 <a:hlinkClick r:id="rId2"/>
               </a:rPr>
-              <a:t>https://</a:t>
-            </a:r>
-            <a:r>
-              <a:rPr lang="en-US" altLang="ja-JP" dirty="0" smtClean="0">
-                <a:hlinkClick r:id="rId2"/>
-              </a:rPr>
-              <a:t>github.com/HJReachability/beacls</a:t>
-            </a:r>
-            <a:endParaRPr lang="en-US" altLang="ja-JP" dirty="0" smtClean="0"/>
+              <a:t>https://github.com/HJReachability/beacls</a:t>
+            </a:r>
+            <a:endParaRPr lang="en-US" altLang="ja-JP" dirty="0"/>
           </a:p>
           <a:p>
             <a:pPr marL="457200" lvl="1" indent="0">
               <a:buNone/>
             </a:pPr>
             <a:r>
-              <a:rPr lang="en-US" altLang="ja-JP" dirty="0" smtClean="0"/>
+              <a:rPr lang="en-US" altLang="ja-JP" dirty="0"/>
               <a:t>$ cd </a:t>
             </a:r>
             <a:r>
-              <a:rPr lang="en-US" altLang="ja-JP" dirty="0" err="1" smtClean="0"/>
+              <a:rPr lang="en-US" altLang="ja-JP" dirty="0" err="1"/>
               <a:t>beacls</a:t>
             </a:r>
             <a:endParaRPr lang="en-US" altLang="ja-JP" dirty="0"/>
@@ -16956,13 +15988,8 @@
             </a:pPr>
             <a:r>
               <a:rPr lang="en-US" altLang="ja-JP" dirty="0"/>
-              <a:t>$ make </a:t>
-            </a:r>
-            <a:r>
-              <a:rPr lang="en-US" altLang="ja-JP" dirty="0" smtClean="0"/>
-              <a:t>all</a:t>
-            </a:r>
-            <a:endParaRPr lang="en-US" altLang="ja-JP" dirty="0"/>
+              <a:t>$ make all</a:t>
+            </a:r>
           </a:p>
           <a:p>
             <a:pPr marL="514350" indent="-514350">
@@ -17015,8 +16042,8 @@
           <a:lstStyle/>
           <a:p>
             <a:r>
-              <a:rPr kumimoji="1" lang="en-US" altLang="ja-JP" smtClean="0"/>
-              <a:t>2017/3/15</a:t>
+              <a:rPr kumimoji="1" lang="en-US" altLang="ja-JP"/>
+              <a:t>2017/4/4</a:t>
             </a:r>
             <a:endParaRPr kumimoji="1" lang="ja-JP" altLang="en-US"/>
           </a:p>
@@ -17038,7 +16065,7 @@
           <a:lstStyle/>
           <a:p>
             <a:r>
-              <a:rPr kumimoji="1" lang="en-US" altLang="ja-JP" smtClean="0"/>
+              <a:rPr kumimoji="1" lang="en-US" altLang="ja-JP"/>
               <a:t>BEACLS: Berkeley Efficient API in C++ for Level Set methods Installation Guide</a:t>
             </a:r>
             <a:endParaRPr kumimoji="1" lang="ja-JP" altLang="en-US"/>
@@ -17078,13 +16105,6 @@
   <p:clrMapOvr>
     <a:masterClrMapping/>
   </p:clrMapOvr>
-  <p:timing>
-    <p:tnLst>
-      <p:par>
-        <p:cTn id="1" dur="indefinite" restart="never" nodeType="tmRoot"/>
-      </p:par>
-    </p:tnLst>
-  </p:timing>
 </p:sld>
 </file>
 
@@ -17121,7 +16141,7 @@
           <a:lstStyle/>
           <a:p>
             <a:r>
-              <a:rPr kumimoji="1" lang="en-US" altLang="ja-JP" dirty="0" smtClean="0"/>
+              <a:rPr kumimoji="1" lang="en-US" altLang="ja-JP" dirty="0"/>
               <a:t>Table of contents</a:t>
             </a:r>
             <a:endParaRPr kumimoji="1" lang="ja-JP" altLang="en-US" dirty="0"/>
@@ -17144,7 +16164,7 @@
           <a:lstStyle/>
           <a:p>
             <a:r>
-              <a:rPr kumimoji="1" lang="en-US" altLang="ja-JP" dirty="0" smtClean="0">
+              <a:rPr kumimoji="1" lang="en-US" altLang="ja-JP" dirty="0">
                 <a:solidFill>
                   <a:schemeClr val="bg1">
                     <a:lumMod val="50000"/>
@@ -17168,16 +16188,6 @@
           </a:p>
           <a:p>
             <a:r>
-              <a:rPr lang="en-US" altLang="ja-JP" dirty="0" smtClean="0">
-                <a:solidFill>
-                  <a:schemeClr val="bg1">
-                    <a:lumMod val="50000"/>
-                  </a:schemeClr>
-                </a:solidFill>
-              </a:rPr>
-              <a:t>Ubuntu </a:t>
-            </a:r>
-            <a:r>
               <a:rPr lang="en-US" altLang="ja-JP" dirty="0">
                 <a:solidFill>
                   <a:schemeClr val="bg1">
@@ -17185,34 +16195,16 @@
                   </a:schemeClr>
                 </a:solidFill>
               </a:rPr>
-              <a:t>Linux without GPU</a:t>
-            </a:r>
-          </a:p>
-          <a:p>
-            <a:r>
-              <a:rPr lang="en-US" altLang="ja-JP" dirty="0"/>
-              <a:t>Ubuntu Linux </a:t>
-            </a:r>
-            <a:r>
-              <a:rPr lang="en-US" altLang="ja-JP" dirty="0" smtClean="0"/>
-              <a:t>with </a:t>
-            </a:r>
-            <a:r>
-              <a:rPr lang="en-US" altLang="ja-JP" dirty="0"/>
-              <a:t>GPU</a:t>
-            </a:r>
-          </a:p>
-          <a:p>
-            <a:r>
-              <a:rPr lang="en-US" altLang="ja-JP" dirty="0" smtClean="0">
-                <a:solidFill>
-                  <a:schemeClr val="bg1">
-                    <a:lumMod val="50000"/>
-                  </a:schemeClr>
-                </a:solidFill>
-              </a:rPr>
-              <a:t>Windows </a:t>
-            </a:r>
+              <a:t>Ubuntu Linux without GPU</a:t>
+            </a:r>
+          </a:p>
+          <a:p>
+            <a:r>
+              <a:rPr lang="en-US" altLang="ja-JP" dirty="0"/>
+              <a:t>Ubuntu Linux with GPU</a:t>
+            </a:r>
+          </a:p>
+          <a:p>
             <a:r>
               <a:rPr lang="en-US" altLang="ja-JP" dirty="0">
                 <a:solidFill>
@@ -17221,30 +16213,10 @@
                   </a:schemeClr>
                 </a:solidFill>
               </a:rPr>
-              <a:t>without </a:t>
-            </a:r>
-            <a:r>
-              <a:rPr lang="en-US" altLang="ja-JP" dirty="0" smtClean="0">
-                <a:solidFill>
-                  <a:schemeClr val="bg1">
-                    <a:lumMod val="50000"/>
-                  </a:schemeClr>
-                </a:solidFill>
-              </a:rPr>
-              <a:t>GPU</a:t>
-            </a:r>
-          </a:p>
-          <a:p>
-            <a:r>
-              <a:rPr lang="en-US" altLang="ja-JP" dirty="0" smtClean="0">
-                <a:solidFill>
-                  <a:schemeClr val="bg1">
-                    <a:lumMod val="50000"/>
-                  </a:schemeClr>
-                </a:solidFill>
-              </a:rPr>
-              <a:t>Windows with </a:t>
-            </a:r>
+              <a:t>Windows without GPU</a:t>
+            </a:r>
+          </a:p>
+          <a:p>
             <a:r>
               <a:rPr lang="en-US" altLang="ja-JP" dirty="0">
                 <a:solidFill>
@@ -17253,7 +16225,7 @@
                   </a:schemeClr>
                 </a:solidFill>
               </a:rPr>
-              <a:t>GPU</a:t>
+              <a:t>Windows with GPU</a:t>
             </a:r>
           </a:p>
           <a:p>
@@ -17280,8 +16252,8 @@
           <a:lstStyle/>
           <a:p>
             <a:r>
-              <a:rPr kumimoji="1" lang="en-US" altLang="ja-JP" smtClean="0"/>
-              <a:t>2017/3/15</a:t>
+              <a:rPr kumimoji="1" lang="en-US" altLang="ja-JP"/>
+              <a:t>2017/4/4</a:t>
             </a:r>
             <a:endParaRPr kumimoji="1" lang="ja-JP" altLang="en-US"/>
           </a:p>
@@ -17303,7 +16275,7 @@
           <a:lstStyle/>
           <a:p>
             <a:r>
-              <a:rPr kumimoji="1" lang="en-US" altLang="ja-JP" smtClean="0"/>
+              <a:rPr kumimoji="1" lang="en-US" altLang="ja-JP"/>
               <a:t>BEACLS: Berkeley Efficient API in C++ for Level Set methods Installation Guide</a:t>
             </a:r>
             <a:endParaRPr kumimoji="1" lang="ja-JP" altLang="en-US"/>

--- a/docs/slides/master/BEACLS_Installation_Guide.pptx
+++ b/docs/slides/master/BEACLS_Installation_Guide.pptx
@@ -7,7 +7,7 @@
     <p:sldMasterId id="2147483737" r:id="rId3"/>
   </p:sldMasterIdLst>
   <p:notesMasterIdLst>
-    <p:notesMasterId r:id="rId28"/>
+    <p:notesMasterId r:id="rId32"/>
   </p:notesMasterIdLst>
   <p:sldIdLst>
     <p:sldId id="256" r:id="rId4"/>
@@ -33,7 +33,11 @@
     <p:sldId id="416" r:id="rId24"/>
     <p:sldId id="409" r:id="rId25"/>
     <p:sldId id="407" r:id="rId26"/>
-    <p:sldId id="397" r:id="rId27"/>
+    <p:sldId id="417" r:id="rId27"/>
+    <p:sldId id="419" r:id="rId28"/>
+    <p:sldId id="420" r:id="rId29"/>
+    <p:sldId id="418" r:id="rId30"/>
+    <p:sldId id="397" r:id="rId31"/>
   </p:sldIdLst>
   <p:sldSz cx="12192000" cy="6858000"/>
   <p:notesSz cx="6858000" cy="9144000"/>
@@ -222,7 +226,7 @@
           <a:p>
             <a:fld id="{7F36865F-2968-4FBD-B838-641F48D6CCC5}" type="datetimeFigureOut">
               <a:rPr kumimoji="1" lang="ja-JP" altLang="en-US" smtClean="0"/>
-              <a:t>2017/4/4</a:t>
+              <a:t>2017/4/11</a:t>
             </a:fld>
             <a:endParaRPr kumimoji="1" lang="ja-JP" altLang="en-US"/>
           </a:p>
@@ -747,7 +751,7 @@
           <a:p>
             <a:r>
               <a:rPr kumimoji="1" lang="en-US" altLang="ja-JP"/>
-              <a:t>2017/4/4</a:t>
+              <a:t>2017/4/11</a:t>
             </a:r>
             <a:endParaRPr kumimoji="1" lang="ja-JP" altLang="en-US"/>
           </a:p>
@@ -953,7 +957,7 @@
           <a:p>
             <a:r>
               <a:rPr kumimoji="1" lang="en-US" altLang="ja-JP"/>
-              <a:t>2017/4/4</a:t>
+              <a:t>2017/4/11</a:t>
             </a:r>
             <a:endParaRPr kumimoji="1" lang="ja-JP" altLang="en-US"/>
           </a:p>
@@ -1169,7 +1173,7 @@
           <a:p>
             <a:r>
               <a:rPr kumimoji="1" lang="en-US" altLang="ja-JP"/>
-              <a:t>2017/4/4</a:t>
+              <a:t>2017/4/11</a:t>
             </a:r>
             <a:endParaRPr kumimoji="1" lang="ja-JP" altLang="en-US"/>
           </a:p>
@@ -1376,7 +1380,7 @@
           <a:p>
             <a:r>
               <a:rPr kumimoji="1" lang="en-US" altLang="ja-JP"/>
-              <a:t>2017/4/4</a:t>
+              <a:t>2017/4/11</a:t>
             </a:r>
             <a:endParaRPr kumimoji="1" lang="ja-JP" altLang="en-US"/>
           </a:p>
@@ -1582,7 +1586,7 @@
           <a:p>
             <a:r>
               <a:rPr kumimoji="1" lang="en-US" altLang="ja-JP"/>
-              <a:t>2017/4/4</a:t>
+              <a:t>2017/4/11</a:t>
             </a:r>
             <a:endParaRPr kumimoji="1" lang="ja-JP" altLang="en-US"/>
           </a:p>
@@ -1837,7 +1841,7 @@
           <a:p>
             <a:r>
               <a:rPr kumimoji="1" lang="en-US" altLang="ja-JP"/>
-              <a:t>2017/4/4</a:t>
+              <a:t>2017/4/11</a:t>
             </a:r>
             <a:endParaRPr kumimoji="1" lang="ja-JP" altLang="en-US"/>
           </a:p>
@@ -2137,7 +2141,7 @@
           <a:p>
             <a:r>
               <a:rPr kumimoji="1" lang="en-US" altLang="ja-JP"/>
-              <a:t>2017/4/4</a:t>
+              <a:t>2017/4/11</a:t>
             </a:r>
             <a:endParaRPr kumimoji="1" lang="ja-JP" altLang="en-US"/>
           </a:p>
@@ -2552,7 +2556,7 @@
           <a:p>
             <a:r>
               <a:rPr kumimoji="1" lang="en-US" altLang="ja-JP"/>
-              <a:t>2017/4/4</a:t>
+              <a:t>2017/4/11</a:t>
             </a:r>
             <a:endParaRPr kumimoji="1" lang="ja-JP" altLang="en-US"/>
           </a:p>
@@ -2674,7 +2678,7 @@
           <a:p>
             <a:r>
               <a:rPr kumimoji="1" lang="en-US" altLang="ja-JP"/>
-              <a:t>2017/4/4</a:t>
+              <a:t>2017/4/11</a:t>
             </a:r>
             <a:endParaRPr kumimoji="1" lang="ja-JP" altLang="en-US"/>
           </a:p>
@@ -2796,7 +2800,7 @@
           <a:p>
             <a:r>
               <a:rPr kumimoji="1" lang="en-US" altLang="ja-JP"/>
-              <a:t>2017/4/4</a:t>
+              <a:t>2017/4/11</a:t>
             </a:r>
             <a:endParaRPr kumimoji="1" lang="ja-JP" altLang="en-US"/>
           </a:p>
@@ -3116,7 +3120,7 @@
           <a:p>
             <a:r>
               <a:rPr kumimoji="1" lang="en-US" altLang="ja-JP"/>
-              <a:t>2017/4/4</a:t>
+              <a:t>2017/4/11</a:t>
             </a:r>
             <a:endParaRPr kumimoji="1" lang="ja-JP" altLang="en-US"/>
           </a:p>
@@ -3322,7 +3326,7 @@
           <a:p>
             <a:r>
               <a:rPr kumimoji="1" lang="en-US" altLang="ja-JP"/>
-              <a:t>2017/4/4</a:t>
+              <a:t>2017/4/11</a:t>
             </a:r>
             <a:endParaRPr kumimoji="1" lang="ja-JP" altLang="en-US"/>
           </a:p>
@@ -3590,7 +3594,7 @@
           <a:p>
             <a:r>
               <a:rPr kumimoji="1" lang="en-US" altLang="ja-JP"/>
-              <a:t>2017/4/4</a:t>
+              <a:t>2017/4/11</a:t>
             </a:r>
             <a:endParaRPr kumimoji="1" lang="ja-JP" altLang="en-US"/>
           </a:p>
@@ -3796,7 +3800,7 @@
           <a:p>
             <a:r>
               <a:rPr kumimoji="1" lang="en-US" altLang="ja-JP"/>
-              <a:t>2017/4/4</a:t>
+              <a:t>2017/4/11</a:t>
             </a:r>
             <a:endParaRPr kumimoji="1" lang="ja-JP" altLang="en-US"/>
           </a:p>
@@ -4012,7 +4016,7 @@
           <a:p>
             <a:r>
               <a:rPr kumimoji="1" lang="en-US" altLang="ja-JP"/>
-              <a:t>2017/4/4</a:t>
+              <a:t>2017/4/11</a:t>
             </a:r>
             <a:endParaRPr kumimoji="1" lang="ja-JP" altLang="en-US"/>
           </a:p>
@@ -4219,7 +4223,7 @@
           <a:p>
             <a:r>
               <a:rPr kumimoji="1" lang="en-US" altLang="ja-JP"/>
-              <a:t>2017/4/4</a:t>
+              <a:t>2017/4/11</a:t>
             </a:r>
             <a:endParaRPr kumimoji="1" lang="ja-JP" altLang="en-US"/>
           </a:p>
@@ -4425,7 +4429,7 @@
           <a:p>
             <a:r>
               <a:rPr kumimoji="1" lang="en-US" altLang="ja-JP"/>
-              <a:t>2017/4/4</a:t>
+              <a:t>2017/4/11</a:t>
             </a:r>
             <a:endParaRPr kumimoji="1" lang="ja-JP" altLang="en-US"/>
           </a:p>
@@ -4680,7 +4684,7 @@
           <a:p>
             <a:r>
               <a:rPr kumimoji="1" lang="en-US" altLang="ja-JP"/>
-              <a:t>2017/4/4</a:t>
+              <a:t>2017/4/11</a:t>
             </a:r>
             <a:endParaRPr kumimoji="1" lang="ja-JP" altLang="en-US"/>
           </a:p>
@@ -4980,7 +4984,7 @@
           <a:p>
             <a:r>
               <a:rPr kumimoji="1" lang="en-US" altLang="ja-JP"/>
-              <a:t>2017/4/4</a:t>
+              <a:t>2017/4/11</a:t>
             </a:r>
             <a:endParaRPr kumimoji="1" lang="ja-JP" altLang="en-US"/>
           </a:p>
@@ -5395,7 +5399,7 @@
           <a:p>
             <a:r>
               <a:rPr kumimoji="1" lang="en-US" altLang="ja-JP"/>
-              <a:t>2017/4/4</a:t>
+              <a:t>2017/4/11</a:t>
             </a:r>
             <a:endParaRPr kumimoji="1" lang="ja-JP" altLang="en-US"/>
           </a:p>
@@ -5517,7 +5521,7 @@
           <a:p>
             <a:r>
               <a:rPr kumimoji="1" lang="en-US" altLang="ja-JP"/>
-              <a:t>2017/4/4</a:t>
+              <a:t>2017/4/11</a:t>
             </a:r>
             <a:endParaRPr kumimoji="1" lang="ja-JP" altLang="en-US"/>
           </a:p>
@@ -5639,7 +5643,7 @@
           <a:p>
             <a:r>
               <a:rPr kumimoji="1" lang="en-US" altLang="ja-JP"/>
-              <a:t>2017/4/4</a:t>
+              <a:t>2017/4/11</a:t>
             </a:r>
             <a:endParaRPr kumimoji="1" lang="ja-JP" altLang="en-US"/>
           </a:p>
@@ -5894,7 +5898,7 @@
           <a:p>
             <a:r>
               <a:rPr kumimoji="1" lang="en-US" altLang="ja-JP"/>
-              <a:t>2017/4/4</a:t>
+              <a:t>2017/4/11</a:t>
             </a:r>
             <a:endParaRPr kumimoji="1" lang="ja-JP" altLang="en-US"/>
           </a:p>
@@ -6214,7 +6218,7 @@
           <a:p>
             <a:r>
               <a:rPr kumimoji="1" lang="en-US" altLang="ja-JP"/>
-              <a:t>2017/4/4</a:t>
+              <a:t>2017/4/11</a:t>
             </a:r>
             <a:endParaRPr kumimoji="1" lang="ja-JP" altLang="en-US"/>
           </a:p>
@@ -6482,7 +6486,7 @@
           <a:p>
             <a:r>
               <a:rPr kumimoji="1" lang="en-US" altLang="ja-JP"/>
-              <a:t>2017/4/4</a:t>
+              <a:t>2017/4/11</a:t>
             </a:r>
             <a:endParaRPr kumimoji="1" lang="ja-JP" altLang="en-US"/>
           </a:p>
@@ -6688,7 +6692,7 @@
           <a:p>
             <a:r>
               <a:rPr kumimoji="1" lang="en-US" altLang="ja-JP"/>
-              <a:t>2017/4/4</a:t>
+              <a:t>2017/4/11</a:t>
             </a:r>
             <a:endParaRPr kumimoji="1" lang="ja-JP" altLang="en-US"/>
           </a:p>
@@ -6904,7 +6908,7 @@
           <a:p>
             <a:r>
               <a:rPr kumimoji="1" lang="en-US" altLang="ja-JP"/>
-              <a:t>2017/4/4</a:t>
+              <a:t>2017/4/11</a:t>
             </a:r>
             <a:endParaRPr kumimoji="1" lang="ja-JP" altLang="en-US"/>
           </a:p>
@@ -7204,7 +7208,7 @@
           <a:p>
             <a:r>
               <a:rPr kumimoji="1" lang="en-US" altLang="ja-JP"/>
-              <a:t>2017/4/4</a:t>
+              <a:t>2017/4/11</a:t>
             </a:r>
             <a:endParaRPr kumimoji="1" lang="ja-JP" altLang="en-US"/>
           </a:p>
@@ -7619,7 +7623,7 @@
           <a:p>
             <a:r>
               <a:rPr kumimoji="1" lang="en-US" altLang="ja-JP"/>
-              <a:t>2017/4/4</a:t>
+              <a:t>2017/4/11</a:t>
             </a:r>
             <a:endParaRPr kumimoji="1" lang="ja-JP" altLang="en-US"/>
           </a:p>
@@ -7741,7 +7745,7 @@
           <a:p>
             <a:r>
               <a:rPr kumimoji="1" lang="en-US" altLang="ja-JP"/>
-              <a:t>2017/4/4</a:t>
+              <a:t>2017/4/11</a:t>
             </a:r>
             <a:endParaRPr kumimoji="1" lang="ja-JP" altLang="en-US"/>
           </a:p>
@@ -7863,7 +7867,7 @@
           <a:p>
             <a:r>
               <a:rPr kumimoji="1" lang="en-US" altLang="ja-JP"/>
-              <a:t>2017/4/4</a:t>
+              <a:t>2017/4/11</a:t>
             </a:r>
             <a:endParaRPr kumimoji="1" lang="ja-JP" altLang="en-US"/>
           </a:p>
@@ -8183,7 +8187,7 @@
           <a:p>
             <a:r>
               <a:rPr kumimoji="1" lang="en-US" altLang="ja-JP"/>
-              <a:t>2017/4/4</a:t>
+              <a:t>2017/4/11</a:t>
             </a:r>
             <a:endParaRPr kumimoji="1" lang="ja-JP" altLang="en-US"/>
           </a:p>
@@ -8451,7 +8455,7 @@
           <a:p>
             <a:r>
               <a:rPr kumimoji="1" lang="en-US" altLang="ja-JP"/>
-              <a:t>2017/4/4</a:t>
+              <a:t>2017/4/11</a:t>
             </a:r>
             <a:endParaRPr kumimoji="1" lang="ja-JP" altLang="en-US"/>
           </a:p>
@@ -8701,7 +8705,7 @@
           <a:p>
             <a:r>
               <a:rPr kumimoji="1" lang="en-US" altLang="ja-JP"/>
-              <a:t>2017/4/4</a:t>
+              <a:t>2017/4/11</a:t>
             </a:r>
             <a:endParaRPr kumimoji="1" lang="ja-JP" altLang="en-US"/>
           </a:p>
@@ -9268,7 +9272,7 @@
           <a:p>
             <a:r>
               <a:rPr kumimoji="1" lang="en-US" altLang="ja-JP"/>
-              <a:t>2017/4/4</a:t>
+              <a:t>2017/4/11</a:t>
             </a:r>
             <a:endParaRPr kumimoji="1" lang="ja-JP" altLang="en-US"/>
           </a:p>
@@ -9835,7 +9839,7 @@
           <a:p>
             <a:r>
               <a:rPr kumimoji="1" lang="en-US" altLang="ja-JP"/>
-              <a:t>2017/4/4</a:t>
+              <a:t>2017/4/11</a:t>
             </a:r>
             <a:endParaRPr kumimoji="1" lang="ja-JP" altLang="en-US"/>
           </a:p>
@@ -10289,7 +10293,7 @@
           <a:p>
             <a:r>
               <a:rPr lang="en-US" altLang="ja-JP" dirty="0"/>
-              <a:t>2017/04/04</a:t>
+              <a:t>2017/04/11</a:t>
             </a:r>
             <a:endParaRPr kumimoji="1" lang="ja-JP" altLang="en-US" dirty="0"/>
           </a:p>
@@ -10312,7 +10316,7 @@
           <a:p>
             <a:r>
               <a:rPr kumimoji="1" lang="en-US" altLang="ja-JP"/>
-              <a:t>2017/4/4</a:t>
+              <a:t>2017/4/11</a:t>
             </a:r>
             <a:endParaRPr kumimoji="1" lang="ja-JP" altLang="en-US"/>
           </a:p>
@@ -10729,7 +10733,7 @@
           <a:p>
             <a:r>
               <a:rPr kumimoji="1" lang="en-US" altLang="ja-JP"/>
-              <a:t>2017/4/4</a:t>
+              <a:t>2017/4/11</a:t>
             </a:r>
             <a:endParaRPr kumimoji="1" lang="ja-JP" altLang="en-US"/>
           </a:p>
@@ -10915,6 +10919,18 @@
             </a:r>
           </a:p>
           <a:p>
+            <a:r>
+              <a:rPr lang="en-US" altLang="ja-JP" dirty="0">
+                <a:solidFill>
+                  <a:schemeClr val="bg1">
+                    <a:lumMod val="50000"/>
+                  </a:schemeClr>
+                </a:solidFill>
+              </a:rPr>
+              <a:t>Bash on Ubuntu on Windows without GPU</a:t>
+            </a:r>
+          </a:p>
+          <a:p>
             <a:pPr marL="0" indent="0">
               <a:buNone/>
             </a:pPr>
@@ -10939,7 +10955,7 @@
           <a:p>
             <a:r>
               <a:rPr kumimoji="1" lang="en-US" altLang="ja-JP"/>
-              <a:t>2017/4/4</a:t>
+              <a:t>2017/4/11</a:t>
             </a:r>
             <a:endParaRPr kumimoji="1" lang="ja-JP" altLang="en-US"/>
           </a:p>
@@ -11240,7 +11256,7 @@
           <a:p>
             <a:r>
               <a:rPr kumimoji="1" lang="en-US" altLang="ja-JP"/>
-              <a:t>2017/4/4</a:t>
+              <a:t>2017/4/11</a:t>
             </a:r>
             <a:endParaRPr kumimoji="1" lang="ja-JP" altLang="en-US"/>
           </a:p>
@@ -11517,7 +11533,7 @@
           <a:p>
             <a:r>
               <a:rPr kumimoji="1" lang="en-US" altLang="ja-JP"/>
-              <a:t>2017/4/4</a:t>
+              <a:t>2017/4/11</a:t>
             </a:r>
             <a:endParaRPr kumimoji="1" lang="ja-JP" altLang="en-US"/>
           </a:p>
@@ -11775,7 +11791,7 @@
           <a:p>
             <a:r>
               <a:rPr kumimoji="1" lang="en-US" altLang="ja-JP"/>
-              <a:t>2017/4/4</a:t>
+              <a:t>2017/4/11</a:t>
             </a:r>
             <a:endParaRPr kumimoji="1" lang="ja-JP" altLang="en-US"/>
           </a:p>
@@ -12088,7 +12104,7 @@
           <a:p>
             <a:r>
               <a:rPr kumimoji="1" lang="en-US" altLang="ja-JP"/>
-              <a:t>2017/4/4</a:t>
+              <a:t>2017/4/11</a:t>
             </a:r>
             <a:endParaRPr kumimoji="1" lang="ja-JP" altLang="en-US"/>
           </a:p>
@@ -12348,7 +12364,7 @@
           <a:p>
             <a:r>
               <a:rPr kumimoji="1" lang="en-US" altLang="ja-JP"/>
-              <a:t>2017/4/4</a:t>
+              <a:t>2017/4/11</a:t>
             </a:r>
             <a:endParaRPr kumimoji="1" lang="ja-JP" altLang="en-US"/>
           </a:p>
@@ -12605,7 +12621,7 @@
           <a:p>
             <a:r>
               <a:rPr kumimoji="1" lang="en-US" altLang="ja-JP"/>
-              <a:t>2017/4/4</a:t>
+              <a:t>2017/4/11</a:t>
             </a:r>
             <a:endParaRPr kumimoji="1" lang="ja-JP" altLang="en-US"/>
           </a:p>
@@ -12818,6 +12834,26 @@
               <a:rPr lang="en-US" altLang="ja-JP" dirty="0"/>
               <a:t>Windows with GPU</a:t>
             </a:r>
+            <a:endParaRPr lang="en-US" altLang="ja-JP" dirty="0">
+              <a:solidFill>
+                <a:schemeClr val="bg1">
+                  <a:lumMod val="50000"/>
+                </a:schemeClr>
+              </a:solidFill>
+            </a:endParaRPr>
+          </a:p>
+          <a:p>
+            <a:r>
+              <a:rPr lang="en-US" altLang="ja-JP" dirty="0">
+                <a:solidFill>
+                  <a:schemeClr val="bg1">
+                    <a:lumMod val="50000"/>
+                  </a:schemeClr>
+                </a:solidFill>
+              </a:rPr>
+              <a:t>Bash on Ubuntu on Windows without GPU</a:t>
+            </a:r>
+            <a:endParaRPr lang="en-US" altLang="ja-JP" dirty="0"/>
           </a:p>
           <a:p>
             <a:pPr marL="0" indent="0">
@@ -12844,7 +12880,7 @@
           <a:p>
             <a:r>
               <a:rPr kumimoji="1" lang="en-US" altLang="ja-JP"/>
-              <a:t>2017/4/4</a:t>
+              <a:t>2017/4/11</a:t>
             </a:r>
             <a:endParaRPr kumimoji="1" lang="ja-JP" altLang="en-US"/>
           </a:p>
@@ -13029,7 +13065,7 @@
           <a:p>
             <a:r>
               <a:rPr kumimoji="1" lang="en-US" altLang="ja-JP"/>
-              <a:t>2017/4/4</a:t>
+              <a:t>2017/4/11</a:t>
             </a:r>
             <a:endParaRPr kumimoji="1" lang="ja-JP" altLang="en-US"/>
           </a:p>
@@ -13185,6 +13221,15 @@
             </a:r>
           </a:p>
           <a:p>
+            <a:r>
+              <a:rPr lang="en-US" altLang="ja-JP" dirty="0"/>
+              <a:t>Bash on Ubuntu on Windows without GPU</a:t>
+            </a:r>
+          </a:p>
+          <a:p>
+            <a:endParaRPr lang="en-US" altLang="ja-JP" dirty="0"/>
+          </a:p>
+          <a:p>
             <a:pPr marL="0" indent="0">
               <a:buNone/>
             </a:pPr>
@@ -13209,7 +13254,7 @@
           <a:p>
             <a:r>
               <a:rPr kumimoji="1" lang="en-US" altLang="ja-JP"/>
-              <a:t>2017/4/4</a:t>
+              <a:t>2017/4/11</a:t>
             </a:r>
             <a:endParaRPr kumimoji="1" lang="ja-JP" altLang="en-US"/>
           </a:p>
@@ -13412,7 +13457,7 @@
           <a:p>
             <a:r>
               <a:rPr kumimoji="1" lang="en-US" altLang="ja-JP"/>
-              <a:t>2017/4/4</a:t>
+              <a:t>2017/4/11</a:t>
             </a:r>
             <a:endParaRPr kumimoji="1" lang="ja-JP" altLang="en-US"/>
           </a:p>
@@ -13534,7 +13579,7 @@
           <a:p>
             <a:r>
               <a:rPr kumimoji="1" lang="en-US" altLang="ja-JP"/>
-              <a:t>2017/4/4</a:t>
+              <a:t>2017/4/11</a:t>
             </a:r>
             <a:endParaRPr kumimoji="1" lang="ja-JP" altLang="en-US"/>
           </a:p>
@@ -13928,7 +13973,7 @@
           <a:p>
             <a:r>
               <a:rPr kumimoji="1" lang="en-US" altLang="ja-JP"/>
-              <a:t>2017/4/4</a:t>
+              <a:t>2017/4/11</a:t>
             </a:r>
             <a:endParaRPr kumimoji="1" lang="ja-JP" altLang="en-US"/>
           </a:p>
@@ -14176,7 +14221,7 @@
           <a:p>
             <a:r>
               <a:rPr kumimoji="1" lang="en-US" altLang="ja-JP"/>
-              <a:t>2017/4/4</a:t>
+              <a:t>2017/4/11</a:t>
             </a:r>
             <a:endParaRPr kumimoji="1" lang="ja-JP" altLang="en-US"/>
           </a:p>
@@ -14289,6 +14334,129 @@
       </p:grpSpPr>
       <p:sp>
         <p:nvSpPr>
+          <p:cNvPr id="2" name="タイトル 1"/>
+          <p:cNvSpPr>
+            <a:spLocks noGrp="1"/>
+          </p:cNvSpPr>
+          <p:nvPr>
+            <p:ph type="title"/>
+          </p:nvPr>
+        </p:nvSpPr>
+        <p:spPr/>
+        <p:txBody>
+          <a:bodyPr/>
+          <a:lstStyle/>
+          <a:p>
+            <a:r>
+              <a:rPr kumimoji="1" lang="en-US" altLang="ja-JP" dirty="0"/>
+              <a:t>Table of contents</a:t>
+            </a:r>
+            <a:endParaRPr kumimoji="1" lang="ja-JP" altLang="en-US" dirty="0"/>
+          </a:p>
+        </p:txBody>
+      </p:sp>
+      <p:sp>
+        <p:nvSpPr>
+          <p:cNvPr id="3" name="コンテンツ プレースホルダー 2"/>
+          <p:cNvSpPr>
+            <a:spLocks noGrp="1"/>
+          </p:cNvSpPr>
+          <p:nvPr>
+            <p:ph idx="1"/>
+          </p:nvPr>
+        </p:nvSpPr>
+        <p:spPr/>
+        <p:txBody>
+          <a:bodyPr/>
+          <a:lstStyle/>
+          <a:p>
+            <a:r>
+              <a:rPr kumimoji="1" lang="en-US" altLang="ja-JP" dirty="0">
+                <a:solidFill>
+                  <a:schemeClr val="bg1">
+                    <a:lumMod val="50000"/>
+                  </a:schemeClr>
+                </a:solidFill>
+              </a:rPr>
+              <a:t>System requirement</a:t>
+            </a:r>
+          </a:p>
+          <a:p>
+            <a:r>
+              <a:rPr lang="en-US" altLang="ja-JP" dirty="0">
+                <a:solidFill>
+                  <a:schemeClr val="bg1">
+                    <a:lumMod val="50000"/>
+                  </a:schemeClr>
+                </a:solidFill>
+              </a:rPr>
+              <a:t>Mac OS X</a:t>
+            </a:r>
+          </a:p>
+          <a:p>
+            <a:r>
+              <a:rPr lang="en-US" altLang="ja-JP" dirty="0">
+                <a:solidFill>
+                  <a:schemeClr val="bg1">
+                    <a:lumMod val="50000"/>
+                  </a:schemeClr>
+                </a:solidFill>
+              </a:rPr>
+              <a:t>Ubuntu Linux without GPU</a:t>
+            </a:r>
+          </a:p>
+          <a:p>
+            <a:r>
+              <a:rPr lang="en-US" altLang="ja-JP" dirty="0">
+                <a:solidFill>
+                  <a:schemeClr val="bg1">
+                    <a:lumMod val="50000"/>
+                  </a:schemeClr>
+                </a:solidFill>
+              </a:rPr>
+              <a:t>Ubuntu Linux with GPU</a:t>
+            </a:r>
+          </a:p>
+          <a:p>
+            <a:r>
+              <a:rPr lang="en-US" altLang="ja-JP" dirty="0">
+                <a:solidFill>
+                  <a:schemeClr val="bg1">
+                    <a:lumMod val="50000"/>
+                  </a:schemeClr>
+                </a:solidFill>
+              </a:rPr>
+              <a:t>Windows without GPU</a:t>
+            </a:r>
+          </a:p>
+          <a:p>
+            <a:r>
+              <a:rPr lang="en-US" altLang="ja-JP" dirty="0">
+                <a:solidFill>
+                  <a:schemeClr val="bg1">
+                    <a:lumMod val="50000"/>
+                  </a:schemeClr>
+                </a:solidFill>
+              </a:rPr>
+              <a:t>Windows with GPU</a:t>
+            </a:r>
+          </a:p>
+          <a:p>
+            <a:r>
+              <a:rPr lang="en-US" altLang="ja-JP" dirty="0"/>
+              <a:t>Bash on Ubuntu on Windows without GPU</a:t>
+            </a:r>
+          </a:p>
+          <a:p>
+            <a:pPr marL="0" indent="0">
+              <a:buNone/>
+            </a:pPr>
+            <a:endParaRPr kumimoji="1" lang="ja-JP" altLang="en-US" dirty="0"/>
+          </a:p>
+        </p:txBody>
+      </p:sp>
+      <p:sp>
+        <p:nvSpPr>
           <p:cNvPr id="4" name="日付プレースホルダー 3"/>
           <p:cNvSpPr>
             <a:spLocks noGrp="1"/>
@@ -14304,7 +14472,7 @@
           <a:p>
             <a:r>
               <a:rPr kumimoji="1" lang="en-US" altLang="ja-JP"/>
-              <a:t>2017/4/4</a:t>
+              <a:t>2017/4/11</a:t>
             </a:r>
             <a:endParaRPr kumimoji="1" lang="ja-JP" altLang="en-US"/>
           </a:p>
@@ -14351,6 +14519,783 @@
             <a:fld id="{E1773B30-14F7-487C-92FB-E55AB7D5608F}" type="slidenum">
               <a:rPr kumimoji="1" lang="ja-JP" altLang="en-US" smtClean="0"/>
               <a:t>24</a:t>
+            </a:fld>
+            <a:endParaRPr kumimoji="1" lang="ja-JP" altLang="en-US"/>
+          </a:p>
+        </p:txBody>
+      </p:sp>
+    </p:spTree>
+    <p:extLst>
+      <p:ext uri="{BB962C8B-B14F-4D97-AF65-F5344CB8AC3E}">
+        <p14:creationId xmlns:p14="http://schemas.microsoft.com/office/powerpoint/2010/main" val="2959419769"/>
+      </p:ext>
+    </p:extLst>
+  </p:cSld>
+  <p:clrMapOvr>
+    <a:masterClrMapping/>
+  </p:clrMapOvr>
+</p:sld>
+</file>
+
+<file path=ppt/slides/slide25.xml><?xml version="1.0" encoding="utf-8"?>
+<p:sld xmlns:a="http://schemas.openxmlformats.org/drawingml/2006/main" xmlns:r="http://schemas.openxmlformats.org/officeDocument/2006/relationships" xmlns:p="http://schemas.openxmlformats.org/presentationml/2006/main">
+  <p:cSld>
+    <p:spTree>
+      <p:nvGrpSpPr>
+        <p:cNvPr id="1" name=""/>
+        <p:cNvGrpSpPr/>
+        <p:nvPr/>
+      </p:nvGrpSpPr>
+      <p:grpSpPr>
+        <a:xfrm>
+          <a:off x="0" y="0"/>
+          <a:ext cx="0" cy="0"/>
+          <a:chOff x="0" y="0"/>
+          <a:chExt cx="0" cy="0"/>
+        </a:xfrm>
+      </p:grpSpPr>
+      <p:sp>
+        <p:nvSpPr>
+          <p:cNvPr id="2" name="タイトル 1"/>
+          <p:cNvSpPr>
+            <a:spLocks noGrp="1"/>
+          </p:cNvSpPr>
+          <p:nvPr>
+            <p:ph type="title"/>
+          </p:nvPr>
+        </p:nvSpPr>
+        <p:spPr/>
+        <p:txBody>
+          <a:bodyPr>
+            <a:normAutofit/>
+          </a:bodyPr>
+          <a:lstStyle/>
+          <a:p>
+            <a:r>
+              <a:rPr lang="en-US" altLang="ja-JP" sz="3600" dirty="0"/>
+              <a:t>Install to Bash on Ubuntu on Windows (Without GPU)</a:t>
+            </a:r>
+            <a:endParaRPr kumimoji="1" lang="ja-JP" altLang="en-US" sz="3600" dirty="0"/>
+          </a:p>
+        </p:txBody>
+      </p:sp>
+      <p:sp>
+        <p:nvSpPr>
+          <p:cNvPr id="3" name="コンテンツ プレースホルダー 2"/>
+          <p:cNvSpPr>
+            <a:spLocks noGrp="1"/>
+          </p:cNvSpPr>
+          <p:nvPr>
+            <p:ph idx="1"/>
+          </p:nvPr>
+        </p:nvSpPr>
+        <p:spPr/>
+        <p:txBody>
+          <a:bodyPr>
+            <a:normAutofit/>
+          </a:bodyPr>
+          <a:lstStyle/>
+          <a:p>
+            <a:pPr marL="514350" indent="-514350">
+              <a:buFont typeface="+mj-lt"/>
+              <a:buAutoNum type="arabicPeriod"/>
+            </a:pPr>
+            <a:r>
+              <a:rPr lang="en-US" altLang="ja-JP" dirty="0"/>
+              <a:t>Update Windows 10 to Windows 10 Creators Update (version 1703, Redstone 2)</a:t>
+            </a:r>
+          </a:p>
+          <a:p>
+            <a:pPr marL="514350" indent="-514350">
+              <a:buFont typeface="+mj-lt"/>
+              <a:buAutoNum type="arabicPeriod"/>
+            </a:pPr>
+            <a:r>
+              <a:rPr lang="en-US" altLang="ja-JP" dirty="0"/>
+              <a:t>Install Bash on Ubuntu on Windows</a:t>
+            </a:r>
+          </a:p>
+          <a:p>
+            <a:pPr marL="457200" lvl="1" indent="0">
+              <a:buNone/>
+            </a:pPr>
+            <a:r>
+              <a:rPr lang="en-US" altLang="ja-JP" dirty="0"/>
+              <a:t>https://msdn.microsoft.com/en-us/commandline/wsl/install_guide</a:t>
+            </a:r>
+          </a:p>
+          <a:p>
+            <a:pPr marL="514350" indent="-514350">
+              <a:buFont typeface="+mj-lt"/>
+              <a:buAutoNum type="arabicPeriod"/>
+            </a:pPr>
+            <a:r>
+              <a:rPr lang="en-US" altLang="ja-JP" dirty="0"/>
+              <a:t>Run bash</a:t>
+            </a:r>
+          </a:p>
+        </p:txBody>
+      </p:sp>
+      <p:sp>
+        <p:nvSpPr>
+          <p:cNvPr id="4" name="日付プレースホルダー 3"/>
+          <p:cNvSpPr>
+            <a:spLocks noGrp="1"/>
+          </p:cNvSpPr>
+          <p:nvPr>
+            <p:ph type="dt" sz="half" idx="10"/>
+          </p:nvPr>
+        </p:nvSpPr>
+        <p:spPr/>
+        <p:txBody>
+          <a:bodyPr/>
+          <a:lstStyle/>
+          <a:p>
+            <a:r>
+              <a:rPr kumimoji="1" lang="en-US" altLang="ja-JP"/>
+              <a:t>2017/4/11</a:t>
+            </a:r>
+            <a:endParaRPr kumimoji="1" lang="ja-JP" altLang="en-US"/>
+          </a:p>
+        </p:txBody>
+      </p:sp>
+      <p:sp>
+        <p:nvSpPr>
+          <p:cNvPr id="5" name="フッター プレースホルダー 4"/>
+          <p:cNvSpPr>
+            <a:spLocks noGrp="1"/>
+          </p:cNvSpPr>
+          <p:nvPr>
+            <p:ph type="ftr" sz="quarter" idx="11"/>
+          </p:nvPr>
+        </p:nvSpPr>
+        <p:spPr/>
+        <p:txBody>
+          <a:bodyPr/>
+          <a:lstStyle/>
+          <a:p>
+            <a:r>
+              <a:rPr kumimoji="1" lang="en-US" altLang="ja-JP"/>
+              <a:t>BEACLS: Berkeley Efficient API in C++ for Level Set methods Installation Guide</a:t>
+            </a:r>
+            <a:endParaRPr kumimoji="1" lang="ja-JP" altLang="en-US"/>
+          </a:p>
+        </p:txBody>
+      </p:sp>
+      <p:sp>
+        <p:nvSpPr>
+          <p:cNvPr id="6" name="スライド番号プレースホルダー 5"/>
+          <p:cNvSpPr>
+            <a:spLocks noGrp="1"/>
+          </p:cNvSpPr>
+          <p:nvPr>
+            <p:ph type="sldNum" sz="quarter" idx="12"/>
+          </p:nvPr>
+        </p:nvSpPr>
+        <p:spPr/>
+        <p:txBody>
+          <a:bodyPr/>
+          <a:lstStyle/>
+          <a:p>
+            <a:fld id="{E1773B30-14F7-487C-92FB-E55AB7D5608F}" type="slidenum">
+              <a:rPr kumimoji="1" lang="ja-JP" altLang="en-US" smtClean="0"/>
+              <a:t>25</a:t>
+            </a:fld>
+            <a:endParaRPr kumimoji="1" lang="ja-JP" altLang="en-US"/>
+          </a:p>
+        </p:txBody>
+      </p:sp>
+    </p:spTree>
+    <p:extLst>
+      <p:ext uri="{BB962C8B-B14F-4D97-AF65-F5344CB8AC3E}">
+        <p14:creationId xmlns:p14="http://schemas.microsoft.com/office/powerpoint/2010/main" val="1325898173"/>
+      </p:ext>
+    </p:extLst>
+  </p:cSld>
+  <p:clrMapOvr>
+    <a:masterClrMapping/>
+  </p:clrMapOvr>
+</p:sld>
+</file>
+
+<file path=ppt/slides/slide26.xml><?xml version="1.0" encoding="utf-8"?>
+<p:sld xmlns:a="http://schemas.openxmlformats.org/drawingml/2006/main" xmlns:r="http://schemas.openxmlformats.org/officeDocument/2006/relationships" xmlns:p="http://schemas.openxmlformats.org/presentationml/2006/main">
+  <p:cSld>
+    <p:spTree>
+      <p:nvGrpSpPr>
+        <p:cNvPr id="1" name=""/>
+        <p:cNvGrpSpPr/>
+        <p:nvPr/>
+      </p:nvGrpSpPr>
+      <p:grpSpPr>
+        <a:xfrm>
+          <a:off x="0" y="0"/>
+          <a:ext cx="0" cy="0"/>
+          <a:chOff x="0" y="0"/>
+          <a:chExt cx="0" cy="0"/>
+        </a:xfrm>
+      </p:grpSpPr>
+      <p:sp>
+        <p:nvSpPr>
+          <p:cNvPr id="2" name="タイトル 1"/>
+          <p:cNvSpPr>
+            <a:spLocks noGrp="1"/>
+          </p:cNvSpPr>
+          <p:nvPr>
+            <p:ph type="title"/>
+          </p:nvPr>
+        </p:nvSpPr>
+        <p:spPr/>
+        <p:txBody>
+          <a:bodyPr>
+            <a:normAutofit/>
+          </a:bodyPr>
+          <a:lstStyle/>
+          <a:p>
+            <a:r>
+              <a:rPr lang="en-US" altLang="ja-JP" sz="3600" dirty="0"/>
+              <a:t>Install to Bash on Ubuntu on Windows (Without GPU)</a:t>
+            </a:r>
+            <a:br>
+              <a:rPr lang="en-US" altLang="ja-JP" sz="3600" dirty="0"/>
+            </a:br>
+            <a:r>
+              <a:rPr lang="en-US" altLang="ja-JP" sz="3600" dirty="0"/>
+              <a:t>(cont’d)</a:t>
+            </a:r>
+            <a:endParaRPr kumimoji="1" lang="ja-JP" altLang="en-US" sz="3600" dirty="0"/>
+          </a:p>
+        </p:txBody>
+      </p:sp>
+      <p:sp>
+        <p:nvSpPr>
+          <p:cNvPr id="3" name="コンテンツ プレースホルダー 2"/>
+          <p:cNvSpPr>
+            <a:spLocks noGrp="1"/>
+          </p:cNvSpPr>
+          <p:nvPr>
+            <p:ph idx="1"/>
+          </p:nvPr>
+        </p:nvSpPr>
+        <p:spPr/>
+        <p:txBody>
+          <a:bodyPr>
+            <a:normAutofit fontScale="85000" lnSpcReduction="20000"/>
+          </a:bodyPr>
+          <a:lstStyle/>
+          <a:p>
+            <a:pPr marL="514350" indent="-514350">
+              <a:buFont typeface="+mj-lt"/>
+              <a:buAutoNum type="arabicPeriod" startAt="4"/>
+            </a:pPr>
+            <a:r>
+              <a:rPr lang="en-US" altLang="ja-JP" dirty="0"/>
+              <a:t>Install boost, OpenCV and hdf5</a:t>
+            </a:r>
+          </a:p>
+          <a:p>
+            <a:pPr marL="457200" lvl="1" indent="0">
+              <a:buNone/>
+            </a:pPr>
+            <a:r>
+              <a:rPr lang="en-US" altLang="ja-JP" dirty="0"/>
+              <a:t>$ </a:t>
+            </a:r>
+            <a:r>
+              <a:rPr lang="en-US" altLang="ja-JP" dirty="0" err="1"/>
+              <a:t>sudo</a:t>
+            </a:r>
+            <a:r>
+              <a:rPr lang="en-US" altLang="ja-JP" dirty="0"/>
+              <a:t> apt-get update</a:t>
+            </a:r>
+          </a:p>
+          <a:p>
+            <a:pPr marL="457200" lvl="1" indent="0">
+              <a:buNone/>
+            </a:pPr>
+            <a:r>
+              <a:rPr lang="en-US" altLang="ja-JP" dirty="0"/>
+              <a:t>$ </a:t>
+            </a:r>
+            <a:r>
+              <a:rPr lang="en-US" altLang="ja-JP" dirty="0" err="1"/>
+              <a:t>sudo</a:t>
+            </a:r>
+            <a:r>
+              <a:rPr lang="en-US" altLang="ja-JP" dirty="0"/>
+              <a:t> apt-get upgrade</a:t>
+            </a:r>
+          </a:p>
+          <a:p>
+            <a:pPr marL="457200" lvl="1" indent="0">
+              <a:buNone/>
+            </a:pPr>
+            <a:r>
+              <a:rPr lang="en-US" altLang="ja-JP" dirty="0"/>
+              <a:t>$ </a:t>
+            </a:r>
+            <a:r>
+              <a:rPr lang="en-US" altLang="ja-JP" dirty="0" err="1"/>
+              <a:t>sudo</a:t>
+            </a:r>
+            <a:r>
+              <a:rPr lang="en-US" altLang="ja-JP" dirty="0"/>
+              <a:t> apt-get install libhdf5-dev </a:t>
+            </a:r>
+            <a:r>
+              <a:rPr lang="en-US" altLang="ja-JP" dirty="0" err="1"/>
+              <a:t>libboost</a:t>
+            </a:r>
+            <a:r>
+              <a:rPr lang="en-US" altLang="ja-JP" dirty="0"/>
+              <a:t>-dev </a:t>
+            </a:r>
+            <a:r>
+              <a:rPr lang="en-US" altLang="ja-JP" dirty="0" err="1"/>
+              <a:t>libopencv</a:t>
+            </a:r>
+            <a:r>
+              <a:rPr lang="en-US" altLang="ja-JP" dirty="0"/>
+              <a:t>-dev</a:t>
+            </a:r>
+          </a:p>
+          <a:p>
+            <a:pPr marL="514350" indent="-514350">
+              <a:buFont typeface="+mj-lt"/>
+              <a:buAutoNum type="arabicPeriod" startAt="4"/>
+            </a:pPr>
+            <a:r>
+              <a:rPr lang="en-US" altLang="ja-JP" dirty="0"/>
+              <a:t>Download BEACLS</a:t>
+            </a:r>
+          </a:p>
+          <a:p>
+            <a:pPr marL="457200" lvl="1" indent="0">
+              <a:buNone/>
+            </a:pPr>
+            <a:r>
+              <a:rPr lang="en-US" altLang="ja-JP" dirty="0"/>
+              <a:t>$ </a:t>
+            </a:r>
+            <a:r>
+              <a:rPr lang="en-US" altLang="ja-JP" dirty="0" err="1"/>
+              <a:t>mkdir</a:t>
+            </a:r>
+            <a:r>
+              <a:rPr lang="en-US" altLang="ja-JP" dirty="0"/>
+              <a:t> ~/BEACLS; cd ~/BEACLS</a:t>
+            </a:r>
+          </a:p>
+          <a:p>
+            <a:pPr marL="457200" lvl="1" indent="0">
+              <a:buNone/>
+            </a:pPr>
+            <a:r>
+              <a:rPr lang="en-US" altLang="ja-JP" dirty="0"/>
+              <a:t>$ </a:t>
+            </a:r>
+            <a:r>
+              <a:rPr lang="en-US" altLang="ja-JP" dirty="0" err="1"/>
+              <a:t>git</a:t>
+            </a:r>
+            <a:r>
+              <a:rPr lang="en-US" altLang="ja-JP" dirty="0"/>
+              <a:t> clone </a:t>
+            </a:r>
+            <a:r>
+              <a:rPr lang="en-US" altLang="ja-JP" dirty="0">
+                <a:hlinkClick r:id="rId2"/>
+              </a:rPr>
+              <a:t>https://github.com/HJReachability/beacls</a:t>
+            </a:r>
+            <a:endParaRPr lang="en-US" altLang="ja-JP" dirty="0"/>
+          </a:p>
+          <a:p>
+            <a:pPr marL="457200" lvl="1" indent="0">
+              <a:buNone/>
+            </a:pPr>
+            <a:r>
+              <a:rPr lang="en-US" altLang="ja-JP" dirty="0"/>
+              <a:t>$ cd </a:t>
+            </a:r>
+            <a:r>
+              <a:rPr lang="en-US" altLang="ja-JP" dirty="0" err="1"/>
+              <a:t>beacls</a:t>
+            </a:r>
+            <a:endParaRPr lang="en-US" altLang="ja-JP" dirty="0"/>
+          </a:p>
+          <a:p>
+            <a:pPr marL="514350" indent="-514350">
+              <a:buFont typeface="+mj-lt"/>
+              <a:buAutoNum type="arabicPeriod" startAt="4"/>
+            </a:pPr>
+            <a:r>
+              <a:rPr lang="en-US" altLang="ja-JP" dirty="0"/>
+              <a:t>Build BEACLS</a:t>
+            </a:r>
+          </a:p>
+          <a:p>
+            <a:pPr marL="457200" lvl="1" indent="0">
+              <a:buNone/>
+            </a:pPr>
+            <a:r>
+              <a:rPr lang="en-US" altLang="ja-JP" dirty="0"/>
+              <a:t>$ cd </a:t>
+            </a:r>
+            <a:r>
+              <a:rPr lang="en-US" altLang="ja-JP" dirty="0" err="1"/>
+              <a:t>beacls</a:t>
+            </a:r>
+            <a:r>
+              <a:rPr lang="en-US" altLang="ja-JP" dirty="0"/>
+              <a:t>/sources</a:t>
+            </a:r>
+          </a:p>
+          <a:p>
+            <a:pPr marL="457200" lvl="1" indent="0">
+              <a:buNone/>
+            </a:pPr>
+            <a:r>
+              <a:rPr lang="en-US" altLang="ja-JP" dirty="0"/>
+              <a:t>$ make all</a:t>
+            </a:r>
+          </a:p>
+          <a:p>
+            <a:pPr marL="514350" indent="-514350">
+              <a:buFont typeface="+mj-lt"/>
+              <a:buAutoNum type="arabicPeriod" startAt="4"/>
+            </a:pPr>
+            <a:r>
+              <a:rPr lang="en-US" altLang="ja-JP" dirty="0"/>
+              <a:t>Test BEACLS</a:t>
+            </a:r>
+          </a:p>
+          <a:p>
+            <a:pPr marL="457200" lvl="1" indent="0">
+              <a:buNone/>
+            </a:pPr>
+            <a:r>
+              <a:rPr lang="en-US" altLang="ja-JP" dirty="0"/>
+              <a:t>$ cd samples/</a:t>
+            </a:r>
+            <a:r>
+              <a:rPr lang="en-US" altLang="ja-JP" dirty="0" err="1"/>
+              <a:t>Plane_test</a:t>
+            </a:r>
+            <a:endParaRPr lang="en-US" altLang="ja-JP" dirty="0"/>
+          </a:p>
+          <a:p>
+            <a:pPr marL="457200" lvl="1" indent="0">
+              <a:buNone/>
+            </a:pPr>
+            <a:r>
+              <a:rPr lang="en-US" altLang="ja-JP" dirty="0"/>
+              <a:t>$ make test</a:t>
+            </a:r>
+          </a:p>
+        </p:txBody>
+      </p:sp>
+      <p:sp>
+        <p:nvSpPr>
+          <p:cNvPr id="4" name="日付プレースホルダー 3"/>
+          <p:cNvSpPr>
+            <a:spLocks noGrp="1"/>
+          </p:cNvSpPr>
+          <p:nvPr>
+            <p:ph type="dt" sz="half" idx="10"/>
+          </p:nvPr>
+        </p:nvSpPr>
+        <p:spPr/>
+        <p:txBody>
+          <a:bodyPr/>
+          <a:lstStyle/>
+          <a:p>
+            <a:r>
+              <a:rPr kumimoji="1" lang="en-US" altLang="ja-JP"/>
+              <a:t>2017/4/11</a:t>
+            </a:r>
+            <a:endParaRPr kumimoji="1" lang="ja-JP" altLang="en-US"/>
+          </a:p>
+        </p:txBody>
+      </p:sp>
+      <p:sp>
+        <p:nvSpPr>
+          <p:cNvPr id="5" name="フッター プレースホルダー 4"/>
+          <p:cNvSpPr>
+            <a:spLocks noGrp="1"/>
+          </p:cNvSpPr>
+          <p:nvPr>
+            <p:ph type="ftr" sz="quarter" idx="11"/>
+          </p:nvPr>
+        </p:nvSpPr>
+        <p:spPr/>
+        <p:txBody>
+          <a:bodyPr/>
+          <a:lstStyle/>
+          <a:p>
+            <a:r>
+              <a:rPr kumimoji="1" lang="en-US" altLang="ja-JP"/>
+              <a:t>BEACLS: Berkeley Efficient API in C++ for Level Set methods Installation Guide</a:t>
+            </a:r>
+            <a:endParaRPr kumimoji="1" lang="ja-JP" altLang="en-US"/>
+          </a:p>
+        </p:txBody>
+      </p:sp>
+      <p:sp>
+        <p:nvSpPr>
+          <p:cNvPr id="6" name="スライド番号プレースホルダー 5"/>
+          <p:cNvSpPr>
+            <a:spLocks noGrp="1"/>
+          </p:cNvSpPr>
+          <p:nvPr>
+            <p:ph type="sldNum" sz="quarter" idx="12"/>
+          </p:nvPr>
+        </p:nvSpPr>
+        <p:spPr/>
+        <p:txBody>
+          <a:bodyPr/>
+          <a:lstStyle/>
+          <a:p>
+            <a:fld id="{E1773B30-14F7-487C-92FB-E55AB7D5608F}" type="slidenum">
+              <a:rPr kumimoji="1" lang="ja-JP" altLang="en-US" smtClean="0"/>
+              <a:t>26</a:t>
+            </a:fld>
+            <a:endParaRPr kumimoji="1" lang="ja-JP" altLang="en-US"/>
+          </a:p>
+        </p:txBody>
+      </p:sp>
+    </p:spTree>
+    <p:extLst>
+      <p:ext uri="{BB962C8B-B14F-4D97-AF65-F5344CB8AC3E}">
+        <p14:creationId xmlns:p14="http://schemas.microsoft.com/office/powerpoint/2010/main" val="3505045182"/>
+      </p:ext>
+    </p:extLst>
+  </p:cSld>
+  <p:clrMapOvr>
+    <a:masterClrMapping/>
+  </p:clrMapOvr>
+</p:sld>
+</file>
+
+<file path=ppt/slides/slide27.xml><?xml version="1.0" encoding="utf-8"?>
+<p:sld xmlns:a="http://schemas.openxmlformats.org/drawingml/2006/main" xmlns:r="http://schemas.openxmlformats.org/officeDocument/2006/relationships" xmlns:p="http://schemas.openxmlformats.org/presentationml/2006/main">
+  <p:cSld>
+    <p:spTree>
+      <p:nvGrpSpPr>
+        <p:cNvPr id="1" name=""/>
+        <p:cNvGrpSpPr/>
+        <p:nvPr/>
+      </p:nvGrpSpPr>
+      <p:grpSpPr>
+        <a:xfrm>
+          <a:off x="0" y="0"/>
+          <a:ext cx="0" cy="0"/>
+          <a:chOff x="0" y="0"/>
+          <a:chExt cx="0" cy="0"/>
+        </a:xfrm>
+      </p:grpSpPr>
+      <p:sp>
+        <p:nvSpPr>
+          <p:cNvPr id="2" name="タイトル 1"/>
+          <p:cNvSpPr>
+            <a:spLocks noGrp="1"/>
+          </p:cNvSpPr>
+          <p:nvPr>
+            <p:ph type="title"/>
+          </p:nvPr>
+        </p:nvSpPr>
+        <p:spPr/>
+        <p:txBody>
+          <a:bodyPr/>
+          <a:lstStyle/>
+          <a:p>
+            <a:endParaRPr kumimoji="1" lang="ja-JP" altLang="en-US"/>
+          </a:p>
+        </p:txBody>
+      </p:sp>
+      <p:sp>
+        <p:nvSpPr>
+          <p:cNvPr id="3" name="コンテンツ プレースホルダー 2"/>
+          <p:cNvSpPr>
+            <a:spLocks noGrp="1"/>
+          </p:cNvSpPr>
+          <p:nvPr>
+            <p:ph idx="1"/>
+          </p:nvPr>
+        </p:nvSpPr>
+        <p:spPr/>
+        <p:txBody>
+          <a:bodyPr/>
+          <a:lstStyle/>
+          <a:p>
+            <a:endParaRPr kumimoji="1" lang="ja-JP" altLang="en-US"/>
+          </a:p>
+        </p:txBody>
+      </p:sp>
+      <p:sp>
+        <p:nvSpPr>
+          <p:cNvPr id="4" name="日付プレースホルダー 3"/>
+          <p:cNvSpPr>
+            <a:spLocks noGrp="1"/>
+          </p:cNvSpPr>
+          <p:nvPr>
+            <p:ph type="dt" sz="half" idx="10"/>
+          </p:nvPr>
+        </p:nvSpPr>
+        <p:spPr/>
+        <p:txBody>
+          <a:bodyPr/>
+          <a:lstStyle/>
+          <a:p>
+            <a:r>
+              <a:rPr kumimoji="1" lang="en-US" altLang="ja-JP"/>
+              <a:t>2017/4/11</a:t>
+            </a:r>
+            <a:endParaRPr kumimoji="1" lang="ja-JP" altLang="en-US"/>
+          </a:p>
+        </p:txBody>
+      </p:sp>
+      <p:sp>
+        <p:nvSpPr>
+          <p:cNvPr id="5" name="フッター プレースホルダー 4"/>
+          <p:cNvSpPr>
+            <a:spLocks noGrp="1"/>
+          </p:cNvSpPr>
+          <p:nvPr>
+            <p:ph type="ftr" sz="quarter" idx="11"/>
+          </p:nvPr>
+        </p:nvSpPr>
+        <p:spPr/>
+        <p:txBody>
+          <a:bodyPr/>
+          <a:lstStyle/>
+          <a:p>
+            <a:r>
+              <a:rPr kumimoji="1" lang="en-US" altLang="ja-JP"/>
+              <a:t>BEACLS: Berkeley Efficient API in C++ for Level Set methods Installation Guide</a:t>
+            </a:r>
+            <a:endParaRPr kumimoji="1" lang="ja-JP" altLang="en-US"/>
+          </a:p>
+        </p:txBody>
+      </p:sp>
+      <p:sp>
+        <p:nvSpPr>
+          <p:cNvPr id="6" name="スライド番号プレースホルダー 5"/>
+          <p:cNvSpPr>
+            <a:spLocks noGrp="1"/>
+          </p:cNvSpPr>
+          <p:nvPr>
+            <p:ph type="sldNum" sz="quarter" idx="12"/>
+          </p:nvPr>
+        </p:nvSpPr>
+        <p:spPr/>
+        <p:txBody>
+          <a:bodyPr/>
+          <a:lstStyle/>
+          <a:p>
+            <a:fld id="{E1773B30-14F7-487C-92FB-E55AB7D5608F}" type="slidenum">
+              <a:rPr kumimoji="1" lang="ja-JP" altLang="en-US" smtClean="0"/>
+              <a:t>27</a:t>
+            </a:fld>
+            <a:endParaRPr kumimoji="1" lang="ja-JP" altLang="en-US"/>
+          </a:p>
+        </p:txBody>
+      </p:sp>
+    </p:spTree>
+    <p:extLst>
+      <p:ext uri="{BB962C8B-B14F-4D97-AF65-F5344CB8AC3E}">
+        <p14:creationId xmlns:p14="http://schemas.microsoft.com/office/powerpoint/2010/main" val="2965195592"/>
+      </p:ext>
+    </p:extLst>
+  </p:cSld>
+  <p:clrMapOvr>
+    <a:masterClrMapping/>
+  </p:clrMapOvr>
+</p:sld>
+</file>
+
+<file path=ppt/slides/slide28.xml><?xml version="1.0" encoding="utf-8"?>
+<p:sld xmlns:a="http://schemas.openxmlformats.org/drawingml/2006/main" xmlns:r="http://schemas.openxmlformats.org/officeDocument/2006/relationships" xmlns:p="http://schemas.openxmlformats.org/presentationml/2006/main">
+  <p:cSld>
+    <p:spTree>
+      <p:nvGrpSpPr>
+        <p:cNvPr id="1" name=""/>
+        <p:cNvGrpSpPr/>
+        <p:nvPr/>
+      </p:nvGrpSpPr>
+      <p:grpSpPr>
+        <a:xfrm>
+          <a:off x="0" y="0"/>
+          <a:ext cx="0" cy="0"/>
+          <a:chOff x="0" y="0"/>
+          <a:chExt cx="0" cy="0"/>
+        </a:xfrm>
+      </p:grpSpPr>
+      <p:sp>
+        <p:nvSpPr>
+          <p:cNvPr id="4" name="日付プレースホルダー 3"/>
+          <p:cNvSpPr>
+            <a:spLocks noGrp="1"/>
+          </p:cNvSpPr>
+          <p:nvPr>
+            <p:ph type="dt" sz="half" idx="10"/>
+          </p:nvPr>
+        </p:nvSpPr>
+        <p:spPr/>
+        <p:txBody>
+          <a:bodyPr/>
+          <a:lstStyle/>
+          <a:p>
+            <a:r>
+              <a:rPr kumimoji="1" lang="en-US" altLang="ja-JP"/>
+              <a:t>2017/4/11</a:t>
+            </a:r>
+            <a:endParaRPr kumimoji="1" lang="ja-JP" altLang="en-US"/>
+          </a:p>
+        </p:txBody>
+      </p:sp>
+      <p:sp>
+        <p:nvSpPr>
+          <p:cNvPr id="5" name="フッター プレースホルダー 4"/>
+          <p:cNvSpPr>
+            <a:spLocks noGrp="1"/>
+          </p:cNvSpPr>
+          <p:nvPr>
+            <p:ph type="ftr" sz="quarter" idx="11"/>
+          </p:nvPr>
+        </p:nvSpPr>
+        <p:spPr/>
+        <p:txBody>
+          <a:bodyPr/>
+          <a:lstStyle/>
+          <a:p>
+            <a:r>
+              <a:rPr kumimoji="1" lang="en-US" altLang="ja-JP"/>
+              <a:t>BEACLS: Berkeley Efficient API in C++ for Level Set methods Installation Guide</a:t>
+            </a:r>
+            <a:endParaRPr kumimoji="1" lang="ja-JP" altLang="en-US"/>
+          </a:p>
+        </p:txBody>
+      </p:sp>
+      <p:sp>
+        <p:nvSpPr>
+          <p:cNvPr id="6" name="スライド番号プレースホルダー 5"/>
+          <p:cNvSpPr>
+            <a:spLocks noGrp="1"/>
+          </p:cNvSpPr>
+          <p:nvPr>
+            <p:ph type="sldNum" sz="quarter" idx="12"/>
+          </p:nvPr>
+        </p:nvSpPr>
+        <p:spPr/>
+        <p:txBody>
+          <a:bodyPr/>
+          <a:lstStyle/>
+          <a:p>
+            <a:fld id="{E1773B30-14F7-487C-92FB-E55AB7D5608F}" type="slidenum">
+              <a:rPr kumimoji="1" lang="ja-JP" altLang="en-US" smtClean="0"/>
+              <a:t>28</a:t>
             </a:fld>
             <a:endParaRPr kumimoji="1" lang="ja-JP" altLang="en-US"/>
           </a:p>
@@ -14539,6 +15484,18 @@
             </a:r>
           </a:p>
           <a:p>
+            <a:r>
+              <a:rPr lang="en-US" altLang="ja-JP" dirty="0">
+                <a:solidFill>
+                  <a:schemeClr val="bg1">
+                    <a:lumMod val="50000"/>
+                  </a:schemeClr>
+                </a:solidFill>
+              </a:rPr>
+              <a:t>Bash on Ubuntu on Windows without GPU</a:t>
+            </a:r>
+          </a:p>
+          <a:p>
             <a:pPr marL="0" indent="0">
               <a:buNone/>
             </a:pPr>
@@ -14563,7 +15520,7 @@
           <a:p>
             <a:r>
               <a:rPr kumimoji="1" lang="en-US" altLang="ja-JP"/>
-              <a:t>2017/4/4</a:t>
+              <a:t>2017/4/11</a:t>
             </a:r>
             <a:endParaRPr kumimoji="1" lang="ja-JP" altLang="en-US"/>
           </a:p>
@@ -14680,7 +15637,9 @@
         </p:nvSpPr>
         <p:spPr/>
         <p:txBody>
-          <a:bodyPr/>
+          <a:bodyPr>
+            <a:normAutofit fontScale="92500" lnSpcReduction="20000"/>
+          </a:bodyPr>
           <a:lstStyle/>
           <a:p>
             <a:r>
@@ -14774,6 +15733,27 @@
             </a:r>
           </a:p>
           <a:p>
+            <a:pPr lvl="1"/>
+            <a:r>
+              <a:rPr lang="en-US" altLang="ja-JP" dirty="0"/>
+              <a:t>OS</a:t>
+            </a:r>
+          </a:p>
+          <a:p>
+            <a:pPr lvl="2"/>
+            <a:r>
+              <a:rPr lang="en-US" altLang="ja-JP" dirty="0"/>
+              <a:t>Windows 10 Creators Update (version 1703, Redstone 2)</a:t>
+            </a:r>
+          </a:p>
+          <a:p>
+            <a:pPr lvl="3"/>
+            <a:r>
+              <a:rPr lang="en-US" altLang="ja-JP" dirty="0"/>
+              <a:t>Required for Bash on Ubuntu on Windows </a:t>
+            </a:r>
+          </a:p>
+          <a:p>
             <a:endParaRPr lang="en-US" altLang="ja-JP" dirty="0"/>
           </a:p>
           <a:p>
@@ -14799,7 +15779,7 @@
           <a:p>
             <a:r>
               <a:rPr kumimoji="1" lang="en-US" altLang="ja-JP"/>
-              <a:t>2017/4/4</a:t>
+              <a:t>2017/4/11</a:t>
             </a:r>
             <a:endParaRPr kumimoji="1" lang="ja-JP" altLang="en-US"/>
           </a:p>
@@ -14985,9 +15965,16 @@
             </a:r>
           </a:p>
           <a:p>
-            <a:pPr marL="0" indent="0">
-              <a:buNone/>
-            </a:pPr>
+            <a:r>
+              <a:rPr lang="en-US" altLang="ja-JP" dirty="0">
+                <a:solidFill>
+                  <a:schemeClr val="bg1">
+                    <a:lumMod val="50000"/>
+                  </a:schemeClr>
+                </a:solidFill>
+              </a:rPr>
+              <a:t>Bash on Ubuntu on Windows without GPU</a:t>
+            </a:r>
             <a:endParaRPr kumimoji="1" lang="ja-JP" altLang="en-US" dirty="0"/>
           </a:p>
         </p:txBody>
@@ -15009,7 +15996,7 @@
           <a:p>
             <a:r>
               <a:rPr kumimoji="1" lang="en-US" altLang="ja-JP"/>
-              <a:t>2017/4/4</a:t>
+              <a:t>2017/4/11</a:t>
             </a:r>
             <a:endParaRPr kumimoji="1" lang="ja-JP" altLang="en-US"/>
           </a:p>
@@ -15451,7 +16438,7 @@
           <a:p>
             <a:r>
               <a:rPr kumimoji="1" lang="en-US" altLang="ja-JP"/>
-              <a:t>2017/4/4</a:t>
+              <a:t>2017/4/11</a:t>
             </a:r>
             <a:endParaRPr kumimoji="1" lang="ja-JP" altLang="en-US"/>
           </a:p>
@@ -15637,9 +16624,16 @@
             </a:r>
           </a:p>
           <a:p>
-            <a:pPr marL="0" indent="0">
-              <a:buNone/>
-            </a:pPr>
+            <a:r>
+              <a:rPr lang="en-US" altLang="ja-JP" dirty="0">
+                <a:solidFill>
+                  <a:schemeClr val="bg1">
+                    <a:lumMod val="50000"/>
+                  </a:schemeClr>
+                </a:solidFill>
+              </a:rPr>
+              <a:t>Bash on Ubuntu on Windows without GPU</a:t>
+            </a:r>
             <a:endParaRPr kumimoji="1" lang="ja-JP" altLang="en-US" dirty="0"/>
           </a:p>
         </p:txBody>
@@ -15661,7 +16655,7 @@
           <a:p>
             <a:r>
               <a:rPr kumimoji="1" lang="en-US" altLang="ja-JP"/>
-              <a:t>2017/4/4</a:t>
+              <a:t>2017/4/11</a:t>
             </a:r>
             <a:endParaRPr kumimoji="1" lang="ja-JP" altLang="en-US"/>
           </a:p>
@@ -16043,7 +17037,7 @@
           <a:p>
             <a:r>
               <a:rPr kumimoji="1" lang="en-US" altLang="ja-JP"/>
-              <a:t>2017/4/4</a:t>
+              <a:t>2017/4/11</a:t>
             </a:r>
             <a:endParaRPr kumimoji="1" lang="ja-JP" altLang="en-US"/>
           </a:p>
@@ -16229,6 +17223,18 @@
             </a:r>
           </a:p>
           <a:p>
+            <a:r>
+              <a:rPr lang="en-US" altLang="ja-JP" dirty="0">
+                <a:solidFill>
+                  <a:schemeClr val="bg1">
+                    <a:lumMod val="50000"/>
+                  </a:schemeClr>
+                </a:solidFill>
+              </a:rPr>
+              <a:t>Bash on Ubuntu on Windows without GPU</a:t>
+            </a:r>
+          </a:p>
+          <a:p>
             <a:pPr marL="0" indent="0">
               <a:buNone/>
             </a:pPr>
@@ -16253,7 +17259,7 @@
           <a:p>
             <a:r>
               <a:rPr kumimoji="1" lang="en-US" altLang="ja-JP"/>
-              <a:t>2017/4/4</a:t>
+              <a:t>2017/4/11</a:t>
             </a:r>
             <a:endParaRPr kumimoji="1" lang="ja-JP" altLang="en-US"/>
           </a:p>

--- a/docs/slides/master/BEACLS_Installation_Guide.pptx
+++ b/docs/slides/master/BEACLS_Installation_Guide.pptx
@@ -7,7 +7,7 @@
     <p:sldMasterId id="2147483737" r:id="rId3"/>
   </p:sldMasterIdLst>
   <p:notesMasterIdLst>
-    <p:notesMasterId r:id="rId32"/>
+    <p:notesMasterId r:id="rId31"/>
   </p:notesMasterIdLst>
   <p:sldIdLst>
     <p:sldId id="256" r:id="rId4"/>
@@ -36,8 +36,7 @@
     <p:sldId id="417" r:id="rId27"/>
     <p:sldId id="419" r:id="rId28"/>
     <p:sldId id="420" r:id="rId29"/>
-    <p:sldId id="418" r:id="rId30"/>
-    <p:sldId id="397" r:id="rId31"/>
+    <p:sldId id="397" r:id="rId30"/>
   </p:sldIdLst>
   <p:sldSz cx="12192000" cy="6858000"/>
   <p:notesSz cx="6858000" cy="9144000"/>
@@ -14592,7 +14591,7 @@
         <p:spPr/>
         <p:txBody>
           <a:bodyPr>
-            <a:normAutofit/>
+            <a:normAutofit lnSpcReduction="10000"/>
           </a:bodyPr>
           <a:lstStyle/>
           <a:p>
@@ -14612,7 +14611,7 @@
             </a:pPr>
             <a:r>
               <a:rPr lang="en-US" altLang="ja-JP" dirty="0"/>
-              <a:t>Install Bash on Ubuntu on Windows</a:t>
+              <a:t>Install X Window System Server for Windows</a:t>
             </a:r>
           </a:p>
           <a:p>
@@ -14620,9 +14619,28 @@
               <a:buNone/>
             </a:pPr>
             <a:r>
-              <a:rPr lang="en-US" altLang="ja-JP" dirty="0"/>
-              <a:t>https://msdn.microsoft.com/en-us/commandline/wsl/install_guide</a:t>
-            </a:r>
+              <a:rPr lang="en-US" altLang="ja-JP" dirty="0" err="1"/>
+              <a:t>Cf</a:t>
+            </a:r>
+            <a:r>
+              <a:rPr lang="en-US" altLang="ja-JP" dirty="0"/>
+              <a:t>) </a:t>
+            </a:r>
+            <a:r>
+              <a:rPr lang="en-US" altLang="ja-JP" dirty="0" err="1"/>
+              <a:t>Xming</a:t>
+            </a:r>
+            <a:r>
+              <a:rPr lang="en-US" altLang="ja-JP" dirty="0"/>
+              <a:t> : </a:t>
+            </a:r>
+            <a:r>
+              <a:rPr lang="en-US" altLang="ja-JP" dirty="0">
+                <a:hlinkClick r:id="rId2"/>
+              </a:rPr>
+              <a:t>http://www.straightrunning.com/XmingNotes/</a:t>
+            </a:r>
+            <a:endParaRPr lang="en-US" altLang="ja-JP" dirty="0"/>
           </a:p>
           <a:p>
             <a:pPr marL="514350" indent="-514350">
@@ -14631,7 +14649,58 @@
             </a:pPr>
             <a:r>
               <a:rPr lang="en-US" altLang="ja-JP" dirty="0"/>
+              <a:t>Run X Windows System Server</a:t>
+            </a:r>
+          </a:p>
+          <a:p>
+            <a:pPr marL="514350" indent="-514350">
+              <a:buFont typeface="+mj-lt"/>
+              <a:buAutoNum type="arabicPeriod"/>
+            </a:pPr>
+            <a:r>
+              <a:rPr lang="en-US" altLang="ja-JP" dirty="0"/>
+              <a:t>Install Bash on Ubuntu on Windows</a:t>
+            </a:r>
+          </a:p>
+          <a:p>
+            <a:pPr marL="457200" lvl="1" indent="0">
+              <a:buNone/>
+            </a:pPr>
+            <a:r>
+              <a:rPr lang="en-US" altLang="ja-JP" dirty="0">
+                <a:hlinkClick r:id="rId3"/>
+              </a:rPr>
+              <a:t>https://msdn.microsoft.com/en-us/commandline/wsl/install_guide</a:t>
+            </a:r>
+            <a:endParaRPr lang="en-US" altLang="ja-JP" dirty="0"/>
+          </a:p>
+          <a:p>
+            <a:pPr marL="514350" indent="-514350">
+              <a:buFont typeface="+mj-lt"/>
+              <a:buAutoNum type="arabicPeriod"/>
+            </a:pPr>
+            <a:r>
+              <a:rPr lang="en-US" altLang="ja-JP" dirty="0"/>
               <a:t>Run bash</a:t>
+            </a:r>
+          </a:p>
+          <a:p>
+            <a:pPr marL="514350" indent="-514350">
+              <a:buFont typeface="+mj-lt"/>
+              <a:buAutoNum type="arabicPeriod"/>
+            </a:pPr>
+            <a:r>
+              <a:rPr lang="en-US" altLang="ja-JP" dirty="0"/>
+              <a:t>Set DISPLAY environment variable</a:t>
+            </a:r>
+          </a:p>
+          <a:p>
+            <a:pPr marL="457200" lvl="1" indent="0">
+              <a:buNone/>
+            </a:pPr>
+            <a:r>
+              <a:rPr lang="en-US" altLang="ja-JP" dirty="0"/>
+              <a:t>$ export DISPLAY=0:0</a:t>
             </a:r>
           </a:p>
         </p:txBody>
@@ -14786,7 +14855,7 @@
           <a:p>
             <a:pPr marL="514350" indent="-514350">
               <a:buFont typeface="+mj-lt"/>
-              <a:buAutoNum type="arabicPeriod" startAt="4"/>
+              <a:buAutoNum type="arabicPeriod" startAt="7"/>
             </a:pPr>
             <a:r>
               <a:rPr lang="en-US" altLang="ja-JP" dirty="0"/>
@@ -14863,7 +14932,7 @@
           <a:p>
             <a:pPr marL="514350" indent="-514350">
               <a:buFont typeface="+mj-lt"/>
-              <a:buAutoNum type="arabicPeriod" startAt="4"/>
+              <a:buAutoNum type="arabicPeriod" startAt="7"/>
             </a:pPr>
             <a:r>
               <a:rPr lang="en-US" altLang="ja-JP" dirty="0"/>
@@ -14928,7 +14997,7 @@
           <a:p>
             <a:pPr marL="514350" indent="-514350">
               <a:buFont typeface="+mj-lt"/>
-              <a:buAutoNum type="arabicPeriod" startAt="4"/>
+              <a:buAutoNum type="arabicPeriod" startAt="7"/>
             </a:pPr>
             <a:r>
               <a:rPr lang="en-US" altLang="ja-JP" dirty="0"/>
@@ -14964,7 +15033,7 @@
           <a:p>
             <a:pPr marL="514350" indent="-514350">
               <a:buFont typeface="+mj-lt"/>
-              <a:buAutoNum type="arabicPeriod" startAt="4"/>
+              <a:buAutoNum type="arabicPeriod" startAt="7"/>
             </a:pPr>
             <a:r>
               <a:rPr lang="en-US" altLang="ja-JP" dirty="0"/>
@@ -15097,44 +15166,6 @@
       </p:grpSpPr>
       <p:sp>
         <p:nvSpPr>
-          <p:cNvPr id="2" name="タイトル 1"/>
-          <p:cNvSpPr>
-            <a:spLocks noGrp="1"/>
-          </p:cNvSpPr>
-          <p:nvPr>
-            <p:ph type="title"/>
-          </p:nvPr>
-        </p:nvSpPr>
-        <p:spPr/>
-        <p:txBody>
-          <a:bodyPr/>
-          <a:lstStyle/>
-          <a:p>
-            <a:endParaRPr kumimoji="1" lang="ja-JP" altLang="en-US"/>
-          </a:p>
-        </p:txBody>
-      </p:sp>
-      <p:sp>
-        <p:nvSpPr>
-          <p:cNvPr id="3" name="コンテンツ プレースホルダー 2"/>
-          <p:cNvSpPr>
-            <a:spLocks noGrp="1"/>
-          </p:cNvSpPr>
-          <p:nvPr>
-            <p:ph idx="1"/>
-          </p:nvPr>
-        </p:nvSpPr>
-        <p:spPr/>
-        <p:txBody>
-          <a:bodyPr/>
-          <a:lstStyle/>
-          <a:p>
-            <a:endParaRPr kumimoji="1" lang="ja-JP" altLang="en-US"/>
-          </a:p>
-        </p:txBody>
-      </p:sp>
-      <p:sp>
-        <p:nvSpPr>
           <p:cNvPr id="4" name="日付プレースホルダー 3"/>
           <p:cNvSpPr>
             <a:spLocks noGrp="1"/>
@@ -15197,105 +15228,6 @@
             <a:fld id="{E1773B30-14F7-487C-92FB-E55AB7D5608F}" type="slidenum">
               <a:rPr kumimoji="1" lang="ja-JP" altLang="en-US" smtClean="0"/>
               <a:t>27</a:t>
-            </a:fld>
-            <a:endParaRPr kumimoji="1" lang="ja-JP" altLang="en-US"/>
-          </a:p>
-        </p:txBody>
-      </p:sp>
-    </p:spTree>
-    <p:extLst>
-      <p:ext uri="{BB962C8B-B14F-4D97-AF65-F5344CB8AC3E}">
-        <p14:creationId xmlns:p14="http://schemas.microsoft.com/office/powerpoint/2010/main" val="2965195592"/>
-      </p:ext>
-    </p:extLst>
-  </p:cSld>
-  <p:clrMapOvr>
-    <a:masterClrMapping/>
-  </p:clrMapOvr>
-</p:sld>
-</file>
-
-<file path=ppt/slides/slide28.xml><?xml version="1.0" encoding="utf-8"?>
-<p:sld xmlns:a="http://schemas.openxmlformats.org/drawingml/2006/main" xmlns:r="http://schemas.openxmlformats.org/officeDocument/2006/relationships" xmlns:p="http://schemas.openxmlformats.org/presentationml/2006/main">
-  <p:cSld>
-    <p:spTree>
-      <p:nvGrpSpPr>
-        <p:cNvPr id="1" name=""/>
-        <p:cNvGrpSpPr/>
-        <p:nvPr/>
-      </p:nvGrpSpPr>
-      <p:grpSpPr>
-        <a:xfrm>
-          <a:off x="0" y="0"/>
-          <a:ext cx="0" cy="0"/>
-          <a:chOff x="0" y="0"/>
-          <a:chExt cx="0" cy="0"/>
-        </a:xfrm>
-      </p:grpSpPr>
-      <p:sp>
-        <p:nvSpPr>
-          <p:cNvPr id="4" name="日付プレースホルダー 3"/>
-          <p:cNvSpPr>
-            <a:spLocks noGrp="1"/>
-          </p:cNvSpPr>
-          <p:nvPr>
-            <p:ph type="dt" sz="half" idx="10"/>
-          </p:nvPr>
-        </p:nvSpPr>
-        <p:spPr/>
-        <p:txBody>
-          <a:bodyPr/>
-          <a:lstStyle/>
-          <a:p>
-            <a:r>
-              <a:rPr kumimoji="1" lang="en-US" altLang="ja-JP"/>
-              <a:t>2017/4/11</a:t>
-            </a:r>
-            <a:endParaRPr kumimoji="1" lang="ja-JP" altLang="en-US"/>
-          </a:p>
-        </p:txBody>
-      </p:sp>
-      <p:sp>
-        <p:nvSpPr>
-          <p:cNvPr id="5" name="フッター プレースホルダー 4"/>
-          <p:cNvSpPr>
-            <a:spLocks noGrp="1"/>
-          </p:cNvSpPr>
-          <p:nvPr>
-            <p:ph type="ftr" sz="quarter" idx="11"/>
-          </p:nvPr>
-        </p:nvSpPr>
-        <p:spPr/>
-        <p:txBody>
-          <a:bodyPr/>
-          <a:lstStyle/>
-          <a:p>
-            <a:r>
-              <a:rPr kumimoji="1" lang="en-US" altLang="ja-JP"/>
-              <a:t>BEACLS: Berkeley Efficient API in C++ for Level Set methods Installation Guide</a:t>
-            </a:r>
-            <a:endParaRPr kumimoji="1" lang="ja-JP" altLang="en-US"/>
-          </a:p>
-        </p:txBody>
-      </p:sp>
-      <p:sp>
-        <p:nvSpPr>
-          <p:cNvPr id="6" name="スライド番号プレースホルダー 5"/>
-          <p:cNvSpPr>
-            <a:spLocks noGrp="1"/>
-          </p:cNvSpPr>
-          <p:nvPr>
-            <p:ph type="sldNum" sz="quarter" idx="12"/>
-          </p:nvPr>
-        </p:nvSpPr>
-        <p:spPr/>
-        <p:txBody>
-          <a:bodyPr/>
-          <a:lstStyle/>
-          <a:p>
-            <a:fld id="{E1773B30-14F7-487C-92FB-E55AB7D5608F}" type="slidenum">
-              <a:rPr kumimoji="1" lang="ja-JP" altLang="en-US" smtClean="0"/>
-              <a:t>28</a:t>
             </a:fld>
             <a:endParaRPr kumimoji="1" lang="ja-JP" altLang="en-US"/>
           </a:p>

--- a/docs/slides/master/BEACLS_Installation_Guide.pptx
+++ b/docs/slides/master/BEACLS_Installation_Guide.pptx
@@ -225,7 +225,7 @@
           <a:p>
             <a:fld id="{7F36865F-2968-4FBD-B838-641F48D6CCC5}" type="datetimeFigureOut">
               <a:rPr kumimoji="1" lang="ja-JP" altLang="en-US" smtClean="0"/>
-              <a:t>2017/4/11</a:t>
+              <a:t>2018/5/14</a:t>
             </a:fld>
             <a:endParaRPr kumimoji="1" lang="ja-JP" altLang="en-US"/>
           </a:p>
@@ -14927,6 +14927,14 @@
             <a:r>
               <a:rPr lang="en-US" altLang="ja-JP" dirty="0"/>
               <a:t>-dev</a:t>
+            </a:r>
+            <a:r>
+              <a:rPr lang="ja-JP" altLang="en-US" dirty="0"/>
+              <a:t> </a:t>
+            </a:r>
+            <a:r>
+              <a:rPr lang="en-US" altLang="ja-JP" dirty="0"/>
+              <a:t>make</a:t>
             </a:r>
           </a:p>
           <a:p>

--- a/docs/slides/master/BEACLS_Installation_Guide.pptx
+++ b/docs/slides/master/BEACLS_Installation_Guide.pptx
@@ -225,7 +225,7 @@
           <a:p>
             <a:fld id="{7F36865F-2968-4FBD-B838-641F48D6CCC5}" type="datetimeFigureOut">
               <a:rPr kumimoji="1" lang="ja-JP" altLang="en-US" smtClean="0"/>
-              <a:t>2017/4/11</a:t>
+              <a:t>2019/12/18</a:t>
             </a:fld>
             <a:endParaRPr kumimoji="1" lang="ja-JP" altLang="en-US"/>
           </a:p>
@@ -16722,23 +16722,7 @@
             </a:pPr>
             <a:r>
               <a:rPr lang="en-US" altLang="ja-JP" dirty="0"/>
-              <a:t>Install </a:t>
-            </a:r>
-            <a:r>
-              <a:rPr lang="en-US" altLang="ja-JP" dirty="0" err="1"/>
-              <a:t>zlib</a:t>
-            </a:r>
-            <a:r>
-              <a:rPr lang="en-US" altLang="ja-JP" dirty="0"/>
-              <a:t>, boost, </a:t>
-            </a:r>
-            <a:r>
-              <a:rPr lang="en-US" altLang="ja-JP" dirty="0" err="1"/>
-              <a:t>OpenCV</a:t>
-            </a:r>
-            <a:r>
-              <a:rPr lang="en-US" altLang="ja-JP" dirty="0"/>
-              <a:t> and hdf5</a:t>
+              <a:t>Install boost, OpenCV and hdf5</a:t>
             </a:r>
           </a:p>
           <a:p>
@@ -16755,7 +16739,7 @@
             </a:r>
             <a:r>
               <a:rPr lang="en-US" altLang="ja-JP" dirty="0"/>
-              <a:t> apt-get update</a:t>
+              <a:t> apt update</a:t>
             </a:r>
           </a:p>
           <a:p>
@@ -16772,7 +16756,7 @@
             </a:r>
             <a:r>
               <a:rPr lang="en-US" altLang="ja-JP" dirty="0"/>
-              <a:t> apt-get upgrade</a:t>
+              <a:t> apt upgrade</a:t>
             </a:r>
           </a:p>
           <a:p>
@@ -16789,15 +16773,7 @@
             </a:r>
             <a:r>
               <a:rPr lang="en-US" altLang="ja-JP" dirty="0"/>
-              <a:t> apt-get install </a:t>
-            </a:r>
-            <a:r>
-              <a:rPr lang="en-US" altLang="ja-JP" dirty="0" err="1"/>
-              <a:t>zlib</a:t>
-            </a:r>
-            <a:r>
-              <a:rPr lang="en-US" altLang="ja-JP" dirty="0"/>
-              <a:t> libhdf5-dev </a:t>
+              <a:t> apt install libhdf5-dev </a:t>
             </a:r>
             <a:r>
               <a:rPr lang="en-US" altLang="ja-JP" dirty="0" err="1"/>
@@ -17018,6 +16994,62 @@
               <a:t>8</a:t>
             </a:fld>
             <a:endParaRPr kumimoji="1" lang="ja-JP" altLang="en-US"/>
+          </a:p>
+        </p:txBody>
+      </p:sp>
+      <p:sp>
+        <p:nvSpPr>
+          <p:cNvPr id="7" name="TextBox 6">
+            <a:extLst>
+              <a:ext uri="{FF2B5EF4-FFF2-40B4-BE49-F238E27FC236}">
+                <a16:creationId xmlns:a16="http://schemas.microsoft.com/office/drawing/2014/main" id="{681F9BC9-CD96-4105-8AD3-E6043BC99217}"/>
+              </a:ext>
+            </a:extLst>
+          </p:cNvPr>
+          <p:cNvSpPr txBox="1"/>
+          <p:nvPr/>
+        </p:nvSpPr>
+        <p:spPr>
+          <a:xfrm>
+            <a:off x="6096000" y="1225431"/>
+            <a:ext cx="5616794" cy="923330"/>
+          </a:xfrm>
+          <a:prstGeom prst="rect">
+            <a:avLst/>
+          </a:prstGeom>
+          <a:noFill/>
+        </p:spPr>
+        <p:txBody>
+          <a:bodyPr wrap="none" rtlCol="0">
+            <a:spAutoFit/>
+          </a:bodyPr>
+          <a:lstStyle/>
+          <a:p>
+            <a:r>
+              <a:rPr lang="en-CA" dirty="0">
+                <a:solidFill>
+                  <a:srgbClr val="FF0000"/>
+                </a:solidFill>
+              </a:rPr>
+              <a:t>These instructions only work for Ubuntu 16.04, not 18.04!</a:t>
+            </a:r>
+          </a:p>
+          <a:p>
+            <a:endParaRPr lang="en-CA" dirty="0">
+              <a:solidFill>
+                <a:srgbClr val="FF0000"/>
+              </a:solidFill>
+            </a:endParaRPr>
+          </a:p>
+          <a:p>
+            <a:r>
+              <a:rPr lang="en-CA" dirty="0">
+                <a:solidFill>
+                  <a:srgbClr val="FF0000"/>
+                </a:solidFill>
+              </a:rPr>
+              <a:t>For Ubuntu 14.04, use branch 14.04.</a:t>
+            </a:r>
           </a:p>
         </p:txBody>
       </p:sp>
